--- a/final_project/DevelopmentLog/ML_finalproject.pptx
+++ b/final_project/DevelopmentLog/ML_finalproject.pptx
@@ -5,7 +5,7 @@
     <p:sldMasterId id="2147483660" r:id="rId1"/>
   </p:sldMasterIdLst>
   <p:notesMasterIdLst>
-    <p:notesMasterId r:id="rId14"/>
+    <p:notesMasterId r:id="rId18"/>
   </p:notesMasterIdLst>
   <p:sldIdLst>
     <p:sldId id="1398" r:id="rId2"/>
@@ -13,13 +13,17 @@
     <p:sldId id="1804" r:id="rId4"/>
     <p:sldId id="1404" r:id="rId5"/>
     <p:sldId id="1405" r:id="rId6"/>
-    <p:sldId id="1406" r:id="rId7"/>
-    <p:sldId id="1407" r:id="rId8"/>
-    <p:sldId id="1408" r:id="rId9"/>
-    <p:sldId id="1803" r:id="rId10"/>
-    <p:sldId id="1743" r:id="rId11"/>
-    <p:sldId id="1790" r:id="rId12"/>
-    <p:sldId id="1396" r:id="rId13"/>
+    <p:sldId id="1809" r:id="rId7"/>
+    <p:sldId id="1406" r:id="rId8"/>
+    <p:sldId id="1807" r:id="rId9"/>
+    <p:sldId id="1407" r:id="rId10"/>
+    <p:sldId id="1810" r:id="rId11"/>
+    <p:sldId id="1808" r:id="rId12"/>
+    <p:sldId id="1408" r:id="rId13"/>
+    <p:sldId id="1803" r:id="rId14"/>
+    <p:sldId id="1743" r:id="rId15"/>
+    <p:sldId id="1790" r:id="rId16"/>
+    <p:sldId id="1396" r:id="rId17"/>
   </p:sldIdLst>
   <p:sldSz cx="12192000" cy="6858000"/>
   <p:notesSz cx="6858000" cy="9144000"/>
@@ -132,8 +136,12 @@
             <p14:sldId id="1804"/>
             <p14:sldId id="1404"/>
             <p14:sldId id="1405"/>
+            <p14:sldId id="1809"/>
             <p14:sldId id="1406"/>
+            <p14:sldId id="1807"/>
             <p14:sldId id="1407"/>
+            <p14:sldId id="1810"/>
+            <p14:sldId id="1808"/>
           </p14:sldIdLst>
         </p14:section>
         <p14:section name="系統分析" id="{EFA9FE12-F7FD-4033-828B-33A2C8B5ED9B}">
@@ -240,7 +248,7 @@
           <a:p>
             <a:fld id="{5B76B9C2-8CBA-466A-AF0E-975D77387BB5}" type="datetimeFigureOut">
               <a:rPr lang="zh-TW" altLang="en-US" smtClean="0"/>
-              <a:t>2024/4/24</a:t>
+              <a:t>2024/5/1</a:t>
             </a:fld>
             <a:endParaRPr lang="zh-TW" altLang="en-US"/>
           </a:p>
@@ -727,7 +735,7 @@
           <a:p>
             <a:fld id="{76DB1E62-041B-47B5-8407-B11F18F7E90B}" type="datetimeFigureOut">
               <a:rPr lang="zh-TW" altLang="en-US" smtClean="0"/>
-              <a:t>2024/4/24</a:t>
+              <a:t>2024/5/1</a:t>
             </a:fld>
             <a:endParaRPr lang="zh-TW" altLang="en-US"/>
           </a:p>
@@ -907,7 +915,7 @@
           <a:p>
             <a:fld id="{76DB1E62-041B-47B5-8407-B11F18F7E90B}" type="datetimeFigureOut">
               <a:rPr lang="zh-TW" altLang="en-US" smtClean="0"/>
-              <a:t>2024/4/24</a:t>
+              <a:t>2024/5/1</a:t>
             </a:fld>
             <a:endParaRPr lang="zh-TW" altLang="en-US"/>
           </a:p>
@@ -1097,7 +1105,7 @@
           <a:p>
             <a:fld id="{76DB1E62-041B-47B5-8407-B11F18F7E90B}" type="datetimeFigureOut">
               <a:rPr lang="zh-TW" altLang="en-US" smtClean="0"/>
-              <a:t>2024/4/24</a:t>
+              <a:t>2024/5/1</a:t>
             </a:fld>
             <a:endParaRPr lang="zh-TW" altLang="en-US"/>
           </a:p>
@@ -1306,7 +1314,7 @@
           <a:p>
             <a:fld id="{76DB1E62-041B-47B5-8407-B11F18F7E90B}" type="datetimeFigureOut">
               <a:rPr lang="zh-TW" altLang="en-US" smtClean="0"/>
-              <a:t>2024/4/24</a:t>
+              <a:t>2024/5/1</a:t>
             </a:fld>
             <a:endParaRPr lang="zh-TW" altLang="en-US"/>
           </a:p>
@@ -1563,7 +1571,7 @@
           <a:p>
             <a:fld id="{76DB1E62-041B-47B5-8407-B11F18F7E90B}" type="datetimeFigureOut">
               <a:rPr lang="zh-TW" altLang="en-US" smtClean="0"/>
-              <a:t>2024/4/24</a:t>
+              <a:t>2024/5/1</a:t>
             </a:fld>
             <a:endParaRPr lang="zh-TW" altLang="en-US"/>
           </a:p>
@@ -1804,7 +1812,7 @@
           <a:p>
             <a:fld id="{76DB1E62-041B-47B5-8407-B11F18F7E90B}" type="datetimeFigureOut">
               <a:rPr lang="zh-TW" altLang="en-US" smtClean="0"/>
-              <a:t>2024/4/24</a:t>
+              <a:t>2024/5/1</a:t>
             </a:fld>
             <a:endParaRPr lang="zh-TW" altLang="en-US"/>
           </a:p>
@@ -2180,7 +2188,7 @@
           <a:p>
             <a:fld id="{76DB1E62-041B-47B5-8407-B11F18F7E90B}" type="datetimeFigureOut">
               <a:rPr lang="zh-TW" altLang="en-US" smtClean="0"/>
-              <a:t>2024/4/24</a:t>
+              <a:t>2024/5/1</a:t>
             </a:fld>
             <a:endParaRPr lang="zh-TW" altLang="en-US"/>
           </a:p>
@@ -2309,7 +2317,7 @@
           <a:p>
             <a:fld id="{76DB1E62-041B-47B5-8407-B11F18F7E90B}" type="datetimeFigureOut">
               <a:rPr lang="zh-TW" altLang="en-US" smtClean="0"/>
-              <a:t>2024/4/24</a:t>
+              <a:t>2024/5/1</a:t>
             </a:fld>
             <a:endParaRPr lang="zh-TW" altLang="en-US"/>
           </a:p>
@@ -2416,7 +2424,7 @@
           <a:p>
             <a:fld id="{76DB1E62-041B-47B5-8407-B11F18F7E90B}" type="datetimeFigureOut">
               <a:rPr lang="zh-TW" altLang="en-US" smtClean="0"/>
-              <a:t>2024/4/24</a:t>
+              <a:t>2024/5/1</a:t>
             </a:fld>
             <a:endParaRPr lang="zh-TW" altLang="en-US"/>
           </a:p>
@@ -2703,7 +2711,7 @@
           <a:p>
             <a:fld id="{76DB1E62-041B-47B5-8407-B11F18F7E90B}" type="datetimeFigureOut">
               <a:rPr lang="zh-TW" altLang="en-US" smtClean="0"/>
-              <a:t>2024/4/24</a:t>
+              <a:t>2024/5/1</a:t>
             </a:fld>
             <a:endParaRPr lang="zh-TW" altLang="en-US"/>
           </a:p>
@@ -2970,7 +2978,7 @@
           <a:p>
             <a:fld id="{76DB1E62-041B-47B5-8407-B11F18F7E90B}" type="datetimeFigureOut">
               <a:rPr lang="zh-TW" altLang="en-US" smtClean="0"/>
-              <a:t>2024/4/24</a:t>
+              <a:t>2024/5/1</a:t>
             </a:fld>
             <a:endParaRPr lang="zh-TW" altLang="en-US"/>
           </a:p>
@@ -3195,7 +3203,7 @@
           <a:p>
             <a:fld id="{76DB1E62-041B-47B5-8407-B11F18F7E90B}" type="datetimeFigureOut">
               <a:rPr lang="zh-TW" altLang="en-US" smtClean="0"/>
-              <a:t>2024/4/24</a:t>
+              <a:t>2024/5/1</a:t>
             </a:fld>
             <a:endParaRPr lang="zh-TW" altLang="en-US"/>
           </a:p>
@@ -3810,55 +3818,6 @@
               </a:rPr>
               <a:t> 侯勝發、溫世新、顧和庭</a:t>
             </a:r>
-            <a:endParaRPr lang="en-US" altLang="zh-TW" dirty="0">
-              <a:solidFill>
-                <a:schemeClr val="tx1"/>
-              </a:solidFill>
-            </a:endParaRPr>
-          </a:p>
-          <a:p>
-            <a:pPr>
-              <a:lnSpc>
-                <a:spcPct val="150000"/>
-              </a:lnSpc>
-            </a:pPr>
-            <a:r>
-              <a:rPr lang="zh-TW" altLang="en-US" dirty="0">
-                <a:solidFill>
-                  <a:schemeClr val="tx1"/>
-                </a:solidFill>
-              </a:rPr>
-              <a:t>日期 </a:t>
-            </a:r>
-            <a:r>
-              <a:rPr lang="en-US" altLang="zh-TW" dirty="0">
-                <a:solidFill>
-                  <a:schemeClr val="tx1"/>
-                </a:solidFill>
-              </a:rPr>
-              <a:t>:</a:t>
-            </a:r>
-            <a:r>
-              <a:rPr lang="zh-TW" altLang="en-US" dirty="0">
-                <a:solidFill>
-                  <a:schemeClr val="tx1"/>
-                </a:solidFill>
-              </a:rPr>
-              <a:t> </a:t>
-            </a:r>
-            <a:r>
-              <a:rPr lang="en-US" altLang="zh-TW" dirty="0">
-                <a:solidFill>
-                  <a:schemeClr val="tx1"/>
-                </a:solidFill>
-              </a:rPr>
-              <a:t>2024/04/24</a:t>
-            </a:r>
-            <a:endParaRPr lang="zh-TW" altLang="en-US" dirty="0">
-              <a:solidFill>
-                <a:schemeClr val="tx1"/>
-              </a:solidFill>
-            </a:endParaRPr>
           </a:p>
           <a:p>
             <a:endParaRPr lang="zh-TW" altLang="en-US" dirty="0"/>
@@ -3930,7 +3889,7 @@
           <a:p>
             <a:r>
               <a:rPr lang="zh-TW" altLang="en-US" dirty="0"/>
-              <a:t>專案架構</a:t>
+              <a:t>專案需求</a:t>
             </a:r>
           </a:p>
         </p:txBody>
@@ -3969,7 +3928,7 @@
           <p:cNvPr id="7" name="文字方塊 6">
             <a:extLst>
               <a:ext uri="{FF2B5EF4-FFF2-40B4-BE49-F238E27FC236}">
-                <a16:creationId xmlns:a16="http://schemas.microsoft.com/office/drawing/2014/main" id="{01014892-158F-4136-A2F0-CAB4B00494D2}"/>
+                <a16:creationId xmlns:a16="http://schemas.microsoft.com/office/drawing/2014/main" id="{153D5F30-27A2-4661-933F-68D1FC97F88D}"/>
               </a:ext>
             </a:extLst>
           </p:cNvPr>
@@ -3979,7 +3938,7 @@
         <p:spPr>
           <a:xfrm>
             <a:off x="838200" y="1085125"/>
-            <a:ext cx="10515600" cy="579967"/>
+            <a:ext cx="10515600" cy="1977208"/>
           </a:xfrm>
           <a:prstGeom prst="rect">
             <a:avLst/>
@@ -4000,15 +3959,341 @@
               <a:buChar char="•"/>
             </a:pPr>
             <a:r>
-              <a:rPr lang="en-US" altLang="zh-TW" sz="2400" b="1" dirty="0">
+              <a:rPr lang="zh-TW" altLang="en-US" sz="2400" b="1" i="0" dirty="0">
+                <a:solidFill>
+                  <a:srgbClr val="202122"/>
+                </a:solidFill>
+                <a:effectLst/>
+                <a:latin typeface="標楷體" panose="03000509000000000000" pitchFamily="65" charset="-120"/>
+                <a:ea typeface="標楷體" panose="03000509000000000000" pitchFamily="65" charset="-120"/>
+              </a:rPr>
+              <a:t>驗收</a:t>
+            </a:r>
+            <a:r>
+              <a:rPr lang="en-US" altLang="zh-TW" sz="2400" b="1" i="0" dirty="0">
+                <a:solidFill>
+                  <a:srgbClr val="202122"/>
+                </a:solidFill>
+                <a:effectLst/>
+                <a:latin typeface="標楷體" panose="03000509000000000000" pitchFamily="65" charset="-120"/>
+                <a:ea typeface="標楷體" panose="03000509000000000000" pitchFamily="65" charset="-120"/>
+              </a:rPr>
+              <a:t>:</a:t>
+            </a:r>
+            <a:r>
+              <a:rPr lang="zh-TW" altLang="en-US" sz="2400" b="1" i="0" dirty="0">
+                <a:solidFill>
+                  <a:srgbClr val="202122"/>
+                </a:solidFill>
+                <a:effectLst/>
+                <a:latin typeface="標楷體" panose="03000509000000000000" pitchFamily="65" charset="-120"/>
+                <a:ea typeface="標楷體" panose="03000509000000000000" pitchFamily="65" charset="-120"/>
+              </a:rPr>
+              <a:t> </a:t>
+            </a:r>
+            <a:r>
+              <a:rPr lang="en-US" altLang="zh-TW" sz="2000" i="0" dirty="0">
+                <a:solidFill>
+                  <a:srgbClr val="202122"/>
+                </a:solidFill>
+                <a:effectLst/>
                 <a:latin typeface="Times New Roman" panose="02020603050405020304" pitchFamily="18" charset="0"/>
+                <a:ea typeface="標楷體" panose="03000509000000000000" pitchFamily="65" charset="-120"/>
                 <a:cs typeface="Times New Roman" panose="02020603050405020304" pitchFamily="18" charset="0"/>
               </a:rPr>
-              <a:t>Workflow</a:t>
-            </a:r>
-            <a:endParaRPr lang="en-US" altLang="zh-TW" b="1" dirty="0">
-              <a:latin typeface="Times New Roman" panose="02020603050405020304" pitchFamily="18" charset="0"/>
-              <a:cs typeface="Times New Roman" panose="02020603050405020304" pitchFamily="18" charset="0"/>
+              <a:t>(2)AI</a:t>
+            </a:r>
+            <a:r>
+              <a:rPr lang="zh-TW" altLang="en-US" sz="2000" i="0" dirty="0">
+                <a:solidFill>
+                  <a:srgbClr val="202122"/>
+                </a:solidFill>
+                <a:effectLst/>
+                <a:latin typeface="標楷體" panose="03000509000000000000" pitchFamily="65" charset="-120"/>
+                <a:ea typeface="標楷體" panose="03000509000000000000" pitchFamily="65" charset="-120"/>
+              </a:rPr>
+              <a:t>可以接到球</a:t>
+            </a:r>
+            <a:r>
+              <a:rPr lang="en-US" altLang="zh-TW" sz="2000" i="0" dirty="0">
+                <a:solidFill>
+                  <a:srgbClr val="202122"/>
+                </a:solidFill>
+                <a:effectLst/>
+                <a:latin typeface="Times New Roman" panose="02020603050405020304" pitchFamily="18" charset="0"/>
+                <a:ea typeface="標楷體" panose="03000509000000000000" pitchFamily="65" charset="-120"/>
+                <a:cs typeface="Times New Roman" panose="02020603050405020304" pitchFamily="18" charset="0"/>
+              </a:rPr>
+              <a:t>20</a:t>
+            </a:r>
+            <a:r>
+              <a:rPr lang="zh-TW" altLang="en-US" sz="2000" i="0" dirty="0">
+                <a:solidFill>
+                  <a:srgbClr val="202122"/>
+                </a:solidFill>
+                <a:effectLst/>
+                <a:latin typeface="標楷體" panose="03000509000000000000" pitchFamily="65" charset="-120"/>
+                <a:ea typeface="標楷體" panose="03000509000000000000" pitchFamily="65" charset="-120"/>
+              </a:rPr>
+              <a:t>次以上</a:t>
+            </a:r>
+            <a:endParaRPr lang="en-US" altLang="zh-TW" sz="2000" i="0" dirty="0">
+              <a:solidFill>
+                <a:srgbClr val="202122"/>
+              </a:solidFill>
+              <a:effectLst/>
+              <a:latin typeface="標楷體" panose="03000509000000000000" pitchFamily="65" charset="-120"/>
+              <a:ea typeface="標楷體" panose="03000509000000000000" pitchFamily="65" charset="-120"/>
+            </a:endParaRPr>
+          </a:p>
+          <a:p>
+            <a:pPr>
+              <a:lnSpc>
+                <a:spcPct val="150000"/>
+              </a:lnSpc>
+            </a:pPr>
+            <a:r>
+              <a:rPr lang="zh-TW" altLang="en-US" sz="2000" dirty="0">
+                <a:solidFill>
+                  <a:srgbClr val="202122"/>
+                </a:solidFill>
+                <a:latin typeface="標楷體" panose="03000509000000000000" pitchFamily="65" charset="-120"/>
+                <a:ea typeface="標楷體" panose="03000509000000000000" pitchFamily="65" charset="-120"/>
+              </a:rPr>
+              <a:t>實驗</a:t>
+            </a:r>
+            <a:r>
+              <a:rPr lang="zh-TW" altLang="en-US" dirty="0">
+                <a:solidFill>
+                  <a:srgbClr val="202122"/>
+                </a:solidFill>
+                <a:latin typeface="標楷體" panose="03000509000000000000" pitchFamily="65" charset="-120"/>
+                <a:ea typeface="標楷體" panose="03000509000000000000" pitchFamily="65" charset="-120"/>
+              </a:rPr>
+              <a:t>情境 </a:t>
+            </a:r>
+            <a:r>
+              <a:rPr lang="en-US" altLang="zh-TW" dirty="0">
+                <a:solidFill>
+                  <a:srgbClr val="202122"/>
+                </a:solidFill>
+                <a:latin typeface="標楷體" panose="03000509000000000000" pitchFamily="65" charset="-120"/>
+                <a:ea typeface="標楷體" panose="03000509000000000000" pitchFamily="65" charset="-120"/>
+              </a:rPr>
+              <a:t>: </a:t>
+            </a:r>
+            <a:r>
+              <a:rPr lang="en-US" altLang="zh-TW" dirty="0">
+                <a:solidFill>
+                  <a:srgbClr val="202122"/>
+                </a:solidFill>
+                <a:latin typeface="Times New Roman" panose="02020603050405020304" pitchFamily="18" charset="0"/>
+                <a:ea typeface="標楷體" panose="03000509000000000000" pitchFamily="65" charset="-120"/>
+                <a:cs typeface="Times New Roman" panose="02020603050405020304" pitchFamily="18" charset="0"/>
+              </a:rPr>
+              <a:t>(a)</a:t>
+            </a:r>
+            <a:r>
+              <a:rPr lang="zh-TW" altLang="en-US" dirty="0">
+                <a:solidFill>
+                  <a:srgbClr val="202122"/>
+                </a:solidFill>
+                <a:latin typeface="Times New Roman" panose="02020603050405020304" pitchFamily="18" charset="0"/>
+                <a:ea typeface="標楷體" panose="03000509000000000000" pitchFamily="65" charset="-120"/>
+                <a:cs typeface="Times New Roman" panose="02020603050405020304" pitchFamily="18" charset="0"/>
+              </a:rPr>
+              <a:t>使用訓練用</a:t>
+            </a:r>
+            <a:r>
+              <a:rPr lang="en-US" altLang="zh-TW" dirty="0">
+                <a:solidFill>
+                  <a:srgbClr val="202122"/>
+                </a:solidFill>
+                <a:latin typeface="Times New Roman" panose="02020603050405020304" pitchFamily="18" charset="0"/>
+                <a:ea typeface="標楷體" panose="03000509000000000000" pitchFamily="65" charset="-120"/>
+                <a:cs typeface="Times New Roman" panose="02020603050405020304" pitchFamily="18" charset="0"/>
+              </a:rPr>
+              <a:t>(</a:t>
+            </a:r>
+            <a:r>
+              <a:rPr lang="zh-TW" altLang="en-US" dirty="0">
+                <a:solidFill>
+                  <a:srgbClr val="202122"/>
+                </a:solidFill>
+                <a:latin typeface="Times New Roman" panose="02020603050405020304" pitchFamily="18" charset="0"/>
+                <a:ea typeface="標楷體" panose="03000509000000000000" pitchFamily="65" charset="-120"/>
+                <a:cs typeface="Times New Roman" panose="02020603050405020304" pitchFamily="18" charset="0"/>
+              </a:rPr>
+              <a:t>內建</a:t>
+            </a:r>
+            <a:r>
+              <a:rPr lang="en-US" altLang="zh-TW" dirty="0">
+                <a:solidFill>
+                  <a:srgbClr val="202122"/>
+                </a:solidFill>
+                <a:latin typeface="Times New Roman" panose="02020603050405020304" pitchFamily="18" charset="0"/>
+                <a:ea typeface="標楷體" panose="03000509000000000000" pitchFamily="65" charset="-120"/>
+                <a:cs typeface="Times New Roman" panose="02020603050405020304" pitchFamily="18" charset="0"/>
+              </a:rPr>
+              <a:t>)</a:t>
+            </a:r>
+            <a:r>
+              <a:rPr lang="zh-TW" altLang="en-US" dirty="0">
+                <a:solidFill>
+                  <a:srgbClr val="202122"/>
+                </a:solidFill>
+                <a:latin typeface="Times New Roman" panose="02020603050405020304" pitchFamily="18" charset="0"/>
+                <a:ea typeface="標楷體" panose="03000509000000000000" pitchFamily="65" charset="-120"/>
+                <a:cs typeface="Times New Roman" panose="02020603050405020304" pitchFamily="18" charset="0"/>
+              </a:rPr>
+              <a:t>地圖 </a:t>
+            </a:r>
+            <a:r>
+              <a:rPr lang="en-US" altLang="zh-TW" dirty="0">
+                <a:solidFill>
+                  <a:srgbClr val="202122"/>
+                </a:solidFill>
+                <a:latin typeface="Times New Roman" panose="02020603050405020304" pitchFamily="18" charset="0"/>
+                <a:ea typeface="標楷體" panose="03000509000000000000" pitchFamily="65" charset="-120"/>
+                <a:cs typeface="Times New Roman" panose="02020603050405020304" pitchFamily="18" charset="0"/>
+              </a:rPr>
+              <a:t>(b)</a:t>
+            </a:r>
+            <a:r>
+              <a:rPr lang="zh-TW" altLang="en-US" dirty="0">
+                <a:solidFill>
+                  <a:srgbClr val="202122"/>
+                </a:solidFill>
+                <a:latin typeface="Times New Roman" panose="02020603050405020304" pitchFamily="18" charset="0"/>
+                <a:ea typeface="標楷體" panose="03000509000000000000" pitchFamily="65" charset="-120"/>
+                <a:cs typeface="Times New Roman" panose="02020603050405020304" pitchFamily="18" charset="0"/>
+              </a:rPr>
+              <a:t>使用測試用</a:t>
+            </a:r>
+            <a:r>
+              <a:rPr lang="en-US" altLang="zh-TW" dirty="0">
+                <a:solidFill>
+                  <a:srgbClr val="202122"/>
+                </a:solidFill>
+                <a:latin typeface="Times New Roman" panose="02020603050405020304" pitchFamily="18" charset="0"/>
+                <a:ea typeface="標楷體" panose="03000509000000000000" pitchFamily="65" charset="-120"/>
+                <a:cs typeface="Times New Roman" panose="02020603050405020304" pitchFamily="18" charset="0"/>
+              </a:rPr>
+              <a:t>(</a:t>
+            </a:r>
+            <a:r>
+              <a:rPr lang="zh-TW" altLang="en-US" dirty="0">
+                <a:solidFill>
+                  <a:srgbClr val="202122"/>
+                </a:solidFill>
+                <a:latin typeface="Times New Roman" panose="02020603050405020304" pitchFamily="18" charset="0"/>
+                <a:ea typeface="標楷體" panose="03000509000000000000" pitchFamily="65" charset="-120"/>
+                <a:cs typeface="Times New Roman" panose="02020603050405020304" pitchFamily="18" charset="0"/>
+              </a:rPr>
+              <a:t>自訂</a:t>
+            </a:r>
+            <a:r>
+              <a:rPr lang="en-US" altLang="zh-TW" dirty="0">
+                <a:solidFill>
+                  <a:srgbClr val="202122"/>
+                </a:solidFill>
+                <a:latin typeface="Times New Roman" panose="02020603050405020304" pitchFamily="18" charset="0"/>
+                <a:ea typeface="標楷體" panose="03000509000000000000" pitchFamily="65" charset="-120"/>
+                <a:cs typeface="Times New Roman" panose="02020603050405020304" pitchFamily="18" charset="0"/>
+              </a:rPr>
+              <a:t>)</a:t>
+            </a:r>
+            <a:r>
+              <a:rPr lang="zh-TW" altLang="en-US" dirty="0">
+                <a:solidFill>
+                  <a:srgbClr val="202122"/>
+                </a:solidFill>
+                <a:latin typeface="Times New Roman" panose="02020603050405020304" pitchFamily="18" charset="0"/>
+                <a:ea typeface="標楷體" panose="03000509000000000000" pitchFamily="65" charset="-120"/>
+                <a:cs typeface="Times New Roman" panose="02020603050405020304" pitchFamily="18" charset="0"/>
+              </a:rPr>
+              <a:t>地圖</a:t>
+            </a:r>
+            <a:endParaRPr lang="zh-TW" altLang="en-US" dirty="0">
+              <a:solidFill>
+                <a:srgbClr val="202122"/>
+              </a:solidFill>
+              <a:latin typeface="標楷體" panose="03000509000000000000" pitchFamily="65" charset="-120"/>
+              <a:ea typeface="標楷體" panose="03000509000000000000" pitchFamily="65" charset="-120"/>
+            </a:endParaRPr>
+          </a:p>
+          <a:p>
+            <a:pPr>
+              <a:lnSpc>
+                <a:spcPct val="150000"/>
+              </a:lnSpc>
+            </a:pPr>
+            <a:r>
+              <a:rPr lang="zh-TW" altLang="en-US" dirty="0">
+                <a:solidFill>
+                  <a:srgbClr val="202122"/>
+                </a:solidFill>
+                <a:latin typeface="標楷體" panose="03000509000000000000" pitchFamily="65" charset="-120"/>
+                <a:ea typeface="標楷體" panose="03000509000000000000" pitchFamily="65" charset="-120"/>
+              </a:rPr>
+              <a:t>驗證流程 </a:t>
+            </a:r>
+            <a:r>
+              <a:rPr lang="en-US" altLang="zh-TW" sz="2000" dirty="0">
+                <a:solidFill>
+                  <a:srgbClr val="202122"/>
+                </a:solidFill>
+                <a:latin typeface="標楷體" panose="03000509000000000000" pitchFamily="65" charset="-120"/>
+                <a:ea typeface="標楷體" panose="03000509000000000000" pitchFamily="65" charset="-120"/>
+              </a:rPr>
+              <a:t>: </a:t>
+            </a:r>
+            <a:r>
+              <a:rPr lang="zh-TW" altLang="en-US" dirty="0">
+                <a:solidFill>
+                  <a:srgbClr val="202122"/>
+                </a:solidFill>
+                <a:latin typeface="標楷體" panose="03000509000000000000" pitchFamily="65" charset="-120"/>
+                <a:ea typeface="標楷體" panose="03000509000000000000" pitchFamily="65" charset="-120"/>
+              </a:rPr>
+              <a:t>自動跑</a:t>
+            </a:r>
+            <a:r>
+              <a:rPr lang="en-US" altLang="zh-TW" dirty="0">
+                <a:solidFill>
+                  <a:srgbClr val="202122"/>
+                </a:solidFill>
+                <a:latin typeface="Times New Roman" panose="02020603050405020304" pitchFamily="18" charset="0"/>
+                <a:ea typeface="標楷體" panose="03000509000000000000" pitchFamily="65" charset="-120"/>
+                <a:cs typeface="Times New Roman" panose="02020603050405020304" pitchFamily="18" charset="0"/>
+              </a:rPr>
+              <a:t>20</a:t>
+            </a:r>
+            <a:r>
+              <a:rPr lang="zh-TW" altLang="en-US" dirty="0">
+                <a:solidFill>
+                  <a:srgbClr val="202122"/>
+                </a:solidFill>
+                <a:latin typeface="標楷體" panose="03000509000000000000" pitchFamily="65" charset="-120"/>
+                <a:ea typeface="標楷體" panose="03000509000000000000" pitchFamily="65" charset="-120"/>
+              </a:rPr>
+              <a:t>次，並紀錄下每次接球次數，最後進行確認。</a:t>
+            </a:r>
+          </a:p>
+          <a:p>
+            <a:pPr marL="342900" indent="-342900">
+              <a:lnSpc>
+                <a:spcPct val="150000"/>
+              </a:lnSpc>
+              <a:buFont typeface="Arial" panose="020B0604020202020204" pitchFamily="34" charset="0"/>
+              <a:buChar char="•"/>
+            </a:pPr>
+            <a:endParaRPr lang="en-US" altLang="zh-TW" sz="2000" dirty="0">
+              <a:solidFill>
+                <a:srgbClr val="202122"/>
+              </a:solidFill>
+              <a:latin typeface="標楷體" panose="03000509000000000000" pitchFamily="65" charset="-120"/>
+              <a:ea typeface="標楷體" panose="03000509000000000000" pitchFamily="65" charset="-120"/>
             </a:endParaRPr>
           </a:p>
         </p:txBody>
@@ -4016,7 +4301,7 @@
     </p:spTree>
     <p:extLst>
       <p:ext uri="{BB962C8B-B14F-4D97-AF65-F5344CB8AC3E}">
-        <p14:creationId xmlns:p14="http://schemas.microsoft.com/office/powerpoint/2010/main" val="3477470971"/>
+        <p14:creationId xmlns:p14="http://schemas.microsoft.com/office/powerpoint/2010/main" val="1451460030"/>
       </p:ext>
     </p:extLst>
   </p:cSld>
@@ -4078,7 +4363,7 @@
           <a:p>
             <a:r>
               <a:rPr lang="zh-TW" altLang="en-US" dirty="0"/>
-              <a:t>專案架構</a:t>
+              <a:t>專案需求</a:t>
             </a:r>
           </a:p>
         </p:txBody>
@@ -4117,7 +4402,7 @@
           <p:cNvPr id="7" name="文字方塊 6">
             <a:extLst>
               <a:ext uri="{FF2B5EF4-FFF2-40B4-BE49-F238E27FC236}">
-                <a16:creationId xmlns:a16="http://schemas.microsoft.com/office/drawing/2014/main" id="{AD55F1C5-EE80-C99C-EC7C-DA31D6390985}"/>
+                <a16:creationId xmlns:a16="http://schemas.microsoft.com/office/drawing/2014/main" id="{153D5F30-27A2-4661-933F-68D1FC97F88D}"/>
               </a:ext>
             </a:extLst>
           </p:cNvPr>
@@ -4127,7 +4412,7 @@
         <p:spPr>
           <a:xfrm>
             <a:off x="838200" y="1085125"/>
-            <a:ext cx="10515600" cy="579967"/>
+            <a:ext cx="10515600" cy="1515543"/>
           </a:xfrm>
           <a:prstGeom prst="rect">
             <a:avLst/>
@@ -4148,23 +4433,674 @@
               <a:buChar char="•"/>
             </a:pPr>
             <a:r>
-              <a:rPr lang="en-US" altLang="zh-TW" sz="2400" b="1" dirty="0">
+              <a:rPr lang="zh-TW" altLang="en-US" sz="2400" b="1" i="0" dirty="0">
+                <a:solidFill>
+                  <a:srgbClr val="202122"/>
+                </a:solidFill>
+                <a:effectLst/>
+                <a:latin typeface="標楷體" panose="03000509000000000000" pitchFamily="65" charset="-120"/>
+                <a:ea typeface="標楷體" panose="03000509000000000000" pitchFamily="65" charset="-120"/>
+              </a:rPr>
+              <a:t>驗收</a:t>
+            </a:r>
+            <a:r>
+              <a:rPr lang="en-US" altLang="zh-TW" sz="2400" b="1" i="0" dirty="0">
+                <a:solidFill>
+                  <a:srgbClr val="202122"/>
+                </a:solidFill>
+                <a:effectLst/>
+                <a:latin typeface="標楷體" panose="03000509000000000000" pitchFamily="65" charset="-120"/>
+                <a:ea typeface="標楷體" panose="03000509000000000000" pitchFamily="65" charset="-120"/>
+              </a:rPr>
+              <a:t>:</a:t>
+            </a:r>
+            <a:r>
+              <a:rPr lang="zh-TW" altLang="en-US" sz="2400" b="1" i="0" dirty="0">
+                <a:solidFill>
+                  <a:srgbClr val="202122"/>
+                </a:solidFill>
+                <a:effectLst/>
+                <a:latin typeface="標楷體" panose="03000509000000000000" pitchFamily="65" charset="-120"/>
+                <a:ea typeface="標楷體" panose="03000509000000000000" pitchFamily="65" charset="-120"/>
+              </a:rPr>
+              <a:t> </a:t>
+            </a:r>
+            <a:r>
+              <a:rPr lang="en-US" altLang="zh-TW" sz="2000" i="0" dirty="0">
+                <a:solidFill>
+                  <a:srgbClr val="202122"/>
+                </a:solidFill>
+                <a:effectLst/>
                 <a:latin typeface="Times New Roman" panose="02020603050405020304" pitchFamily="18" charset="0"/>
+                <a:ea typeface="標楷體" panose="03000509000000000000" pitchFamily="65" charset="-120"/>
                 <a:cs typeface="Times New Roman" panose="02020603050405020304" pitchFamily="18" charset="0"/>
               </a:rPr>
-              <a:t>MSC</a:t>
-            </a:r>
-            <a:endParaRPr lang="en-US" altLang="zh-TW" b="1" dirty="0">
-              <a:latin typeface="Times New Roman" panose="02020603050405020304" pitchFamily="18" charset="0"/>
-              <a:cs typeface="Times New Roman" panose="02020603050405020304" pitchFamily="18" charset="0"/>
+              <a:t>(3)</a:t>
+            </a:r>
+            <a:r>
+              <a:rPr lang="zh-TW" altLang="en-US" sz="2000" i="0" dirty="0">
+                <a:solidFill>
+                  <a:srgbClr val="202122"/>
+                </a:solidFill>
+                <a:effectLst/>
+                <a:latin typeface="Times New Roman" panose="02020603050405020304" pitchFamily="18" charset="0"/>
+                <a:ea typeface="標楷體" panose="03000509000000000000" pitchFamily="65" charset="-120"/>
+                <a:cs typeface="Times New Roman" panose="02020603050405020304" pitchFamily="18" charset="0"/>
+              </a:rPr>
+              <a:t>模型預測時間小於</a:t>
+            </a:r>
+            <a:r>
+              <a:rPr lang="en-US" altLang="zh-TW" sz="2000" dirty="0">
+                <a:latin typeface="Times New Roman" panose="02020603050405020304" pitchFamily="18" charset="0"/>
+                <a:ea typeface="標楷體" panose="03000509000000000000" pitchFamily="65" charset="-120"/>
+                <a:cs typeface="Times New Roman" panose="02020603050405020304" pitchFamily="18" charset="0"/>
+              </a:rPr>
+              <a:t>0.033(s/frame)</a:t>
+            </a:r>
+            <a:endParaRPr lang="en-US" altLang="zh-TW" sz="2000" i="0" dirty="0">
+              <a:solidFill>
+                <a:srgbClr val="202122"/>
+              </a:solidFill>
+              <a:effectLst/>
+              <a:latin typeface="標楷體" panose="03000509000000000000" pitchFamily="65" charset="-120"/>
+              <a:ea typeface="標楷體" panose="03000509000000000000" pitchFamily="65" charset="-120"/>
             </a:endParaRPr>
+          </a:p>
+          <a:p>
+            <a:pPr>
+              <a:lnSpc>
+                <a:spcPct val="150000"/>
+              </a:lnSpc>
+            </a:pPr>
+            <a:r>
+              <a:rPr lang="zh-TW" altLang="en-US" sz="2000" dirty="0">
+                <a:solidFill>
+                  <a:srgbClr val="202122"/>
+                </a:solidFill>
+                <a:latin typeface="標楷體" panose="03000509000000000000" pitchFamily="65" charset="-120"/>
+                <a:ea typeface="標楷體" panose="03000509000000000000" pitchFamily="65" charset="-120"/>
+              </a:rPr>
+              <a:t>實驗</a:t>
+            </a:r>
+            <a:r>
+              <a:rPr lang="zh-TW" altLang="en-US" dirty="0">
+                <a:solidFill>
+                  <a:srgbClr val="202122"/>
+                </a:solidFill>
+                <a:latin typeface="標楷體" panose="03000509000000000000" pitchFamily="65" charset="-120"/>
+                <a:ea typeface="標楷體" panose="03000509000000000000" pitchFamily="65" charset="-120"/>
+              </a:rPr>
+              <a:t>情境 </a:t>
+            </a:r>
+            <a:r>
+              <a:rPr lang="en-US" altLang="zh-TW" dirty="0">
+                <a:solidFill>
+                  <a:srgbClr val="202122"/>
+                </a:solidFill>
+                <a:latin typeface="標楷體" panose="03000509000000000000" pitchFamily="65" charset="-120"/>
+                <a:ea typeface="標楷體" panose="03000509000000000000" pitchFamily="65" charset="-120"/>
+              </a:rPr>
+              <a:t>: </a:t>
+            </a:r>
+            <a:r>
+              <a:rPr lang="en-US" altLang="zh-TW" dirty="0">
+                <a:solidFill>
+                  <a:srgbClr val="202122"/>
+                </a:solidFill>
+                <a:latin typeface="Times New Roman" panose="02020603050405020304" pitchFamily="18" charset="0"/>
+                <a:ea typeface="標楷體" panose="03000509000000000000" pitchFamily="65" charset="-120"/>
+                <a:cs typeface="Times New Roman" panose="02020603050405020304" pitchFamily="18" charset="0"/>
+              </a:rPr>
+              <a:t>(a)</a:t>
+            </a:r>
+            <a:r>
+              <a:rPr lang="zh-TW" altLang="en-US" dirty="0">
+                <a:solidFill>
+                  <a:srgbClr val="202122"/>
+                </a:solidFill>
+                <a:latin typeface="Times New Roman" panose="02020603050405020304" pitchFamily="18" charset="0"/>
+                <a:ea typeface="標楷體" panose="03000509000000000000" pitchFamily="65" charset="-120"/>
+                <a:cs typeface="Times New Roman" panose="02020603050405020304" pitchFamily="18" charset="0"/>
+              </a:rPr>
+              <a:t>使用訓練用</a:t>
+            </a:r>
+            <a:r>
+              <a:rPr lang="en-US" altLang="zh-TW" dirty="0">
+                <a:solidFill>
+                  <a:srgbClr val="202122"/>
+                </a:solidFill>
+                <a:latin typeface="Times New Roman" panose="02020603050405020304" pitchFamily="18" charset="0"/>
+                <a:ea typeface="標楷體" panose="03000509000000000000" pitchFamily="65" charset="-120"/>
+                <a:cs typeface="Times New Roman" panose="02020603050405020304" pitchFamily="18" charset="0"/>
+              </a:rPr>
+              <a:t>(</a:t>
+            </a:r>
+            <a:r>
+              <a:rPr lang="zh-TW" altLang="en-US" dirty="0">
+                <a:solidFill>
+                  <a:srgbClr val="202122"/>
+                </a:solidFill>
+                <a:latin typeface="Times New Roman" panose="02020603050405020304" pitchFamily="18" charset="0"/>
+                <a:ea typeface="標楷體" panose="03000509000000000000" pitchFamily="65" charset="-120"/>
+                <a:cs typeface="Times New Roman" panose="02020603050405020304" pitchFamily="18" charset="0"/>
+              </a:rPr>
+              <a:t>內建</a:t>
+            </a:r>
+            <a:r>
+              <a:rPr lang="en-US" altLang="zh-TW" dirty="0">
+                <a:solidFill>
+                  <a:srgbClr val="202122"/>
+                </a:solidFill>
+                <a:latin typeface="Times New Roman" panose="02020603050405020304" pitchFamily="18" charset="0"/>
+                <a:ea typeface="標楷體" panose="03000509000000000000" pitchFamily="65" charset="-120"/>
+                <a:cs typeface="Times New Roman" panose="02020603050405020304" pitchFamily="18" charset="0"/>
+              </a:rPr>
+              <a:t>)</a:t>
+            </a:r>
+            <a:r>
+              <a:rPr lang="zh-TW" altLang="en-US" dirty="0">
+                <a:solidFill>
+                  <a:srgbClr val="202122"/>
+                </a:solidFill>
+                <a:latin typeface="Times New Roman" panose="02020603050405020304" pitchFamily="18" charset="0"/>
+                <a:ea typeface="標楷體" panose="03000509000000000000" pitchFamily="65" charset="-120"/>
+                <a:cs typeface="Times New Roman" panose="02020603050405020304" pitchFamily="18" charset="0"/>
+              </a:rPr>
+              <a:t>地圖 </a:t>
+            </a:r>
+            <a:r>
+              <a:rPr lang="en-US" altLang="zh-TW" dirty="0">
+                <a:solidFill>
+                  <a:srgbClr val="202122"/>
+                </a:solidFill>
+                <a:latin typeface="Times New Roman" panose="02020603050405020304" pitchFamily="18" charset="0"/>
+                <a:ea typeface="標楷體" panose="03000509000000000000" pitchFamily="65" charset="-120"/>
+                <a:cs typeface="Times New Roman" panose="02020603050405020304" pitchFamily="18" charset="0"/>
+              </a:rPr>
+              <a:t>(b)</a:t>
+            </a:r>
+            <a:r>
+              <a:rPr lang="zh-TW" altLang="en-US" dirty="0">
+                <a:solidFill>
+                  <a:srgbClr val="202122"/>
+                </a:solidFill>
+                <a:latin typeface="Times New Roman" panose="02020603050405020304" pitchFamily="18" charset="0"/>
+                <a:ea typeface="標楷體" panose="03000509000000000000" pitchFamily="65" charset="-120"/>
+                <a:cs typeface="Times New Roman" panose="02020603050405020304" pitchFamily="18" charset="0"/>
+              </a:rPr>
+              <a:t>使用測試用</a:t>
+            </a:r>
+            <a:r>
+              <a:rPr lang="en-US" altLang="zh-TW" dirty="0">
+                <a:solidFill>
+                  <a:srgbClr val="202122"/>
+                </a:solidFill>
+                <a:latin typeface="Times New Roman" panose="02020603050405020304" pitchFamily="18" charset="0"/>
+                <a:ea typeface="標楷體" panose="03000509000000000000" pitchFamily="65" charset="-120"/>
+                <a:cs typeface="Times New Roman" panose="02020603050405020304" pitchFamily="18" charset="0"/>
+              </a:rPr>
+              <a:t>(</a:t>
+            </a:r>
+            <a:r>
+              <a:rPr lang="zh-TW" altLang="en-US" dirty="0">
+                <a:solidFill>
+                  <a:srgbClr val="202122"/>
+                </a:solidFill>
+                <a:latin typeface="Times New Roman" panose="02020603050405020304" pitchFamily="18" charset="0"/>
+                <a:ea typeface="標楷體" panose="03000509000000000000" pitchFamily="65" charset="-120"/>
+                <a:cs typeface="Times New Roman" panose="02020603050405020304" pitchFamily="18" charset="0"/>
+              </a:rPr>
+              <a:t>自訂</a:t>
+            </a:r>
+            <a:r>
+              <a:rPr lang="en-US" altLang="zh-TW" dirty="0">
+                <a:solidFill>
+                  <a:srgbClr val="202122"/>
+                </a:solidFill>
+                <a:latin typeface="Times New Roman" panose="02020603050405020304" pitchFamily="18" charset="0"/>
+                <a:ea typeface="標楷體" panose="03000509000000000000" pitchFamily="65" charset="-120"/>
+                <a:cs typeface="Times New Roman" panose="02020603050405020304" pitchFamily="18" charset="0"/>
+              </a:rPr>
+              <a:t>)</a:t>
+            </a:r>
+            <a:r>
+              <a:rPr lang="zh-TW" altLang="en-US" dirty="0">
+                <a:solidFill>
+                  <a:srgbClr val="202122"/>
+                </a:solidFill>
+                <a:latin typeface="Times New Roman" panose="02020603050405020304" pitchFamily="18" charset="0"/>
+                <a:ea typeface="標楷體" panose="03000509000000000000" pitchFamily="65" charset="-120"/>
+                <a:cs typeface="Times New Roman" panose="02020603050405020304" pitchFamily="18" charset="0"/>
+              </a:rPr>
+              <a:t>地圖</a:t>
+            </a:r>
+            <a:endParaRPr lang="zh-TW" altLang="en-US" dirty="0">
+              <a:solidFill>
+                <a:srgbClr val="202122"/>
+              </a:solidFill>
+              <a:latin typeface="標楷體" panose="03000509000000000000" pitchFamily="65" charset="-120"/>
+              <a:ea typeface="標楷體" panose="03000509000000000000" pitchFamily="65" charset="-120"/>
+            </a:endParaRPr>
+          </a:p>
+          <a:p>
+            <a:pPr>
+              <a:lnSpc>
+                <a:spcPct val="150000"/>
+              </a:lnSpc>
+            </a:pPr>
+            <a:r>
+              <a:rPr lang="zh-TW" altLang="en-US" dirty="0">
+                <a:solidFill>
+                  <a:srgbClr val="202122"/>
+                </a:solidFill>
+                <a:latin typeface="標楷體" panose="03000509000000000000" pitchFamily="65" charset="-120"/>
+                <a:ea typeface="標楷體" panose="03000509000000000000" pitchFamily="65" charset="-120"/>
+              </a:rPr>
+              <a:t>驗證流程 </a:t>
+            </a:r>
+            <a:r>
+              <a:rPr lang="en-US" altLang="zh-TW" sz="2000" dirty="0">
+                <a:solidFill>
+                  <a:srgbClr val="202122"/>
+                </a:solidFill>
+                <a:latin typeface="標楷體" panose="03000509000000000000" pitchFamily="65" charset="-120"/>
+                <a:ea typeface="標楷體" panose="03000509000000000000" pitchFamily="65" charset="-120"/>
+              </a:rPr>
+              <a:t>:</a:t>
+            </a:r>
+            <a:r>
+              <a:rPr lang="zh-TW" altLang="en-US" sz="2000" dirty="0">
+                <a:solidFill>
+                  <a:srgbClr val="202122"/>
+                </a:solidFill>
+                <a:latin typeface="標楷體" panose="03000509000000000000" pitchFamily="65" charset="-120"/>
+                <a:ea typeface="標楷體" panose="03000509000000000000" pitchFamily="65" charset="-120"/>
+              </a:rPr>
+              <a:t> </a:t>
+            </a:r>
+            <a:r>
+              <a:rPr lang="zh-TW" altLang="en-US" dirty="0">
+                <a:solidFill>
+                  <a:srgbClr val="202122"/>
+                </a:solidFill>
+                <a:latin typeface="標楷體" panose="03000509000000000000" pitchFamily="65" charset="-120"/>
+                <a:ea typeface="標楷體" panose="03000509000000000000" pitchFamily="65" charset="-120"/>
+              </a:rPr>
+              <a:t>確認</a:t>
+            </a:r>
+            <a:r>
+              <a:rPr lang="en-US" altLang="zh-TW" dirty="0">
+                <a:solidFill>
+                  <a:srgbClr val="202122"/>
+                </a:solidFill>
+                <a:latin typeface="Times New Roman" panose="02020603050405020304" pitchFamily="18" charset="0"/>
+                <a:ea typeface="標楷體" panose="03000509000000000000" pitchFamily="65" charset="-120"/>
+                <a:cs typeface="Times New Roman" panose="02020603050405020304" pitchFamily="18" charset="0"/>
+              </a:rPr>
+              <a:t>AI</a:t>
+            </a:r>
+            <a:r>
+              <a:rPr lang="zh-TW" altLang="en-US" dirty="0">
+                <a:solidFill>
+                  <a:srgbClr val="202122"/>
+                </a:solidFill>
+                <a:latin typeface="標楷體" panose="03000509000000000000" pitchFamily="65" charset="-120"/>
+                <a:ea typeface="標楷體" panose="03000509000000000000" pitchFamily="65" charset="-120"/>
+              </a:rPr>
+              <a:t>進行遊玩時是否流暢，並紀錄每幀預測時間。</a:t>
+            </a:r>
+            <a:endParaRPr lang="en-US" altLang="zh-TW" dirty="0">
+              <a:solidFill>
+                <a:srgbClr val="202122"/>
+              </a:solidFill>
+              <a:latin typeface="標楷體" panose="03000509000000000000" pitchFamily="65" charset="-120"/>
+              <a:ea typeface="標楷體" panose="03000509000000000000" pitchFamily="65" charset="-120"/>
+            </a:endParaRPr>
+          </a:p>
+        </p:txBody>
+      </p:sp>
+      <p:pic>
+        <p:nvPicPr>
+          <p:cNvPr id="5" name="圖片 4">
+            <a:extLst>
+              <a:ext uri="{FF2B5EF4-FFF2-40B4-BE49-F238E27FC236}">
+                <a16:creationId xmlns:a16="http://schemas.microsoft.com/office/drawing/2014/main" id="{464D2563-79B5-D68B-91FA-F185DB14750E}"/>
+              </a:ext>
+            </a:extLst>
+          </p:cNvPr>
+          <p:cNvPicPr>
+            <a:picLocks noChangeAspect="1"/>
+          </p:cNvPicPr>
+          <p:nvPr/>
+        </p:nvPicPr>
+        <p:blipFill>
+          <a:blip r:embed="rId2"/>
+          <a:stretch>
+            <a:fillRect/>
+          </a:stretch>
+        </p:blipFill>
+        <p:spPr>
+          <a:xfrm>
+            <a:off x="1252323" y="3406797"/>
+            <a:ext cx="3077004" cy="2143424"/>
+          </a:xfrm>
+          <a:prstGeom prst="rect">
+            <a:avLst/>
+          </a:prstGeom>
+        </p:spPr>
+      </p:pic>
+      <p:sp>
+        <p:nvSpPr>
+          <p:cNvPr id="6" name="文字方塊 5">
+            <a:extLst>
+              <a:ext uri="{FF2B5EF4-FFF2-40B4-BE49-F238E27FC236}">
+                <a16:creationId xmlns:a16="http://schemas.microsoft.com/office/drawing/2014/main" id="{53851659-0076-1017-15CA-0B45ABAD4C41}"/>
+              </a:ext>
+            </a:extLst>
+          </p:cNvPr>
+          <p:cNvSpPr txBox="1"/>
+          <p:nvPr/>
+        </p:nvSpPr>
+        <p:spPr>
+          <a:xfrm>
+            <a:off x="4329327" y="4353301"/>
+            <a:ext cx="4801314" cy="369332"/>
+          </a:xfrm>
+          <a:prstGeom prst="rect">
+            <a:avLst/>
+          </a:prstGeom>
+          <a:noFill/>
+        </p:spPr>
+        <p:txBody>
+          <a:bodyPr wrap="none" rtlCol="0">
+            <a:spAutoFit/>
+          </a:bodyPr>
+          <a:lstStyle/>
+          <a:p>
+            <a:r>
+              <a:rPr lang="zh-TW" altLang="en-US" dirty="0">
+                <a:solidFill>
+                  <a:srgbClr val="FF0000"/>
+                </a:solidFill>
+                <a:latin typeface="標楷體" panose="03000509000000000000" pitchFamily="65" charset="-120"/>
+                <a:ea typeface="標楷體" panose="03000509000000000000" pitchFamily="65" charset="-120"/>
+              </a:rPr>
+              <a:t>若預測時間過長，將導致指令與畫面產生延遲</a:t>
+            </a:r>
+            <a:endParaRPr lang="en-US" altLang="zh-TW" sz="1600" dirty="0">
+              <a:solidFill>
+                <a:srgbClr val="FF0000"/>
+              </a:solidFill>
+              <a:latin typeface="標楷體" panose="03000509000000000000" pitchFamily="65" charset="-120"/>
+              <a:ea typeface="標楷體" panose="03000509000000000000" pitchFamily="65" charset="-120"/>
+            </a:endParaRPr>
+          </a:p>
+        </p:txBody>
+      </p:sp>
+      <p:sp>
+        <p:nvSpPr>
+          <p:cNvPr id="10" name="矩形 9">
+            <a:extLst>
+              <a:ext uri="{FF2B5EF4-FFF2-40B4-BE49-F238E27FC236}">
+                <a16:creationId xmlns:a16="http://schemas.microsoft.com/office/drawing/2014/main" id="{A32470FE-9DCC-65AD-B5DD-DB9F44CE48D0}"/>
+              </a:ext>
+            </a:extLst>
+          </p:cNvPr>
+          <p:cNvSpPr/>
+          <p:nvPr/>
+        </p:nvSpPr>
+        <p:spPr>
+          <a:xfrm>
+            <a:off x="1252323" y="3579019"/>
+            <a:ext cx="3077004" cy="159544"/>
+          </a:xfrm>
+          <a:prstGeom prst="rect">
+            <a:avLst/>
+          </a:prstGeom>
+          <a:noFill/>
+          <a:ln w="28575">
+            <a:solidFill>
+              <a:srgbClr val="FF0000"/>
+            </a:solidFill>
+          </a:ln>
+        </p:spPr>
+        <p:style>
+          <a:lnRef idx="2">
+            <a:schemeClr val="accent1">
+              <a:shade val="15000"/>
+            </a:schemeClr>
+          </a:lnRef>
+          <a:fillRef idx="1">
+            <a:schemeClr val="accent1"/>
+          </a:fillRef>
+          <a:effectRef idx="0">
+            <a:schemeClr val="accent1"/>
+          </a:effectRef>
+          <a:fontRef idx="minor">
+            <a:schemeClr val="lt1"/>
+          </a:fontRef>
+        </p:style>
+        <p:txBody>
+          <a:bodyPr rtlCol="0" anchor="ctr"/>
+          <a:lstStyle/>
+          <a:p>
+            <a:pPr algn="ctr"/>
+            <a:endParaRPr lang="zh-TW" altLang="en-US"/>
+          </a:p>
+        </p:txBody>
+      </p:sp>
+      <p:sp>
+        <p:nvSpPr>
+          <p:cNvPr id="12" name="矩形 11">
+            <a:extLst>
+              <a:ext uri="{FF2B5EF4-FFF2-40B4-BE49-F238E27FC236}">
+                <a16:creationId xmlns:a16="http://schemas.microsoft.com/office/drawing/2014/main" id="{1BCEE9ED-FC16-5388-059F-275066EC096E}"/>
+              </a:ext>
+            </a:extLst>
+          </p:cNvPr>
+          <p:cNvSpPr/>
+          <p:nvPr/>
+        </p:nvSpPr>
+        <p:spPr>
+          <a:xfrm>
+            <a:off x="1252323" y="3910785"/>
+            <a:ext cx="3077004" cy="159544"/>
+          </a:xfrm>
+          <a:prstGeom prst="rect">
+            <a:avLst/>
+          </a:prstGeom>
+          <a:noFill/>
+          <a:ln w="28575">
+            <a:solidFill>
+              <a:srgbClr val="FF0000"/>
+            </a:solidFill>
+          </a:ln>
+        </p:spPr>
+        <p:style>
+          <a:lnRef idx="2">
+            <a:schemeClr val="accent1">
+              <a:shade val="15000"/>
+            </a:schemeClr>
+          </a:lnRef>
+          <a:fillRef idx="1">
+            <a:schemeClr val="accent1"/>
+          </a:fillRef>
+          <a:effectRef idx="0">
+            <a:schemeClr val="accent1"/>
+          </a:effectRef>
+          <a:fontRef idx="minor">
+            <a:schemeClr val="lt1"/>
+          </a:fontRef>
+        </p:style>
+        <p:txBody>
+          <a:bodyPr rtlCol="0" anchor="ctr"/>
+          <a:lstStyle/>
+          <a:p>
+            <a:pPr algn="ctr"/>
+            <a:endParaRPr lang="zh-TW" altLang="en-US"/>
+          </a:p>
+        </p:txBody>
+      </p:sp>
+      <p:sp>
+        <p:nvSpPr>
+          <p:cNvPr id="13" name="矩形 12">
+            <a:extLst>
+              <a:ext uri="{FF2B5EF4-FFF2-40B4-BE49-F238E27FC236}">
+                <a16:creationId xmlns:a16="http://schemas.microsoft.com/office/drawing/2014/main" id="{8A8AEC81-3C58-4099-EBCC-E238656E9469}"/>
+              </a:ext>
+            </a:extLst>
+          </p:cNvPr>
+          <p:cNvSpPr/>
+          <p:nvPr/>
+        </p:nvSpPr>
+        <p:spPr>
+          <a:xfrm>
+            <a:off x="1252323" y="4385148"/>
+            <a:ext cx="3077004" cy="159544"/>
+          </a:xfrm>
+          <a:prstGeom prst="rect">
+            <a:avLst/>
+          </a:prstGeom>
+          <a:noFill/>
+          <a:ln w="28575">
+            <a:solidFill>
+              <a:srgbClr val="FF0000"/>
+            </a:solidFill>
+          </a:ln>
+        </p:spPr>
+        <p:style>
+          <a:lnRef idx="2">
+            <a:schemeClr val="accent1">
+              <a:shade val="15000"/>
+            </a:schemeClr>
+          </a:lnRef>
+          <a:fillRef idx="1">
+            <a:schemeClr val="accent1"/>
+          </a:fillRef>
+          <a:effectRef idx="0">
+            <a:schemeClr val="accent1"/>
+          </a:effectRef>
+          <a:fontRef idx="minor">
+            <a:schemeClr val="lt1"/>
+          </a:fontRef>
+        </p:style>
+        <p:txBody>
+          <a:bodyPr rtlCol="0" anchor="ctr"/>
+          <a:lstStyle/>
+          <a:p>
+            <a:pPr algn="ctr"/>
+            <a:endParaRPr lang="zh-TW" altLang="en-US"/>
+          </a:p>
+        </p:txBody>
+      </p:sp>
+      <p:sp>
+        <p:nvSpPr>
+          <p:cNvPr id="14" name="矩形 13">
+            <a:extLst>
+              <a:ext uri="{FF2B5EF4-FFF2-40B4-BE49-F238E27FC236}">
+                <a16:creationId xmlns:a16="http://schemas.microsoft.com/office/drawing/2014/main" id="{350A0B99-5DE0-E325-DA06-90B27AB03492}"/>
+              </a:ext>
+            </a:extLst>
+          </p:cNvPr>
+          <p:cNvSpPr/>
+          <p:nvPr/>
+        </p:nvSpPr>
+        <p:spPr>
+          <a:xfrm>
+            <a:off x="1252323" y="4877603"/>
+            <a:ext cx="3077004" cy="159544"/>
+          </a:xfrm>
+          <a:prstGeom prst="rect">
+            <a:avLst/>
+          </a:prstGeom>
+          <a:noFill/>
+          <a:ln w="28575">
+            <a:solidFill>
+              <a:srgbClr val="FF0000"/>
+            </a:solidFill>
+          </a:ln>
+        </p:spPr>
+        <p:style>
+          <a:lnRef idx="2">
+            <a:schemeClr val="accent1">
+              <a:shade val="15000"/>
+            </a:schemeClr>
+          </a:lnRef>
+          <a:fillRef idx="1">
+            <a:schemeClr val="accent1"/>
+          </a:fillRef>
+          <a:effectRef idx="0">
+            <a:schemeClr val="accent1"/>
+          </a:effectRef>
+          <a:fontRef idx="minor">
+            <a:schemeClr val="lt1"/>
+          </a:fontRef>
+        </p:style>
+        <p:txBody>
+          <a:bodyPr rtlCol="0" anchor="ctr"/>
+          <a:lstStyle/>
+          <a:p>
+            <a:pPr algn="ctr"/>
+            <a:endParaRPr lang="zh-TW" altLang="en-US"/>
+          </a:p>
+        </p:txBody>
+      </p:sp>
+      <p:sp>
+        <p:nvSpPr>
+          <p:cNvPr id="15" name="矩形 14">
+            <a:extLst>
+              <a:ext uri="{FF2B5EF4-FFF2-40B4-BE49-F238E27FC236}">
+                <a16:creationId xmlns:a16="http://schemas.microsoft.com/office/drawing/2014/main" id="{09A6B59E-8AA8-486E-89B4-6321E06DC5EF}"/>
+              </a:ext>
+            </a:extLst>
+          </p:cNvPr>
+          <p:cNvSpPr/>
+          <p:nvPr/>
+        </p:nvSpPr>
+        <p:spPr>
+          <a:xfrm>
+            <a:off x="1252323" y="5376783"/>
+            <a:ext cx="3077004" cy="159544"/>
+          </a:xfrm>
+          <a:prstGeom prst="rect">
+            <a:avLst/>
+          </a:prstGeom>
+          <a:noFill/>
+          <a:ln w="28575">
+            <a:solidFill>
+              <a:srgbClr val="FF0000"/>
+            </a:solidFill>
+          </a:ln>
+        </p:spPr>
+        <p:style>
+          <a:lnRef idx="2">
+            <a:schemeClr val="accent1">
+              <a:shade val="15000"/>
+            </a:schemeClr>
+          </a:lnRef>
+          <a:fillRef idx="1">
+            <a:schemeClr val="accent1"/>
+          </a:fillRef>
+          <a:effectRef idx="0">
+            <a:schemeClr val="accent1"/>
+          </a:effectRef>
+          <a:fontRef idx="minor">
+            <a:schemeClr val="lt1"/>
+          </a:fontRef>
+        </p:style>
+        <p:txBody>
+          <a:bodyPr rtlCol="0" anchor="ctr"/>
+          <a:lstStyle/>
+          <a:p>
+            <a:pPr algn="ctr"/>
+            <a:endParaRPr lang="zh-TW" altLang="en-US"/>
           </a:p>
         </p:txBody>
       </p:sp>
     </p:spTree>
     <p:extLst>
       <p:ext uri="{BB962C8B-B14F-4D97-AF65-F5344CB8AC3E}">
-        <p14:creationId xmlns:p14="http://schemas.microsoft.com/office/powerpoint/2010/main" val="1617087318"/>
+        <p14:creationId xmlns:p14="http://schemas.microsoft.com/office/powerpoint/2010/main" val="3443966895"/>
       </p:ext>
     </p:extLst>
   </p:cSld>
@@ -4205,6 +5141,702 @@
       </p:grpSpPr>
       <p:sp>
         <p:nvSpPr>
+          <p:cNvPr id="3" name="標題 2">
+            <a:extLst>
+              <a:ext uri="{FF2B5EF4-FFF2-40B4-BE49-F238E27FC236}">
+                <a16:creationId xmlns:a16="http://schemas.microsoft.com/office/drawing/2014/main" id="{D7232380-22D4-47E6-A40E-ABF38AB200C3}"/>
+              </a:ext>
+            </a:extLst>
+          </p:cNvPr>
+          <p:cNvSpPr>
+            <a:spLocks noGrp="1"/>
+          </p:cNvSpPr>
+          <p:nvPr>
+            <p:ph type="title"/>
+          </p:nvPr>
+        </p:nvSpPr>
+        <p:spPr/>
+        <p:txBody>
+          <a:bodyPr>
+            <a:normAutofit/>
+          </a:bodyPr>
+          <a:lstStyle/>
+          <a:p>
+            <a:r>
+              <a:rPr lang="zh-TW" altLang="en-US" dirty="0"/>
+              <a:t>專案架構</a:t>
+            </a:r>
+            <a:r>
+              <a:rPr lang="en-US" altLang="zh-TW" dirty="0"/>
+              <a:t>(04/24)</a:t>
+            </a:r>
+            <a:endParaRPr lang="zh-TW" altLang="en-US" dirty="0"/>
+          </a:p>
+        </p:txBody>
+      </p:sp>
+      <p:sp>
+        <p:nvSpPr>
+          <p:cNvPr id="4" name="投影片編號版面配置區 3">
+            <a:extLst>
+              <a:ext uri="{FF2B5EF4-FFF2-40B4-BE49-F238E27FC236}">
+                <a16:creationId xmlns:a16="http://schemas.microsoft.com/office/drawing/2014/main" id="{CC364F06-FBAE-41F1-9123-C093E43ADC15}"/>
+              </a:ext>
+            </a:extLst>
+          </p:cNvPr>
+          <p:cNvSpPr>
+            <a:spLocks noGrp="1"/>
+          </p:cNvSpPr>
+          <p:nvPr>
+            <p:ph type="sldNum" sz="quarter" idx="12"/>
+          </p:nvPr>
+        </p:nvSpPr>
+        <p:spPr/>
+        <p:txBody>
+          <a:bodyPr/>
+          <a:lstStyle/>
+          <a:p>
+            <a:fld id="{90F9E983-480B-48C5-9E0F-D21C0DFBB5C0}" type="slidenum">
+              <a:rPr lang="zh-TW" altLang="en-US" smtClean="0"/>
+              <a:t>12</a:t>
+            </a:fld>
+            <a:endParaRPr lang="zh-TW" altLang="en-US"/>
+          </a:p>
+        </p:txBody>
+      </p:sp>
+      <p:sp>
+        <p:nvSpPr>
+          <p:cNvPr id="9" name="文字方塊 8">
+            <a:extLst>
+              <a:ext uri="{FF2B5EF4-FFF2-40B4-BE49-F238E27FC236}">
+                <a16:creationId xmlns:a16="http://schemas.microsoft.com/office/drawing/2014/main" id="{4100E61E-7276-4556-A739-0DFBB6A14361}"/>
+              </a:ext>
+            </a:extLst>
+          </p:cNvPr>
+          <p:cNvSpPr txBox="1"/>
+          <p:nvPr/>
+        </p:nvSpPr>
+        <p:spPr>
+          <a:xfrm>
+            <a:off x="838200" y="1085125"/>
+            <a:ext cx="10515600" cy="579967"/>
+          </a:xfrm>
+          <a:prstGeom prst="rect">
+            <a:avLst/>
+          </a:prstGeom>
+          <a:noFill/>
+        </p:spPr>
+        <p:txBody>
+          <a:bodyPr wrap="square">
+            <a:spAutoFit/>
+          </a:bodyPr>
+          <a:lstStyle/>
+          <a:p>
+            <a:pPr marL="342900" indent="-342900">
+              <a:lnSpc>
+                <a:spcPct val="150000"/>
+              </a:lnSpc>
+              <a:buFont typeface="Arial" panose="020B0604020202020204" pitchFamily="34" charset="0"/>
+              <a:buChar char="•"/>
+            </a:pPr>
+            <a:r>
+              <a:rPr lang="en-US" altLang="zh-TW" sz="2400" b="1" dirty="0">
+                <a:latin typeface="Times New Roman" panose="02020603050405020304" pitchFamily="18" charset="0"/>
+                <a:cs typeface="Times New Roman" panose="02020603050405020304" pitchFamily="18" charset="0"/>
+              </a:rPr>
+              <a:t>Breakdown</a:t>
+            </a:r>
+            <a:endParaRPr lang="en-US" altLang="zh-TW" b="1" dirty="0">
+              <a:latin typeface="Times New Roman" panose="02020603050405020304" pitchFamily="18" charset="0"/>
+              <a:cs typeface="Times New Roman" panose="02020603050405020304" pitchFamily="18" charset="0"/>
+            </a:endParaRPr>
+          </a:p>
+        </p:txBody>
+      </p:sp>
+      <p:pic>
+        <p:nvPicPr>
+          <p:cNvPr id="1026" name="Picture 2">
+            <a:extLst>
+              <a:ext uri="{FF2B5EF4-FFF2-40B4-BE49-F238E27FC236}">
+                <a16:creationId xmlns:a16="http://schemas.microsoft.com/office/drawing/2014/main" id="{FDBB9157-B4E2-D14A-6CAF-47DBE8644B92}"/>
+              </a:ext>
+            </a:extLst>
+          </p:cNvPr>
+          <p:cNvPicPr>
+            <a:picLocks noChangeAspect="1" noChangeArrowheads="1"/>
+          </p:cNvPicPr>
+          <p:nvPr/>
+        </p:nvPicPr>
+        <p:blipFill>
+          <a:blip r:embed="rId2">
+            <a:extLst>
+              <a:ext uri="{28A0092B-C50C-407E-A947-70E740481C1C}">
+                <a14:useLocalDpi xmlns:a14="http://schemas.microsoft.com/office/drawing/2010/main" val="0"/>
+              </a:ext>
+            </a:extLst>
+          </a:blip>
+          <a:srcRect/>
+          <a:stretch/>
+        </p:blipFill>
+        <p:spPr bwMode="auto">
+          <a:xfrm>
+            <a:off x="746760" y="1704984"/>
+            <a:ext cx="10607040" cy="4161651"/>
+          </a:xfrm>
+          <a:prstGeom prst="rect">
+            <a:avLst/>
+          </a:prstGeom>
+          <a:noFill/>
+          <a:extLst>
+            <a:ext uri="{909E8E84-426E-40DD-AFC4-6F175D3DCCD1}">
+              <a14:hiddenFill xmlns:a14="http://schemas.microsoft.com/office/drawing/2010/main">
+                <a:solidFill>
+                  <a:srgbClr val="FFFFFF"/>
+                </a:solidFill>
+              </a14:hiddenFill>
+            </a:ext>
+          </a:extLst>
+        </p:spPr>
+      </p:pic>
+    </p:spTree>
+    <p:extLst>
+      <p:ext uri="{BB962C8B-B14F-4D97-AF65-F5344CB8AC3E}">
+        <p14:creationId xmlns:p14="http://schemas.microsoft.com/office/powerpoint/2010/main" val="3346213445"/>
+      </p:ext>
+    </p:extLst>
+  </p:cSld>
+  <p:clrMapOvr>
+    <a:masterClrMapping/>
+  </p:clrMapOvr>
+  <mc:AlternateContent xmlns:mc="http://schemas.openxmlformats.org/markup-compatibility/2006" xmlns:p159="http://schemas.microsoft.com/office/powerpoint/2015/09/main">
+    <mc:Choice Requires="p159">
+      <p:transition xmlns:p14="http://schemas.microsoft.com/office/powerpoint/2010/main" spd="slow" p14:dur="1500">
+        <p159:morph option="byObject"/>
+      </p:transition>
+    </mc:Choice>
+    <mc:Fallback xmlns="">
+      <p:transition spd="slow">
+        <p:fade/>
+      </p:transition>
+    </mc:Fallback>
+  </mc:AlternateContent>
+</p:sld>
+</file>
+
+<file path=ppt/slides/slide13.xml><?xml version="1.0" encoding="utf-8"?>
+<p:sld xmlns:a="http://schemas.openxmlformats.org/drawingml/2006/main" xmlns:r="http://schemas.openxmlformats.org/officeDocument/2006/relationships" xmlns:p="http://schemas.openxmlformats.org/presentationml/2006/main">
+  <p:cSld>
+    <p:spTree>
+      <p:nvGrpSpPr>
+        <p:cNvPr id="1" name=""/>
+        <p:cNvGrpSpPr/>
+        <p:nvPr/>
+      </p:nvGrpSpPr>
+      <p:grpSpPr>
+        <a:xfrm>
+          <a:off x="0" y="0"/>
+          <a:ext cx="0" cy="0"/>
+          <a:chOff x="0" y="0"/>
+          <a:chExt cx="0" cy="0"/>
+        </a:xfrm>
+      </p:grpSpPr>
+      <p:sp>
+        <p:nvSpPr>
+          <p:cNvPr id="3" name="標題 2">
+            <a:extLst>
+              <a:ext uri="{FF2B5EF4-FFF2-40B4-BE49-F238E27FC236}">
+                <a16:creationId xmlns:a16="http://schemas.microsoft.com/office/drawing/2014/main" id="{D7232380-22D4-47E6-A40E-ABF38AB200C3}"/>
+              </a:ext>
+            </a:extLst>
+          </p:cNvPr>
+          <p:cNvSpPr>
+            <a:spLocks noGrp="1"/>
+          </p:cNvSpPr>
+          <p:nvPr>
+            <p:ph type="title"/>
+          </p:nvPr>
+        </p:nvSpPr>
+        <p:spPr/>
+        <p:txBody>
+          <a:bodyPr>
+            <a:normAutofit/>
+          </a:bodyPr>
+          <a:lstStyle/>
+          <a:p>
+            <a:r>
+              <a:rPr lang="zh-TW" altLang="en-US" dirty="0"/>
+              <a:t>專案架構</a:t>
+            </a:r>
+          </a:p>
+        </p:txBody>
+      </p:sp>
+      <p:sp>
+        <p:nvSpPr>
+          <p:cNvPr id="4" name="投影片編號版面配置區 3">
+            <a:extLst>
+              <a:ext uri="{FF2B5EF4-FFF2-40B4-BE49-F238E27FC236}">
+                <a16:creationId xmlns:a16="http://schemas.microsoft.com/office/drawing/2014/main" id="{CC364F06-FBAE-41F1-9123-C093E43ADC15}"/>
+              </a:ext>
+            </a:extLst>
+          </p:cNvPr>
+          <p:cNvSpPr>
+            <a:spLocks noGrp="1"/>
+          </p:cNvSpPr>
+          <p:nvPr>
+            <p:ph type="sldNum" sz="quarter" idx="12"/>
+          </p:nvPr>
+        </p:nvSpPr>
+        <p:spPr/>
+        <p:txBody>
+          <a:bodyPr/>
+          <a:lstStyle/>
+          <a:p>
+            <a:fld id="{90F9E983-480B-48C5-9E0F-D21C0DFBB5C0}" type="slidenum">
+              <a:rPr lang="zh-TW" altLang="en-US" smtClean="0"/>
+              <a:t>13</a:t>
+            </a:fld>
+            <a:endParaRPr lang="zh-TW" altLang="en-US"/>
+          </a:p>
+        </p:txBody>
+      </p:sp>
+      <p:sp>
+        <p:nvSpPr>
+          <p:cNvPr id="11" name="矩形 10">
+            <a:extLst>
+              <a:ext uri="{FF2B5EF4-FFF2-40B4-BE49-F238E27FC236}">
+                <a16:creationId xmlns:a16="http://schemas.microsoft.com/office/drawing/2014/main" id="{7E3C07EB-199A-03C6-B616-8553BAA70F20}"/>
+              </a:ext>
+            </a:extLst>
+          </p:cNvPr>
+          <p:cNvSpPr/>
+          <p:nvPr/>
+        </p:nvSpPr>
+        <p:spPr>
+          <a:xfrm>
+            <a:off x="3289300" y="3924300"/>
+            <a:ext cx="755650" cy="374650"/>
+          </a:xfrm>
+          <a:prstGeom prst="rect">
+            <a:avLst/>
+          </a:prstGeom>
+          <a:noFill/>
+          <a:ln>
+            <a:noFill/>
+          </a:ln>
+        </p:spPr>
+        <p:style>
+          <a:lnRef idx="2">
+            <a:schemeClr val="accent1">
+              <a:shade val="15000"/>
+            </a:schemeClr>
+          </a:lnRef>
+          <a:fillRef idx="1">
+            <a:schemeClr val="accent1"/>
+          </a:fillRef>
+          <a:effectRef idx="0">
+            <a:schemeClr val="accent1"/>
+          </a:effectRef>
+          <a:fontRef idx="minor">
+            <a:schemeClr val="lt1"/>
+          </a:fontRef>
+        </p:style>
+        <p:txBody>
+          <a:bodyPr rtlCol="0" anchor="ctr"/>
+          <a:lstStyle/>
+          <a:p>
+            <a:pPr algn="ctr"/>
+            <a:endParaRPr lang="zh-TW" altLang="en-US"/>
+          </a:p>
+        </p:txBody>
+      </p:sp>
+      <p:sp>
+        <p:nvSpPr>
+          <p:cNvPr id="12" name="文字方塊 11">
+            <a:extLst>
+              <a:ext uri="{FF2B5EF4-FFF2-40B4-BE49-F238E27FC236}">
+                <a16:creationId xmlns:a16="http://schemas.microsoft.com/office/drawing/2014/main" id="{5D7F746F-01B0-6924-CF7A-943B58B3EF47}"/>
+              </a:ext>
+            </a:extLst>
+          </p:cNvPr>
+          <p:cNvSpPr txBox="1"/>
+          <p:nvPr/>
+        </p:nvSpPr>
+        <p:spPr>
+          <a:xfrm>
+            <a:off x="838200" y="1085125"/>
+            <a:ext cx="10515600" cy="579967"/>
+          </a:xfrm>
+          <a:prstGeom prst="rect">
+            <a:avLst/>
+          </a:prstGeom>
+          <a:noFill/>
+        </p:spPr>
+        <p:txBody>
+          <a:bodyPr wrap="square">
+            <a:spAutoFit/>
+          </a:bodyPr>
+          <a:lstStyle/>
+          <a:p>
+            <a:pPr marL="342900" indent="-342900">
+              <a:lnSpc>
+                <a:spcPct val="150000"/>
+              </a:lnSpc>
+              <a:buFont typeface="Arial" panose="020B0604020202020204" pitchFamily="34" charset="0"/>
+              <a:buChar char="•"/>
+            </a:pPr>
+            <a:r>
+              <a:rPr lang="en-US" altLang="zh-TW" sz="2400" b="1" dirty="0">
+                <a:latin typeface="Times New Roman" panose="02020603050405020304" pitchFamily="18" charset="0"/>
+                <a:cs typeface="Times New Roman" panose="02020603050405020304" pitchFamily="18" charset="0"/>
+              </a:rPr>
+              <a:t>Architecture</a:t>
+            </a:r>
+            <a:endParaRPr lang="en-US" altLang="zh-TW" b="1" dirty="0">
+              <a:latin typeface="Times New Roman" panose="02020603050405020304" pitchFamily="18" charset="0"/>
+              <a:cs typeface="Times New Roman" panose="02020603050405020304" pitchFamily="18" charset="0"/>
+            </a:endParaRPr>
+          </a:p>
+        </p:txBody>
+      </p:sp>
+    </p:spTree>
+    <p:extLst>
+      <p:ext uri="{BB962C8B-B14F-4D97-AF65-F5344CB8AC3E}">
+        <p14:creationId xmlns:p14="http://schemas.microsoft.com/office/powerpoint/2010/main" val="3631414891"/>
+      </p:ext>
+    </p:extLst>
+  </p:cSld>
+  <p:clrMapOvr>
+    <a:masterClrMapping/>
+  </p:clrMapOvr>
+  <mc:AlternateContent xmlns:mc="http://schemas.openxmlformats.org/markup-compatibility/2006" xmlns:p159="http://schemas.microsoft.com/office/powerpoint/2015/09/main">
+    <mc:Choice Requires="p159">
+      <p:transition xmlns:p14="http://schemas.microsoft.com/office/powerpoint/2010/main" spd="slow" p14:dur="1500">
+        <p159:morph option="byObject"/>
+      </p:transition>
+    </mc:Choice>
+    <mc:Fallback xmlns="">
+      <p:transition spd="slow">
+        <p:fade/>
+      </p:transition>
+    </mc:Fallback>
+  </mc:AlternateContent>
+</p:sld>
+</file>
+
+<file path=ppt/slides/slide14.xml><?xml version="1.0" encoding="utf-8"?>
+<p:sld xmlns:a="http://schemas.openxmlformats.org/drawingml/2006/main" xmlns:r="http://schemas.openxmlformats.org/officeDocument/2006/relationships" xmlns:p="http://schemas.openxmlformats.org/presentationml/2006/main">
+  <p:cSld>
+    <p:spTree>
+      <p:nvGrpSpPr>
+        <p:cNvPr id="1" name=""/>
+        <p:cNvGrpSpPr/>
+        <p:nvPr/>
+      </p:nvGrpSpPr>
+      <p:grpSpPr>
+        <a:xfrm>
+          <a:off x="0" y="0"/>
+          <a:ext cx="0" cy="0"/>
+          <a:chOff x="0" y="0"/>
+          <a:chExt cx="0" cy="0"/>
+        </a:xfrm>
+      </p:grpSpPr>
+      <p:sp>
+        <p:nvSpPr>
+          <p:cNvPr id="3" name="標題 2">
+            <a:extLst>
+              <a:ext uri="{FF2B5EF4-FFF2-40B4-BE49-F238E27FC236}">
+                <a16:creationId xmlns:a16="http://schemas.microsoft.com/office/drawing/2014/main" id="{D7232380-22D4-47E6-A40E-ABF38AB200C3}"/>
+              </a:ext>
+            </a:extLst>
+          </p:cNvPr>
+          <p:cNvSpPr>
+            <a:spLocks noGrp="1"/>
+          </p:cNvSpPr>
+          <p:nvPr>
+            <p:ph type="title"/>
+          </p:nvPr>
+        </p:nvSpPr>
+        <p:spPr/>
+        <p:txBody>
+          <a:bodyPr/>
+          <a:lstStyle/>
+          <a:p>
+            <a:r>
+              <a:rPr lang="zh-TW" altLang="en-US" dirty="0"/>
+              <a:t>專案架構</a:t>
+            </a:r>
+          </a:p>
+        </p:txBody>
+      </p:sp>
+      <p:sp>
+        <p:nvSpPr>
+          <p:cNvPr id="4" name="投影片編號版面配置區 3">
+            <a:extLst>
+              <a:ext uri="{FF2B5EF4-FFF2-40B4-BE49-F238E27FC236}">
+                <a16:creationId xmlns:a16="http://schemas.microsoft.com/office/drawing/2014/main" id="{CC364F06-FBAE-41F1-9123-C093E43ADC15}"/>
+              </a:ext>
+            </a:extLst>
+          </p:cNvPr>
+          <p:cNvSpPr>
+            <a:spLocks noGrp="1"/>
+          </p:cNvSpPr>
+          <p:nvPr>
+            <p:ph type="sldNum" sz="quarter" idx="12"/>
+          </p:nvPr>
+        </p:nvSpPr>
+        <p:spPr/>
+        <p:txBody>
+          <a:bodyPr/>
+          <a:lstStyle/>
+          <a:p>
+            <a:fld id="{90F9E983-480B-48C5-9E0F-D21C0DFBB5C0}" type="slidenum">
+              <a:rPr lang="zh-TW" altLang="en-US" smtClean="0"/>
+              <a:t>14</a:t>
+            </a:fld>
+            <a:endParaRPr lang="zh-TW" altLang="en-US"/>
+          </a:p>
+        </p:txBody>
+      </p:sp>
+      <p:sp>
+        <p:nvSpPr>
+          <p:cNvPr id="7" name="文字方塊 6">
+            <a:extLst>
+              <a:ext uri="{FF2B5EF4-FFF2-40B4-BE49-F238E27FC236}">
+                <a16:creationId xmlns:a16="http://schemas.microsoft.com/office/drawing/2014/main" id="{01014892-158F-4136-A2F0-CAB4B00494D2}"/>
+              </a:ext>
+            </a:extLst>
+          </p:cNvPr>
+          <p:cNvSpPr txBox="1"/>
+          <p:nvPr/>
+        </p:nvSpPr>
+        <p:spPr>
+          <a:xfrm>
+            <a:off x="838200" y="1085125"/>
+            <a:ext cx="10515600" cy="579967"/>
+          </a:xfrm>
+          <a:prstGeom prst="rect">
+            <a:avLst/>
+          </a:prstGeom>
+          <a:noFill/>
+        </p:spPr>
+        <p:txBody>
+          <a:bodyPr wrap="square">
+            <a:spAutoFit/>
+          </a:bodyPr>
+          <a:lstStyle/>
+          <a:p>
+            <a:pPr marL="342900" indent="-342900">
+              <a:lnSpc>
+                <a:spcPct val="150000"/>
+              </a:lnSpc>
+              <a:buFont typeface="Arial" panose="020B0604020202020204" pitchFamily="34" charset="0"/>
+              <a:buChar char="•"/>
+            </a:pPr>
+            <a:r>
+              <a:rPr lang="en-US" altLang="zh-TW" sz="2400" b="1" dirty="0">
+                <a:latin typeface="Times New Roman" panose="02020603050405020304" pitchFamily="18" charset="0"/>
+                <a:cs typeface="Times New Roman" panose="02020603050405020304" pitchFamily="18" charset="0"/>
+              </a:rPr>
+              <a:t>Workflow</a:t>
+            </a:r>
+            <a:endParaRPr lang="en-US" altLang="zh-TW" b="1" dirty="0">
+              <a:latin typeface="Times New Roman" panose="02020603050405020304" pitchFamily="18" charset="0"/>
+              <a:cs typeface="Times New Roman" panose="02020603050405020304" pitchFamily="18" charset="0"/>
+            </a:endParaRPr>
+          </a:p>
+        </p:txBody>
+      </p:sp>
+    </p:spTree>
+    <p:extLst>
+      <p:ext uri="{BB962C8B-B14F-4D97-AF65-F5344CB8AC3E}">
+        <p14:creationId xmlns:p14="http://schemas.microsoft.com/office/powerpoint/2010/main" val="3477470971"/>
+      </p:ext>
+    </p:extLst>
+  </p:cSld>
+  <p:clrMapOvr>
+    <a:masterClrMapping/>
+  </p:clrMapOvr>
+  <mc:AlternateContent xmlns:mc="http://schemas.openxmlformats.org/markup-compatibility/2006" xmlns:p159="http://schemas.microsoft.com/office/powerpoint/2015/09/main">
+    <mc:Choice Requires="p159">
+      <p:transition xmlns:p14="http://schemas.microsoft.com/office/powerpoint/2010/main" spd="slow" p14:dur="1500">
+        <p159:morph option="byObject"/>
+      </p:transition>
+    </mc:Choice>
+    <mc:Fallback xmlns="">
+      <p:transition spd="slow">
+        <p:fade/>
+      </p:transition>
+    </mc:Fallback>
+  </mc:AlternateContent>
+</p:sld>
+</file>
+
+<file path=ppt/slides/slide15.xml><?xml version="1.0" encoding="utf-8"?>
+<p:sld xmlns:a="http://schemas.openxmlformats.org/drawingml/2006/main" xmlns:r="http://schemas.openxmlformats.org/officeDocument/2006/relationships" xmlns:p="http://schemas.openxmlformats.org/presentationml/2006/main">
+  <p:cSld>
+    <p:spTree>
+      <p:nvGrpSpPr>
+        <p:cNvPr id="1" name=""/>
+        <p:cNvGrpSpPr/>
+        <p:nvPr/>
+      </p:nvGrpSpPr>
+      <p:grpSpPr>
+        <a:xfrm>
+          <a:off x="0" y="0"/>
+          <a:ext cx="0" cy="0"/>
+          <a:chOff x="0" y="0"/>
+          <a:chExt cx="0" cy="0"/>
+        </a:xfrm>
+      </p:grpSpPr>
+      <p:sp>
+        <p:nvSpPr>
+          <p:cNvPr id="3" name="標題 2">
+            <a:extLst>
+              <a:ext uri="{FF2B5EF4-FFF2-40B4-BE49-F238E27FC236}">
+                <a16:creationId xmlns:a16="http://schemas.microsoft.com/office/drawing/2014/main" id="{D7232380-22D4-47E6-A40E-ABF38AB200C3}"/>
+              </a:ext>
+            </a:extLst>
+          </p:cNvPr>
+          <p:cNvSpPr>
+            <a:spLocks noGrp="1"/>
+          </p:cNvSpPr>
+          <p:nvPr>
+            <p:ph type="title"/>
+          </p:nvPr>
+        </p:nvSpPr>
+        <p:spPr/>
+        <p:txBody>
+          <a:bodyPr/>
+          <a:lstStyle/>
+          <a:p>
+            <a:r>
+              <a:rPr lang="zh-TW" altLang="en-US" dirty="0"/>
+              <a:t>專案架構</a:t>
+            </a:r>
+          </a:p>
+        </p:txBody>
+      </p:sp>
+      <p:sp>
+        <p:nvSpPr>
+          <p:cNvPr id="4" name="投影片編號版面配置區 3">
+            <a:extLst>
+              <a:ext uri="{FF2B5EF4-FFF2-40B4-BE49-F238E27FC236}">
+                <a16:creationId xmlns:a16="http://schemas.microsoft.com/office/drawing/2014/main" id="{CC364F06-FBAE-41F1-9123-C093E43ADC15}"/>
+              </a:ext>
+            </a:extLst>
+          </p:cNvPr>
+          <p:cNvSpPr>
+            <a:spLocks noGrp="1"/>
+          </p:cNvSpPr>
+          <p:nvPr>
+            <p:ph type="sldNum" sz="quarter" idx="12"/>
+          </p:nvPr>
+        </p:nvSpPr>
+        <p:spPr/>
+        <p:txBody>
+          <a:bodyPr/>
+          <a:lstStyle/>
+          <a:p>
+            <a:fld id="{90F9E983-480B-48C5-9E0F-D21C0DFBB5C0}" type="slidenum">
+              <a:rPr lang="zh-TW" altLang="en-US" smtClean="0"/>
+              <a:t>15</a:t>
+            </a:fld>
+            <a:endParaRPr lang="zh-TW" altLang="en-US"/>
+          </a:p>
+        </p:txBody>
+      </p:sp>
+      <p:sp>
+        <p:nvSpPr>
+          <p:cNvPr id="7" name="文字方塊 6">
+            <a:extLst>
+              <a:ext uri="{FF2B5EF4-FFF2-40B4-BE49-F238E27FC236}">
+                <a16:creationId xmlns:a16="http://schemas.microsoft.com/office/drawing/2014/main" id="{AD55F1C5-EE80-C99C-EC7C-DA31D6390985}"/>
+              </a:ext>
+            </a:extLst>
+          </p:cNvPr>
+          <p:cNvSpPr txBox="1"/>
+          <p:nvPr/>
+        </p:nvSpPr>
+        <p:spPr>
+          <a:xfrm>
+            <a:off x="838200" y="1085125"/>
+            <a:ext cx="10515600" cy="579967"/>
+          </a:xfrm>
+          <a:prstGeom prst="rect">
+            <a:avLst/>
+          </a:prstGeom>
+          <a:noFill/>
+        </p:spPr>
+        <p:txBody>
+          <a:bodyPr wrap="square">
+            <a:spAutoFit/>
+          </a:bodyPr>
+          <a:lstStyle/>
+          <a:p>
+            <a:pPr marL="342900" indent="-342900">
+              <a:lnSpc>
+                <a:spcPct val="150000"/>
+              </a:lnSpc>
+              <a:buFont typeface="Arial" panose="020B0604020202020204" pitchFamily="34" charset="0"/>
+              <a:buChar char="•"/>
+            </a:pPr>
+            <a:r>
+              <a:rPr lang="en-US" altLang="zh-TW" sz="2400" b="1" dirty="0">
+                <a:latin typeface="Times New Roman" panose="02020603050405020304" pitchFamily="18" charset="0"/>
+                <a:cs typeface="Times New Roman" panose="02020603050405020304" pitchFamily="18" charset="0"/>
+              </a:rPr>
+              <a:t>MSC</a:t>
+            </a:r>
+            <a:endParaRPr lang="en-US" altLang="zh-TW" b="1" dirty="0">
+              <a:latin typeface="Times New Roman" panose="02020603050405020304" pitchFamily="18" charset="0"/>
+              <a:cs typeface="Times New Roman" panose="02020603050405020304" pitchFamily="18" charset="0"/>
+            </a:endParaRPr>
+          </a:p>
+        </p:txBody>
+      </p:sp>
+    </p:spTree>
+    <p:extLst>
+      <p:ext uri="{BB962C8B-B14F-4D97-AF65-F5344CB8AC3E}">
+        <p14:creationId xmlns:p14="http://schemas.microsoft.com/office/powerpoint/2010/main" val="1617087318"/>
+      </p:ext>
+    </p:extLst>
+  </p:cSld>
+  <p:clrMapOvr>
+    <a:masterClrMapping/>
+  </p:clrMapOvr>
+  <mc:AlternateContent xmlns:mc="http://schemas.openxmlformats.org/markup-compatibility/2006" xmlns:p159="http://schemas.microsoft.com/office/powerpoint/2015/09/main">
+    <mc:Choice Requires="p159">
+      <p:transition xmlns:p14="http://schemas.microsoft.com/office/powerpoint/2010/main" spd="slow" p14:dur="1500">
+        <p159:morph option="byObject"/>
+      </p:transition>
+    </mc:Choice>
+    <mc:Fallback xmlns="">
+      <p:transition spd="slow">
+        <p:fade/>
+      </p:transition>
+    </mc:Fallback>
+  </mc:AlternateContent>
+</p:sld>
+</file>
+
+<file path=ppt/slides/slide16.xml><?xml version="1.0" encoding="utf-8"?>
+<p:sld xmlns:a="http://schemas.openxmlformats.org/drawingml/2006/main" xmlns:r="http://schemas.openxmlformats.org/officeDocument/2006/relationships" xmlns:p="http://schemas.openxmlformats.org/presentationml/2006/main">
+  <p:cSld>
+    <p:spTree>
+      <p:nvGrpSpPr>
+        <p:cNvPr id="1" name=""/>
+        <p:cNvGrpSpPr/>
+        <p:nvPr/>
+      </p:nvGrpSpPr>
+      <p:grpSpPr>
+        <a:xfrm>
+          <a:off x="0" y="0"/>
+          <a:ext cx="0" cy="0"/>
+          <a:chOff x="0" y="0"/>
+          <a:chExt cx="0" cy="0"/>
+        </a:xfrm>
+      </p:grpSpPr>
+      <p:sp>
+        <p:nvSpPr>
           <p:cNvPr id="2" name="內容版面配置區 1">
             <a:extLst>
               <a:ext uri="{FF2B5EF4-FFF2-40B4-BE49-F238E27FC236}">
@@ -4279,7 +5911,7 @@
           <a:p>
             <a:fld id="{90F9E983-480B-48C5-9E0F-D21C0DFBB5C0}" type="slidenum">
               <a:rPr lang="zh-TW" altLang="en-US" smtClean="0"/>
-              <a:t>12</a:t>
+              <a:t>16</a:t>
             </a:fld>
             <a:endParaRPr lang="zh-TW" altLang="en-US"/>
           </a:p>
@@ -4399,7 +6031,7 @@
         <p:spPr>
           <a:xfrm>
             <a:off x="838200" y="1085125"/>
-            <a:ext cx="10515600" cy="5029582"/>
+            <a:ext cx="10515600" cy="4752583"/>
           </a:xfrm>
           <a:prstGeom prst="rect">
             <a:avLst/>
@@ -4451,7 +6083,7 @@
               <a:buAutoNum type="arabicPeriod"/>
             </a:pPr>
             <a:r>
-              <a:rPr lang="zh-TW" altLang="en-US" sz="2400" i="0" dirty="0">
+              <a:rPr lang="zh-TW" altLang="en-US" i="0" dirty="0">
                 <a:solidFill>
                   <a:srgbClr val="202122"/>
                 </a:solidFill>
@@ -4462,7 +6094,7 @@
               <a:t>遊戲引擎</a:t>
             </a:r>
             <a:r>
-              <a:rPr lang="en-US" altLang="zh-TW" sz="2400" b="1" dirty="0">
+              <a:rPr lang="en-US" altLang="zh-TW" b="1" dirty="0">
                 <a:solidFill>
                   <a:srgbClr val="202122"/>
                 </a:solidFill>
@@ -4472,7 +6104,7 @@
               <a:t>-</a:t>
             </a:r>
             <a:r>
-              <a:rPr lang="zh-TW" altLang="en-US" sz="2400" i="0" dirty="0">
+              <a:rPr lang="zh-TW" altLang="en-US" i="0" dirty="0">
                 <a:solidFill>
                   <a:srgbClr val="202122"/>
                 </a:solidFill>
@@ -4483,7 +6115,7 @@
               <a:t>打磚塊</a:t>
             </a:r>
             <a:r>
-              <a:rPr lang="en-US" altLang="zh-TW" sz="2400" i="0" dirty="0">
+              <a:rPr lang="en-US" altLang="zh-TW" i="0" dirty="0">
                 <a:solidFill>
                   <a:srgbClr val="202122"/>
                 </a:solidFill>
@@ -4494,7 +6126,7 @@
               <a:t>(</a:t>
             </a:r>
             <a:r>
-              <a:rPr lang="en-US" altLang="zh-TW" sz="2400" i="0" dirty="0">
+              <a:rPr lang="en-US" altLang="zh-TW" i="0" dirty="0">
                 <a:solidFill>
                   <a:srgbClr val="202122"/>
                 </a:solidFill>
@@ -4506,7 +6138,7 @@
               <a:t>Arkanoid</a:t>
             </a:r>
             <a:r>
-              <a:rPr lang="en-US" altLang="zh-TW" sz="2400" dirty="0">
+              <a:rPr lang="en-US" altLang="zh-TW" dirty="0">
                 <a:solidFill>
                   <a:srgbClr val="202122"/>
                 </a:solidFill>
@@ -4516,7 +6148,7 @@
               </a:rPr>
               <a:t>):</a:t>
             </a:r>
-            <a:endParaRPr lang="en-US" altLang="zh-TW" sz="2400" b="1" i="0" dirty="0">
+            <a:endParaRPr lang="en-US" altLang="zh-TW" b="1" i="0" dirty="0">
               <a:solidFill>
                 <a:srgbClr val="202122"/>
               </a:solidFill>
@@ -4585,25 +6217,16 @@
             </a:endParaRPr>
           </a:p>
           <a:p>
-            <a:pPr marL="800100" marR="0" lvl="1" indent="-342900" algn="l" defTabSz="914400" rtl="0" eaLnBrk="1" fontAlgn="auto" latinLnBrk="0" hangingPunct="1">
+            <a:pPr marL="1257300" lvl="2" indent="-342900">
               <a:lnSpc>
                 <a:spcPct val="150000"/>
               </a:lnSpc>
-              <a:spcBef>
-                <a:spcPts val="0"/>
-              </a:spcBef>
-              <a:spcAft>
-                <a:spcPts val="0"/>
-              </a:spcAft>
-              <a:buClrTx/>
-              <a:buSzTx/>
               <a:buFont typeface="Arial" panose="020B0604020202020204" pitchFamily="34" charset="0"/>
               <a:buChar char="•"/>
-              <a:tabLst/>
               <a:defRPr/>
             </a:pPr>
             <a:r>
-              <a:rPr kumimoji="0" lang="zh-TW" altLang="en-US" sz="2000" b="0" i="0" u="none" strike="noStrike" kern="1200" cap="none" spc="0" normalizeH="0" baseline="0" noProof="0" dirty="0">
+              <a:rPr kumimoji="0" lang="zh-TW" altLang="en-US" b="0" i="0" u="none" strike="noStrike" kern="1200" cap="none" spc="0" normalizeH="0" baseline="0" noProof="0" dirty="0">
                 <a:ln>
                   <a:noFill/>
                 </a:ln>
@@ -4620,7 +6243,7 @@
               <a:t>遊戲</a:t>
             </a:r>
             <a:r>
-              <a:rPr lang="zh-TW" altLang="en-US" sz="2000" dirty="0">
+              <a:rPr lang="zh-TW" altLang="en-US" dirty="0">
                 <a:solidFill>
                   <a:srgbClr val="202122"/>
                 </a:solidFill>
@@ -4630,7 +6253,7 @@
               <a:t>機制</a:t>
             </a:r>
             <a:r>
-              <a:rPr kumimoji="0" lang="en-US" altLang="zh-TW" sz="2000" b="0" i="0" u="none" strike="noStrike" kern="1200" cap="none" spc="0" normalizeH="0" baseline="0" noProof="0" dirty="0">
+              <a:rPr kumimoji="0" lang="en-US" altLang="zh-TW" b="0" i="0" u="none" strike="noStrike" kern="1200" cap="none" spc="0" normalizeH="0" baseline="0" noProof="0" dirty="0">
                 <a:ln>
                   <a:noFill/>
                 </a:ln>
@@ -4646,7 +6269,7 @@
               </a:rPr>
               <a:t>:</a:t>
             </a:r>
-            <a:endParaRPr lang="en-US" altLang="zh-TW" sz="1600" dirty="0">
+            <a:endParaRPr lang="en-US" altLang="zh-TW" dirty="0">
               <a:solidFill>
                 <a:srgbClr val="202122"/>
               </a:solidFill>
@@ -4655,7 +6278,7 @@
             </a:endParaRPr>
           </a:p>
           <a:p>
-            <a:pPr marL="1257300" lvl="2" indent="-342900">
+            <a:pPr marL="1714500" lvl="3" indent="-342900">
               <a:lnSpc>
                 <a:spcPct val="150000"/>
               </a:lnSpc>
@@ -4688,7 +6311,7 @@
             </a:endParaRPr>
           </a:p>
           <a:p>
-            <a:pPr marL="1257300" lvl="2" indent="-342900">
+            <a:pPr marL="1714500" lvl="3" indent="-342900">
               <a:lnSpc>
                 <a:spcPct val="150000"/>
               </a:lnSpc>
@@ -4730,7 +6353,7 @@
             </a:endParaRPr>
           </a:p>
           <a:p>
-            <a:pPr marL="1257300" lvl="2" indent="-342900">
+            <a:pPr marL="1714500" lvl="3" indent="-342900">
               <a:lnSpc>
                 <a:spcPct val="150000"/>
               </a:lnSpc>
@@ -4887,7 +6510,7 @@
         <p:spPr>
           <a:xfrm>
             <a:off x="838200" y="1085125"/>
-            <a:ext cx="10515600" cy="3413755"/>
+            <a:ext cx="10515600" cy="3090590"/>
           </a:xfrm>
           <a:prstGeom prst="rect">
             <a:avLst/>
@@ -4939,7 +6562,7 @@
               <a:buAutoNum type="arabicPeriod" startAt="2"/>
             </a:pPr>
             <a:r>
-              <a:rPr lang="en-US" altLang="zh-TW" sz="2400" i="0" dirty="0">
+              <a:rPr lang="en-US" altLang="zh-TW" i="0" dirty="0">
                 <a:solidFill>
                   <a:srgbClr val="202122"/>
                 </a:solidFill>
@@ -4951,7 +6574,7 @@
               <a:t>ML</a:t>
             </a:r>
             <a:r>
-              <a:rPr lang="zh-TW" altLang="en-US" sz="2400" i="0" dirty="0">
+              <a:rPr lang="zh-TW" altLang="en-US" i="0" dirty="0">
                 <a:solidFill>
                   <a:srgbClr val="202122"/>
                 </a:solidFill>
@@ -4963,7 +6586,7 @@
               <a:t> </a:t>
             </a:r>
             <a:r>
-              <a:rPr lang="en-US" altLang="zh-TW" sz="2400" i="0" dirty="0">
+              <a:rPr lang="en-US" altLang="zh-TW" i="0" dirty="0">
                 <a:solidFill>
                   <a:srgbClr val="202122"/>
                 </a:solidFill>
@@ -4975,7 +6598,7 @@
               <a:t>model</a:t>
             </a:r>
             <a:r>
-              <a:rPr lang="en-US" altLang="zh-TW" sz="2400" b="1" dirty="0">
+              <a:rPr lang="en-US" altLang="zh-TW" b="1" dirty="0">
                 <a:solidFill>
                   <a:srgbClr val="202122"/>
                 </a:solidFill>
@@ -4985,7 +6608,7 @@
               <a:t>-</a:t>
             </a:r>
             <a:r>
-              <a:rPr lang="en-US" altLang="zh-TW" sz="2400" i="0" dirty="0">
+              <a:rPr lang="en-US" altLang="zh-TW" i="0" dirty="0">
                 <a:solidFill>
                   <a:srgbClr val="202122"/>
                 </a:solidFill>
@@ -4997,7 +6620,7 @@
               <a:t>Q-Learning</a:t>
             </a:r>
             <a:r>
-              <a:rPr lang="en-US" altLang="zh-TW" sz="2400" dirty="0">
+              <a:rPr lang="en-US" altLang="zh-TW" dirty="0">
                 <a:solidFill>
                   <a:srgbClr val="202122"/>
                 </a:solidFill>
@@ -5017,7 +6640,7 @@
               <a:buChar char="•"/>
             </a:pPr>
             <a:r>
-              <a:rPr lang="zh-TW" altLang="en-US" sz="2000" i="0" dirty="0">
+              <a:rPr lang="zh-TW" altLang="en-US" i="0" dirty="0">
                 <a:solidFill>
                   <a:srgbClr val="202122"/>
                 </a:solidFill>
@@ -5028,7 +6651,7 @@
               <a:t>樣本收集</a:t>
             </a:r>
             <a:r>
-              <a:rPr lang="zh-TW" altLang="en-US" sz="2000" dirty="0">
+              <a:rPr lang="zh-TW" altLang="en-US" dirty="0">
                 <a:solidFill>
                   <a:srgbClr val="202122"/>
                 </a:solidFill>
@@ -5038,7 +6661,7 @@
               <a:t> </a:t>
             </a:r>
             <a:r>
-              <a:rPr lang="en-US" altLang="zh-TW" sz="2000" dirty="0">
+              <a:rPr lang="en-US" altLang="zh-TW" dirty="0">
                 <a:solidFill>
                   <a:srgbClr val="202122"/>
                 </a:solidFill>
@@ -5055,7 +6678,7 @@
               </a:lnSpc>
             </a:pPr>
             <a:r>
-              <a:rPr lang="zh-TW" altLang="en-US" sz="2000" dirty="0">
+              <a:rPr lang="zh-TW" altLang="en-US" dirty="0">
                 <a:solidFill>
                   <a:srgbClr val="202122"/>
                 </a:solidFill>
@@ -5065,7 +6688,7 @@
               <a:t>透過玩家遊玩，收集遊戲特徵</a:t>
             </a:r>
             <a:r>
-              <a:rPr lang="en-US" altLang="zh-TW" sz="2000" dirty="0">
+              <a:rPr lang="en-US" altLang="zh-TW" dirty="0">
                 <a:solidFill>
                   <a:srgbClr val="202122"/>
                 </a:solidFill>
@@ -5075,7 +6698,7 @@
               <a:t>(</a:t>
             </a:r>
             <a:r>
-              <a:rPr lang="zh-TW" altLang="en-US" sz="2000" dirty="0">
+              <a:rPr lang="zh-TW" altLang="en-US" dirty="0">
                 <a:solidFill>
                   <a:srgbClr val="202122"/>
                 </a:solidFill>
@@ -5085,7 +6708,7 @@
               <a:t>球位置、板子位置</a:t>
             </a:r>
             <a:r>
-              <a:rPr lang="en-US" altLang="zh-TW" sz="2000" dirty="0">
+              <a:rPr lang="en-US" altLang="zh-TW" dirty="0">
                 <a:solidFill>
                   <a:srgbClr val="202122"/>
                 </a:solidFill>
@@ -5095,7 +6718,7 @@
               <a:t>)</a:t>
             </a:r>
             <a:r>
-              <a:rPr lang="zh-TW" altLang="en-US" sz="2000" dirty="0">
+              <a:rPr lang="zh-TW" altLang="en-US" dirty="0">
                 <a:solidFill>
                   <a:srgbClr val="202122"/>
                 </a:solidFill>
@@ -5105,7 +6728,7 @@
               <a:t>更新</a:t>
             </a:r>
             <a:r>
-              <a:rPr lang="en-US" altLang="zh-TW" sz="2000" dirty="0">
+              <a:rPr lang="en-US" altLang="zh-TW" dirty="0">
                 <a:solidFill>
                   <a:srgbClr val="202122"/>
                 </a:solidFill>
@@ -5115,7 +6738,7 @@
               </a:rPr>
               <a:t>Q-Table</a:t>
             </a:r>
-            <a:endParaRPr lang="en-US" altLang="zh-TW" sz="2000" i="0" dirty="0">
+            <a:endParaRPr lang="en-US" altLang="zh-TW" i="0" dirty="0">
               <a:solidFill>
                 <a:srgbClr val="202122"/>
               </a:solidFill>
@@ -5134,7 +6757,7 @@
               <a:buChar char="•"/>
             </a:pPr>
             <a:r>
-              <a:rPr lang="zh-TW" altLang="en-US" sz="2000" dirty="0">
+              <a:rPr lang="zh-TW" altLang="en-US" dirty="0">
                 <a:solidFill>
                   <a:srgbClr val="202122"/>
                 </a:solidFill>
@@ -5144,7 +6767,7 @@
               <a:t>預測 </a:t>
             </a:r>
             <a:r>
-              <a:rPr lang="en-US" altLang="zh-TW" sz="2000" dirty="0">
+              <a:rPr lang="en-US" altLang="zh-TW" dirty="0">
                 <a:solidFill>
                   <a:srgbClr val="202122"/>
                 </a:solidFill>
@@ -5154,7 +6777,7 @@
               <a:t>:</a:t>
             </a:r>
             <a:r>
-              <a:rPr lang="zh-TW" altLang="en-US" sz="2000" dirty="0">
+              <a:rPr lang="zh-TW" altLang="en-US" dirty="0">
                 <a:solidFill>
                   <a:srgbClr val="202122"/>
                 </a:solidFill>
@@ -5163,7 +6786,7 @@
               </a:rPr>
               <a:t> </a:t>
             </a:r>
-            <a:endParaRPr lang="en-US" altLang="zh-TW" sz="2000" dirty="0">
+            <a:endParaRPr lang="en-US" altLang="zh-TW" dirty="0">
               <a:solidFill>
                 <a:srgbClr val="202122"/>
               </a:solidFill>
@@ -5178,7 +6801,7 @@
               </a:lnSpc>
             </a:pPr>
             <a:r>
-              <a:rPr lang="zh-TW" altLang="en-US" sz="2000" dirty="0">
+              <a:rPr lang="zh-TW" altLang="en-US" dirty="0">
                 <a:solidFill>
                   <a:srgbClr val="202122"/>
                 </a:solidFill>
@@ -5188,7 +6811,7 @@
               <a:t>利用</a:t>
             </a:r>
             <a:r>
-              <a:rPr lang="en-US" altLang="zh-TW" sz="2000" dirty="0">
+              <a:rPr lang="en-US" altLang="zh-TW" dirty="0">
                 <a:solidFill>
                   <a:srgbClr val="202122"/>
                 </a:solidFill>
@@ -5199,7 +6822,7 @@
               <a:t>Q-Table</a:t>
             </a:r>
             <a:r>
-              <a:rPr lang="zh-TW" altLang="en-US" sz="2000" dirty="0">
+              <a:rPr lang="zh-TW" altLang="en-US" dirty="0">
                 <a:solidFill>
                   <a:srgbClr val="202122"/>
                 </a:solidFill>
@@ -5208,7 +6831,7 @@
               </a:rPr>
               <a:t>，根據不同特徵進行預測</a:t>
             </a:r>
-            <a:endParaRPr lang="en-US" altLang="zh-TW" sz="2000" i="0" dirty="0">
+            <a:endParaRPr lang="en-US" altLang="zh-TW" i="0" dirty="0">
               <a:solidFill>
                 <a:srgbClr val="202122"/>
               </a:solidFill>
@@ -5355,7 +6978,7 @@
         <p:spPr>
           <a:xfrm>
             <a:off x="838200" y="1085125"/>
-            <a:ext cx="10515600" cy="1595630"/>
+            <a:ext cx="10515600" cy="1964961"/>
           </a:xfrm>
           <a:prstGeom prst="rect">
             <a:avLst/>
@@ -5424,17 +7047,7 @@
               <a:buAutoNum type="arabicPeriod"/>
             </a:pPr>
             <a:r>
-              <a:rPr lang="zh-TW" altLang="en-US" sz="2000" dirty="0">
-                <a:solidFill>
-                  <a:srgbClr val="202122"/>
-                </a:solidFill>
-                <a:latin typeface="標楷體" panose="03000509000000000000" pitchFamily="65" charset="-120"/>
-                <a:ea typeface="標楷體" panose="03000509000000000000" pitchFamily="65" charset="-120"/>
-              </a:rPr>
-              <a:t>可以透過</a:t>
-            </a:r>
-            <a:r>
-              <a:rPr lang="en-US" altLang="zh-TW" sz="2000" dirty="0">
+              <a:rPr lang="zh-TW" altLang="en-US" dirty="0">
                 <a:solidFill>
                   <a:srgbClr val="202122"/>
                 </a:solidFill>
@@ -5442,20 +7055,27 @@
                 <a:ea typeface="標楷體" panose="03000509000000000000" pitchFamily="65" charset="-120"/>
                 <a:cs typeface="Times New Roman" panose="02020603050405020304" pitchFamily="18" charset="0"/>
               </a:rPr>
-              <a:t>AI</a:t>
-            </a:r>
-            <a:r>
-              <a:rPr lang="zh-TW" altLang="en-US" sz="2000" dirty="0">
-                <a:solidFill>
-                  <a:srgbClr val="202122"/>
-                </a:solidFill>
-                <a:latin typeface="標楷體" panose="03000509000000000000" pitchFamily="65" charset="-120"/>
-                <a:ea typeface="標楷體" panose="03000509000000000000" pitchFamily="65" charset="-120"/>
-              </a:rPr>
-              <a:t>遊玩到</a:t>
-            </a:r>
-            <a:r>
-              <a:rPr lang="en-US" altLang="zh-TW" sz="2000" dirty="0">
+              <a:t>針對不同關卡皆可進行遊玩</a:t>
+            </a:r>
+            <a:endParaRPr lang="en-US" altLang="zh-TW" dirty="0">
+              <a:solidFill>
+                <a:srgbClr val="202122"/>
+              </a:solidFill>
+              <a:latin typeface="Times New Roman" panose="02020603050405020304" pitchFamily="18" charset="0"/>
+              <a:ea typeface="標楷體" panose="03000509000000000000" pitchFamily="65" charset="-120"/>
+              <a:cs typeface="Times New Roman" panose="02020603050405020304" pitchFamily="18" charset="0"/>
+            </a:endParaRPr>
+          </a:p>
+          <a:p>
+            <a:pPr marL="914400" lvl="1" indent="-457200">
+              <a:lnSpc>
+                <a:spcPct val="150000"/>
+              </a:lnSpc>
+              <a:buFont typeface="+mj-lt"/>
+              <a:buAutoNum type="arabicPeriod"/>
+            </a:pPr>
+            <a:r>
+              <a:rPr lang="zh-TW" altLang="en-US" dirty="0">
                 <a:solidFill>
                   <a:srgbClr val="202122"/>
                 </a:solidFill>
@@ -5463,10 +7083,10 @@
                 <a:ea typeface="標楷體" panose="03000509000000000000" pitchFamily="65" charset="-120"/>
                 <a:cs typeface="Times New Roman" panose="02020603050405020304" pitchFamily="18" charset="0"/>
               </a:rPr>
-              <a:t>Level</a:t>
-            </a:r>
-            <a:r>
-              <a:rPr lang="zh-TW" altLang="en-US" sz="2000" dirty="0">
+              <a:t>遊戲</a:t>
+            </a:r>
+            <a:r>
+              <a:rPr lang="en-US" altLang="zh-TW" dirty="0">
                 <a:solidFill>
                   <a:srgbClr val="202122"/>
                 </a:solidFill>
@@ -5474,10 +7094,21 @@
                 <a:ea typeface="標楷體" panose="03000509000000000000" pitchFamily="65" charset="-120"/>
                 <a:cs typeface="Times New Roman" panose="02020603050405020304" pitchFamily="18" charset="0"/>
               </a:rPr>
+              <a:t>FPS</a:t>
+            </a:r>
+            <a:r>
+              <a:rPr lang="zh-TW" altLang="en-US" dirty="0">
+                <a:solidFill>
+                  <a:srgbClr val="202122"/>
+                </a:solidFill>
+                <a:latin typeface="Times New Roman" panose="02020603050405020304" pitchFamily="18" charset="0"/>
+                <a:ea typeface="標楷體" panose="03000509000000000000" pitchFamily="65" charset="-120"/>
+                <a:cs typeface="Times New Roman" panose="02020603050405020304" pitchFamily="18" charset="0"/>
+              </a:rPr>
               <a:t> </a:t>
             </a:r>
             <a:r>
-              <a:rPr lang="en-US" altLang="zh-TW" sz="2000" dirty="0">
+              <a:rPr lang="en-US" altLang="zh-TW" dirty="0">
                 <a:solidFill>
                   <a:srgbClr val="202122"/>
                 </a:solidFill>
@@ -5485,7 +7116,29 @@
                 <a:ea typeface="標楷體" panose="03000509000000000000" pitchFamily="65" charset="-120"/>
                 <a:cs typeface="Times New Roman" panose="02020603050405020304" pitchFamily="18" charset="0"/>
               </a:rPr>
-              <a:t>20</a:t>
+              <a:t>:</a:t>
+            </a:r>
+            <a:r>
+              <a:rPr lang="zh-TW" altLang="en-US" dirty="0">
+                <a:solidFill>
+                  <a:srgbClr val="202122"/>
+                </a:solidFill>
+                <a:latin typeface="Times New Roman" panose="02020603050405020304" pitchFamily="18" charset="0"/>
+                <a:ea typeface="標楷體" panose="03000509000000000000" pitchFamily="65" charset="-120"/>
+                <a:cs typeface="Times New Roman" panose="02020603050405020304" pitchFamily="18" charset="0"/>
+              </a:rPr>
+              <a:t> </a:t>
+            </a:r>
+            <a:r>
+              <a:rPr lang="en-US" altLang="zh-TW" dirty="0">
+                <a:solidFill>
+                  <a:srgbClr val="202122"/>
+                </a:solidFill>
+                <a:latin typeface="Times New Roman" panose="02020603050405020304" pitchFamily="18" charset="0"/>
+                <a:ea typeface="標楷體" panose="03000509000000000000" pitchFamily="65" charset="-120"/>
+                <a:cs typeface="Times New Roman" panose="02020603050405020304" pitchFamily="18" charset="0"/>
+              </a:rPr>
+              <a:t>30</a:t>
             </a:r>
           </a:p>
           <a:p>
@@ -5622,7 +7275,7 @@
         <p:spPr>
           <a:xfrm>
             <a:off x="838200" y="1085125"/>
-            <a:ext cx="10515600" cy="581378"/>
+            <a:ext cx="10515600" cy="4459362"/>
           </a:xfrm>
           <a:prstGeom prst="rect">
             <a:avLst/>
@@ -5664,6 +7317,544 @@
               </a:rPr>
               <a:t>:</a:t>
             </a:r>
+          </a:p>
+          <a:p>
+            <a:pPr marL="800100" lvl="1" indent="-342900">
+              <a:lnSpc>
+                <a:spcPct val="150000"/>
+              </a:lnSpc>
+              <a:buFont typeface="Arial" panose="020B0604020202020204" pitchFamily="34" charset="0"/>
+              <a:buChar char="•"/>
+            </a:pPr>
+            <a:r>
+              <a:rPr lang="zh-TW" altLang="en-US" i="0" dirty="0">
+                <a:solidFill>
+                  <a:srgbClr val="202122"/>
+                </a:solidFill>
+                <a:effectLst/>
+                <a:latin typeface="標楷體" panose="03000509000000000000" pitchFamily="65" charset="-120"/>
+                <a:ea typeface="標楷體" panose="03000509000000000000" pitchFamily="65" charset="-120"/>
+              </a:rPr>
+              <a:t>外部介面 </a:t>
+            </a:r>
+            <a:r>
+              <a:rPr lang="en-US" altLang="zh-TW" i="0" dirty="0">
+                <a:solidFill>
+                  <a:srgbClr val="202122"/>
+                </a:solidFill>
+                <a:effectLst/>
+                <a:latin typeface="標楷體" panose="03000509000000000000" pitchFamily="65" charset="-120"/>
+                <a:ea typeface="標楷體" panose="03000509000000000000" pitchFamily="65" charset="-120"/>
+              </a:rPr>
+              <a:t>:</a:t>
+            </a:r>
+          </a:p>
+          <a:p>
+            <a:pPr marL="1257300" lvl="2" indent="-342900">
+              <a:lnSpc>
+                <a:spcPct val="150000"/>
+              </a:lnSpc>
+              <a:buFont typeface="+mj-lt"/>
+              <a:buAutoNum type="arabicPeriod"/>
+            </a:pPr>
+            <a:r>
+              <a:rPr lang="zh-TW" altLang="en-US" i="0" dirty="0">
+                <a:solidFill>
+                  <a:srgbClr val="202122"/>
+                </a:solidFill>
+                <a:effectLst/>
+                <a:latin typeface="標楷體" panose="03000509000000000000" pitchFamily="65" charset="-120"/>
+                <a:ea typeface="標楷體" panose="03000509000000000000" pitchFamily="65" charset="-120"/>
+              </a:rPr>
+              <a:t>遊戲介面 </a:t>
+            </a:r>
+            <a:r>
+              <a:rPr lang="en-US" altLang="zh-TW" i="0" dirty="0">
+                <a:solidFill>
+                  <a:srgbClr val="202122"/>
+                </a:solidFill>
+                <a:effectLst/>
+                <a:latin typeface="標楷體" panose="03000509000000000000" pitchFamily="65" charset="-120"/>
+                <a:ea typeface="標楷體" panose="03000509000000000000" pitchFamily="65" charset="-120"/>
+              </a:rPr>
+              <a:t>:</a:t>
+            </a:r>
+            <a:r>
+              <a:rPr lang="zh-TW" altLang="en-US" i="0" dirty="0">
+                <a:solidFill>
+                  <a:srgbClr val="202122"/>
+                </a:solidFill>
+                <a:effectLst/>
+                <a:latin typeface="標楷體" panose="03000509000000000000" pitchFamily="65" charset="-120"/>
+                <a:ea typeface="標楷體" panose="03000509000000000000" pitchFamily="65" charset="-120"/>
+              </a:rPr>
+              <a:t> </a:t>
+            </a:r>
+            <a:endParaRPr lang="en-US" altLang="zh-TW" i="0" dirty="0">
+              <a:solidFill>
+                <a:srgbClr val="202122"/>
+              </a:solidFill>
+              <a:effectLst/>
+              <a:latin typeface="標楷體" panose="03000509000000000000" pitchFamily="65" charset="-120"/>
+              <a:ea typeface="標楷體" panose="03000509000000000000" pitchFamily="65" charset="-120"/>
+            </a:endParaRPr>
+          </a:p>
+          <a:p>
+            <a:pPr marL="1714500" lvl="3" indent="-342900">
+              <a:lnSpc>
+                <a:spcPct val="150000"/>
+              </a:lnSpc>
+              <a:buFont typeface="Arial" panose="020B0604020202020204" pitchFamily="34" charset="0"/>
+              <a:buChar char="•"/>
+            </a:pPr>
+            <a:r>
+              <a:rPr lang="zh-TW" altLang="en-US" dirty="0">
+                <a:solidFill>
+                  <a:srgbClr val="202122"/>
+                </a:solidFill>
+                <a:latin typeface="標楷體" panose="03000509000000000000" pitchFamily="65" charset="-120"/>
+                <a:ea typeface="標楷體" panose="03000509000000000000" pitchFamily="65" charset="-120"/>
+              </a:rPr>
+              <a:t>磚塊</a:t>
+            </a:r>
+            <a:endParaRPr lang="en-US" altLang="zh-TW" dirty="0">
+              <a:solidFill>
+                <a:srgbClr val="202122"/>
+              </a:solidFill>
+              <a:latin typeface="標楷體" panose="03000509000000000000" pitchFamily="65" charset="-120"/>
+              <a:ea typeface="標楷體" panose="03000509000000000000" pitchFamily="65" charset="-120"/>
+            </a:endParaRPr>
+          </a:p>
+          <a:p>
+            <a:pPr marL="1714500" lvl="3" indent="-342900">
+              <a:lnSpc>
+                <a:spcPct val="150000"/>
+              </a:lnSpc>
+              <a:buFont typeface="Arial" panose="020B0604020202020204" pitchFamily="34" charset="0"/>
+              <a:buChar char="•"/>
+            </a:pPr>
+            <a:r>
+              <a:rPr lang="zh-TW" altLang="en-US" i="0" dirty="0">
+                <a:solidFill>
+                  <a:srgbClr val="202122"/>
+                </a:solidFill>
+                <a:effectLst/>
+                <a:latin typeface="標楷體" panose="03000509000000000000" pitchFamily="65" charset="-120"/>
+                <a:ea typeface="標楷體" panose="03000509000000000000" pitchFamily="65" charset="-120"/>
+              </a:rPr>
+              <a:t>硬磚塊</a:t>
+            </a:r>
+            <a:endParaRPr lang="en-US" altLang="zh-TW" i="0" dirty="0">
+              <a:solidFill>
+                <a:srgbClr val="202122"/>
+              </a:solidFill>
+              <a:effectLst/>
+              <a:latin typeface="標楷體" panose="03000509000000000000" pitchFamily="65" charset="-120"/>
+              <a:ea typeface="標楷體" panose="03000509000000000000" pitchFamily="65" charset="-120"/>
+            </a:endParaRPr>
+          </a:p>
+          <a:p>
+            <a:pPr marL="1714500" lvl="3" indent="-342900">
+              <a:lnSpc>
+                <a:spcPct val="150000"/>
+              </a:lnSpc>
+              <a:buFont typeface="Arial" panose="020B0604020202020204" pitchFamily="34" charset="0"/>
+              <a:buChar char="•"/>
+            </a:pPr>
+            <a:r>
+              <a:rPr lang="zh-TW" altLang="en-US" dirty="0">
+                <a:solidFill>
+                  <a:srgbClr val="202122"/>
+                </a:solidFill>
+                <a:latin typeface="標楷體" panose="03000509000000000000" pitchFamily="65" charset="-120"/>
+                <a:ea typeface="標楷體" panose="03000509000000000000" pitchFamily="65" charset="-120"/>
+              </a:rPr>
+              <a:t>球</a:t>
+            </a:r>
+            <a:endParaRPr lang="en-US" altLang="zh-TW" dirty="0">
+              <a:solidFill>
+                <a:srgbClr val="202122"/>
+              </a:solidFill>
+              <a:latin typeface="標楷體" panose="03000509000000000000" pitchFamily="65" charset="-120"/>
+              <a:ea typeface="標楷體" panose="03000509000000000000" pitchFamily="65" charset="-120"/>
+            </a:endParaRPr>
+          </a:p>
+          <a:p>
+            <a:pPr marL="1714500" lvl="3" indent="-342900">
+              <a:lnSpc>
+                <a:spcPct val="150000"/>
+              </a:lnSpc>
+              <a:buFont typeface="Arial" panose="020B0604020202020204" pitchFamily="34" charset="0"/>
+              <a:buChar char="•"/>
+            </a:pPr>
+            <a:r>
+              <a:rPr lang="zh-TW" altLang="en-US" i="0" dirty="0">
+                <a:solidFill>
+                  <a:srgbClr val="202122"/>
+                </a:solidFill>
+                <a:effectLst/>
+                <a:latin typeface="標楷體" panose="03000509000000000000" pitchFamily="65" charset="-120"/>
+                <a:ea typeface="標楷體" panose="03000509000000000000" pitchFamily="65" charset="-120"/>
+              </a:rPr>
+              <a:t>板子</a:t>
+            </a:r>
+            <a:endParaRPr lang="en-US" altLang="zh-TW" i="0" dirty="0">
+              <a:solidFill>
+                <a:srgbClr val="202122"/>
+              </a:solidFill>
+              <a:effectLst/>
+              <a:latin typeface="標楷體" panose="03000509000000000000" pitchFamily="65" charset="-120"/>
+              <a:ea typeface="標楷體" panose="03000509000000000000" pitchFamily="65" charset="-120"/>
+            </a:endParaRPr>
+          </a:p>
+          <a:p>
+            <a:pPr marL="1257300" lvl="2" indent="-342900">
+              <a:lnSpc>
+                <a:spcPct val="150000"/>
+              </a:lnSpc>
+              <a:buFont typeface="+mj-lt"/>
+              <a:buAutoNum type="arabicPeriod"/>
+            </a:pPr>
+            <a:r>
+              <a:rPr lang="zh-TW" altLang="en-US" i="0" dirty="0">
+                <a:solidFill>
+                  <a:srgbClr val="202122"/>
+                </a:solidFill>
+                <a:effectLst/>
+                <a:latin typeface="標楷體" panose="03000509000000000000" pitchFamily="65" charset="-120"/>
+                <a:ea typeface="標楷體" panose="03000509000000000000" pitchFamily="65" charset="-120"/>
+              </a:rPr>
+              <a:t>控制 </a:t>
+            </a:r>
+            <a:r>
+              <a:rPr lang="en-US" altLang="zh-TW" i="0" dirty="0">
+                <a:solidFill>
+                  <a:srgbClr val="202122"/>
+                </a:solidFill>
+                <a:effectLst/>
+                <a:latin typeface="標楷體" panose="03000509000000000000" pitchFamily="65" charset="-120"/>
+                <a:ea typeface="標楷體" panose="03000509000000000000" pitchFamily="65" charset="-120"/>
+              </a:rPr>
+              <a:t>:</a:t>
+            </a:r>
+          </a:p>
+          <a:p>
+            <a:pPr marL="1714500" lvl="3" indent="-342900">
+              <a:lnSpc>
+                <a:spcPct val="150000"/>
+              </a:lnSpc>
+              <a:buFont typeface="Arial" panose="020B0604020202020204" pitchFamily="34" charset="0"/>
+              <a:buChar char="•"/>
+            </a:pPr>
+            <a:r>
+              <a:rPr lang="zh-TW" altLang="en-US" i="0" dirty="0">
+                <a:solidFill>
+                  <a:srgbClr val="202122"/>
+                </a:solidFill>
+                <a:effectLst/>
+                <a:latin typeface="標楷體" panose="03000509000000000000" pitchFamily="65" charset="-120"/>
+                <a:ea typeface="標楷體" panose="03000509000000000000" pitchFamily="65" charset="-120"/>
+              </a:rPr>
+              <a:t>左、右控制板子移動，</a:t>
+            </a:r>
+            <a:r>
+              <a:rPr lang="en-US" altLang="zh-TW" dirty="0">
+                <a:solidFill>
+                  <a:srgbClr val="202122"/>
+                </a:solidFill>
+                <a:latin typeface="Times New Roman" panose="02020603050405020304" pitchFamily="18" charset="0"/>
+                <a:ea typeface="標楷體" panose="03000509000000000000" pitchFamily="65" charset="-120"/>
+                <a:cs typeface="Times New Roman" panose="02020603050405020304" pitchFamily="18" charset="0"/>
+              </a:rPr>
+              <a:t>Q</a:t>
+            </a:r>
+            <a:r>
+              <a:rPr lang="zh-TW" altLang="en-US" dirty="0">
+                <a:solidFill>
+                  <a:srgbClr val="202122"/>
+                </a:solidFill>
+                <a:latin typeface="Times New Roman" panose="02020603050405020304" pitchFamily="18" charset="0"/>
+                <a:ea typeface="標楷體" panose="03000509000000000000" pitchFamily="65" charset="-120"/>
+                <a:cs typeface="Times New Roman" panose="02020603050405020304" pitchFamily="18" charset="0"/>
+              </a:rPr>
+              <a:t>、</a:t>
+            </a:r>
+            <a:r>
+              <a:rPr lang="en-US" altLang="zh-TW" dirty="0">
+                <a:solidFill>
+                  <a:srgbClr val="202122"/>
+                </a:solidFill>
+                <a:latin typeface="Times New Roman" panose="02020603050405020304" pitchFamily="18" charset="0"/>
+                <a:ea typeface="標楷體" panose="03000509000000000000" pitchFamily="65" charset="-120"/>
+                <a:cs typeface="Times New Roman" panose="02020603050405020304" pitchFamily="18" charset="0"/>
+              </a:rPr>
+              <a:t>E</a:t>
+            </a:r>
+            <a:r>
+              <a:rPr lang="zh-TW" altLang="en-US" dirty="0">
+                <a:solidFill>
+                  <a:srgbClr val="202122"/>
+                </a:solidFill>
+                <a:latin typeface="標楷體" panose="03000509000000000000" pitchFamily="65" charset="-120"/>
+                <a:ea typeface="標楷體" panose="03000509000000000000" pitchFamily="65" charset="-120"/>
+              </a:rPr>
+              <a:t>控制發球方向</a:t>
+            </a:r>
+            <a:endParaRPr lang="en-US" altLang="zh-TW" i="0" dirty="0">
+              <a:solidFill>
+                <a:srgbClr val="202122"/>
+              </a:solidFill>
+              <a:effectLst/>
+              <a:latin typeface="標楷體" panose="03000509000000000000" pitchFamily="65" charset="-120"/>
+              <a:ea typeface="標楷體" panose="03000509000000000000" pitchFamily="65" charset="-120"/>
+            </a:endParaRPr>
+          </a:p>
+          <a:p>
+            <a:pPr marL="342900" indent="-342900">
+              <a:lnSpc>
+                <a:spcPct val="150000"/>
+              </a:lnSpc>
+              <a:buFont typeface="Arial" panose="020B0604020202020204" pitchFamily="34" charset="0"/>
+              <a:buChar char="•"/>
+            </a:pPr>
+            <a:endParaRPr lang="en-US" altLang="zh-TW" sz="2400" b="1" i="0" dirty="0">
+              <a:solidFill>
+                <a:srgbClr val="202122"/>
+              </a:solidFill>
+              <a:effectLst/>
+              <a:latin typeface="標楷體" panose="03000509000000000000" pitchFamily="65" charset="-120"/>
+              <a:ea typeface="標楷體" panose="03000509000000000000" pitchFamily="65" charset="-120"/>
+            </a:endParaRPr>
+          </a:p>
+        </p:txBody>
+      </p:sp>
+      <p:pic>
+        <p:nvPicPr>
+          <p:cNvPr id="5" name="圖片 4">
+            <a:extLst>
+              <a:ext uri="{FF2B5EF4-FFF2-40B4-BE49-F238E27FC236}">
+                <a16:creationId xmlns:a16="http://schemas.microsoft.com/office/drawing/2014/main" id="{340339E1-755D-A149-EBC8-CEA005A04A14}"/>
+              </a:ext>
+            </a:extLst>
+          </p:cNvPr>
+          <p:cNvPicPr>
+            <a:picLocks noChangeAspect="1"/>
+          </p:cNvPicPr>
+          <p:nvPr/>
+        </p:nvPicPr>
+        <p:blipFill>
+          <a:blip r:embed="rId2"/>
+          <a:stretch>
+            <a:fillRect/>
+          </a:stretch>
+        </p:blipFill>
+        <p:spPr>
+          <a:xfrm>
+            <a:off x="9062854" y="1407343"/>
+            <a:ext cx="1838691" cy="4687750"/>
+          </a:xfrm>
+          <a:prstGeom prst="rect">
+            <a:avLst/>
+          </a:prstGeom>
+        </p:spPr>
+      </p:pic>
+      <p:sp>
+        <p:nvSpPr>
+          <p:cNvPr id="6" name="矩形 5">
+            <a:extLst>
+              <a:ext uri="{FF2B5EF4-FFF2-40B4-BE49-F238E27FC236}">
+                <a16:creationId xmlns:a16="http://schemas.microsoft.com/office/drawing/2014/main" id="{1A46AC6F-F301-7F78-6CE6-0FE40659968D}"/>
+              </a:ext>
+            </a:extLst>
+          </p:cNvPr>
+          <p:cNvSpPr/>
+          <p:nvPr/>
+        </p:nvSpPr>
+        <p:spPr>
+          <a:xfrm>
+            <a:off x="9494520" y="2255520"/>
+            <a:ext cx="952024" cy="132874"/>
+          </a:xfrm>
+          <a:prstGeom prst="rect">
+            <a:avLst/>
+          </a:prstGeom>
+          <a:noFill/>
+          <a:ln>
+            <a:solidFill>
+              <a:schemeClr val="bg1"/>
+            </a:solidFill>
+          </a:ln>
+        </p:spPr>
+        <p:style>
+          <a:lnRef idx="2">
+            <a:schemeClr val="accent1">
+              <a:shade val="15000"/>
+            </a:schemeClr>
+          </a:lnRef>
+          <a:fillRef idx="1">
+            <a:schemeClr val="accent1"/>
+          </a:fillRef>
+          <a:effectRef idx="0">
+            <a:schemeClr val="accent1"/>
+          </a:effectRef>
+          <a:fontRef idx="minor">
+            <a:schemeClr val="lt1"/>
+          </a:fontRef>
+        </p:style>
+        <p:txBody>
+          <a:bodyPr rtlCol="0" anchor="ctr"/>
+          <a:lstStyle/>
+          <a:p>
+            <a:pPr algn="ctr"/>
+            <a:endParaRPr lang="zh-TW" altLang="en-US"/>
+          </a:p>
+        </p:txBody>
+      </p:sp>
+      <p:sp>
+        <p:nvSpPr>
+          <p:cNvPr id="8" name="矩形 7">
+            <a:extLst>
+              <a:ext uri="{FF2B5EF4-FFF2-40B4-BE49-F238E27FC236}">
+                <a16:creationId xmlns:a16="http://schemas.microsoft.com/office/drawing/2014/main" id="{F272C9FE-77D4-38E2-983F-10B21F14A02B}"/>
+              </a:ext>
+            </a:extLst>
+          </p:cNvPr>
+          <p:cNvSpPr/>
+          <p:nvPr/>
+        </p:nvSpPr>
+        <p:spPr>
+          <a:xfrm>
+            <a:off x="9365931" y="1977732"/>
+            <a:ext cx="1192531" cy="132874"/>
+          </a:xfrm>
+          <a:prstGeom prst="rect">
+            <a:avLst/>
+          </a:prstGeom>
+          <a:noFill/>
+          <a:ln>
+            <a:solidFill>
+              <a:schemeClr val="bg1"/>
+            </a:solidFill>
+          </a:ln>
+        </p:spPr>
+        <p:style>
+          <a:lnRef idx="2">
+            <a:schemeClr val="accent1">
+              <a:shade val="15000"/>
+            </a:schemeClr>
+          </a:lnRef>
+          <a:fillRef idx="1">
+            <a:schemeClr val="accent1"/>
+          </a:fillRef>
+          <a:effectRef idx="0">
+            <a:schemeClr val="accent1"/>
+          </a:effectRef>
+          <a:fontRef idx="minor">
+            <a:schemeClr val="lt1"/>
+          </a:fontRef>
+        </p:style>
+        <p:txBody>
+          <a:bodyPr rtlCol="0" anchor="ctr"/>
+          <a:lstStyle/>
+          <a:p>
+            <a:pPr algn="ctr"/>
+            <a:endParaRPr lang="zh-TW" altLang="en-US"/>
+          </a:p>
+        </p:txBody>
+      </p:sp>
+      <p:sp>
+        <p:nvSpPr>
+          <p:cNvPr id="10" name="文字方塊 9">
+            <a:extLst>
+              <a:ext uri="{FF2B5EF4-FFF2-40B4-BE49-F238E27FC236}">
+                <a16:creationId xmlns:a16="http://schemas.microsoft.com/office/drawing/2014/main" id="{E4AB921B-3DBB-1256-AAAC-AF2D30F719ED}"/>
+              </a:ext>
+            </a:extLst>
+          </p:cNvPr>
+          <p:cNvSpPr txBox="1"/>
+          <p:nvPr/>
+        </p:nvSpPr>
+        <p:spPr>
+          <a:xfrm>
+            <a:off x="9639030" y="1730076"/>
+            <a:ext cx="646331" cy="276999"/>
+          </a:xfrm>
+          <a:prstGeom prst="rect">
+            <a:avLst/>
+          </a:prstGeom>
+          <a:noFill/>
+        </p:spPr>
+        <p:txBody>
+          <a:bodyPr wrap="none" rtlCol="0">
+            <a:spAutoFit/>
+          </a:bodyPr>
+          <a:lstStyle/>
+          <a:p>
+            <a:r>
+              <a:rPr lang="zh-TW" altLang="en-US" sz="1200" dirty="0">
+                <a:solidFill>
+                  <a:schemeClr val="bg1"/>
+                </a:solidFill>
+                <a:latin typeface="標楷體" panose="03000509000000000000" pitchFamily="65" charset="-120"/>
+                <a:ea typeface="標楷體" panose="03000509000000000000" pitchFamily="65" charset="-120"/>
+              </a:rPr>
+              <a:t>硬磚塊</a:t>
+            </a:r>
+            <a:endParaRPr lang="en-US" altLang="zh-TW" sz="1100" dirty="0">
+              <a:solidFill>
+                <a:schemeClr val="bg1"/>
+              </a:solidFill>
+              <a:latin typeface="標楷體" panose="03000509000000000000" pitchFamily="65" charset="-120"/>
+              <a:ea typeface="標楷體" panose="03000509000000000000" pitchFamily="65" charset="-120"/>
+            </a:endParaRPr>
+          </a:p>
+        </p:txBody>
+      </p:sp>
+      <p:sp>
+        <p:nvSpPr>
+          <p:cNvPr id="12" name="文字方塊 11">
+            <a:extLst>
+              <a:ext uri="{FF2B5EF4-FFF2-40B4-BE49-F238E27FC236}">
+                <a16:creationId xmlns:a16="http://schemas.microsoft.com/office/drawing/2014/main" id="{2FF860DA-0BD0-951C-914D-ADC814922B4B}"/>
+              </a:ext>
+            </a:extLst>
+          </p:cNvPr>
+          <p:cNvSpPr txBox="1"/>
+          <p:nvPr/>
+        </p:nvSpPr>
+        <p:spPr>
+          <a:xfrm>
+            <a:off x="9715973" y="2329293"/>
+            <a:ext cx="492443" cy="276999"/>
+          </a:xfrm>
+          <a:prstGeom prst="rect">
+            <a:avLst/>
+          </a:prstGeom>
+          <a:noFill/>
+        </p:spPr>
+        <p:txBody>
+          <a:bodyPr wrap="none" rtlCol="0">
+            <a:spAutoFit/>
+          </a:bodyPr>
+          <a:lstStyle/>
+          <a:p>
+            <a:r>
+              <a:rPr lang="zh-TW" altLang="en-US" sz="1200" dirty="0">
+                <a:solidFill>
+                  <a:schemeClr val="bg1"/>
+                </a:solidFill>
+                <a:latin typeface="標楷體" panose="03000509000000000000" pitchFamily="65" charset="-120"/>
+                <a:ea typeface="標楷體" panose="03000509000000000000" pitchFamily="65" charset="-120"/>
+              </a:rPr>
+              <a:t>磚塊</a:t>
+            </a:r>
+            <a:endParaRPr lang="en-US" altLang="zh-TW" sz="1100" dirty="0">
+              <a:solidFill>
+                <a:schemeClr val="bg1"/>
+              </a:solidFill>
+              <a:latin typeface="標楷體" panose="03000509000000000000" pitchFamily="65" charset="-120"/>
+              <a:ea typeface="標楷體" panose="03000509000000000000" pitchFamily="65" charset="-120"/>
+            </a:endParaRPr>
           </a:p>
         </p:txBody>
       </p:sp>
@@ -5781,7 +7972,7 @@
         <p:spPr>
           <a:xfrm>
             <a:off x="838200" y="1085125"/>
-            <a:ext cx="10515600" cy="5624360"/>
+            <a:ext cx="10515600" cy="1966372"/>
           </a:xfrm>
           <a:prstGeom prst="rect">
             <a:avLst/>
@@ -5802,14 +7993,15 @@
               <a:buChar char="•"/>
             </a:pPr>
             <a:r>
-              <a:rPr lang="zh-TW" altLang="en-US" sz="2400" b="1" dirty="0">
-                <a:solidFill>
-                  <a:srgbClr val="202122"/>
-                </a:solidFill>
-                <a:latin typeface="標楷體" panose="03000509000000000000" pitchFamily="65" charset="-120"/>
-                <a:ea typeface="標楷體" panose="03000509000000000000" pitchFamily="65" charset="-120"/>
-              </a:rPr>
-              <a:t>限制</a:t>
+              <a:rPr lang="zh-TW" altLang="en-US" sz="2400" b="1" i="0" dirty="0">
+                <a:solidFill>
+                  <a:srgbClr val="202122"/>
+                </a:solidFill>
+                <a:effectLst/>
+                <a:latin typeface="標楷體" panose="03000509000000000000" pitchFamily="65" charset="-120"/>
+                <a:ea typeface="標楷體" panose="03000509000000000000" pitchFamily="65" charset="-120"/>
+              </a:rPr>
+              <a:t>介面需求</a:t>
             </a:r>
             <a:r>
               <a:rPr lang="en-US" altLang="zh-TW" sz="2400" b="1" i="0" dirty="0">
@@ -5824,7 +8016,7 @@
             </a:r>
           </a:p>
           <a:p>
-            <a:pPr marL="285750" indent="-285750">
+            <a:pPr marL="800100" lvl="1" indent="-342900">
               <a:lnSpc>
                 <a:spcPct val="150000"/>
               </a:lnSpc>
@@ -5832,14 +8024,32 @@
               <a:buChar char="•"/>
             </a:pPr>
             <a:r>
-              <a:rPr lang="zh-TW" altLang="en-US" sz="2000" dirty="0">
-                <a:latin typeface="標楷體" panose="03000509000000000000" pitchFamily="65" charset="-120"/>
-                <a:ea typeface="標楷體" panose="03000509000000000000" pitchFamily="65" charset="-120"/>
-              </a:rPr>
-              <a:t>環境版本</a:t>
-            </a:r>
-            <a:r>
-              <a:rPr lang="en-US" altLang="zh-TW" sz="2000" dirty="0">
+              <a:rPr lang="zh-TW" altLang="en-US" dirty="0">
+                <a:solidFill>
+                  <a:srgbClr val="202122"/>
+                </a:solidFill>
+                <a:latin typeface="標楷體" panose="03000509000000000000" pitchFamily="65" charset="-120"/>
+                <a:ea typeface="標楷體" panose="03000509000000000000" pitchFamily="65" charset="-120"/>
+              </a:rPr>
+              <a:t>內部</a:t>
+            </a:r>
+            <a:r>
+              <a:rPr lang="zh-TW" altLang="en-US" i="0" dirty="0">
+                <a:solidFill>
+                  <a:srgbClr val="202122"/>
+                </a:solidFill>
+                <a:effectLst/>
+                <a:latin typeface="標楷體" panose="03000509000000000000" pitchFamily="65" charset="-120"/>
+                <a:ea typeface="標楷體" panose="03000509000000000000" pitchFamily="65" charset="-120"/>
+              </a:rPr>
+              <a:t>介面 </a:t>
+            </a:r>
+            <a:r>
+              <a:rPr lang="en-US" altLang="zh-TW" i="0" dirty="0">
+                <a:solidFill>
+                  <a:srgbClr val="202122"/>
+                </a:solidFill>
+                <a:effectLst/>
                 <a:latin typeface="標楷體" panose="03000509000000000000" pitchFamily="65" charset="-120"/>
                 <a:ea typeface="標楷體" panose="03000509000000000000" pitchFamily="65" charset="-120"/>
               </a:rPr>
@@ -5847,183 +8057,71 @@
             </a:r>
           </a:p>
           <a:p>
-            <a:pPr marL="742950" lvl="1" indent="-285750">
+            <a:pPr marL="1257300" lvl="2" indent="-342900">
               <a:lnSpc>
                 <a:spcPct val="150000"/>
               </a:lnSpc>
               <a:buFont typeface="Arial" panose="020B0604020202020204" pitchFamily="34" charset="0"/>
               <a:buChar char="•"/>
             </a:pPr>
-            <a:endParaRPr lang="en-US" altLang="zh-TW" sz="2000" dirty="0">
-              <a:latin typeface="標楷體" panose="03000509000000000000" pitchFamily="65" charset="-120"/>
-              <a:ea typeface="標楷體" panose="03000509000000000000" pitchFamily="65" charset="-120"/>
-            </a:endParaRPr>
-          </a:p>
-          <a:p>
-            <a:pPr marL="285750" indent="-285750">
-              <a:lnSpc>
-                <a:spcPct val="150000"/>
-              </a:lnSpc>
-              <a:buFont typeface="Arial" panose="020B0604020202020204" pitchFamily="34" charset="0"/>
-              <a:buChar char="•"/>
-            </a:pPr>
-            <a:r>
-              <a:rPr lang="zh-TW" altLang="en-US" sz="2000" dirty="0">
-                <a:latin typeface="標楷體" panose="03000509000000000000" pitchFamily="65" charset="-120"/>
-                <a:ea typeface="標楷體" panose="03000509000000000000" pitchFamily="65" charset="-120"/>
-              </a:rPr>
-              <a:t>模組版本</a:t>
-            </a:r>
-            <a:r>
-              <a:rPr lang="en-US" altLang="zh-TW" sz="2000" dirty="0">
-                <a:latin typeface="標楷體" panose="03000509000000000000" pitchFamily="65" charset="-120"/>
-                <a:ea typeface="標楷體" panose="03000509000000000000" pitchFamily="65" charset="-120"/>
-              </a:rPr>
-              <a:t>:</a:t>
-            </a:r>
-          </a:p>
-          <a:p>
-            <a:pPr lvl="1">
-              <a:lnSpc>
-                <a:spcPct val="150000"/>
-              </a:lnSpc>
-            </a:pPr>
-            <a:endParaRPr lang="en-US" altLang="zh-TW" sz="2000" dirty="0">
-              <a:latin typeface="標楷體" panose="03000509000000000000" pitchFamily="65" charset="-120"/>
-              <a:ea typeface="標楷體" panose="03000509000000000000" pitchFamily="65" charset="-120"/>
-            </a:endParaRPr>
-          </a:p>
-          <a:p>
-            <a:pPr marL="285750" indent="-285750">
-              <a:lnSpc>
-                <a:spcPct val="150000"/>
-              </a:lnSpc>
-              <a:buFont typeface="Arial" panose="020B0604020202020204" pitchFamily="34" charset="0"/>
-              <a:buChar char="•"/>
-            </a:pPr>
-            <a:r>
-              <a:rPr lang="zh-TW" altLang="en-US" sz="2000" dirty="0">
-                <a:latin typeface="標楷體" panose="03000509000000000000" pitchFamily="65" charset="-120"/>
-                <a:ea typeface="標楷體" panose="03000509000000000000" pitchFamily="65" charset="-120"/>
-              </a:rPr>
-              <a:t>作業系統</a:t>
-            </a:r>
-            <a:r>
-              <a:rPr lang="en-US" altLang="zh-TW" sz="2000" dirty="0">
-                <a:latin typeface="標楷體" panose="03000509000000000000" pitchFamily="65" charset="-120"/>
-                <a:ea typeface="標楷體" panose="03000509000000000000" pitchFamily="65" charset="-120"/>
-              </a:rPr>
-              <a:t>:</a:t>
-            </a:r>
-          </a:p>
-          <a:p>
-            <a:pPr lvl="1">
-              <a:lnSpc>
-                <a:spcPct val="150000"/>
-              </a:lnSpc>
-            </a:pPr>
-            <a:r>
-              <a:rPr lang="en-US" altLang="zh-TW" dirty="0">
+            <a:r>
+              <a:rPr lang="en-US" altLang="zh-TW" i="0" dirty="0">
+                <a:solidFill>
+                  <a:srgbClr val="202122"/>
+                </a:solidFill>
+                <a:effectLst/>
                 <a:latin typeface="Times New Roman" panose="02020603050405020304" pitchFamily="18" charset="0"/>
                 <a:ea typeface="標楷體" panose="03000509000000000000" pitchFamily="65" charset="-120"/>
                 <a:cs typeface="Times New Roman" panose="02020603050405020304" pitchFamily="18" charset="0"/>
               </a:rPr>
-              <a:t>WINDOWS 11</a:t>
-            </a:r>
-          </a:p>
-          <a:p>
-            <a:pPr marL="285750" indent="-285750">
-              <a:lnSpc>
-                <a:spcPct val="150000"/>
-              </a:lnSpc>
-              <a:buFont typeface="Arial" panose="020B0604020202020204" pitchFamily="34" charset="0"/>
-              <a:buChar char="•"/>
-            </a:pPr>
-            <a:r>
-              <a:rPr lang="zh-TW" altLang="en-US" sz="2000" dirty="0">
-                <a:latin typeface="標楷體" panose="03000509000000000000" pitchFamily="65" charset="-120"/>
-                <a:ea typeface="標楷體" panose="03000509000000000000" pitchFamily="65" charset="-120"/>
-              </a:rPr>
-              <a:t>硬體規格</a:t>
-            </a:r>
-            <a:r>
-              <a:rPr lang="en-US" altLang="zh-TW" sz="2000" dirty="0">
-                <a:latin typeface="標楷體" panose="03000509000000000000" pitchFamily="65" charset="-120"/>
-                <a:ea typeface="標楷體" panose="03000509000000000000" pitchFamily="65" charset="-120"/>
-              </a:rPr>
-              <a:t>:</a:t>
-            </a:r>
-          </a:p>
-          <a:p>
-            <a:pPr lvl="1">
-              <a:lnSpc>
-                <a:spcPct val="150000"/>
-              </a:lnSpc>
-            </a:pPr>
-            <a:r>
-              <a:rPr lang="en-US" altLang="zh-TW" sz="2000" dirty="0">
+              <a:t>Q-Table</a:t>
+            </a:r>
+            <a:r>
+              <a:rPr lang="en-US" altLang="zh-TW" i="0" dirty="0">
+                <a:solidFill>
+                  <a:srgbClr val="202122"/>
+                </a:solidFill>
+                <a:effectLst/>
+                <a:latin typeface="標楷體" panose="03000509000000000000" pitchFamily="65" charset="-120"/>
+                <a:ea typeface="標楷體" panose="03000509000000000000" pitchFamily="65" charset="-120"/>
+              </a:rPr>
+              <a:t> : </a:t>
+            </a:r>
+            <a:r>
+              <a:rPr lang="zh-TW" altLang="en-US" i="0" dirty="0">
+                <a:solidFill>
+                  <a:srgbClr val="202122"/>
+                </a:solidFill>
+                <a:effectLst/>
+                <a:latin typeface="標楷體" panose="03000509000000000000" pitchFamily="65" charset="-120"/>
+                <a:ea typeface="標楷體" panose="03000509000000000000" pitchFamily="65" charset="-120"/>
+              </a:rPr>
+              <a:t>使用</a:t>
+            </a:r>
+            <a:r>
+              <a:rPr lang="en-US" altLang="zh-TW" i="0" dirty="0">
+                <a:solidFill>
+                  <a:srgbClr val="202122"/>
+                </a:solidFill>
+                <a:effectLst/>
                 <a:latin typeface="Times New Roman" panose="02020603050405020304" pitchFamily="18" charset="0"/>
                 <a:ea typeface="標楷體" panose="03000509000000000000" pitchFamily="65" charset="-120"/>
                 <a:cs typeface="Times New Roman" panose="02020603050405020304" pitchFamily="18" charset="0"/>
               </a:rPr>
-              <a:t>CPU : 11th Gen Intel(R) Core(TM) i7-1165G7 @ 2.80GHz </a:t>
-            </a:r>
-            <a:endParaRPr lang="en-US" altLang="zh-TW" sz="1600" dirty="0">
-              <a:latin typeface="Times New Roman" panose="02020603050405020304" pitchFamily="18" charset="0"/>
-              <a:ea typeface="標楷體" panose="03000509000000000000" pitchFamily="65" charset="-120"/>
-              <a:cs typeface="Times New Roman" panose="02020603050405020304" pitchFamily="18" charset="0"/>
-            </a:endParaRPr>
-          </a:p>
-          <a:p>
-            <a:pPr lvl="1">
-              <a:lnSpc>
-                <a:spcPct val="150000"/>
-              </a:lnSpc>
-            </a:pPr>
-            <a:r>
-              <a:rPr lang="en-US" altLang="zh-TW" sz="2000" dirty="0">
-                <a:latin typeface="Times New Roman" panose="02020603050405020304" pitchFamily="18" charset="0"/>
-                <a:ea typeface="標楷體" panose="03000509000000000000" pitchFamily="65" charset="-120"/>
-                <a:cs typeface="Times New Roman" panose="02020603050405020304" pitchFamily="18" charset="0"/>
-              </a:rPr>
-              <a:t>GPU : </a:t>
-            </a:r>
-            <a:r>
-              <a:rPr lang="pt-BR" altLang="zh-TW" sz="2000" dirty="0">
-                <a:latin typeface="Times New Roman" panose="02020603050405020304" pitchFamily="18" charset="0"/>
-                <a:ea typeface="標楷體" panose="03000509000000000000" pitchFamily="65" charset="-120"/>
-                <a:cs typeface="Times New Roman" panose="02020603050405020304" pitchFamily="18" charset="0"/>
-              </a:rPr>
-              <a:t>Intel(R) Iris(R) Xe Graphics</a:t>
-            </a:r>
-            <a:endParaRPr lang="en-US" altLang="zh-TW" sz="2000" dirty="0">
-              <a:latin typeface="Times New Roman" panose="02020603050405020304" pitchFamily="18" charset="0"/>
-              <a:ea typeface="標楷體" panose="03000509000000000000" pitchFamily="65" charset="-120"/>
-              <a:cs typeface="Times New Roman" panose="02020603050405020304" pitchFamily="18" charset="0"/>
-            </a:endParaRPr>
-          </a:p>
-          <a:p>
-            <a:pPr lvl="1">
-              <a:lnSpc>
-                <a:spcPct val="150000"/>
-              </a:lnSpc>
-            </a:pPr>
-            <a:r>
-              <a:rPr lang="en-US" altLang="zh-TW" sz="2000" dirty="0">
-                <a:latin typeface="Times New Roman" panose="02020603050405020304" pitchFamily="18" charset="0"/>
-                <a:ea typeface="標楷體" panose="03000509000000000000" pitchFamily="65" charset="-120"/>
-                <a:cs typeface="Times New Roman" panose="02020603050405020304" pitchFamily="18" charset="0"/>
-              </a:rPr>
-              <a:t>RAM: 16GB</a:t>
-            </a:r>
-          </a:p>
-          <a:p>
-            <a:pPr>
-              <a:lnSpc>
-                <a:spcPct val="150000"/>
-              </a:lnSpc>
-            </a:pPr>
-            <a:endParaRPr lang="en-US" altLang="zh-TW" sz="2000" b="1" i="0" dirty="0">
+              <a:t>numpy(.npy)</a:t>
+            </a:r>
+            <a:r>
+              <a:rPr lang="zh-TW" altLang="en-US" i="0" dirty="0">
+                <a:solidFill>
+                  <a:srgbClr val="202122"/>
+                </a:solidFill>
+                <a:effectLst/>
+                <a:latin typeface="標楷體" panose="03000509000000000000" pitchFamily="65" charset="-120"/>
+                <a:ea typeface="標楷體" panose="03000509000000000000" pitchFamily="65" charset="-120"/>
+              </a:rPr>
+              <a:t>儲存</a:t>
+            </a:r>
+            <a:endParaRPr lang="en-US" altLang="zh-TW" i="0" dirty="0">
               <a:solidFill>
                 <a:srgbClr val="202122"/>
               </a:solidFill>
@@ -6032,12 +8130,29 @@
               <a:ea typeface="標楷體" panose="03000509000000000000" pitchFamily="65" charset="-120"/>
             </a:endParaRPr>
           </a:p>
+          <a:p>
+            <a:pPr marL="342900" indent="-342900">
+              <a:lnSpc>
+                <a:spcPct val="150000"/>
+              </a:lnSpc>
+              <a:buFont typeface="Arial" panose="020B0604020202020204" pitchFamily="34" charset="0"/>
+              <a:buChar char="•"/>
+            </a:pPr>
+            <a:endParaRPr lang="en-US" altLang="zh-TW" sz="2400" b="1" i="0" dirty="0">
+              <a:solidFill>
+                <a:srgbClr val="202122"/>
+              </a:solidFill>
+              <a:effectLst/>
+              <a:latin typeface="標楷體" panose="03000509000000000000" pitchFamily="65" charset="-120"/>
+              <a:ea typeface="標楷體" panose="03000509000000000000" pitchFamily="65" charset="-120"/>
+            </a:endParaRPr>
+          </a:p>
         </p:txBody>
       </p:sp>
     </p:spTree>
     <p:extLst>
       <p:ext uri="{BB962C8B-B14F-4D97-AF65-F5344CB8AC3E}">
-        <p14:creationId xmlns:p14="http://schemas.microsoft.com/office/powerpoint/2010/main" val="901446928"/>
+        <p14:creationId xmlns:p14="http://schemas.microsoft.com/office/powerpoint/2010/main" val="1507929886"/>
       </p:ext>
     </p:extLst>
   </p:cSld>
@@ -6148,7 +8263,7 @@
         <p:spPr>
           <a:xfrm>
             <a:off x="838200" y="1085125"/>
-            <a:ext cx="10515600" cy="581378"/>
+            <a:ext cx="10515600" cy="5624360"/>
           </a:xfrm>
           <a:prstGeom prst="rect">
             <a:avLst/>
@@ -6169,34 +8284,329 @@
               <a:buChar char="•"/>
             </a:pPr>
             <a:r>
-              <a:rPr lang="zh-TW" altLang="en-US" sz="2400" b="1" i="0" dirty="0">
-                <a:solidFill>
-                  <a:srgbClr val="202122"/>
-                </a:solidFill>
-                <a:effectLst/>
-                <a:latin typeface="標楷體" panose="03000509000000000000" pitchFamily="65" charset="-120"/>
-                <a:ea typeface="標楷體" panose="03000509000000000000" pitchFamily="65" charset="-120"/>
-              </a:rPr>
-              <a:t>驗收</a:t>
-            </a:r>
-            <a:r>
-              <a:rPr lang="en-US" altLang="zh-TW" sz="2400" b="1" i="0" dirty="0">
-                <a:solidFill>
-                  <a:srgbClr val="202122"/>
-                </a:solidFill>
-                <a:effectLst/>
+              <a:rPr lang="zh-TW" altLang="en-US" sz="2400" b="1" dirty="0">
+                <a:solidFill>
+                  <a:srgbClr val="202122"/>
+                </a:solidFill>
+                <a:latin typeface="標楷體" panose="03000509000000000000" pitchFamily="65" charset="-120"/>
+                <a:ea typeface="標楷體" panose="03000509000000000000" pitchFamily="65" charset="-120"/>
+              </a:rPr>
+              <a:t>限制</a:t>
+            </a:r>
+            <a:r>
+              <a:rPr lang="en-US" altLang="zh-TW" sz="2400" b="1" dirty="0">
+                <a:solidFill>
+                  <a:srgbClr val="202122"/>
+                </a:solidFill>
                 <a:latin typeface="標楷體" panose="03000509000000000000" pitchFamily="65" charset="-120"/>
                 <a:ea typeface="標楷體" panose="03000509000000000000" pitchFamily="65" charset="-120"/>
               </a:rPr>
               <a:t>:</a:t>
             </a:r>
+            <a:endParaRPr lang="en-US" altLang="zh-TW" sz="2400" b="1" i="0" dirty="0">
+              <a:solidFill>
+                <a:srgbClr val="202122"/>
+              </a:solidFill>
+              <a:effectLst/>
+              <a:latin typeface="標楷體" panose="03000509000000000000" pitchFamily="65" charset="-120"/>
+              <a:ea typeface="標楷體" panose="03000509000000000000" pitchFamily="65" charset="-120"/>
+            </a:endParaRPr>
+          </a:p>
+          <a:p>
+            <a:pPr marL="285750" indent="-285750">
+              <a:lnSpc>
+                <a:spcPct val="150000"/>
+              </a:lnSpc>
+              <a:buFont typeface="Arial" panose="020B0604020202020204" pitchFamily="34" charset="0"/>
+              <a:buChar char="•"/>
+            </a:pPr>
+            <a:r>
+              <a:rPr lang="zh-TW" altLang="en-US" dirty="0">
+                <a:latin typeface="標楷體" panose="03000509000000000000" pitchFamily="65" charset="-120"/>
+                <a:ea typeface="標楷體" panose="03000509000000000000" pitchFamily="65" charset="-120"/>
+              </a:rPr>
+              <a:t>環境版本</a:t>
+            </a:r>
+            <a:r>
+              <a:rPr lang="en-US" altLang="zh-TW" dirty="0">
+                <a:latin typeface="標楷體" panose="03000509000000000000" pitchFamily="65" charset="-120"/>
+                <a:ea typeface="標楷體" panose="03000509000000000000" pitchFamily="65" charset="-120"/>
+              </a:rPr>
+              <a:t>:</a:t>
+            </a:r>
+          </a:p>
+          <a:p>
+            <a:pPr lvl="1">
+              <a:lnSpc>
+                <a:spcPct val="150000"/>
+              </a:lnSpc>
+            </a:pPr>
+            <a:r>
+              <a:rPr lang="en-US" altLang="zh-TW" dirty="0">
+                <a:latin typeface="Times New Roman" panose="02020603050405020304" pitchFamily="18" charset="0"/>
+                <a:ea typeface="標楷體" panose="03000509000000000000" pitchFamily="65" charset="-120"/>
+                <a:cs typeface="Times New Roman" panose="02020603050405020304" pitchFamily="18" charset="0"/>
+              </a:rPr>
+              <a:t>Python : 3.9.13</a:t>
+            </a:r>
+          </a:p>
+          <a:p>
+            <a:pPr marL="285750" indent="-285750">
+              <a:lnSpc>
+                <a:spcPct val="150000"/>
+              </a:lnSpc>
+              <a:buFont typeface="Arial" panose="020B0604020202020204" pitchFamily="34" charset="0"/>
+              <a:buChar char="•"/>
+            </a:pPr>
+            <a:r>
+              <a:rPr lang="zh-TW" altLang="en-US" dirty="0">
+                <a:latin typeface="標楷體" panose="03000509000000000000" pitchFamily="65" charset="-120"/>
+                <a:ea typeface="標楷體" panose="03000509000000000000" pitchFamily="65" charset="-120"/>
+              </a:rPr>
+              <a:t>模組版本</a:t>
+            </a:r>
+            <a:r>
+              <a:rPr lang="en-US" altLang="zh-TW" dirty="0">
+                <a:latin typeface="標楷體" panose="03000509000000000000" pitchFamily="65" charset="-120"/>
+                <a:ea typeface="標楷體" panose="03000509000000000000" pitchFamily="65" charset="-120"/>
+              </a:rPr>
+              <a:t>:</a:t>
+            </a:r>
+          </a:p>
+          <a:p>
+            <a:pPr lvl="1">
+              <a:lnSpc>
+                <a:spcPct val="150000"/>
+              </a:lnSpc>
+            </a:pPr>
+            <a:r>
+              <a:rPr lang="en-US" altLang="zh-TW" dirty="0">
+                <a:latin typeface="Times New Roman" panose="02020603050405020304" pitchFamily="18" charset="0"/>
+                <a:ea typeface="標楷體" panose="03000509000000000000" pitchFamily="65" charset="-120"/>
+                <a:cs typeface="Times New Roman" panose="02020603050405020304" pitchFamily="18" charset="0"/>
+              </a:rPr>
+              <a:t>MLGAME</a:t>
+            </a:r>
+            <a:r>
+              <a:rPr lang="zh-TW" altLang="en-US" dirty="0">
+                <a:latin typeface="Times New Roman" panose="02020603050405020304" pitchFamily="18" charset="0"/>
+                <a:ea typeface="標楷體" panose="03000509000000000000" pitchFamily="65" charset="-120"/>
+                <a:cs typeface="Times New Roman" panose="02020603050405020304" pitchFamily="18" charset="0"/>
+              </a:rPr>
+              <a:t> </a:t>
+            </a:r>
+            <a:r>
+              <a:rPr lang="en-US" altLang="zh-TW" dirty="0">
+                <a:latin typeface="Times New Roman" panose="02020603050405020304" pitchFamily="18" charset="0"/>
+                <a:ea typeface="標楷體" panose="03000509000000000000" pitchFamily="65" charset="-120"/>
+                <a:cs typeface="Times New Roman" panose="02020603050405020304" pitchFamily="18" charset="0"/>
+              </a:rPr>
+              <a:t>:</a:t>
+            </a:r>
+            <a:r>
+              <a:rPr lang="zh-TW" altLang="en-US" dirty="0">
+                <a:latin typeface="Times New Roman" panose="02020603050405020304" pitchFamily="18" charset="0"/>
+                <a:ea typeface="標楷體" panose="03000509000000000000" pitchFamily="65" charset="-120"/>
+                <a:cs typeface="Times New Roman" panose="02020603050405020304" pitchFamily="18" charset="0"/>
+              </a:rPr>
+              <a:t> </a:t>
+            </a:r>
+            <a:r>
+              <a:rPr lang="en-US" altLang="zh-TW" dirty="0">
+                <a:latin typeface="Times New Roman" panose="02020603050405020304" pitchFamily="18" charset="0"/>
+                <a:ea typeface="標楷體" panose="03000509000000000000" pitchFamily="65" charset="-120"/>
+                <a:cs typeface="Times New Roman" panose="02020603050405020304" pitchFamily="18" charset="0"/>
+              </a:rPr>
+              <a:t>10.4.5.2</a:t>
+            </a:r>
+          </a:p>
+          <a:p>
+            <a:pPr lvl="1">
+              <a:lnSpc>
+                <a:spcPct val="150000"/>
+              </a:lnSpc>
+            </a:pPr>
+            <a:r>
+              <a:rPr lang="en-US" altLang="zh-TW" dirty="0">
+                <a:latin typeface="Times New Roman" panose="02020603050405020304" pitchFamily="18" charset="0"/>
+                <a:ea typeface="標楷體" panose="03000509000000000000" pitchFamily="65" charset="-120"/>
+                <a:cs typeface="Times New Roman" panose="02020603050405020304" pitchFamily="18" charset="0"/>
+              </a:rPr>
+              <a:t>PyGame</a:t>
+            </a:r>
+            <a:r>
+              <a:rPr lang="zh-TW" altLang="en-US" dirty="0">
+                <a:latin typeface="Times New Roman" panose="02020603050405020304" pitchFamily="18" charset="0"/>
+                <a:ea typeface="標楷體" panose="03000509000000000000" pitchFamily="65" charset="-120"/>
+                <a:cs typeface="Times New Roman" panose="02020603050405020304" pitchFamily="18" charset="0"/>
+              </a:rPr>
+              <a:t> </a:t>
+            </a:r>
+            <a:r>
+              <a:rPr lang="en-US" altLang="zh-TW" dirty="0">
+                <a:latin typeface="Times New Roman" panose="02020603050405020304" pitchFamily="18" charset="0"/>
+                <a:ea typeface="標楷體" panose="03000509000000000000" pitchFamily="65" charset="-120"/>
+                <a:cs typeface="Times New Roman" panose="02020603050405020304" pitchFamily="18" charset="0"/>
+              </a:rPr>
+              <a:t>:</a:t>
+            </a:r>
+            <a:r>
+              <a:rPr lang="zh-TW" altLang="en-US" dirty="0">
+                <a:latin typeface="Times New Roman" panose="02020603050405020304" pitchFamily="18" charset="0"/>
+                <a:ea typeface="標楷體" panose="03000509000000000000" pitchFamily="65" charset="-120"/>
+                <a:cs typeface="Times New Roman" panose="02020603050405020304" pitchFamily="18" charset="0"/>
+              </a:rPr>
+              <a:t> </a:t>
+            </a:r>
+            <a:r>
+              <a:rPr lang="en-US" altLang="zh-TW" dirty="0">
+                <a:latin typeface="Times New Roman" panose="02020603050405020304" pitchFamily="18" charset="0"/>
+                <a:ea typeface="標楷體" panose="03000509000000000000" pitchFamily="65" charset="-120"/>
+                <a:cs typeface="Times New Roman" panose="02020603050405020304" pitchFamily="18" charset="0"/>
+              </a:rPr>
+              <a:t>2.5.2</a:t>
+            </a:r>
+          </a:p>
+          <a:p>
+            <a:pPr marL="285750" indent="-285750">
+              <a:lnSpc>
+                <a:spcPct val="150000"/>
+              </a:lnSpc>
+              <a:buFont typeface="Arial" panose="020B0604020202020204" pitchFamily="34" charset="0"/>
+              <a:buChar char="•"/>
+            </a:pPr>
+            <a:r>
+              <a:rPr lang="zh-TW" altLang="en-US" dirty="0">
+                <a:latin typeface="標楷體" panose="03000509000000000000" pitchFamily="65" charset="-120"/>
+                <a:ea typeface="標楷體" panose="03000509000000000000" pitchFamily="65" charset="-120"/>
+              </a:rPr>
+              <a:t>作業系統</a:t>
+            </a:r>
+            <a:r>
+              <a:rPr lang="en-US" altLang="zh-TW" dirty="0">
+                <a:latin typeface="標楷體" panose="03000509000000000000" pitchFamily="65" charset="-120"/>
+                <a:ea typeface="標楷體" panose="03000509000000000000" pitchFamily="65" charset="-120"/>
+              </a:rPr>
+              <a:t>:</a:t>
+            </a:r>
+          </a:p>
+          <a:p>
+            <a:pPr lvl="1">
+              <a:lnSpc>
+                <a:spcPct val="150000"/>
+              </a:lnSpc>
+            </a:pPr>
+            <a:r>
+              <a:rPr lang="en-US" altLang="zh-TW" dirty="0">
+                <a:latin typeface="Times New Roman" panose="02020603050405020304" pitchFamily="18" charset="0"/>
+                <a:ea typeface="標楷體" panose="03000509000000000000" pitchFamily="65" charset="-120"/>
+                <a:cs typeface="Times New Roman" panose="02020603050405020304" pitchFamily="18" charset="0"/>
+              </a:rPr>
+              <a:t>WINDOWS 11</a:t>
+            </a:r>
+          </a:p>
+          <a:p>
+            <a:pPr marL="285750" indent="-285750">
+              <a:lnSpc>
+                <a:spcPct val="150000"/>
+              </a:lnSpc>
+              <a:buFont typeface="Arial" panose="020B0604020202020204" pitchFamily="34" charset="0"/>
+              <a:buChar char="•"/>
+            </a:pPr>
+            <a:r>
+              <a:rPr lang="zh-TW" altLang="en-US" dirty="0">
+                <a:latin typeface="標楷體" panose="03000509000000000000" pitchFamily="65" charset="-120"/>
+                <a:ea typeface="標楷體" panose="03000509000000000000" pitchFamily="65" charset="-120"/>
+              </a:rPr>
+              <a:t>硬體規格</a:t>
+            </a:r>
+            <a:r>
+              <a:rPr lang="en-US" altLang="zh-TW" dirty="0">
+                <a:latin typeface="標楷體" panose="03000509000000000000" pitchFamily="65" charset="-120"/>
+                <a:ea typeface="標楷體" panose="03000509000000000000" pitchFamily="65" charset="-120"/>
+              </a:rPr>
+              <a:t>:</a:t>
+            </a:r>
+          </a:p>
+          <a:p>
+            <a:pPr lvl="1">
+              <a:lnSpc>
+                <a:spcPct val="150000"/>
+              </a:lnSpc>
+            </a:pPr>
+            <a:r>
+              <a:rPr lang="en-US" altLang="zh-TW" dirty="0">
+                <a:latin typeface="Times New Roman" panose="02020603050405020304" pitchFamily="18" charset="0"/>
+                <a:ea typeface="標楷體" panose="03000509000000000000" pitchFamily="65" charset="-120"/>
+                <a:cs typeface="Times New Roman" panose="02020603050405020304" pitchFamily="18" charset="0"/>
+              </a:rPr>
+              <a:t>CPU : 11th Gen Intel(R) Core(TM) i7-1165G7 @ 2.80GHz </a:t>
+            </a:r>
+          </a:p>
+          <a:p>
+            <a:pPr lvl="1">
+              <a:lnSpc>
+                <a:spcPct val="150000"/>
+              </a:lnSpc>
+            </a:pPr>
+            <a:r>
+              <a:rPr lang="en-US" altLang="zh-TW" dirty="0">
+                <a:latin typeface="Times New Roman" panose="02020603050405020304" pitchFamily="18" charset="0"/>
+                <a:ea typeface="標楷體" panose="03000509000000000000" pitchFamily="65" charset="-120"/>
+                <a:cs typeface="Times New Roman" panose="02020603050405020304" pitchFamily="18" charset="0"/>
+              </a:rPr>
+              <a:t>GPU : </a:t>
+            </a:r>
+            <a:r>
+              <a:rPr lang="pt-BR" altLang="zh-TW" dirty="0">
+                <a:latin typeface="Times New Roman" panose="02020603050405020304" pitchFamily="18" charset="0"/>
+                <a:ea typeface="標楷體" panose="03000509000000000000" pitchFamily="65" charset="-120"/>
+                <a:cs typeface="Times New Roman" panose="02020603050405020304" pitchFamily="18" charset="0"/>
+              </a:rPr>
+              <a:t>Intel(R) Iris(R) Xe Graphics</a:t>
+            </a:r>
+            <a:endParaRPr lang="en-US" altLang="zh-TW" dirty="0">
+              <a:latin typeface="Times New Roman" panose="02020603050405020304" pitchFamily="18" charset="0"/>
+              <a:ea typeface="標楷體" panose="03000509000000000000" pitchFamily="65" charset="-120"/>
+              <a:cs typeface="Times New Roman" panose="02020603050405020304" pitchFamily="18" charset="0"/>
+            </a:endParaRPr>
+          </a:p>
+          <a:p>
+            <a:pPr lvl="1">
+              <a:lnSpc>
+                <a:spcPct val="150000"/>
+              </a:lnSpc>
+            </a:pPr>
+            <a:r>
+              <a:rPr lang="en-US" altLang="zh-TW" dirty="0">
+                <a:latin typeface="Times New Roman" panose="02020603050405020304" pitchFamily="18" charset="0"/>
+                <a:ea typeface="標楷體" panose="03000509000000000000" pitchFamily="65" charset="-120"/>
+                <a:cs typeface="Times New Roman" panose="02020603050405020304" pitchFamily="18" charset="0"/>
+              </a:rPr>
+              <a:t>RAM: 16GB</a:t>
+            </a:r>
+          </a:p>
+          <a:p>
+            <a:pPr>
+              <a:lnSpc>
+                <a:spcPct val="150000"/>
+              </a:lnSpc>
+            </a:pPr>
+            <a:endParaRPr lang="en-US" altLang="zh-TW" sz="2000" b="1" i="0" dirty="0">
+              <a:solidFill>
+                <a:srgbClr val="202122"/>
+              </a:solidFill>
+              <a:effectLst/>
+              <a:latin typeface="標楷體" panose="03000509000000000000" pitchFamily="65" charset="-120"/>
+              <a:ea typeface="標楷體" panose="03000509000000000000" pitchFamily="65" charset="-120"/>
+            </a:endParaRPr>
           </a:p>
         </p:txBody>
       </p:sp>
     </p:spTree>
     <p:extLst>
       <p:ext uri="{BB962C8B-B14F-4D97-AF65-F5344CB8AC3E}">
-        <p14:creationId xmlns:p14="http://schemas.microsoft.com/office/powerpoint/2010/main" val="1166794134"/>
+        <p14:creationId xmlns:p14="http://schemas.microsoft.com/office/powerpoint/2010/main" val="901446928"/>
       </p:ext>
     </p:extLst>
   </p:cSld>
@@ -6258,7 +8668,7 @@
           <a:p>
             <a:r>
               <a:rPr lang="zh-TW" altLang="en-US" dirty="0"/>
-              <a:t>專案架構</a:t>
+              <a:t>專案需求</a:t>
             </a:r>
           </a:p>
         </p:txBody>
@@ -6294,10 +8704,10 @@
       </p:sp>
       <p:sp>
         <p:nvSpPr>
-          <p:cNvPr id="9" name="文字方塊 8">
+          <p:cNvPr id="7" name="文字方塊 6">
             <a:extLst>
               <a:ext uri="{FF2B5EF4-FFF2-40B4-BE49-F238E27FC236}">
-                <a16:creationId xmlns:a16="http://schemas.microsoft.com/office/drawing/2014/main" id="{4100E61E-7276-4556-A739-0DFBB6A14361}"/>
+                <a16:creationId xmlns:a16="http://schemas.microsoft.com/office/drawing/2014/main" id="{153D5F30-27A2-4661-933F-68D1FC97F88D}"/>
               </a:ext>
             </a:extLst>
           </p:cNvPr>
@@ -6307,7 +8717,7 @@
         <p:spPr>
           <a:xfrm>
             <a:off x="838200" y="1085125"/>
-            <a:ext cx="10515600" cy="579967"/>
+            <a:ext cx="10515600" cy="1514325"/>
           </a:xfrm>
           <a:prstGeom prst="rect">
             <a:avLst/>
@@ -6328,68 +8738,100 @@
               <a:buChar char="•"/>
             </a:pPr>
             <a:r>
-              <a:rPr lang="en-US" altLang="zh-TW" sz="2400" b="1" dirty="0">
+              <a:rPr lang="zh-TW" altLang="en-US" sz="2400" b="1" dirty="0">
+                <a:solidFill>
+                  <a:srgbClr val="202122"/>
+                </a:solidFill>
+                <a:latin typeface="標楷體" panose="03000509000000000000" pitchFamily="65" charset="-120"/>
+                <a:ea typeface="標楷體" panose="03000509000000000000" pitchFamily="65" charset="-120"/>
+              </a:rPr>
+              <a:t>限制</a:t>
+            </a:r>
+            <a:r>
+              <a:rPr lang="en-US" altLang="zh-TW" sz="2400" b="1" i="0" dirty="0">
+                <a:solidFill>
+                  <a:srgbClr val="202122"/>
+                </a:solidFill>
+                <a:effectLst/>
+                <a:latin typeface="標楷體" panose="03000509000000000000" pitchFamily="65" charset="-120"/>
+                <a:ea typeface="標楷體" panose="03000509000000000000" pitchFamily="65" charset="-120"/>
+              </a:rPr>
+              <a:t>:</a:t>
+            </a:r>
+          </a:p>
+          <a:p>
+            <a:pPr marL="342900" indent="-342900">
+              <a:lnSpc>
+                <a:spcPct val="150000"/>
+              </a:lnSpc>
+              <a:buFont typeface="Arial" panose="020B0604020202020204" pitchFamily="34" charset="0"/>
+              <a:buChar char="•"/>
+            </a:pPr>
+            <a:r>
+              <a:rPr lang="zh-TW" altLang="en-US" sz="2000" dirty="0">
+                <a:latin typeface="標楷體" panose="03000509000000000000" pitchFamily="65" charset="-120"/>
+                <a:ea typeface="標楷體" panose="03000509000000000000" pitchFamily="65" charset="-120"/>
+              </a:rPr>
+              <a:t>模型預測時間需小於</a:t>
+            </a:r>
+            <a:r>
+              <a:rPr lang="en-US" altLang="zh-TW" sz="2000" dirty="0">
                 <a:latin typeface="Times New Roman" panose="02020603050405020304" pitchFamily="18" charset="0"/>
+                <a:ea typeface="標楷體" panose="03000509000000000000" pitchFamily="65" charset="-120"/>
                 <a:cs typeface="Times New Roman" panose="02020603050405020304" pitchFamily="18" charset="0"/>
               </a:rPr>
-              <a:t>Breakdown</a:t>
-            </a:r>
-            <a:endParaRPr lang="en-US" altLang="zh-TW" b="1" dirty="0">
+              <a:t>0.033(s/frame)</a:t>
+            </a:r>
+            <a:r>
+              <a:rPr lang="zh-TW" altLang="en-US" sz="2000" dirty="0">
+                <a:latin typeface="Times New Roman" panose="02020603050405020304" pitchFamily="18" charset="0"/>
+                <a:ea typeface="標楷體" panose="03000509000000000000" pitchFamily="65" charset="-120"/>
+                <a:cs typeface="Times New Roman" panose="02020603050405020304" pitchFamily="18" charset="0"/>
+              </a:rPr>
+              <a:t>。</a:t>
+            </a:r>
+            <a:endParaRPr lang="en-US" altLang="zh-TW" sz="2000" dirty="0">
               <a:latin typeface="Times New Roman" panose="02020603050405020304" pitchFamily="18" charset="0"/>
+              <a:ea typeface="標楷體" panose="03000509000000000000" pitchFamily="65" charset="-120"/>
               <a:cs typeface="Times New Roman" panose="02020603050405020304" pitchFamily="18" charset="0"/>
             </a:endParaRPr>
           </a:p>
-        </p:txBody>
-      </p:sp>
-      <p:pic>
-        <p:nvPicPr>
-          <p:cNvPr id="1026" name="Picture 2">
-            <a:extLst>
-              <a:ext uri="{FF2B5EF4-FFF2-40B4-BE49-F238E27FC236}">
-                <a16:creationId xmlns:a16="http://schemas.microsoft.com/office/drawing/2014/main" id="{FDBB9157-B4E2-D14A-6CAF-47DBE8644B92}"/>
-              </a:ext>
-            </a:extLst>
-          </p:cNvPr>
-          <p:cNvPicPr>
-            <a:picLocks noChangeAspect="1" noChangeArrowheads="1"/>
-          </p:cNvPicPr>
-          <p:nvPr/>
-        </p:nvPicPr>
-        <p:blipFill>
-          <a:blip r:embed="rId2">
-            <a:extLst>
-              <a:ext uri="{28A0092B-C50C-407E-A947-70E740481C1C}">
-                <a14:useLocalDpi xmlns:a14="http://schemas.microsoft.com/office/drawing/2010/main" val="0"/>
-              </a:ext>
-            </a:extLst>
-          </a:blip>
-          <a:srcRect/>
-          <a:stretch/>
-        </p:blipFill>
-        <p:spPr bwMode="auto">
-          <a:xfrm>
-            <a:off x="746760" y="1704984"/>
-            <a:ext cx="10607040" cy="4161651"/>
-          </a:xfrm>
-          <a:prstGeom prst="rect">
-            <a:avLst/>
-          </a:prstGeom>
-          <a:noFill/>
-          <a:extLst>
-            <a:ext uri="{909E8E84-426E-40DD-AFC4-6F175D3DCCD1}">
-              <a14:hiddenFill xmlns:a14="http://schemas.microsoft.com/office/drawing/2010/main">
-                <a:solidFill>
-                  <a:srgbClr val="FFFFFF"/>
-                </a:solidFill>
-              </a14:hiddenFill>
-            </a:ext>
-          </a:extLst>
-        </p:spPr>
-      </p:pic>
+          <a:p>
+            <a:pPr marL="342900" indent="-342900">
+              <a:lnSpc>
+                <a:spcPct val="150000"/>
+              </a:lnSpc>
+              <a:buFont typeface="Arial" panose="020B0604020202020204" pitchFamily="34" charset="0"/>
+              <a:buChar char="•"/>
+            </a:pPr>
+            <a:r>
+              <a:rPr lang="zh-TW" altLang="en-US" sz="2000" i="0" dirty="0">
+                <a:solidFill>
+                  <a:srgbClr val="202122"/>
+                </a:solidFill>
+                <a:effectLst/>
+                <a:latin typeface="Times New Roman" panose="02020603050405020304" pitchFamily="18" charset="0"/>
+                <a:ea typeface="標楷體" panose="03000509000000000000" pitchFamily="65" charset="-120"/>
+                <a:cs typeface="Times New Roman" panose="02020603050405020304" pitchFamily="18" charset="0"/>
+              </a:rPr>
+              <a:t>模型大小</a:t>
+            </a:r>
+            <a:endParaRPr lang="en-US" altLang="zh-TW" sz="2000" i="0" dirty="0">
+              <a:solidFill>
+                <a:srgbClr val="202122"/>
+              </a:solidFill>
+              <a:effectLst/>
+              <a:latin typeface="Times New Roman" panose="02020603050405020304" pitchFamily="18" charset="0"/>
+              <a:ea typeface="標楷體" panose="03000509000000000000" pitchFamily="65" charset="-120"/>
+              <a:cs typeface="Times New Roman" panose="02020603050405020304" pitchFamily="18" charset="0"/>
+            </a:endParaRPr>
+          </a:p>
+        </p:txBody>
+      </p:sp>
     </p:spTree>
     <p:extLst>
       <p:ext uri="{BB962C8B-B14F-4D97-AF65-F5344CB8AC3E}">
-        <p14:creationId xmlns:p14="http://schemas.microsoft.com/office/powerpoint/2010/main" val="3346213445"/>
+        <p14:creationId xmlns:p14="http://schemas.microsoft.com/office/powerpoint/2010/main" val="2204252112"/>
       </p:ext>
     </p:extLst>
   </p:cSld>
@@ -6446,14 +8888,12 @@
         </p:nvSpPr>
         <p:spPr/>
         <p:txBody>
-          <a:bodyPr>
-            <a:normAutofit/>
-          </a:bodyPr>
+          <a:bodyPr/>
           <a:lstStyle/>
           <a:p>
             <a:r>
               <a:rPr lang="zh-TW" altLang="en-US" dirty="0"/>
-              <a:t>專案架構</a:t>
+              <a:t>專案需求</a:t>
             </a:r>
           </a:p>
         </p:txBody>
@@ -6489,60 +8929,10 @@
       </p:sp>
       <p:sp>
         <p:nvSpPr>
-          <p:cNvPr id="11" name="矩形 10">
+          <p:cNvPr id="7" name="文字方塊 6">
             <a:extLst>
               <a:ext uri="{FF2B5EF4-FFF2-40B4-BE49-F238E27FC236}">
-                <a16:creationId xmlns:a16="http://schemas.microsoft.com/office/drawing/2014/main" id="{7E3C07EB-199A-03C6-B616-8553BAA70F20}"/>
-              </a:ext>
-            </a:extLst>
-          </p:cNvPr>
-          <p:cNvSpPr/>
-          <p:nvPr/>
-        </p:nvSpPr>
-        <p:spPr>
-          <a:xfrm>
-            <a:off x="3289300" y="3924300"/>
-            <a:ext cx="755650" cy="374650"/>
-          </a:xfrm>
-          <a:prstGeom prst="rect">
-            <a:avLst/>
-          </a:prstGeom>
-          <a:noFill/>
-          <a:ln>
-            <a:noFill/>
-          </a:ln>
-        </p:spPr>
-        <p:style>
-          <a:lnRef idx="2">
-            <a:schemeClr val="accent1">
-              <a:shade val="15000"/>
-            </a:schemeClr>
-          </a:lnRef>
-          <a:fillRef idx="1">
-            <a:schemeClr val="accent1"/>
-          </a:fillRef>
-          <a:effectRef idx="0">
-            <a:schemeClr val="accent1"/>
-          </a:effectRef>
-          <a:fontRef idx="minor">
-            <a:schemeClr val="lt1"/>
-          </a:fontRef>
-        </p:style>
-        <p:txBody>
-          <a:bodyPr rtlCol="0" anchor="ctr"/>
-          <a:lstStyle/>
-          <a:p>
-            <a:pPr algn="ctr"/>
-            <a:endParaRPr lang="zh-TW" altLang="en-US"/>
-          </a:p>
-        </p:txBody>
-      </p:sp>
-      <p:sp>
-        <p:nvSpPr>
-          <p:cNvPr id="12" name="文字方塊 11">
-            <a:extLst>
-              <a:ext uri="{FF2B5EF4-FFF2-40B4-BE49-F238E27FC236}">
-                <a16:creationId xmlns:a16="http://schemas.microsoft.com/office/drawing/2014/main" id="{5D7F746F-01B0-6924-CF7A-943B58B3EF47}"/>
+                <a16:creationId xmlns:a16="http://schemas.microsoft.com/office/drawing/2014/main" id="{153D5F30-27A2-4661-933F-68D1FC97F88D}"/>
               </a:ext>
             </a:extLst>
           </p:cNvPr>
@@ -6552,7 +8942,7 @@
         <p:spPr>
           <a:xfrm>
             <a:off x="838200" y="1085125"/>
-            <a:ext cx="10515600" cy="579967"/>
+            <a:ext cx="10515600" cy="1515543"/>
           </a:xfrm>
           <a:prstGeom prst="rect">
             <a:avLst/>
@@ -6573,15 +8963,260 @@
               <a:buChar char="•"/>
             </a:pPr>
             <a:r>
-              <a:rPr lang="en-US" altLang="zh-TW" sz="2400" b="1" dirty="0">
+              <a:rPr lang="zh-TW" altLang="en-US" sz="2400" b="1" i="0" dirty="0">
+                <a:solidFill>
+                  <a:srgbClr val="202122"/>
+                </a:solidFill>
+                <a:effectLst/>
+                <a:latin typeface="標楷體" panose="03000509000000000000" pitchFamily="65" charset="-120"/>
+                <a:ea typeface="標楷體" panose="03000509000000000000" pitchFamily="65" charset="-120"/>
+              </a:rPr>
+              <a:t>驗收</a:t>
+            </a:r>
+            <a:r>
+              <a:rPr lang="en-US" altLang="zh-TW" sz="2400" b="1" i="0" dirty="0">
+                <a:solidFill>
+                  <a:srgbClr val="202122"/>
+                </a:solidFill>
+                <a:effectLst/>
+                <a:latin typeface="標楷體" panose="03000509000000000000" pitchFamily="65" charset="-120"/>
+                <a:ea typeface="標楷體" panose="03000509000000000000" pitchFamily="65" charset="-120"/>
+              </a:rPr>
+              <a:t>:</a:t>
+            </a:r>
+            <a:r>
+              <a:rPr lang="zh-TW" altLang="en-US" sz="2400" b="1" i="0" dirty="0">
+                <a:solidFill>
+                  <a:srgbClr val="202122"/>
+                </a:solidFill>
+                <a:effectLst/>
+                <a:latin typeface="標楷體" panose="03000509000000000000" pitchFamily="65" charset="-120"/>
+                <a:ea typeface="標楷體" panose="03000509000000000000" pitchFamily="65" charset="-120"/>
+              </a:rPr>
+              <a:t> </a:t>
+            </a:r>
+            <a:r>
+              <a:rPr lang="en-US" altLang="zh-TW" sz="2000" i="0" dirty="0">
+                <a:solidFill>
+                  <a:srgbClr val="202122"/>
+                </a:solidFill>
+                <a:effectLst/>
                 <a:latin typeface="Times New Roman" panose="02020603050405020304" pitchFamily="18" charset="0"/>
+                <a:ea typeface="標楷體" panose="03000509000000000000" pitchFamily="65" charset="-120"/>
                 <a:cs typeface="Times New Roman" panose="02020603050405020304" pitchFamily="18" charset="0"/>
               </a:rPr>
-              <a:t>Architecture</a:t>
-            </a:r>
-            <a:endParaRPr lang="en-US" altLang="zh-TW" b="1" dirty="0">
+              <a:t>(1)</a:t>
+            </a:r>
+            <a:r>
+              <a:rPr lang="zh-TW" altLang="en-US" sz="2000" i="0" dirty="0">
+                <a:solidFill>
+                  <a:srgbClr val="202122"/>
+                </a:solidFill>
+                <a:effectLst/>
+                <a:latin typeface="Times New Roman" panose="02020603050405020304" pitchFamily="18" charset="0"/>
+                <a:ea typeface="標楷體" panose="03000509000000000000" pitchFamily="65" charset="-120"/>
+                <a:cs typeface="Times New Roman" panose="02020603050405020304" pitchFamily="18" charset="0"/>
+              </a:rPr>
+              <a:t>遊戲正常執行</a:t>
+            </a:r>
+            <a:endParaRPr lang="en-US" altLang="zh-TW" sz="2000" i="0" dirty="0">
+              <a:solidFill>
+                <a:srgbClr val="202122"/>
+              </a:solidFill>
+              <a:effectLst/>
               <a:latin typeface="Times New Roman" panose="02020603050405020304" pitchFamily="18" charset="0"/>
+              <a:ea typeface="標楷體" panose="03000509000000000000" pitchFamily="65" charset="-120"/>
               <a:cs typeface="Times New Roman" panose="02020603050405020304" pitchFamily="18" charset="0"/>
+            </a:endParaRPr>
+          </a:p>
+          <a:p>
+            <a:pPr>
+              <a:lnSpc>
+                <a:spcPct val="150000"/>
+              </a:lnSpc>
+            </a:pPr>
+            <a:r>
+              <a:rPr lang="zh-TW" altLang="en-US" sz="2000" dirty="0">
+                <a:solidFill>
+                  <a:srgbClr val="202122"/>
+                </a:solidFill>
+                <a:latin typeface="標楷體" panose="03000509000000000000" pitchFamily="65" charset="-120"/>
+                <a:ea typeface="標楷體" panose="03000509000000000000" pitchFamily="65" charset="-120"/>
+              </a:rPr>
+              <a:t>實驗</a:t>
+            </a:r>
+            <a:r>
+              <a:rPr lang="zh-TW" altLang="en-US" dirty="0">
+                <a:solidFill>
+                  <a:srgbClr val="202122"/>
+                </a:solidFill>
+                <a:latin typeface="標楷體" panose="03000509000000000000" pitchFamily="65" charset="-120"/>
+                <a:ea typeface="標楷體" panose="03000509000000000000" pitchFamily="65" charset="-120"/>
+              </a:rPr>
+              <a:t>情境 </a:t>
+            </a:r>
+            <a:r>
+              <a:rPr lang="en-US" altLang="zh-TW" dirty="0">
+                <a:solidFill>
+                  <a:srgbClr val="202122"/>
+                </a:solidFill>
+                <a:latin typeface="標楷體" panose="03000509000000000000" pitchFamily="65" charset="-120"/>
+                <a:ea typeface="標楷體" panose="03000509000000000000" pitchFamily="65" charset="-120"/>
+              </a:rPr>
+              <a:t>: </a:t>
+            </a:r>
+            <a:r>
+              <a:rPr lang="en-US" altLang="zh-TW" dirty="0">
+                <a:solidFill>
+                  <a:srgbClr val="202122"/>
+                </a:solidFill>
+                <a:latin typeface="Times New Roman" panose="02020603050405020304" pitchFamily="18" charset="0"/>
+                <a:ea typeface="標楷體" panose="03000509000000000000" pitchFamily="65" charset="-120"/>
+                <a:cs typeface="Times New Roman" panose="02020603050405020304" pitchFamily="18" charset="0"/>
+              </a:rPr>
+              <a:t>(a)</a:t>
+            </a:r>
+            <a:r>
+              <a:rPr lang="zh-TW" altLang="en-US" dirty="0">
+                <a:solidFill>
+                  <a:srgbClr val="202122"/>
+                </a:solidFill>
+                <a:latin typeface="Times New Roman" panose="02020603050405020304" pitchFamily="18" charset="0"/>
+                <a:ea typeface="標楷體" panose="03000509000000000000" pitchFamily="65" charset="-120"/>
+                <a:cs typeface="Times New Roman" panose="02020603050405020304" pitchFamily="18" charset="0"/>
+              </a:rPr>
+              <a:t>透過玩家</a:t>
+            </a:r>
+            <a:r>
+              <a:rPr lang="en-US" altLang="zh-TW" dirty="0">
+                <a:solidFill>
+                  <a:srgbClr val="202122"/>
+                </a:solidFill>
+                <a:latin typeface="Times New Roman" panose="02020603050405020304" pitchFamily="18" charset="0"/>
+                <a:ea typeface="標楷體" panose="03000509000000000000" pitchFamily="65" charset="-120"/>
+                <a:cs typeface="Times New Roman" panose="02020603050405020304" pitchFamily="18" charset="0"/>
+              </a:rPr>
+              <a:t>(</a:t>
+            </a:r>
+            <a:r>
+              <a:rPr lang="zh-TW" altLang="en-US" dirty="0">
+                <a:solidFill>
+                  <a:srgbClr val="202122"/>
+                </a:solidFill>
+                <a:latin typeface="Times New Roman" panose="02020603050405020304" pitchFamily="18" charset="0"/>
+                <a:ea typeface="標楷體" panose="03000509000000000000" pitchFamily="65" charset="-120"/>
+                <a:cs typeface="Times New Roman" panose="02020603050405020304" pitchFamily="18" charset="0"/>
+              </a:rPr>
+              <a:t>人類</a:t>
+            </a:r>
+            <a:r>
+              <a:rPr lang="en-US" altLang="zh-TW" dirty="0">
+                <a:solidFill>
+                  <a:srgbClr val="202122"/>
+                </a:solidFill>
+                <a:latin typeface="Times New Roman" panose="02020603050405020304" pitchFamily="18" charset="0"/>
+                <a:ea typeface="標楷體" panose="03000509000000000000" pitchFamily="65" charset="-120"/>
+                <a:cs typeface="Times New Roman" panose="02020603050405020304" pitchFamily="18" charset="0"/>
+              </a:rPr>
+              <a:t>)</a:t>
+            </a:r>
+            <a:r>
+              <a:rPr lang="zh-TW" altLang="en-US" dirty="0">
+                <a:solidFill>
+                  <a:srgbClr val="202122"/>
+                </a:solidFill>
+                <a:latin typeface="Times New Roman" panose="02020603050405020304" pitchFamily="18" charset="0"/>
+                <a:ea typeface="標楷體" panose="03000509000000000000" pitchFamily="65" charset="-120"/>
+                <a:cs typeface="Times New Roman" panose="02020603050405020304" pitchFamily="18" charset="0"/>
+              </a:rPr>
+              <a:t> </a:t>
+            </a:r>
+            <a:r>
+              <a:rPr lang="en-US" altLang="zh-TW" dirty="0">
+                <a:solidFill>
+                  <a:srgbClr val="202122"/>
+                </a:solidFill>
+                <a:latin typeface="Times New Roman" panose="02020603050405020304" pitchFamily="18" charset="0"/>
+                <a:ea typeface="標楷體" panose="03000509000000000000" pitchFamily="65" charset="-120"/>
+                <a:cs typeface="Times New Roman" panose="02020603050405020304" pitchFamily="18" charset="0"/>
+              </a:rPr>
+              <a:t>(b)</a:t>
+            </a:r>
+            <a:r>
+              <a:rPr lang="zh-TW" altLang="en-US" dirty="0">
+                <a:solidFill>
+                  <a:srgbClr val="202122"/>
+                </a:solidFill>
+                <a:latin typeface="Times New Roman" panose="02020603050405020304" pitchFamily="18" charset="0"/>
+                <a:ea typeface="標楷體" panose="03000509000000000000" pitchFamily="65" charset="-120"/>
+                <a:cs typeface="Times New Roman" panose="02020603050405020304" pitchFamily="18" charset="0"/>
+              </a:rPr>
+              <a:t>透過</a:t>
+            </a:r>
+            <a:r>
+              <a:rPr lang="en-US" altLang="zh-TW" dirty="0">
+                <a:solidFill>
+                  <a:srgbClr val="202122"/>
+                </a:solidFill>
+                <a:latin typeface="Times New Roman" panose="02020603050405020304" pitchFamily="18" charset="0"/>
+                <a:ea typeface="標楷體" panose="03000509000000000000" pitchFamily="65" charset="-120"/>
+                <a:cs typeface="Times New Roman" panose="02020603050405020304" pitchFamily="18" charset="0"/>
+              </a:rPr>
+              <a:t>AI</a:t>
+            </a:r>
+          </a:p>
+          <a:p>
+            <a:pPr>
+              <a:lnSpc>
+                <a:spcPct val="150000"/>
+              </a:lnSpc>
+            </a:pPr>
+            <a:r>
+              <a:rPr lang="zh-TW" altLang="en-US" dirty="0">
+                <a:solidFill>
+                  <a:srgbClr val="202122"/>
+                </a:solidFill>
+                <a:latin typeface="標楷體" panose="03000509000000000000" pitchFamily="65" charset="-120"/>
+                <a:ea typeface="標楷體" panose="03000509000000000000" pitchFamily="65" charset="-120"/>
+              </a:rPr>
+              <a:t>驗證流程 </a:t>
+            </a:r>
+            <a:r>
+              <a:rPr lang="en-US" altLang="zh-TW" sz="2000" dirty="0">
+                <a:solidFill>
+                  <a:srgbClr val="202122"/>
+                </a:solidFill>
+                <a:latin typeface="標楷體" panose="03000509000000000000" pitchFamily="65" charset="-120"/>
+                <a:ea typeface="標楷體" panose="03000509000000000000" pitchFamily="65" charset="-120"/>
+              </a:rPr>
+              <a:t>:</a:t>
+            </a:r>
+            <a:r>
+              <a:rPr lang="zh-TW" altLang="en-US" sz="2000" dirty="0">
+                <a:solidFill>
+                  <a:srgbClr val="202122"/>
+                </a:solidFill>
+                <a:latin typeface="標楷體" panose="03000509000000000000" pitchFamily="65" charset="-120"/>
+                <a:ea typeface="標楷體" panose="03000509000000000000" pitchFamily="65" charset="-120"/>
+              </a:rPr>
+              <a:t> 執行遊戲並</a:t>
+            </a:r>
+            <a:r>
+              <a:rPr lang="zh-TW" altLang="en-US" dirty="0">
+                <a:solidFill>
+                  <a:srgbClr val="202122"/>
+                </a:solidFill>
+                <a:latin typeface="標楷體" panose="03000509000000000000" pitchFamily="65" charset="-120"/>
+                <a:ea typeface="標楷體" panose="03000509000000000000" pitchFamily="65" charset="-120"/>
+              </a:rPr>
+              <a:t>確認發球、切球、碰撞等遊戲機制，是否正確</a:t>
+            </a:r>
+            <a:endParaRPr lang="en-US" altLang="zh-TW" sz="2000" dirty="0">
+              <a:solidFill>
+                <a:srgbClr val="202122"/>
+              </a:solidFill>
+              <a:latin typeface="標楷體" panose="03000509000000000000" pitchFamily="65" charset="-120"/>
+              <a:ea typeface="標楷體" panose="03000509000000000000" pitchFamily="65" charset="-120"/>
             </a:endParaRPr>
           </a:p>
         </p:txBody>
@@ -6589,7 +9224,7 @@
     </p:spTree>
     <p:extLst>
       <p:ext uri="{BB962C8B-B14F-4D97-AF65-F5344CB8AC3E}">
-        <p14:creationId xmlns:p14="http://schemas.microsoft.com/office/powerpoint/2010/main" val="3631414891"/>
+        <p14:creationId xmlns:p14="http://schemas.microsoft.com/office/powerpoint/2010/main" val="1166794134"/>
       </p:ext>
     </p:extLst>
   </p:cSld>

--- a/final_project/DevelopmentLog/ML_finalproject.pptx
+++ b/final_project/DevelopmentLog/ML_finalproject.pptx
@@ -6685,7 +6685,7 @@
                 <a:latin typeface="標楷體" panose="03000509000000000000" pitchFamily="65" charset="-120"/>
                 <a:ea typeface="標楷體" panose="03000509000000000000" pitchFamily="65" charset="-120"/>
               </a:rPr>
-              <a:t>透過玩家遊玩，收集遊戲特徵</a:t>
+              <a:t>透過玩家遊玩，收集遊戲狀態</a:t>
             </a:r>
             <a:r>
               <a:rPr lang="en-US" altLang="zh-TW" dirty="0">

--- a/final_project/DevelopmentLog/ML_finalproject.pptx
+++ b/final_project/DevelopmentLog/ML_finalproject.pptx
@@ -6510,7 +6510,7 @@
         <p:spPr>
           <a:xfrm>
             <a:off x="838200" y="1085125"/>
-            <a:ext cx="10515600" cy="3090590"/>
+            <a:ext cx="10515600" cy="3921586"/>
           </a:xfrm>
           <a:prstGeom prst="rect">
             <a:avLst/>
@@ -6685,19 +6685,82 @@
                 <a:latin typeface="標楷體" panose="03000509000000000000" pitchFamily="65" charset="-120"/>
                 <a:ea typeface="標楷體" panose="03000509000000000000" pitchFamily="65" charset="-120"/>
               </a:rPr>
-              <a:t>透過玩家遊玩，收集遊戲狀態</a:t>
+              <a:t>透過玩家遊玩，收集遊戲狀態更新</a:t>
             </a:r>
             <a:r>
               <a:rPr lang="en-US" altLang="zh-TW" dirty="0">
                 <a:solidFill>
                   <a:srgbClr val="202122"/>
                 </a:solidFill>
+                <a:latin typeface="Times New Roman" panose="02020603050405020304" pitchFamily="18" charset="0"/>
+                <a:ea typeface="標楷體" panose="03000509000000000000" pitchFamily="65" charset="-120"/>
+                <a:cs typeface="Times New Roman" panose="02020603050405020304" pitchFamily="18" charset="0"/>
+              </a:rPr>
+              <a:t>Q-Table</a:t>
+            </a:r>
+          </a:p>
+          <a:p>
+            <a:pPr marL="1657350" lvl="3" indent="-285750">
+              <a:lnSpc>
+                <a:spcPct val="150000"/>
+              </a:lnSpc>
+              <a:buFont typeface="Arial" panose="020B0604020202020204" pitchFamily="34" charset="0"/>
+              <a:buChar char="•"/>
+            </a:pPr>
+            <a:r>
+              <a:rPr lang="en-US" altLang="zh-TW" i="0" dirty="0">
+                <a:solidFill>
+                  <a:srgbClr val="202122"/>
+                </a:solidFill>
+                <a:effectLst/>
+                <a:latin typeface="Times New Roman" panose="02020603050405020304" pitchFamily="18" charset="0"/>
+                <a:ea typeface="標楷體" panose="03000509000000000000" pitchFamily="65" charset="-120"/>
+                <a:cs typeface="Times New Roman" panose="02020603050405020304" pitchFamily="18" charset="0"/>
+              </a:rPr>
+              <a:t>State : </a:t>
+            </a:r>
+            <a:r>
+              <a:rPr lang="zh-TW" altLang="en-US" dirty="0">
+                <a:solidFill>
+                  <a:srgbClr val="202122"/>
+                </a:solidFill>
+                <a:latin typeface="標楷體" panose="03000509000000000000" pitchFamily="65" charset="-120"/>
+                <a:ea typeface="標楷體" panose="03000509000000000000" pitchFamily="65" charset="-120"/>
+              </a:rPr>
+              <a:t>球位置</a:t>
+            </a:r>
+            <a:r>
+              <a:rPr lang="en-US" altLang="zh-TW" dirty="0">
+                <a:solidFill>
+                  <a:srgbClr val="202122"/>
+                </a:solidFill>
                 <a:latin typeface="標楷體" panose="03000509000000000000" pitchFamily="65" charset="-120"/>
                 <a:ea typeface="標楷體" panose="03000509000000000000" pitchFamily="65" charset="-120"/>
               </a:rPr>
               <a:t>(</a:t>
             </a:r>
             <a:r>
+              <a:rPr lang="en-US" altLang="zh-TW" dirty="0" err="1">
+                <a:solidFill>
+                  <a:srgbClr val="202122"/>
+                </a:solidFill>
+                <a:latin typeface="Times New Roman" panose="02020603050405020304" pitchFamily="18" charset="0"/>
+                <a:ea typeface="標楷體" panose="03000509000000000000" pitchFamily="65" charset="-120"/>
+                <a:cs typeface="Times New Roman" panose="02020603050405020304" pitchFamily="18" charset="0"/>
+              </a:rPr>
+              <a:t>x,y</a:t>
+            </a:r>
+            <a:r>
+              <a:rPr lang="en-US" altLang="zh-TW" dirty="0">
+                <a:solidFill>
+                  <a:srgbClr val="202122"/>
+                </a:solidFill>
+                <a:latin typeface="標楷體" panose="03000509000000000000" pitchFamily="65" charset="-120"/>
+                <a:ea typeface="標楷體" panose="03000509000000000000" pitchFamily="65" charset="-120"/>
+              </a:rPr>
+              <a:t>)</a:t>
+            </a:r>
+            <a:r>
               <a:rPr lang="zh-TW" altLang="en-US" dirty="0">
                 <a:solidFill>
                   <a:srgbClr val="202122"/>
@@ -6705,7 +6768,7 @@
                 <a:latin typeface="標楷體" panose="03000509000000000000" pitchFamily="65" charset="-120"/>
                 <a:ea typeface="標楷體" panose="03000509000000000000" pitchFamily="65" charset="-120"/>
               </a:rPr>
-              <a:t>球位置、板子位置</a:t>
+              <a:t>、板子位置</a:t>
             </a:r>
             <a:r>
               <a:rPr lang="en-US" altLang="zh-TW" dirty="0">
@@ -6715,6 +6778,27 @@
                 <a:latin typeface="標楷體" panose="03000509000000000000" pitchFamily="65" charset="-120"/>
                 <a:ea typeface="標楷體" panose="03000509000000000000" pitchFamily="65" charset="-120"/>
               </a:rPr>
+              <a:t>(</a:t>
+            </a:r>
+            <a:r>
+              <a:rPr lang="en-US" altLang="zh-TW" dirty="0">
+                <a:solidFill>
+                  <a:srgbClr val="202122"/>
+                </a:solidFill>
+                <a:latin typeface="Times New Roman" panose="02020603050405020304" pitchFamily="18" charset="0"/>
+                <a:ea typeface="標楷體" panose="03000509000000000000" pitchFamily="65" charset="-120"/>
+                <a:cs typeface="Times New Roman" panose="02020603050405020304" pitchFamily="18" charset="0"/>
+              </a:rPr>
+              <a:t>x</a:t>
+            </a:r>
+            <a:r>
+              <a:rPr lang="en-US" altLang="zh-TW" dirty="0">
+                <a:solidFill>
+                  <a:srgbClr val="202122"/>
+                </a:solidFill>
+                <a:latin typeface="標楷體" panose="03000509000000000000" pitchFamily="65" charset="-120"/>
+                <a:ea typeface="標楷體" panose="03000509000000000000" pitchFamily="65" charset="-120"/>
+              </a:rPr>
               <a:t>)</a:t>
             </a:r>
             <a:r>
@@ -6725,7 +6809,7 @@
                 <a:latin typeface="標楷體" panose="03000509000000000000" pitchFamily="65" charset="-120"/>
                 <a:ea typeface="標楷體" panose="03000509000000000000" pitchFamily="65" charset="-120"/>
               </a:rPr>
-              <a:t>更新</a:t>
+              <a:t>、球與板</a:t>
             </a:r>
             <a:r>
               <a:rPr lang="en-US" altLang="zh-TW" dirty="0">
@@ -6736,7 +6820,68 @@
                 <a:ea typeface="標楷體" panose="03000509000000000000" pitchFamily="65" charset="-120"/>
                 <a:cs typeface="Times New Roman" panose="02020603050405020304" pitchFamily="18" charset="0"/>
               </a:rPr>
-              <a:t>Q-Table</a:t>
+              <a:t>x</a:t>
+            </a:r>
+            <a:r>
+              <a:rPr lang="zh-TW" altLang="en-US" dirty="0">
+                <a:solidFill>
+                  <a:srgbClr val="202122"/>
+                </a:solidFill>
+                <a:latin typeface="標楷體" panose="03000509000000000000" pitchFamily="65" charset="-120"/>
+                <a:ea typeface="標楷體" panose="03000509000000000000" pitchFamily="65" charset="-120"/>
+              </a:rPr>
+              <a:t>座標差</a:t>
+            </a:r>
+            <a:endParaRPr lang="en-US" altLang="zh-TW" i="0" dirty="0">
+              <a:solidFill>
+                <a:srgbClr val="202122"/>
+              </a:solidFill>
+              <a:effectLst/>
+              <a:latin typeface="Times New Roman" panose="02020603050405020304" pitchFamily="18" charset="0"/>
+              <a:ea typeface="標楷體" panose="03000509000000000000" pitchFamily="65" charset="-120"/>
+              <a:cs typeface="Times New Roman" panose="02020603050405020304" pitchFamily="18" charset="0"/>
+            </a:endParaRPr>
+          </a:p>
+          <a:p>
+            <a:pPr marL="1657350" lvl="3" indent="-285750">
+              <a:lnSpc>
+                <a:spcPct val="150000"/>
+              </a:lnSpc>
+              <a:buFont typeface="Arial" panose="020B0604020202020204" pitchFamily="34" charset="0"/>
+              <a:buChar char="•"/>
+            </a:pPr>
+            <a:r>
+              <a:rPr lang="en-US" altLang="zh-TW" dirty="0">
+                <a:solidFill>
+                  <a:srgbClr val="202122"/>
+                </a:solidFill>
+                <a:latin typeface="Times New Roman" panose="02020603050405020304" pitchFamily="18" charset="0"/>
+                <a:ea typeface="標楷體" panose="03000509000000000000" pitchFamily="65" charset="-120"/>
+                <a:cs typeface="Times New Roman" panose="02020603050405020304" pitchFamily="18" charset="0"/>
+              </a:rPr>
+              <a:t>Reward : </a:t>
+            </a:r>
+            <a:r>
+              <a:rPr lang="zh-TW" altLang="en-US" dirty="0">
+                <a:solidFill>
+                  <a:srgbClr val="202122"/>
+                </a:solidFill>
+                <a:latin typeface="Times New Roman" panose="02020603050405020304" pitchFamily="18" charset="0"/>
+                <a:ea typeface="標楷體" panose="03000509000000000000" pitchFamily="65" charset="-120"/>
+                <a:cs typeface="Times New Roman" panose="02020603050405020304" pitchFamily="18" charset="0"/>
+              </a:rPr>
+              <a:t>根據位置差與遊戲狀態給予</a:t>
+            </a:r>
+            <a:r>
+              <a:rPr lang="zh-TW" altLang="en-US">
+                <a:solidFill>
+                  <a:srgbClr val="202122"/>
+                </a:solidFill>
+                <a:latin typeface="Times New Roman" panose="02020603050405020304" pitchFamily="18" charset="0"/>
+                <a:ea typeface="標楷體" panose="03000509000000000000" pitchFamily="65" charset="-120"/>
+                <a:cs typeface="Times New Roman" panose="02020603050405020304" pitchFamily="18" charset="0"/>
+              </a:rPr>
+              <a:t>不同獎勵</a:t>
             </a:r>
             <a:endParaRPr lang="en-US" altLang="zh-TW" i="0" dirty="0">
               <a:solidFill>

--- a/final_project/DevelopmentLog/ML_finalproject.pptx
+++ b/final_project/DevelopmentLog/ML_finalproject.pptx
@@ -5,7 +5,7 @@
     <p:sldMasterId id="2147483660" r:id="rId1"/>
   </p:sldMasterIdLst>
   <p:notesMasterIdLst>
-    <p:notesMasterId r:id="rId18"/>
+    <p:notesMasterId r:id="rId20"/>
   </p:notesMasterIdLst>
   <p:sldIdLst>
     <p:sldId id="1398" r:id="rId2"/>
@@ -20,10 +20,12 @@
     <p:sldId id="1810" r:id="rId11"/>
     <p:sldId id="1808" r:id="rId12"/>
     <p:sldId id="1408" r:id="rId13"/>
-    <p:sldId id="1803" r:id="rId14"/>
-    <p:sldId id="1743" r:id="rId15"/>
-    <p:sldId id="1790" r:id="rId16"/>
-    <p:sldId id="1396" r:id="rId17"/>
+    <p:sldId id="1811" r:id="rId14"/>
+    <p:sldId id="1812" r:id="rId15"/>
+    <p:sldId id="1803" r:id="rId16"/>
+    <p:sldId id="1790" r:id="rId17"/>
+    <p:sldId id="1813" r:id="rId18"/>
+    <p:sldId id="1396" r:id="rId19"/>
   </p:sldIdLst>
   <p:sldSz cx="12192000" cy="6858000"/>
   <p:notesSz cx="6858000" cy="9144000"/>
@@ -147,9 +149,11 @@
         <p14:section name="系統分析" id="{EFA9FE12-F7FD-4033-828B-33A2C8B5ED9B}">
           <p14:sldIdLst>
             <p14:sldId id="1408"/>
+            <p14:sldId id="1811"/>
+            <p14:sldId id="1812"/>
             <p14:sldId id="1803"/>
-            <p14:sldId id="1743"/>
             <p14:sldId id="1790"/>
+            <p14:sldId id="1813"/>
           </p14:sldIdLst>
         </p14:section>
         <p14:section name="問題紀錄" id="{D71077BB-9346-4BB7-9137-6E6890250CB2}">
@@ -248,7 +252,7 @@
           <a:p>
             <a:fld id="{5B76B9C2-8CBA-466A-AF0E-975D77387BB5}" type="datetimeFigureOut">
               <a:rPr lang="zh-TW" altLang="en-US" smtClean="0"/>
-              <a:t>2024/5/1</a:t>
+              <a:t>2024/5/8</a:t>
             </a:fld>
             <a:endParaRPr lang="zh-TW" altLang="en-US"/>
           </a:p>
@@ -735,7 +739,7 @@
           <a:p>
             <a:fld id="{76DB1E62-041B-47B5-8407-B11F18F7E90B}" type="datetimeFigureOut">
               <a:rPr lang="zh-TW" altLang="en-US" smtClean="0"/>
-              <a:t>2024/5/1</a:t>
+              <a:t>2024/5/8</a:t>
             </a:fld>
             <a:endParaRPr lang="zh-TW" altLang="en-US"/>
           </a:p>
@@ -915,7 +919,7 @@
           <a:p>
             <a:fld id="{76DB1E62-041B-47B5-8407-B11F18F7E90B}" type="datetimeFigureOut">
               <a:rPr lang="zh-TW" altLang="en-US" smtClean="0"/>
-              <a:t>2024/5/1</a:t>
+              <a:t>2024/5/8</a:t>
             </a:fld>
             <a:endParaRPr lang="zh-TW" altLang="en-US"/>
           </a:p>
@@ -1105,7 +1109,7 @@
           <a:p>
             <a:fld id="{76DB1E62-041B-47B5-8407-B11F18F7E90B}" type="datetimeFigureOut">
               <a:rPr lang="zh-TW" altLang="en-US" smtClean="0"/>
-              <a:t>2024/5/1</a:t>
+              <a:t>2024/5/8</a:t>
             </a:fld>
             <a:endParaRPr lang="zh-TW" altLang="en-US"/>
           </a:p>
@@ -1314,7 +1318,7 @@
           <a:p>
             <a:fld id="{76DB1E62-041B-47B5-8407-B11F18F7E90B}" type="datetimeFigureOut">
               <a:rPr lang="zh-TW" altLang="en-US" smtClean="0"/>
-              <a:t>2024/5/1</a:t>
+              <a:t>2024/5/8</a:t>
             </a:fld>
             <a:endParaRPr lang="zh-TW" altLang="en-US"/>
           </a:p>
@@ -1571,7 +1575,7 @@
           <a:p>
             <a:fld id="{76DB1E62-041B-47B5-8407-B11F18F7E90B}" type="datetimeFigureOut">
               <a:rPr lang="zh-TW" altLang="en-US" smtClean="0"/>
-              <a:t>2024/5/1</a:t>
+              <a:t>2024/5/8</a:t>
             </a:fld>
             <a:endParaRPr lang="zh-TW" altLang="en-US"/>
           </a:p>
@@ -1812,7 +1816,7 @@
           <a:p>
             <a:fld id="{76DB1E62-041B-47B5-8407-B11F18F7E90B}" type="datetimeFigureOut">
               <a:rPr lang="zh-TW" altLang="en-US" smtClean="0"/>
-              <a:t>2024/5/1</a:t>
+              <a:t>2024/5/8</a:t>
             </a:fld>
             <a:endParaRPr lang="zh-TW" altLang="en-US"/>
           </a:p>
@@ -2188,7 +2192,7 @@
           <a:p>
             <a:fld id="{76DB1E62-041B-47B5-8407-B11F18F7E90B}" type="datetimeFigureOut">
               <a:rPr lang="zh-TW" altLang="en-US" smtClean="0"/>
-              <a:t>2024/5/1</a:t>
+              <a:t>2024/5/8</a:t>
             </a:fld>
             <a:endParaRPr lang="zh-TW" altLang="en-US"/>
           </a:p>
@@ -2317,7 +2321,7 @@
           <a:p>
             <a:fld id="{76DB1E62-041B-47B5-8407-B11F18F7E90B}" type="datetimeFigureOut">
               <a:rPr lang="zh-TW" altLang="en-US" smtClean="0"/>
-              <a:t>2024/5/1</a:t>
+              <a:t>2024/5/8</a:t>
             </a:fld>
             <a:endParaRPr lang="zh-TW" altLang="en-US"/>
           </a:p>
@@ -2424,7 +2428,7 @@
           <a:p>
             <a:fld id="{76DB1E62-041B-47B5-8407-B11F18F7E90B}" type="datetimeFigureOut">
               <a:rPr lang="zh-TW" altLang="en-US" smtClean="0"/>
-              <a:t>2024/5/1</a:t>
+              <a:t>2024/5/8</a:t>
             </a:fld>
             <a:endParaRPr lang="zh-TW" altLang="en-US"/>
           </a:p>
@@ -2711,7 +2715,7 @@
           <a:p>
             <a:fld id="{76DB1E62-041B-47B5-8407-B11F18F7E90B}" type="datetimeFigureOut">
               <a:rPr lang="zh-TW" altLang="en-US" smtClean="0"/>
-              <a:t>2024/5/1</a:t>
+              <a:t>2024/5/8</a:t>
             </a:fld>
             <a:endParaRPr lang="zh-TW" altLang="en-US"/>
           </a:p>
@@ -2978,7 +2982,7 @@
           <a:p>
             <a:fld id="{76DB1E62-041B-47B5-8407-B11F18F7E90B}" type="datetimeFigureOut">
               <a:rPr lang="zh-TW" altLang="en-US" smtClean="0"/>
-              <a:t>2024/5/1</a:t>
+              <a:t>2024/5/8</a:t>
             </a:fld>
             <a:endParaRPr lang="zh-TW" altLang="en-US"/>
           </a:p>
@@ -3203,7 +3207,7 @@
           <a:p>
             <a:fld id="{76DB1E62-041B-47B5-8407-B11F18F7E90B}" type="datetimeFigureOut">
               <a:rPr lang="zh-TW" altLang="en-US" smtClean="0"/>
-              <a:t>2024/5/1</a:t>
+              <a:t>2024/5/8</a:t>
             </a:fld>
             <a:endParaRPr lang="zh-TW" altLang="en-US"/>
           </a:p>
@@ -3938,7 +3942,7 @@
         <p:spPr>
           <a:xfrm>
             <a:off x="838200" y="1085125"/>
-            <a:ext cx="10515600" cy="1977208"/>
+            <a:ext cx="10515600" cy="2300373"/>
           </a:xfrm>
           <a:prstGeom prst="rect">
             <a:avLst/>
@@ -4053,16 +4057,6 @@
               </a:lnSpc>
             </a:pPr>
             <a:r>
-              <a:rPr lang="zh-TW" altLang="en-US" sz="2000" dirty="0">
-                <a:solidFill>
-                  <a:srgbClr val="202122"/>
-                </a:solidFill>
-                <a:latin typeface="標楷體" panose="03000509000000000000" pitchFamily="65" charset="-120"/>
-                <a:ea typeface="標楷體" panose="03000509000000000000" pitchFamily="65" charset="-120"/>
-              </a:rPr>
-              <a:t>實驗</a:t>
-            </a:r>
-            <a:r>
               <a:rPr lang="zh-TW" altLang="en-US" dirty="0">
                 <a:solidFill>
                   <a:srgbClr val="202122"/>
@@ -4070,7 +4064,7 @@
                 <a:latin typeface="標楷體" panose="03000509000000000000" pitchFamily="65" charset="-120"/>
                 <a:ea typeface="標楷體" panose="03000509000000000000" pitchFamily="65" charset="-120"/>
               </a:rPr>
-              <a:t>情境 </a:t>
+              <a:t>實驗情境 </a:t>
             </a:r>
             <a:r>
               <a:rPr lang="en-US" altLang="zh-TW" dirty="0">
@@ -4214,12 +4208,13 @@
               </a:rPr>
               <a:t>地圖</a:t>
             </a:r>
-            <a:endParaRPr lang="zh-TW" altLang="en-US" dirty="0">
+            <a:endParaRPr lang="en-US" altLang="zh-TW" dirty="0">
               <a:solidFill>
                 <a:srgbClr val="202122"/>
               </a:solidFill>
-              <a:latin typeface="標楷體" panose="03000509000000000000" pitchFamily="65" charset="-120"/>
+              <a:latin typeface="Times New Roman" panose="02020603050405020304" pitchFamily="18" charset="0"/>
               <a:ea typeface="標楷體" panose="03000509000000000000" pitchFamily="65" charset="-120"/>
+              <a:cs typeface="Times New Roman" panose="02020603050405020304" pitchFamily="18" charset="0"/>
             </a:endParaRPr>
           </a:p>
           <a:p>
@@ -4233,13 +4228,14 @@
                 <a:solidFill>
                   <a:srgbClr val="202122"/>
                 </a:solidFill>
-                <a:latin typeface="標楷體" panose="03000509000000000000" pitchFamily="65" charset="-120"/>
-                <a:ea typeface="標楷體" panose="03000509000000000000" pitchFamily="65" charset="-120"/>
-              </a:rPr>
-              <a:t>驗證流程 </a:t>
-            </a:r>
-            <a:r>
-              <a:rPr lang="en-US" altLang="zh-TW" sz="2000" dirty="0">
+                <a:latin typeface="Times New Roman" panose="02020603050405020304" pitchFamily="18" charset="0"/>
+                <a:ea typeface="標楷體" panose="03000509000000000000" pitchFamily="65" charset="-120"/>
+                <a:cs typeface="Times New Roman" panose="02020603050405020304" pitchFamily="18" charset="0"/>
+              </a:rPr>
+              <a:t>實驗設計  </a:t>
+            </a:r>
+            <a:r>
+              <a:rPr lang="en-US" altLang="zh-TW" dirty="0">
                 <a:solidFill>
                   <a:srgbClr val="202122"/>
                 </a:solidFill>
@@ -4253,6 +4249,50 @@
                 <a:solidFill>
                   <a:srgbClr val="202122"/>
                 </a:solidFill>
+                <a:latin typeface="Times New Roman" panose="02020603050405020304" pitchFamily="18" charset="0"/>
+                <a:ea typeface="標楷體" panose="03000509000000000000" pitchFamily="65" charset="-120"/>
+                <a:cs typeface="Times New Roman" panose="02020603050405020304" pitchFamily="18" charset="0"/>
+              </a:rPr>
+              <a:t> 載入訓練完的模型或重頭開始訓練新模型，並通過</a:t>
+            </a:r>
+            <a:r>
+              <a:rPr lang="en-US" altLang="zh-TW" dirty="0">
+                <a:solidFill>
+                  <a:srgbClr val="202122"/>
+                </a:solidFill>
+                <a:latin typeface="Times New Roman" panose="02020603050405020304" pitchFamily="18" charset="0"/>
+                <a:ea typeface="標楷體" panose="03000509000000000000" pitchFamily="65" charset="-120"/>
+                <a:cs typeface="Times New Roman" panose="02020603050405020304" pitchFamily="18" charset="0"/>
+              </a:rPr>
+              <a:t>AI</a:t>
+            </a:r>
+            <a:r>
+              <a:rPr lang="zh-TW" altLang="en-US" dirty="0">
+                <a:solidFill>
+                  <a:srgbClr val="202122"/>
+                </a:solidFill>
+                <a:latin typeface="Times New Roman" panose="02020603050405020304" pitchFamily="18" charset="0"/>
+                <a:ea typeface="標楷體" panose="03000509000000000000" pitchFamily="65" charset="-120"/>
+                <a:cs typeface="Times New Roman" panose="02020603050405020304" pitchFamily="18" charset="0"/>
+              </a:rPr>
+              <a:t>開始遊玩，完成訓練後，使用</a:t>
+            </a:r>
+            <a:r>
+              <a:rPr lang="en-US" altLang="zh-TW" dirty="0">
+                <a:solidFill>
+                  <a:srgbClr val="202122"/>
+                </a:solidFill>
+                <a:latin typeface="Times New Roman" panose="02020603050405020304" pitchFamily="18" charset="0"/>
+                <a:ea typeface="標楷體" panose="03000509000000000000" pitchFamily="65" charset="-120"/>
+                <a:cs typeface="Times New Roman" panose="02020603050405020304" pitchFamily="18" charset="0"/>
+              </a:rPr>
+              <a:t>AI</a:t>
+            </a:r>
+            <a:r>
+              <a:rPr lang="zh-TW" altLang="en-US" dirty="0">
+                <a:solidFill>
+                  <a:srgbClr val="202122"/>
+                </a:solidFill>
                 <a:latin typeface="標楷體" panose="03000509000000000000" pitchFamily="65" charset="-120"/>
                 <a:ea typeface="標楷體" panose="03000509000000000000" pitchFamily="65" charset="-120"/>
               </a:rPr>
@@ -4279,6 +4319,13 @@
               </a:rPr>
               <a:t>次，並紀錄下每次接球次數，最後進行確認。</a:t>
             </a:r>
+            <a:endParaRPr lang="zh-TW" altLang="en-US" sz="3600" dirty="0">
+              <a:solidFill>
+                <a:srgbClr val="FF0000"/>
+              </a:solidFill>
+              <a:latin typeface="標楷體" panose="03000509000000000000" pitchFamily="65" charset="-120"/>
+              <a:ea typeface="標楷體" panose="03000509000000000000" pitchFamily="65" charset="-120"/>
+            </a:endParaRPr>
           </a:p>
           <a:p>
             <a:pPr marL="342900" indent="-342900">
@@ -4412,7 +4459,7 @@
         <p:spPr>
           <a:xfrm>
             <a:off x="838200" y="1085125"/>
-            <a:ext cx="10515600" cy="1515543"/>
+            <a:ext cx="10515600" cy="1844095"/>
           </a:xfrm>
           <a:prstGeom prst="rect">
             <a:avLst/>
@@ -4513,16 +4560,6 @@
               </a:lnSpc>
             </a:pPr>
             <a:r>
-              <a:rPr lang="zh-TW" altLang="en-US" sz="2000" dirty="0">
-                <a:solidFill>
-                  <a:srgbClr val="202122"/>
-                </a:solidFill>
-                <a:latin typeface="標楷體" panose="03000509000000000000" pitchFamily="65" charset="-120"/>
-                <a:ea typeface="標楷體" panose="03000509000000000000" pitchFamily="65" charset="-120"/>
-              </a:rPr>
-              <a:t>實驗</a:t>
-            </a:r>
-            <a:r>
               <a:rPr lang="zh-TW" altLang="en-US" dirty="0">
                 <a:solidFill>
                   <a:srgbClr val="202122"/>
@@ -4530,7 +4567,7 @@
                 <a:latin typeface="標楷體" panose="03000509000000000000" pitchFamily="65" charset="-120"/>
                 <a:ea typeface="標楷體" panose="03000509000000000000" pitchFamily="65" charset="-120"/>
               </a:rPr>
-              <a:t>情境 </a:t>
+              <a:t>實驗情境 </a:t>
             </a:r>
             <a:r>
               <a:rPr lang="en-US" altLang="zh-TW" dirty="0">
@@ -4696,10 +4733,10 @@
                 <a:latin typeface="標楷體" panose="03000509000000000000" pitchFamily="65" charset="-120"/>
                 <a:ea typeface="標楷體" panose="03000509000000000000" pitchFamily="65" charset="-120"/>
               </a:rPr>
-              <a:t>驗證流程 </a:t>
-            </a:r>
-            <a:r>
-              <a:rPr lang="en-US" altLang="zh-TW" sz="2000" dirty="0">
+              <a:t>實驗設計 </a:t>
+            </a:r>
+            <a:r>
+              <a:rPr lang="en-US" altLang="zh-TW" dirty="0">
                 <a:solidFill>
                   <a:srgbClr val="202122"/>
                 </a:solidFill>
@@ -4709,14 +4746,37 @@
               <a:t>:</a:t>
             </a:r>
             <a:r>
-              <a:rPr lang="zh-TW" altLang="en-US" sz="2000" dirty="0">
-                <a:solidFill>
-                  <a:srgbClr val="202122"/>
-                </a:solidFill>
-                <a:latin typeface="標楷體" panose="03000509000000000000" pitchFamily="65" charset="-120"/>
-                <a:ea typeface="標楷體" panose="03000509000000000000" pitchFamily="65" charset="-120"/>
-              </a:rPr>
-              <a:t> </a:t>
+              <a:rPr lang="zh-TW" altLang="en-US" dirty="0">
+                <a:solidFill>
+                  <a:srgbClr val="202122"/>
+                </a:solidFill>
+                <a:latin typeface="Times New Roman" panose="02020603050405020304" pitchFamily="18" charset="0"/>
+                <a:ea typeface="標楷體" panose="03000509000000000000" pitchFamily="65" charset="-120"/>
+                <a:cs typeface="Times New Roman" panose="02020603050405020304" pitchFamily="18" charset="0"/>
+              </a:rPr>
+              <a:t>載入訓練完的模型或重頭開始訓練新模型，並通過</a:t>
+            </a:r>
+            <a:r>
+              <a:rPr lang="en-US" altLang="zh-TW" dirty="0">
+                <a:solidFill>
+                  <a:srgbClr val="202122"/>
+                </a:solidFill>
+                <a:latin typeface="Times New Roman" panose="02020603050405020304" pitchFamily="18" charset="0"/>
+                <a:ea typeface="標楷體" panose="03000509000000000000" pitchFamily="65" charset="-120"/>
+                <a:cs typeface="Times New Roman" panose="02020603050405020304" pitchFamily="18" charset="0"/>
+              </a:rPr>
+              <a:t>AI</a:t>
+            </a:r>
+            <a:r>
+              <a:rPr lang="zh-TW" altLang="en-US" dirty="0">
+                <a:solidFill>
+                  <a:srgbClr val="202122"/>
+                </a:solidFill>
+                <a:latin typeface="Times New Roman" panose="02020603050405020304" pitchFamily="18" charset="0"/>
+                <a:ea typeface="標楷體" panose="03000509000000000000" pitchFamily="65" charset="-120"/>
+                <a:cs typeface="Times New Roman" panose="02020603050405020304" pitchFamily="18" charset="0"/>
+              </a:rPr>
+              <a:t>開始遊玩，完成訓練後，</a:t>
             </a:r>
             <a:r>
               <a:rPr lang="zh-TW" altLang="en-US" dirty="0">
@@ -5279,7 +5339,7 @@
         </p:blipFill>
         <p:spPr bwMode="auto">
           <a:xfrm>
-            <a:off x="746760" y="1704984"/>
+            <a:off x="746760" y="1731110"/>
             <a:ext cx="10607040" cy="4161651"/>
           </a:xfrm>
           <a:prstGeom prst="rect">
@@ -5366,6 +5426,11 @@
               <a:rPr lang="zh-TW" altLang="en-US" dirty="0"/>
               <a:t>專案架構</a:t>
             </a:r>
+            <a:r>
+              <a:rPr lang="en-US" altLang="zh-TW" dirty="0"/>
+              <a:t>(05/08)</a:t>
+            </a:r>
+            <a:endParaRPr lang="zh-TW" altLang="en-US" dirty="0"/>
           </a:p>
         </p:txBody>
       </p:sp>
@@ -5400,60 +5465,10 @@
       </p:sp>
       <p:sp>
         <p:nvSpPr>
-          <p:cNvPr id="11" name="矩形 10">
+          <p:cNvPr id="9" name="文字方塊 8">
             <a:extLst>
               <a:ext uri="{FF2B5EF4-FFF2-40B4-BE49-F238E27FC236}">
-                <a16:creationId xmlns:a16="http://schemas.microsoft.com/office/drawing/2014/main" id="{7E3C07EB-199A-03C6-B616-8553BAA70F20}"/>
-              </a:ext>
-            </a:extLst>
-          </p:cNvPr>
-          <p:cNvSpPr/>
-          <p:nvPr/>
-        </p:nvSpPr>
-        <p:spPr>
-          <a:xfrm>
-            <a:off x="3289300" y="3924300"/>
-            <a:ext cx="755650" cy="374650"/>
-          </a:xfrm>
-          <a:prstGeom prst="rect">
-            <a:avLst/>
-          </a:prstGeom>
-          <a:noFill/>
-          <a:ln>
-            <a:noFill/>
-          </a:ln>
-        </p:spPr>
-        <p:style>
-          <a:lnRef idx="2">
-            <a:schemeClr val="accent1">
-              <a:shade val="15000"/>
-            </a:schemeClr>
-          </a:lnRef>
-          <a:fillRef idx="1">
-            <a:schemeClr val="accent1"/>
-          </a:fillRef>
-          <a:effectRef idx="0">
-            <a:schemeClr val="accent1"/>
-          </a:effectRef>
-          <a:fontRef idx="minor">
-            <a:schemeClr val="lt1"/>
-          </a:fontRef>
-        </p:style>
-        <p:txBody>
-          <a:bodyPr rtlCol="0" anchor="ctr"/>
-          <a:lstStyle/>
-          <a:p>
-            <a:pPr algn="ctr"/>
-            <a:endParaRPr lang="zh-TW" altLang="en-US"/>
-          </a:p>
-        </p:txBody>
-      </p:sp>
-      <p:sp>
-        <p:nvSpPr>
-          <p:cNvPr id="12" name="文字方塊 11">
-            <a:extLst>
-              <a:ext uri="{FF2B5EF4-FFF2-40B4-BE49-F238E27FC236}">
-                <a16:creationId xmlns:a16="http://schemas.microsoft.com/office/drawing/2014/main" id="{5D7F746F-01B0-6924-CF7A-943B58B3EF47}"/>
+                <a16:creationId xmlns:a16="http://schemas.microsoft.com/office/drawing/2014/main" id="{4100E61E-7276-4556-A739-0DFBB6A14361}"/>
               </a:ext>
             </a:extLst>
           </p:cNvPr>
@@ -5488,7 +5503,7 @@
                 <a:latin typeface="Times New Roman" panose="02020603050405020304" pitchFamily="18" charset="0"/>
                 <a:cs typeface="Times New Roman" panose="02020603050405020304" pitchFamily="18" charset="0"/>
               </a:rPr>
-              <a:t>Architecture</a:t>
+              <a:t>Breakdown</a:t>
             </a:r>
             <a:endParaRPr lang="en-US" altLang="zh-TW" b="1" dirty="0">
               <a:latin typeface="Times New Roman" panose="02020603050405020304" pitchFamily="18" charset="0"/>
@@ -5497,10 +5512,55 @@
           </a:p>
         </p:txBody>
       </p:sp>
+      <p:pic>
+        <p:nvPicPr>
+          <p:cNvPr id="1026" name="Picture 2">
+            <a:extLst>
+              <a:ext uri="{FF2B5EF4-FFF2-40B4-BE49-F238E27FC236}">
+                <a16:creationId xmlns:a16="http://schemas.microsoft.com/office/drawing/2014/main" id="{FDBB9157-B4E2-D14A-6CAF-47DBE8644B92}"/>
+              </a:ext>
+            </a:extLst>
+          </p:cNvPr>
+          <p:cNvPicPr>
+            <a:picLocks noChangeAspect="1" noChangeArrowheads="1"/>
+          </p:cNvPicPr>
+          <p:nvPr/>
+        </p:nvPicPr>
+        <p:blipFill>
+          <a:blip r:embed="rId2">
+            <a:extLst>
+              <a:ext uri="{28A0092B-C50C-407E-A947-70E740481C1C}">
+                <a14:useLocalDpi xmlns:a14="http://schemas.microsoft.com/office/drawing/2010/main" val="0"/>
+              </a:ext>
+            </a:extLst>
+          </a:blip>
+          <a:srcRect/>
+          <a:stretch/>
+        </p:blipFill>
+        <p:spPr bwMode="auto">
+          <a:xfrm>
+            <a:off x="2778595" y="1731109"/>
+            <a:ext cx="6543369" cy="4161651"/>
+          </a:xfrm>
+          <a:prstGeom prst="rect">
+            <a:avLst/>
+          </a:prstGeom>
+          <a:noFill/>
+          <a:extLst>
+            <a:ext uri="{909E8E84-426E-40DD-AFC4-6F175D3DCCD1}">
+              <a14:hiddenFill xmlns:a14="http://schemas.microsoft.com/office/drawing/2010/main">
+                <a:solidFill>
+                  <a:srgbClr val="FFFFFF"/>
+                </a:solidFill>
+              </a14:hiddenFill>
+            </a:ext>
+          </a:extLst>
+        </p:spPr>
+      </p:pic>
     </p:spTree>
     <p:extLst>
       <p:ext uri="{BB962C8B-B14F-4D97-AF65-F5344CB8AC3E}">
-        <p14:creationId xmlns:p14="http://schemas.microsoft.com/office/powerpoint/2010/main" val="3631414891"/>
+        <p14:creationId xmlns:p14="http://schemas.microsoft.com/office/powerpoint/2010/main" val="857963002"/>
       </p:ext>
     </p:extLst>
   </p:cSld>
@@ -5557,13 +5617,20 @@
         </p:nvSpPr>
         <p:spPr/>
         <p:txBody>
-          <a:bodyPr/>
+          <a:bodyPr>
+            <a:normAutofit/>
+          </a:bodyPr>
           <a:lstStyle/>
           <a:p>
             <a:r>
               <a:rPr lang="zh-TW" altLang="en-US" dirty="0"/>
               <a:t>專案架構</a:t>
             </a:r>
+            <a:r>
+              <a:rPr lang="en-US" altLang="zh-TW" dirty="0"/>
+              <a:t>(05/08)</a:t>
+            </a:r>
+            <a:endParaRPr lang="zh-TW" altLang="en-US" dirty="0"/>
           </a:p>
         </p:txBody>
       </p:sp>
@@ -5598,10 +5665,10 @@
       </p:sp>
       <p:sp>
         <p:nvSpPr>
-          <p:cNvPr id="7" name="文字方塊 6">
+          <p:cNvPr id="9" name="文字方塊 8">
             <a:extLst>
               <a:ext uri="{FF2B5EF4-FFF2-40B4-BE49-F238E27FC236}">
-                <a16:creationId xmlns:a16="http://schemas.microsoft.com/office/drawing/2014/main" id="{01014892-158F-4136-A2F0-CAB4B00494D2}"/>
+                <a16:creationId xmlns:a16="http://schemas.microsoft.com/office/drawing/2014/main" id="{4100E61E-7276-4556-A739-0DFBB6A14361}"/>
               </a:ext>
             </a:extLst>
           </p:cNvPr>
@@ -5636,7 +5703,7 @@
                 <a:latin typeface="Times New Roman" panose="02020603050405020304" pitchFamily="18" charset="0"/>
                 <a:cs typeface="Times New Roman" panose="02020603050405020304" pitchFamily="18" charset="0"/>
               </a:rPr>
-              <a:t>Workflow</a:t>
+              <a:t>Breakdown</a:t>
             </a:r>
             <a:endParaRPr lang="en-US" altLang="zh-TW" b="1" dirty="0">
               <a:latin typeface="Times New Roman" panose="02020603050405020304" pitchFamily="18" charset="0"/>
@@ -5645,10 +5712,57 @@
           </a:p>
         </p:txBody>
       </p:sp>
+      <p:pic>
+        <p:nvPicPr>
+          <p:cNvPr id="3074" name="Picture 2">
+            <a:extLst>
+              <a:ext uri="{FF2B5EF4-FFF2-40B4-BE49-F238E27FC236}">
+                <a16:creationId xmlns:a16="http://schemas.microsoft.com/office/drawing/2014/main" id="{5DC74826-AE94-DC07-693A-C62749391BC9}"/>
+              </a:ext>
+            </a:extLst>
+          </p:cNvPr>
+          <p:cNvPicPr>
+            <a:picLocks noChangeAspect="1" noChangeArrowheads="1"/>
+          </p:cNvPicPr>
+          <p:nvPr/>
+        </p:nvPicPr>
+        <p:blipFill>
+          <a:blip r:embed="rId2">
+            <a:extLst>
+              <a:ext uri="{28A0092B-C50C-407E-A947-70E740481C1C}">
+                <a14:useLocalDpi xmlns:a14="http://schemas.microsoft.com/office/drawing/2010/main" val="0"/>
+              </a:ext>
+            </a:extLst>
+          </a:blip>
+          <a:srcRect/>
+          <a:stretch>
+            <a:fillRect/>
+          </a:stretch>
+        </p:blipFill>
+        <p:spPr bwMode="auto">
+          <a:xfrm>
+            <a:off x="1829752" y="1665092"/>
+            <a:ext cx="8532495" cy="4473268"/>
+          </a:xfrm>
+          <a:prstGeom prst="rect">
+            <a:avLst/>
+          </a:prstGeom>
+          <a:noFill/>
+          <a:extLst>
+            <a:ext uri="{909E8E84-426E-40DD-AFC4-6F175D3DCCD1}">
+              <a14:hiddenFill xmlns:a14="http://schemas.microsoft.com/office/drawing/2010/main">
+                <a:solidFill>
+                  <a:srgbClr val="FFFFFF"/>
+                </a:solidFill>
+              </a14:hiddenFill>
+            </a:ext>
+          </a:extLst>
+        </p:spPr>
+      </p:pic>
     </p:spTree>
     <p:extLst>
       <p:ext uri="{BB962C8B-B14F-4D97-AF65-F5344CB8AC3E}">
-        <p14:creationId xmlns:p14="http://schemas.microsoft.com/office/powerpoint/2010/main" val="3477470971"/>
+        <p14:creationId xmlns:p14="http://schemas.microsoft.com/office/powerpoint/2010/main" val="280510565"/>
       </p:ext>
     </p:extLst>
   </p:cSld>
@@ -5705,7 +5819,9 @@
         </p:nvSpPr>
         <p:spPr/>
         <p:txBody>
-          <a:bodyPr/>
+          <a:bodyPr>
+            <a:normAutofit/>
+          </a:bodyPr>
           <a:lstStyle/>
           <a:p>
             <a:r>
@@ -5746,10 +5862,60 @@
       </p:sp>
       <p:sp>
         <p:nvSpPr>
-          <p:cNvPr id="7" name="文字方塊 6">
+          <p:cNvPr id="11" name="矩形 10">
             <a:extLst>
               <a:ext uri="{FF2B5EF4-FFF2-40B4-BE49-F238E27FC236}">
-                <a16:creationId xmlns:a16="http://schemas.microsoft.com/office/drawing/2014/main" id="{AD55F1C5-EE80-C99C-EC7C-DA31D6390985}"/>
+                <a16:creationId xmlns:a16="http://schemas.microsoft.com/office/drawing/2014/main" id="{7E3C07EB-199A-03C6-B616-8553BAA70F20}"/>
+              </a:ext>
+            </a:extLst>
+          </p:cNvPr>
+          <p:cNvSpPr/>
+          <p:nvPr/>
+        </p:nvSpPr>
+        <p:spPr>
+          <a:xfrm>
+            <a:off x="3289300" y="3924300"/>
+            <a:ext cx="755650" cy="374650"/>
+          </a:xfrm>
+          <a:prstGeom prst="rect">
+            <a:avLst/>
+          </a:prstGeom>
+          <a:noFill/>
+          <a:ln>
+            <a:noFill/>
+          </a:ln>
+        </p:spPr>
+        <p:style>
+          <a:lnRef idx="2">
+            <a:schemeClr val="accent1">
+              <a:shade val="15000"/>
+            </a:schemeClr>
+          </a:lnRef>
+          <a:fillRef idx="1">
+            <a:schemeClr val="accent1"/>
+          </a:fillRef>
+          <a:effectRef idx="0">
+            <a:schemeClr val="accent1"/>
+          </a:effectRef>
+          <a:fontRef idx="minor">
+            <a:schemeClr val="lt1"/>
+          </a:fontRef>
+        </p:style>
+        <p:txBody>
+          <a:bodyPr rtlCol="0" anchor="ctr"/>
+          <a:lstStyle/>
+          <a:p>
+            <a:pPr algn="ctr"/>
+            <a:endParaRPr lang="zh-TW" altLang="en-US"/>
+          </a:p>
+        </p:txBody>
+      </p:sp>
+      <p:sp>
+        <p:nvSpPr>
+          <p:cNvPr id="12" name="文字方塊 11">
+            <a:extLst>
+              <a:ext uri="{FF2B5EF4-FFF2-40B4-BE49-F238E27FC236}">
+                <a16:creationId xmlns:a16="http://schemas.microsoft.com/office/drawing/2014/main" id="{5D7F746F-01B0-6924-CF7A-943B58B3EF47}"/>
               </a:ext>
             </a:extLst>
           </p:cNvPr>
@@ -5784,7 +5950,7 @@
                 <a:latin typeface="Times New Roman" panose="02020603050405020304" pitchFamily="18" charset="0"/>
                 <a:cs typeface="Times New Roman" panose="02020603050405020304" pitchFamily="18" charset="0"/>
               </a:rPr>
-              <a:t>MSC</a:t>
+              <a:t>Architecture</a:t>
             </a:r>
             <a:endParaRPr lang="en-US" altLang="zh-TW" b="1" dirty="0">
               <a:latin typeface="Times New Roman" panose="02020603050405020304" pitchFamily="18" charset="0"/>
@@ -5793,10 +5959,100 @@
           </a:p>
         </p:txBody>
       </p:sp>
+      <p:pic>
+        <p:nvPicPr>
+          <p:cNvPr id="2050" name="Picture 2">
+            <a:extLst>
+              <a:ext uri="{FF2B5EF4-FFF2-40B4-BE49-F238E27FC236}">
+                <a16:creationId xmlns:a16="http://schemas.microsoft.com/office/drawing/2014/main" id="{013BEEB2-C321-91EA-BA09-77DE9DC383C0}"/>
+              </a:ext>
+            </a:extLst>
+          </p:cNvPr>
+          <p:cNvPicPr>
+            <a:picLocks noChangeAspect="1" noChangeArrowheads="1"/>
+          </p:cNvPicPr>
+          <p:nvPr/>
+        </p:nvPicPr>
+        <p:blipFill>
+          <a:blip r:embed="rId2">
+            <a:extLst>
+              <a:ext uri="{28A0092B-C50C-407E-A947-70E740481C1C}">
+                <a14:useLocalDpi xmlns:a14="http://schemas.microsoft.com/office/drawing/2010/main" val="0"/>
+              </a:ext>
+            </a:extLst>
+          </a:blip>
+          <a:srcRect/>
+          <a:stretch/>
+        </p:blipFill>
+        <p:spPr bwMode="auto">
+          <a:xfrm>
+            <a:off x="0" y="2132727"/>
+            <a:ext cx="12192000" cy="3583145"/>
+          </a:xfrm>
+          <a:prstGeom prst="rect">
+            <a:avLst/>
+          </a:prstGeom>
+          <a:noFill/>
+          <a:extLst>
+            <a:ext uri="{909E8E84-426E-40DD-AFC4-6F175D3DCCD1}">
+              <a14:hiddenFill xmlns:a14="http://schemas.microsoft.com/office/drawing/2010/main">
+                <a:solidFill>
+                  <a:srgbClr val="FFFFFF"/>
+                </a:solidFill>
+              </a14:hiddenFill>
+            </a:ext>
+          </a:extLst>
+        </p:spPr>
+      </p:pic>
+      <p:pic>
+        <p:nvPicPr>
+          <p:cNvPr id="2054" name="Picture 6">
+            <a:extLst>
+              <a:ext uri="{FF2B5EF4-FFF2-40B4-BE49-F238E27FC236}">
+                <a16:creationId xmlns:a16="http://schemas.microsoft.com/office/drawing/2014/main" id="{3A13251C-D626-C4CC-511C-E339B9EB147D}"/>
+              </a:ext>
+            </a:extLst>
+          </p:cNvPr>
+          <p:cNvPicPr>
+            <a:picLocks noChangeAspect="1" noChangeArrowheads="1"/>
+          </p:cNvPicPr>
+          <p:nvPr/>
+        </p:nvPicPr>
+        <p:blipFill>
+          <a:blip r:embed="rId3">
+            <a:extLst>
+              <a:ext uri="{28A0092B-C50C-407E-A947-70E740481C1C}">
+                <a14:useLocalDpi xmlns:a14="http://schemas.microsoft.com/office/drawing/2010/main" val="0"/>
+              </a:ext>
+            </a:extLst>
+          </a:blip>
+          <a:srcRect/>
+          <a:stretch/>
+        </p:blipFill>
+        <p:spPr bwMode="auto">
+          <a:xfrm>
+            <a:off x="0" y="4581087"/>
+            <a:ext cx="3317585" cy="1752403"/>
+          </a:xfrm>
+          <a:prstGeom prst="rect">
+            <a:avLst/>
+          </a:prstGeom>
+          <a:noFill/>
+          <a:extLst>
+            <a:ext uri="{909E8E84-426E-40DD-AFC4-6F175D3DCCD1}">
+              <a14:hiddenFill xmlns:a14="http://schemas.microsoft.com/office/drawing/2010/main">
+                <a:solidFill>
+                  <a:srgbClr val="FFFFFF"/>
+                </a:solidFill>
+              </a14:hiddenFill>
+            </a:ext>
+          </a:extLst>
+        </p:spPr>
+      </p:pic>
     </p:spTree>
     <p:extLst>
       <p:ext uri="{BB962C8B-B14F-4D97-AF65-F5344CB8AC3E}">
-        <p14:creationId xmlns:p14="http://schemas.microsoft.com/office/powerpoint/2010/main" val="1617087318"/>
+        <p14:creationId xmlns:p14="http://schemas.microsoft.com/office/powerpoint/2010/main" val="3631414891"/>
       </p:ext>
     </p:extLst>
   </p:cSld>
@@ -5835,6 +6091,403 @@
           <a:chExt cx="0" cy="0"/>
         </a:xfrm>
       </p:grpSpPr>
+      <p:pic>
+        <p:nvPicPr>
+          <p:cNvPr id="5" name="圖片 4">
+            <a:extLst>
+              <a:ext uri="{FF2B5EF4-FFF2-40B4-BE49-F238E27FC236}">
+                <a16:creationId xmlns:a16="http://schemas.microsoft.com/office/drawing/2014/main" id="{E1F2D41A-377B-4934-EE57-A49471D14227}"/>
+              </a:ext>
+            </a:extLst>
+          </p:cNvPr>
+          <p:cNvPicPr>
+            <a:picLocks noChangeAspect="1"/>
+          </p:cNvPicPr>
+          <p:nvPr/>
+        </p:nvPicPr>
+        <p:blipFill>
+          <a:blip r:embed="rId2"/>
+          <a:stretch>
+            <a:fillRect/>
+          </a:stretch>
+        </p:blipFill>
+        <p:spPr>
+          <a:xfrm>
+            <a:off x="2246031" y="1274524"/>
+            <a:ext cx="7699937" cy="4871389"/>
+          </a:xfrm>
+          <a:prstGeom prst="rect">
+            <a:avLst/>
+          </a:prstGeom>
+        </p:spPr>
+      </p:pic>
+      <p:sp>
+        <p:nvSpPr>
+          <p:cNvPr id="3" name="標題 2">
+            <a:extLst>
+              <a:ext uri="{FF2B5EF4-FFF2-40B4-BE49-F238E27FC236}">
+                <a16:creationId xmlns:a16="http://schemas.microsoft.com/office/drawing/2014/main" id="{D7232380-22D4-47E6-A40E-ABF38AB200C3}"/>
+              </a:ext>
+            </a:extLst>
+          </p:cNvPr>
+          <p:cNvSpPr>
+            <a:spLocks noGrp="1"/>
+          </p:cNvSpPr>
+          <p:nvPr>
+            <p:ph type="title"/>
+          </p:nvPr>
+        </p:nvSpPr>
+        <p:spPr/>
+        <p:txBody>
+          <a:bodyPr/>
+          <a:lstStyle/>
+          <a:p>
+            <a:r>
+              <a:rPr lang="zh-TW" altLang="en-US" dirty="0"/>
+              <a:t>專案架構</a:t>
+            </a:r>
+          </a:p>
+        </p:txBody>
+      </p:sp>
+      <p:sp>
+        <p:nvSpPr>
+          <p:cNvPr id="4" name="投影片編號版面配置區 3">
+            <a:extLst>
+              <a:ext uri="{FF2B5EF4-FFF2-40B4-BE49-F238E27FC236}">
+                <a16:creationId xmlns:a16="http://schemas.microsoft.com/office/drawing/2014/main" id="{CC364F06-FBAE-41F1-9123-C093E43ADC15}"/>
+              </a:ext>
+            </a:extLst>
+          </p:cNvPr>
+          <p:cNvSpPr>
+            <a:spLocks noGrp="1"/>
+          </p:cNvSpPr>
+          <p:nvPr>
+            <p:ph type="sldNum" sz="quarter" idx="12"/>
+          </p:nvPr>
+        </p:nvSpPr>
+        <p:spPr/>
+        <p:txBody>
+          <a:bodyPr/>
+          <a:lstStyle/>
+          <a:p>
+            <a:fld id="{90F9E983-480B-48C5-9E0F-D21C0DFBB5C0}" type="slidenum">
+              <a:rPr lang="zh-TW" altLang="en-US" smtClean="0"/>
+              <a:t>16</a:t>
+            </a:fld>
+            <a:endParaRPr lang="zh-TW" altLang="en-US"/>
+          </a:p>
+        </p:txBody>
+      </p:sp>
+      <p:sp>
+        <p:nvSpPr>
+          <p:cNvPr id="7" name="文字方塊 6">
+            <a:extLst>
+              <a:ext uri="{FF2B5EF4-FFF2-40B4-BE49-F238E27FC236}">
+                <a16:creationId xmlns:a16="http://schemas.microsoft.com/office/drawing/2014/main" id="{AD55F1C5-EE80-C99C-EC7C-DA31D6390985}"/>
+              </a:ext>
+            </a:extLst>
+          </p:cNvPr>
+          <p:cNvSpPr txBox="1"/>
+          <p:nvPr/>
+        </p:nvSpPr>
+        <p:spPr>
+          <a:xfrm>
+            <a:off x="838200" y="1085125"/>
+            <a:ext cx="10515600" cy="1012072"/>
+          </a:xfrm>
+          <a:prstGeom prst="rect">
+            <a:avLst/>
+          </a:prstGeom>
+          <a:noFill/>
+        </p:spPr>
+        <p:txBody>
+          <a:bodyPr wrap="square">
+            <a:spAutoFit/>
+          </a:bodyPr>
+          <a:lstStyle/>
+          <a:p>
+            <a:pPr marL="342900" indent="-342900">
+              <a:lnSpc>
+                <a:spcPct val="150000"/>
+              </a:lnSpc>
+              <a:buFont typeface="Arial" panose="020B0604020202020204" pitchFamily="34" charset="0"/>
+              <a:buChar char="•"/>
+            </a:pPr>
+            <a:r>
+              <a:rPr lang="en-US" altLang="zh-TW" sz="2400" b="1" dirty="0">
+                <a:latin typeface="Times New Roman" panose="02020603050405020304" pitchFamily="18" charset="0"/>
+                <a:cs typeface="Times New Roman" panose="02020603050405020304" pitchFamily="18" charset="0"/>
+              </a:rPr>
+              <a:t>MSC</a:t>
+            </a:r>
+          </a:p>
+          <a:p>
+            <a:pPr marL="342900" indent="-342900">
+              <a:lnSpc>
+                <a:spcPct val="150000"/>
+              </a:lnSpc>
+              <a:buFont typeface="Arial" panose="020B0604020202020204" pitchFamily="34" charset="0"/>
+              <a:buChar char="•"/>
+            </a:pPr>
+            <a:r>
+              <a:rPr lang="zh-TW" altLang="en-US" dirty="0">
+                <a:latin typeface="標楷體" panose="03000509000000000000" pitchFamily="65" charset="-120"/>
+                <a:ea typeface="標楷體" panose="03000509000000000000" pitchFamily="65" charset="-120"/>
+                <a:cs typeface="Times New Roman" panose="02020603050405020304" pitchFamily="18" charset="0"/>
+              </a:rPr>
+              <a:t>遊戲啟動、讀取模型</a:t>
+            </a:r>
+            <a:endParaRPr lang="en-US" altLang="zh-TW" dirty="0">
+              <a:latin typeface="標楷體" panose="03000509000000000000" pitchFamily="65" charset="-120"/>
+              <a:ea typeface="標楷體" panose="03000509000000000000" pitchFamily="65" charset="-120"/>
+              <a:cs typeface="Times New Roman" panose="02020603050405020304" pitchFamily="18" charset="0"/>
+            </a:endParaRPr>
+          </a:p>
+        </p:txBody>
+      </p:sp>
+    </p:spTree>
+    <p:extLst>
+      <p:ext uri="{BB962C8B-B14F-4D97-AF65-F5344CB8AC3E}">
+        <p14:creationId xmlns:p14="http://schemas.microsoft.com/office/powerpoint/2010/main" val="1617087318"/>
+      </p:ext>
+    </p:extLst>
+  </p:cSld>
+  <p:clrMapOvr>
+    <a:masterClrMapping/>
+  </p:clrMapOvr>
+  <mc:AlternateContent xmlns:mc="http://schemas.openxmlformats.org/markup-compatibility/2006" xmlns:p159="http://schemas.microsoft.com/office/powerpoint/2015/09/main">
+    <mc:Choice Requires="p159">
+      <p:transition xmlns:p14="http://schemas.microsoft.com/office/powerpoint/2010/main" spd="slow" p14:dur="1500">
+        <p159:morph option="byObject"/>
+      </p:transition>
+    </mc:Choice>
+    <mc:Fallback xmlns="">
+      <p:transition spd="slow">
+        <p:fade/>
+      </p:transition>
+    </mc:Fallback>
+  </mc:AlternateContent>
+</p:sld>
+</file>
+
+<file path=ppt/slides/slide17.xml><?xml version="1.0" encoding="utf-8"?>
+<p:sld xmlns:a="http://schemas.openxmlformats.org/drawingml/2006/main" xmlns:r="http://schemas.openxmlformats.org/officeDocument/2006/relationships" xmlns:p="http://schemas.openxmlformats.org/presentationml/2006/main">
+  <p:cSld>
+    <p:spTree>
+      <p:nvGrpSpPr>
+        <p:cNvPr id="1" name=""/>
+        <p:cNvGrpSpPr/>
+        <p:nvPr/>
+      </p:nvGrpSpPr>
+      <p:grpSpPr>
+        <a:xfrm>
+          <a:off x="0" y="0"/>
+          <a:ext cx="0" cy="0"/>
+          <a:chOff x="0" y="0"/>
+          <a:chExt cx="0" cy="0"/>
+        </a:xfrm>
+      </p:grpSpPr>
+      <p:pic>
+        <p:nvPicPr>
+          <p:cNvPr id="5" name="圖片 4">
+            <a:extLst>
+              <a:ext uri="{FF2B5EF4-FFF2-40B4-BE49-F238E27FC236}">
+                <a16:creationId xmlns:a16="http://schemas.microsoft.com/office/drawing/2014/main" id="{E1F2D41A-377B-4934-EE57-A49471D14227}"/>
+              </a:ext>
+            </a:extLst>
+          </p:cNvPr>
+          <p:cNvPicPr>
+            <a:picLocks noChangeAspect="1"/>
+          </p:cNvPicPr>
+          <p:nvPr/>
+        </p:nvPicPr>
+        <p:blipFill>
+          <a:blip r:embed="rId2">
+            <a:extLst>
+              <a:ext uri="{28A0092B-C50C-407E-A947-70E740481C1C}">
+                <a14:useLocalDpi xmlns:a14="http://schemas.microsoft.com/office/drawing/2010/main" val="0"/>
+              </a:ext>
+            </a:extLst>
+          </a:blip>
+          <a:srcRect/>
+          <a:stretch/>
+        </p:blipFill>
+        <p:spPr>
+          <a:xfrm>
+            <a:off x="2246031" y="1805125"/>
+            <a:ext cx="7699937" cy="4137368"/>
+          </a:xfrm>
+          <a:prstGeom prst="rect">
+            <a:avLst/>
+          </a:prstGeom>
+        </p:spPr>
+      </p:pic>
+      <p:sp>
+        <p:nvSpPr>
+          <p:cNvPr id="3" name="標題 2">
+            <a:extLst>
+              <a:ext uri="{FF2B5EF4-FFF2-40B4-BE49-F238E27FC236}">
+                <a16:creationId xmlns:a16="http://schemas.microsoft.com/office/drawing/2014/main" id="{D7232380-22D4-47E6-A40E-ABF38AB200C3}"/>
+              </a:ext>
+            </a:extLst>
+          </p:cNvPr>
+          <p:cNvSpPr>
+            <a:spLocks noGrp="1"/>
+          </p:cNvSpPr>
+          <p:nvPr>
+            <p:ph type="title"/>
+          </p:nvPr>
+        </p:nvSpPr>
+        <p:spPr/>
+        <p:txBody>
+          <a:bodyPr/>
+          <a:lstStyle/>
+          <a:p>
+            <a:r>
+              <a:rPr lang="zh-TW" altLang="en-US" dirty="0"/>
+              <a:t>專案架構</a:t>
+            </a:r>
+          </a:p>
+        </p:txBody>
+      </p:sp>
+      <p:sp>
+        <p:nvSpPr>
+          <p:cNvPr id="4" name="投影片編號版面配置區 3">
+            <a:extLst>
+              <a:ext uri="{FF2B5EF4-FFF2-40B4-BE49-F238E27FC236}">
+                <a16:creationId xmlns:a16="http://schemas.microsoft.com/office/drawing/2014/main" id="{CC364F06-FBAE-41F1-9123-C093E43ADC15}"/>
+              </a:ext>
+            </a:extLst>
+          </p:cNvPr>
+          <p:cNvSpPr>
+            <a:spLocks noGrp="1"/>
+          </p:cNvSpPr>
+          <p:nvPr>
+            <p:ph type="sldNum" sz="quarter" idx="12"/>
+          </p:nvPr>
+        </p:nvSpPr>
+        <p:spPr/>
+        <p:txBody>
+          <a:bodyPr/>
+          <a:lstStyle/>
+          <a:p>
+            <a:fld id="{90F9E983-480B-48C5-9E0F-D21C0DFBB5C0}" type="slidenum">
+              <a:rPr lang="zh-TW" altLang="en-US" smtClean="0"/>
+              <a:t>17</a:t>
+            </a:fld>
+            <a:endParaRPr lang="zh-TW" altLang="en-US"/>
+          </a:p>
+        </p:txBody>
+      </p:sp>
+      <p:sp>
+        <p:nvSpPr>
+          <p:cNvPr id="7" name="文字方塊 6">
+            <a:extLst>
+              <a:ext uri="{FF2B5EF4-FFF2-40B4-BE49-F238E27FC236}">
+                <a16:creationId xmlns:a16="http://schemas.microsoft.com/office/drawing/2014/main" id="{AD55F1C5-EE80-C99C-EC7C-DA31D6390985}"/>
+              </a:ext>
+            </a:extLst>
+          </p:cNvPr>
+          <p:cNvSpPr txBox="1"/>
+          <p:nvPr/>
+        </p:nvSpPr>
+        <p:spPr>
+          <a:xfrm>
+            <a:off x="838200" y="1085125"/>
+            <a:ext cx="10515600" cy="1012072"/>
+          </a:xfrm>
+          <a:prstGeom prst="rect">
+            <a:avLst/>
+          </a:prstGeom>
+          <a:noFill/>
+        </p:spPr>
+        <p:txBody>
+          <a:bodyPr wrap="square">
+            <a:spAutoFit/>
+          </a:bodyPr>
+          <a:lstStyle/>
+          <a:p>
+            <a:pPr marL="342900" indent="-342900">
+              <a:lnSpc>
+                <a:spcPct val="150000"/>
+              </a:lnSpc>
+              <a:buFont typeface="Arial" panose="020B0604020202020204" pitchFamily="34" charset="0"/>
+              <a:buChar char="•"/>
+            </a:pPr>
+            <a:r>
+              <a:rPr lang="en-US" altLang="zh-TW" sz="2400" b="1" dirty="0">
+                <a:latin typeface="Times New Roman" panose="02020603050405020304" pitchFamily="18" charset="0"/>
+                <a:cs typeface="Times New Roman" panose="02020603050405020304" pitchFamily="18" charset="0"/>
+              </a:rPr>
+              <a:t>MSC</a:t>
+            </a:r>
+          </a:p>
+          <a:p>
+            <a:pPr marL="342900" indent="-342900">
+              <a:lnSpc>
+                <a:spcPct val="150000"/>
+              </a:lnSpc>
+              <a:buFont typeface="Arial" panose="020B0604020202020204" pitchFamily="34" charset="0"/>
+              <a:buChar char="•"/>
+            </a:pPr>
+            <a:r>
+              <a:rPr lang="zh-TW" altLang="en-US" dirty="0">
+                <a:latin typeface="標楷體" panose="03000509000000000000" pitchFamily="65" charset="-120"/>
+                <a:ea typeface="標楷體" panose="03000509000000000000" pitchFamily="65" charset="-120"/>
+                <a:cs typeface="Times New Roman" panose="02020603050405020304" pitchFamily="18" charset="0"/>
+              </a:rPr>
+              <a:t>遊戲結束、訓練模型</a:t>
+            </a:r>
+            <a:endParaRPr lang="en-US" altLang="zh-TW" dirty="0">
+              <a:latin typeface="標楷體" panose="03000509000000000000" pitchFamily="65" charset="-120"/>
+              <a:ea typeface="標楷體" panose="03000509000000000000" pitchFamily="65" charset="-120"/>
+              <a:cs typeface="Times New Roman" panose="02020603050405020304" pitchFamily="18" charset="0"/>
+            </a:endParaRPr>
+          </a:p>
+        </p:txBody>
+      </p:sp>
+    </p:spTree>
+    <p:extLst>
+      <p:ext uri="{BB962C8B-B14F-4D97-AF65-F5344CB8AC3E}">
+        <p14:creationId xmlns:p14="http://schemas.microsoft.com/office/powerpoint/2010/main" val="3011815524"/>
+      </p:ext>
+    </p:extLst>
+  </p:cSld>
+  <p:clrMapOvr>
+    <a:masterClrMapping/>
+  </p:clrMapOvr>
+  <mc:AlternateContent xmlns:mc="http://schemas.openxmlformats.org/markup-compatibility/2006" xmlns:p159="http://schemas.microsoft.com/office/powerpoint/2015/09/main">
+    <mc:Choice Requires="p159">
+      <p:transition xmlns:p14="http://schemas.microsoft.com/office/powerpoint/2010/main" spd="slow" p14:dur="1500">
+        <p159:morph option="byObject"/>
+      </p:transition>
+    </mc:Choice>
+    <mc:Fallback xmlns="">
+      <p:transition spd="slow">
+        <p:fade/>
+      </p:transition>
+    </mc:Fallback>
+  </mc:AlternateContent>
+</p:sld>
+</file>
+
+<file path=ppt/slides/slide18.xml><?xml version="1.0" encoding="utf-8"?>
+<p:sld xmlns:a="http://schemas.openxmlformats.org/drawingml/2006/main" xmlns:r="http://schemas.openxmlformats.org/officeDocument/2006/relationships" xmlns:p="http://schemas.openxmlformats.org/presentationml/2006/main">
+  <p:cSld>
+    <p:spTree>
+      <p:nvGrpSpPr>
+        <p:cNvPr id="1" name=""/>
+        <p:cNvGrpSpPr/>
+        <p:nvPr/>
+      </p:nvGrpSpPr>
+      <p:grpSpPr>
+        <a:xfrm>
+          <a:off x="0" y="0"/>
+          <a:ext cx="0" cy="0"/>
+          <a:chOff x="0" y="0"/>
+          <a:chExt cx="0" cy="0"/>
+        </a:xfrm>
+      </p:grpSpPr>
       <p:sp>
         <p:nvSpPr>
           <p:cNvPr id="2" name="內容版面配置區 1">
@@ -5911,7 +6564,7 @@
           <a:p>
             <a:fld id="{90F9E983-480B-48C5-9E0F-D21C0DFBB5C0}" type="slidenum">
               <a:rPr lang="zh-TW" altLang="en-US" smtClean="0"/>
-              <a:t>16</a:t>
+              <a:t>18</a:t>
             </a:fld>
             <a:endParaRPr lang="zh-TW" altLang="en-US"/>
           </a:p>
@@ -6510,7 +7163,7 @@
         <p:spPr>
           <a:xfrm>
             <a:off x="838200" y="1085125"/>
-            <a:ext cx="10515600" cy="3921586"/>
+            <a:ext cx="10515600" cy="3506088"/>
           </a:xfrm>
           <a:prstGeom prst="rect">
             <a:avLst/>
@@ -6598,26 +7251,15 @@
               <a:t>model</a:t>
             </a:r>
             <a:r>
-              <a:rPr lang="en-US" altLang="zh-TW" b="1" dirty="0">
-                <a:solidFill>
-                  <a:srgbClr val="202122"/>
-                </a:solidFill>
-                <a:latin typeface="標楷體" panose="03000509000000000000" pitchFamily="65" charset="-120"/>
-                <a:ea typeface="標楷體" panose="03000509000000000000" pitchFamily="65" charset="-120"/>
-              </a:rPr>
-              <a:t>-</a:t>
-            </a:r>
-            <a:r>
-              <a:rPr lang="en-US" altLang="zh-TW" i="0" dirty="0">
-                <a:solidFill>
-                  <a:srgbClr val="202122"/>
-                </a:solidFill>
-                <a:effectLst/>
-                <a:latin typeface="Times New Roman" panose="02020603050405020304" pitchFamily="18" charset="0"/>
-                <a:ea typeface="標楷體" panose="03000509000000000000" pitchFamily="65" charset="-120"/>
-                <a:cs typeface="Times New Roman" panose="02020603050405020304" pitchFamily="18" charset="0"/>
-              </a:rPr>
-              <a:t>Q-Learning</a:t>
+              <a:rPr lang="en-US" altLang="zh-TW" dirty="0">
+                <a:solidFill>
+                  <a:srgbClr val="202122"/>
+                </a:solidFill>
+                <a:latin typeface="Times New Roman" panose="02020603050405020304" pitchFamily="18" charset="0"/>
+                <a:ea typeface="標楷體" panose="03000509000000000000" pitchFamily="65" charset="-120"/>
+                <a:cs typeface="Times New Roman" panose="02020603050405020304" pitchFamily="18" charset="0"/>
+              </a:rPr>
+              <a:t>-Decision Tree</a:t>
             </a:r>
             <a:r>
               <a:rPr lang="en-US" altLang="zh-TW" dirty="0">
@@ -6685,27 +7327,21 @@
                 <a:latin typeface="標楷體" panose="03000509000000000000" pitchFamily="65" charset="-120"/>
                 <a:ea typeface="標楷體" panose="03000509000000000000" pitchFamily="65" charset="-120"/>
               </a:rPr>
-              <a:t>透過玩家遊玩，收集遊戲狀態更新</a:t>
-            </a:r>
-            <a:r>
-              <a:rPr lang="en-US" altLang="zh-TW" dirty="0">
-                <a:solidFill>
-                  <a:srgbClr val="202122"/>
-                </a:solidFill>
-                <a:latin typeface="Times New Roman" panose="02020603050405020304" pitchFamily="18" charset="0"/>
-                <a:ea typeface="標楷體" panose="03000509000000000000" pitchFamily="65" charset="-120"/>
-                <a:cs typeface="Times New Roman" panose="02020603050405020304" pitchFamily="18" charset="0"/>
-              </a:rPr>
-              <a:t>Q-Table</a:t>
-            </a:r>
-          </a:p>
-          <a:p>
-            <a:pPr marL="1657350" lvl="3" indent="-285750">
+              <a:t>透過玩家遊玩，收集遊戲狀態增加更多特徵數量</a:t>
+            </a:r>
+            <a:endParaRPr lang="en-US" altLang="zh-TW" dirty="0">
+              <a:solidFill>
+                <a:srgbClr val="202122"/>
+              </a:solidFill>
+              <a:latin typeface="標楷體" panose="03000509000000000000" pitchFamily="65" charset="-120"/>
+              <a:ea typeface="標楷體" panose="03000509000000000000" pitchFamily="65" charset="-120"/>
+            </a:endParaRPr>
+          </a:p>
+          <a:p>
+            <a:pPr lvl="3">
               <a:lnSpc>
                 <a:spcPct val="150000"/>
               </a:lnSpc>
-              <a:buFont typeface="Arial" panose="020B0604020202020204" pitchFamily="34" charset="0"/>
-              <a:buChar char="•"/>
             </a:pPr>
             <a:r>
               <a:rPr lang="en-US" altLang="zh-TW" i="0" dirty="0">
@@ -6717,7 +7353,7 @@
                 <a:ea typeface="標楷體" panose="03000509000000000000" pitchFamily="65" charset="-120"/>
                 <a:cs typeface="Times New Roman" panose="02020603050405020304" pitchFamily="18" charset="0"/>
               </a:rPr>
-              <a:t>State : </a:t>
+              <a:t>Features : </a:t>
             </a:r>
             <a:r>
               <a:rPr lang="zh-TW" altLang="en-US" dirty="0">
@@ -6809,18 +7445,17 @@
                 <a:latin typeface="標楷體" panose="03000509000000000000" pitchFamily="65" charset="-120"/>
                 <a:ea typeface="標楷體" panose="03000509000000000000" pitchFamily="65" charset="-120"/>
               </a:rPr>
-              <a:t>、球與板</a:t>
+              <a:t>、地圖狀況</a:t>
             </a:r>
             <a:r>
               <a:rPr lang="en-US" altLang="zh-TW" dirty="0">
                 <a:solidFill>
                   <a:srgbClr val="202122"/>
                 </a:solidFill>
-                <a:latin typeface="Times New Roman" panose="02020603050405020304" pitchFamily="18" charset="0"/>
-                <a:ea typeface="標楷體" panose="03000509000000000000" pitchFamily="65" charset="-120"/>
-                <a:cs typeface="Times New Roman" panose="02020603050405020304" pitchFamily="18" charset="0"/>
-              </a:rPr>
-              <a:t>x</a:t>
+                <a:latin typeface="標楷體" panose="03000509000000000000" pitchFamily="65" charset="-120"/>
+                <a:ea typeface="標楷體" panose="03000509000000000000" pitchFamily="65" charset="-120"/>
+              </a:rPr>
+              <a:t>(</a:t>
             </a:r>
             <a:r>
               <a:rPr lang="zh-TW" altLang="en-US" dirty="0">
@@ -6830,68 +7465,18 @@
                 <a:latin typeface="標楷體" panose="03000509000000000000" pitchFamily="65" charset="-120"/>
                 <a:ea typeface="標楷體" panose="03000509000000000000" pitchFamily="65" charset="-120"/>
               </a:rPr>
-              <a:t>座標差</a:t>
-            </a:r>
-            <a:endParaRPr lang="en-US" altLang="zh-TW" i="0" dirty="0">
-              <a:solidFill>
-                <a:srgbClr val="202122"/>
-              </a:solidFill>
-              <a:effectLst/>
-              <a:latin typeface="Times New Roman" panose="02020603050405020304" pitchFamily="18" charset="0"/>
-              <a:ea typeface="標楷體" panose="03000509000000000000" pitchFamily="65" charset="-120"/>
-              <a:cs typeface="Times New Roman" panose="02020603050405020304" pitchFamily="18" charset="0"/>
-            </a:endParaRPr>
-          </a:p>
-          <a:p>
-            <a:pPr marL="1657350" lvl="3" indent="-285750">
-              <a:lnSpc>
-                <a:spcPct val="150000"/>
-              </a:lnSpc>
-              <a:buFont typeface="Arial" panose="020B0604020202020204" pitchFamily="34" charset="0"/>
-              <a:buChar char="•"/>
-            </a:pPr>
+              <a:t>磚塊</a:t>
+            </a:r>
             <a:r>
               <a:rPr lang="en-US" altLang="zh-TW" dirty="0">
                 <a:solidFill>
                   <a:srgbClr val="202122"/>
                 </a:solidFill>
-                <a:latin typeface="Times New Roman" panose="02020603050405020304" pitchFamily="18" charset="0"/>
-                <a:ea typeface="標楷體" panose="03000509000000000000" pitchFamily="65" charset="-120"/>
-                <a:cs typeface="Times New Roman" panose="02020603050405020304" pitchFamily="18" charset="0"/>
-              </a:rPr>
-              <a:t>Reward : </a:t>
-            </a:r>
-            <a:r>
-              <a:rPr lang="zh-TW" altLang="en-US" dirty="0">
-                <a:solidFill>
-                  <a:srgbClr val="202122"/>
-                </a:solidFill>
-                <a:latin typeface="Times New Roman" panose="02020603050405020304" pitchFamily="18" charset="0"/>
-                <a:ea typeface="標楷體" panose="03000509000000000000" pitchFamily="65" charset="-120"/>
-                <a:cs typeface="Times New Roman" panose="02020603050405020304" pitchFamily="18" charset="0"/>
-              </a:rPr>
-              <a:t>根據位置差與遊戲狀態給予</a:t>
-            </a:r>
-            <a:r>
-              <a:rPr lang="zh-TW" altLang="en-US">
-                <a:solidFill>
-                  <a:srgbClr val="202122"/>
-                </a:solidFill>
-                <a:latin typeface="Times New Roman" panose="02020603050405020304" pitchFamily="18" charset="0"/>
-                <a:ea typeface="標楷體" panose="03000509000000000000" pitchFamily="65" charset="-120"/>
-                <a:cs typeface="Times New Roman" panose="02020603050405020304" pitchFamily="18" charset="0"/>
-              </a:rPr>
-              <a:t>不同獎勵</a:t>
-            </a:r>
-            <a:endParaRPr lang="en-US" altLang="zh-TW" i="0" dirty="0">
-              <a:solidFill>
-                <a:srgbClr val="202122"/>
-              </a:solidFill>
-              <a:effectLst/>
-              <a:latin typeface="Times New Roman" panose="02020603050405020304" pitchFamily="18" charset="0"/>
-              <a:ea typeface="標楷體" panose="03000509000000000000" pitchFamily="65" charset="-120"/>
-              <a:cs typeface="Times New Roman" panose="02020603050405020304" pitchFamily="18" charset="0"/>
-            </a:endParaRPr>
+                <a:latin typeface="標楷體" panose="03000509000000000000" pitchFamily="65" charset="-120"/>
+                <a:ea typeface="標楷體" panose="03000509000000000000" pitchFamily="65" charset="-120"/>
+              </a:rPr>
+              <a:t>)</a:t>
+            </a:r>
           </a:p>
           <a:p>
             <a:pPr marL="1371600" lvl="2" indent="-457200">
@@ -6956,15 +7541,15 @@
               <a:t>利用</a:t>
             </a:r>
             <a:r>
-              <a:rPr lang="en-US" altLang="zh-TW" dirty="0">
-                <a:solidFill>
-                  <a:srgbClr val="202122"/>
-                </a:solidFill>
-                <a:latin typeface="Times New Roman" panose="02020603050405020304" pitchFamily="18" charset="0"/>
-                <a:ea typeface="標楷體" panose="03000509000000000000" pitchFamily="65" charset="-120"/>
-                <a:cs typeface="Times New Roman" panose="02020603050405020304" pitchFamily="18" charset="0"/>
-              </a:rPr>
-              <a:t>Q-Table</a:t>
+              <a:rPr lang="zh-TW" altLang="en-US" dirty="0">
+                <a:solidFill>
+                  <a:srgbClr val="202122"/>
+                </a:solidFill>
+                <a:latin typeface="Times New Roman" panose="02020603050405020304" pitchFamily="18" charset="0"/>
+                <a:ea typeface="標楷體" panose="03000509000000000000" pitchFamily="65" charset="-120"/>
+                <a:cs typeface="Times New Roman" panose="02020603050405020304" pitchFamily="18" charset="0"/>
+              </a:rPr>
+              <a:t>決策樹</a:t>
             </a:r>
             <a:r>
               <a:rPr lang="zh-TW" altLang="en-US" dirty="0">
@@ -8117,7 +8702,7 @@
         <p:spPr>
           <a:xfrm>
             <a:off x="838200" y="1085125"/>
-            <a:ext cx="10515600" cy="1966372"/>
+            <a:ext cx="10515600" cy="1428404"/>
           </a:xfrm>
           <a:prstGeom prst="rect">
             <a:avLst/>
@@ -8219,7 +8804,7 @@
                 <a:ea typeface="標楷體" panose="03000509000000000000" pitchFamily="65" charset="-120"/>
                 <a:cs typeface="Times New Roman" panose="02020603050405020304" pitchFamily="18" charset="0"/>
               </a:rPr>
-              <a:t>Q-Table</a:t>
+              <a:t>model</a:t>
             </a:r>
             <a:r>
               <a:rPr lang="en-US" altLang="zh-TW" i="0" dirty="0">
@@ -8253,7 +8838,7 @@
                 <a:ea typeface="標楷體" panose="03000509000000000000" pitchFamily="65" charset="-120"/>
                 <a:cs typeface="Times New Roman" panose="02020603050405020304" pitchFamily="18" charset="0"/>
               </a:rPr>
-              <a:t>numpy(.npy)</a:t>
+              <a:t>pickle</a:t>
             </a:r>
             <a:r>
               <a:rPr lang="zh-TW" altLang="en-US" i="0" dirty="0">
@@ -8267,23 +8852,6 @@
               <a:t>儲存</a:t>
             </a:r>
             <a:endParaRPr lang="en-US" altLang="zh-TW" i="0" dirty="0">
-              <a:solidFill>
-                <a:srgbClr val="202122"/>
-              </a:solidFill>
-              <a:effectLst/>
-              <a:latin typeface="標楷體" panose="03000509000000000000" pitchFamily="65" charset="-120"/>
-              <a:ea typeface="標楷體" panose="03000509000000000000" pitchFamily="65" charset="-120"/>
-            </a:endParaRPr>
-          </a:p>
-          <a:p>
-            <a:pPr marL="342900" indent="-342900">
-              <a:lnSpc>
-                <a:spcPct val="150000"/>
-              </a:lnSpc>
-              <a:buFont typeface="Arial" panose="020B0604020202020204" pitchFamily="34" charset="0"/>
-              <a:buChar char="•"/>
-            </a:pPr>
-            <a:endParaRPr lang="en-US" altLang="zh-TW" sz="2400" b="1" i="0" dirty="0">
               <a:solidFill>
                 <a:srgbClr val="202122"/>
               </a:solidFill>
@@ -8408,7 +8976,7 @@
         <p:spPr>
           <a:xfrm>
             <a:off x="838200" y="1085125"/>
-            <a:ext cx="10515600" cy="5624360"/>
+            <a:ext cx="10515600" cy="5208862"/>
           </a:xfrm>
           <a:prstGeom prst="rect">
             <a:avLst/>
@@ -8564,20 +9132,37 @@
               </a:rPr>
               <a:t>10.4.5.2</a:t>
             </a:r>
-          </a:p>
-          <a:p>
-            <a:pPr lvl="1">
-              <a:lnSpc>
-                <a:spcPct val="150000"/>
-              </a:lnSpc>
-            </a:pPr>
+            <a:r>
+              <a:rPr lang="zh-TW" altLang="en-US" dirty="0">
+                <a:latin typeface="Times New Roman" panose="02020603050405020304" pitchFamily="18" charset="0"/>
+                <a:ea typeface="標楷體" panose="03000509000000000000" pitchFamily="65" charset="-120"/>
+                <a:cs typeface="Times New Roman" panose="02020603050405020304" pitchFamily="18" charset="0"/>
+              </a:rPr>
+              <a:t>、</a:t>
+            </a:r>
+            <a:r>
+              <a:rPr lang="en-US" altLang="zh-TW" dirty="0" err="1">
+                <a:latin typeface="Times New Roman" panose="02020603050405020304" pitchFamily="18" charset="0"/>
+                <a:ea typeface="標楷體" panose="03000509000000000000" pitchFamily="65" charset="-120"/>
+                <a:cs typeface="Times New Roman" panose="02020603050405020304" pitchFamily="18" charset="0"/>
+              </a:rPr>
+              <a:t>PyGame</a:t>
+            </a:r>
+            <a:r>
+              <a:rPr lang="zh-TW" altLang="en-US" dirty="0">
+                <a:latin typeface="Times New Roman" panose="02020603050405020304" pitchFamily="18" charset="0"/>
+                <a:ea typeface="標楷體" panose="03000509000000000000" pitchFamily="65" charset="-120"/>
+                <a:cs typeface="Times New Roman" panose="02020603050405020304" pitchFamily="18" charset="0"/>
+              </a:rPr>
+              <a:t> </a:t>
+            </a:r>
             <a:r>
               <a:rPr lang="en-US" altLang="zh-TW" dirty="0">
                 <a:latin typeface="Times New Roman" panose="02020603050405020304" pitchFamily="18" charset="0"/>
                 <a:ea typeface="標楷體" panose="03000509000000000000" pitchFamily="65" charset="-120"/>
                 <a:cs typeface="Times New Roman" panose="02020603050405020304" pitchFamily="18" charset="0"/>
               </a:rPr>
-              <a:t>PyGame</a:t>
+              <a:t>:</a:t>
             </a:r>
             <a:r>
               <a:rPr lang="zh-TW" altLang="en-US" dirty="0">
@@ -8593,6 +9178,38 @@
                 <a:ea typeface="標楷體" panose="03000509000000000000" pitchFamily="65" charset="-120"/>
                 <a:cs typeface="Times New Roman" panose="02020603050405020304" pitchFamily="18" charset="0"/>
               </a:rPr>
+              <a:t>2.5.2</a:t>
+            </a:r>
+            <a:r>
+              <a:rPr lang="zh-TW" altLang="en-US" dirty="0">
+                <a:latin typeface="Times New Roman" panose="02020603050405020304" pitchFamily="18" charset="0"/>
+                <a:ea typeface="標楷體" panose="03000509000000000000" pitchFamily="65" charset="-120"/>
+                <a:cs typeface="Times New Roman" panose="02020603050405020304" pitchFamily="18" charset="0"/>
+              </a:rPr>
+              <a:t>、</a:t>
+            </a:r>
+            <a:r>
+              <a:rPr lang="en-US" altLang="zh-TW" dirty="0">
+                <a:latin typeface="Times New Roman" panose="02020603050405020304" pitchFamily="18" charset="0"/>
+                <a:ea typeface="標楷體" panose="03000509000000000000" pitchFamily="65" charset="-120"/>
+                <a:cs typeface="Times New Roman" panose="02020603050405020304" pitchFamily="18" charset="0"/>
+              </a:rPr>
+              <a:t>scikit-learn</a:t>
+            </a:r>
+            <a:r>
+              <a:rPr lang="zh-TW" altLang="en-US" dirty="0">
+                <a:latin typeface="Times New Roman" panose="02020603050405020304" pitchFamily="18" charset="0"/>
+                <a:ea typeface="標楷體" panose="03000509000000000000" pitchFamily="65" charset="-120"/>
+                <a:cs typeface="Times New Roman" panose="02020603050405020304" pitchFamily="18" charset="0"/>
+              </a:rPr>
+              <a:t> </a:t>
+            </a:r>
+            <a:r>
+              <a:rPr lang="en-US" altLang="zh-TW" dirty="0">
+                <a:latin typeface="Times New Roman" panose="02020603050405020304" pitchFamily="18" charset="0"/>
+                <a:ea typeface="標楷體" panose="03000509000000000000" pitchFamily="65" charset="-120"/>
+                <a:cs typeface="Times New Roman" panose="02020603050405020304" pitchFamily="18" charset="0"/>
+              </a:rPr>
               <a:t>:</a:t>
             </a:r>
             <a:r>
@@ -8609,7 +9226,7 @@
                 <a:ea typeface="標楷體" panose="03000509000000000000" pitchFamily="65" charset="-120"/>
                 <a:cs typeface="Times New Roman" panose="02020603050405020304" pitchFamily="18" charset="0"/>
               </a:rPr>
-              <a:t>2.5.2</a:t>
+              <a:t>1.4.2</a:t>
             </a:r>
           </a:p>
           <a:p>
@@ -8959,17 +9576,20 @@
                 <a:ea typeface="標楷體" panose="03000509000000000000" pitchFamily="65" charset="-120"/>
                 <a:cs typeface="Times New Roman" panose="02020603050405020304" pitchFamily="18" charset="0"/>
               </a:rPr>
-              <a:t>模型大小</a:t>
-            </a:r>
-            <a:endParaRPr lang="en-US" altLang="zh-TW" sz="2000" i="0" dirty="0">
-              <a:solidFill>
-                <a:srgbClr val="202122"/>
-              </a:solidFill>
-              <a:effectLst/>
-              <a:latin typeface="Times New Roman" panose="02020603050405020304" pitchFamily="18" charset="0"/>
-              <a:ea typeface="標楷體" panose="03000509000000000000" pitchFamily="65" charset="-120"/>
-              <a:cs typeface="Times New Roman" panose="02020603050405020304" pitchFamily="18" charset="0"/>
-            </a:endParaRPr>
+              <a:t>模型大小小於</a:t>
+            </a:r>
+            <a:r>
+              <a:rPr lang="en-US" altLang="zh-TW" sz="2000" i="0" dirty="0">
+                <a:solidFill>
+                  <a:srgbClr val="202122"/>
+                </a:solidFill>
+                <a:effectLst/>
+                <a:latin typeface="Times New Roman" panose="02020603050405020304" pitchFamily="18" charset="0"/>
+                <a:ea typeface="標楷體" panose="03000509000000000000" pitchFamily="65" charset="-120"/>
+                <a:cs typeface="Times New Roman" panose="02020603050405020304" pitchFamily="18" charset="0"/>
+              </a:rPr>
+              <a:t>5mb</a:t>
+            </a:r>
           </a:p>
         </p:txBody>
       </p:sp>
@@ -9087,7 +9707,7 @@
         <p:spPr>
           <a:xfrm>
             <a:off x="838200" y="1085125"/>
-            <a:ext cx="10515600" cy="1515543"/>
+            <a:ext cx="10515600" cy="1428596"/>
           </a:xfrm>
           <a:prstGeom prst="rect">
             <a:avLst/>
@@ -9181,16 +9801,6 @@
               </a:lnSpc>
             </a:pPr>
             <a:r>
-              <a:rPr lang="zh-TW" altLang="en-US" sz="2000" dirty="0">
-                <a:solidFill>
-                  <a:srgbClr val="202122"/>
-                </a:solidFill>
-                <a:latin typeface="標楷體" panose="03000509000000000000" pitchFamily="65" charset="-120"/>
-                <a:ea typeface="標楷體" panose="03000509000000000000" pitchFamily="65" charset="-120"/>
-              </a:rPr>
-              <a:t>實驗</a:t>
-            </a:r>
-            <a:r>
               <a:rPr lang="zh-TW" altLang="en-US" dirty="0">
                 <a:solidFill>
                   <a:srgbClr val="202122"/>
@@ -9198,7 +9808,7 @@
                 <a:latin typeface="標楷體" panose="03000509000000000000" pitchFamily="65" charset="-120"/>
                 <a:ea typeface="標楷體" panose="03000509000000000000" pitchFamily="65" charset="-120"/>
               </a:rPr>
-              <a:t>情境 </a:t>
+              <a:t>實驗情境 </a:t>
             </a:r>
             <a:r>
               <a:rPr lang="en-US" altLang="zh-TW" dirty="0">
@@ -9327,7 +9937,7 @@
               <a:t>驗證流程 </a:t>
             </a:r>
             <a:r>
-              <a:rPr lang="en-US" altLang="zh-TW" sz="2000" dirty="0">
+              <a:rPr lang="en-US" altLang="zh-TW" dirty="0">
                 <a:solidFill>
                   <a:srgbClr val="202122"/>
                 </a:solidFill>
@@ -9337,16 +9947,6 @@
               <a:t>:</a:t>
             </a:r>
             <a:r>
-              <a:rPr lang="zh-TW" altLang="en-US" sz="2000" dirty="0">
-                <a:solidFill>
-                  <a:srgbClr val="202122"/>
-                </a:solidFill>
-                <a:latin typeface="標楷體" panose="03000509000000000000" pitchFamily="65" charset="-120"/>
-                <a:ea typeface="標楷體" panose="03000509000000000000" pitchFamily="65" charset="-120"/>
-              </a:rPr>
-              <a:t> 執行遊戲並</a:t>
-            </a:r>
-            <a:r>
               <a:rPr lang="zh-TW" altLang="en-US" dirty="0">
                 <a:solidFill>
                   <a:srgbClr val="202122"/>
@@ -9354,9 +9954,9 @@
                 <a:latin typeface="標楷體" panose="03000509000000000000" pitchFamily="65" charset="-120"/>
                 <a:ea typeface="標楷體" panose="03000509000000000000" pitchFamily="65" charset="-120"/>
               </a:rPr>
-              <a:t>確認發球、切球、碰撞等遊戲機制，是否正確</a:t>
-            </a:r>
-            <a:endParaRPr lang="en-US" altLang="zh-TW" sz="2000" dirty="0">
+              <a:t> 執行遊戲並確認發球、切球、碰撞等遊戲機制，是否正確</a:t>
+            </a:r>
+            <a:endParaRPr lang="en-US" altLang="zh-TW" dirty="0">
               <a:solidFill>
                 <a:srgbClr val="202122"/>
               </a:solidFill>

--- a/final_project/DevelopmentLog/ML_finalproject.pptx
+++ b/final_project/DevelopmentLog/ML_finalproject.pptx
@@ -5,7 +5,7 @@
     <p:sldMasterId id="2147483660" r:id="rId1"/>
   </p:sldMasterIdLst>
   <p:notesMasterIdLst>
-    <p:notesMasterId r:id="rId20"/>
+    <p:notesMasterId r:id="rId25"/>
   </p:notesMasterIdLst>
   <p:sldIdLst>
     <p:sldId id="1398" r:id="rId2"/>
@@ -25,7 +25,12 @@
     <p:sldId id="1803" r:id="rId16"/>
     <p:sldId id="1790" r:id="rId17"/>
     <p:sldId id="1813" r:id="rId18"/>
-    <p:sldId id="1396" r:id="rId19"/>
+    <p:sldId id="1745" r:id="rId19"/>
+    <p:sldId id="1814" r:id="rId20"/>
+    <p:sldId id="1815" r:id="rId21"/>
+    <p:sldId id="1816" r:id="rId22"/>
+    <p:sldId id="1817" r:id="rId23"/>
+    <p:sldId id="1396" r:id="rId24"/>
   </p:sldIdLst>
   <p:sldSz cx="12192000" cy="6858000"/>
   <p:notesSz cx="6858000" cy="9144000"/>
@@ -156,6 +161,15 @@
             <p14:sldId id="1813"/>
           </p14:sldIdLst>
         </p14:section>
+        <p14:section name="API" id="{066993AE-89A5-428F-AF98-E16353E98036}">
+          <p14:sldIdLst>
+            <p14:sldId id="1745"/>
+            <p14:sldId id="1814"/>
+            <p14:sldId id="1815"/>
+            <p14:sldId id="1816"/>
+            <p14:sldId id="1817"/>
+          </p14:sldIdLst>
+        </p14:section>
         <p14:section name="問題紀錄" id="{D71077BB-9346-4BB7-9137-6E6890250CB2}">
           <p14:sldIdLst>
             <p14:sldId id="1396"/>
@@ -252,7 +266,7 @@
           <a:p>
             <a:fld id="{5B76B9C2-8CBA-466A-AF0E-975D77387BB5}" type="datetimeFigureOut">
               <a:rPr lang="zh-TW" altLang="en-US" smtClean="0"/>
-              <a:t>2024/5/8</a:t>
+              <a:t>2024/5/14</a:t>
             </a:fld>
             <a:endParaRPr lang="zh-TW" altLang="en-US"/>
           </a:p>
@@ -739,7 +753,7 @@
           <a:p>
             <a:fld id="{76DB1E62-041B-47B5-8407-B11F18F7E90B}" type="datetimeFigureOut">
               <a:rPr lang="zh-TW" altLang="en-US" smtClean="0"/>
-              <a:t>2024/5/8</a:t>
+              <a:t>2024/5/14</a:t>
             </a:fld>
             <a:endParaRPr lang="zh-TW" altLang="en-US"/>
           </a:p>
@@ -919,7 +933,7 @@
           <a:p>
             <a:fld id="{76DB1E62-041B-47B5-8407-B11F18F7E90B}" type="datetimeFigureOut">
               <a:rPr lang="zh-TW" altLang="en-US" smtClean="0"/>
-              <a:t>2024/5/8</a:t>
+              <a:t>2024/5/14</a:t>
             </a:fld>
             <a:endParaRPr lang="zh-TW" altLang="en-US"/>
           </a:p>
@@ -1109,7 +1123,7 @@
           <a:p>
             <a:fld id="{76DB1E62-041B-47B5-8407-B11F18F7E90B}" type="datetimeFigureOut">
               <a:rPr lang="zh-TW" altLang="en-US" smtClean="0"/>
-              <a:t>2024/5/8</a:t>
+              <a:t>2024/5/14</a:t>
             </a:fld>
             <a:endParaRPr lang="zh-TW" altLang="en-US"/>
           </a:p>
@@ -1318,7 +1332,7 @@
           <a:p>
             <a:fld id="{76DB1E62-041B-47B5-8407-B11F18F7E90B}" type="datetimeFigureOut">
               <a:rPr lang="zh-TW" altLang="en-US" smtClean="0"/>
-              <a:t>2024/5/8</a:t>
+              <a:t>2024/5/14</a:t>
             </a:fld>
             <a:endParaRPr lang="zh-TW" altLang="en-US"/>
           </a:p>
@@ -1575,7 +1589,7 @@
           <a:p>
             <a:fld id="{76DB1E62-041B-47B5-8407-B11F18F7E90B}" type="datetimeFigureOut">
               <a:rPr lang="zh-TW" altLang="en-US" smtClean="0"/>
-              <a:t>2024/5/8</a:t>
+              <a:t>2024/5/14</a:t>
             </a:fld>
             <a:endParaRPr lang="zh-TW" altLang="en-US"/>
           </a:p>
@@ -1816,7 +1830,7 @@
           <a:p>
             <a:fld id="{76DB1E62-041B-47B5-8407-B11F18F7E90B}" type="datetimeFigureOut">
               <a:rPr lang="zh-TW" altLang="en-US" smtClean="0"/>
-              <a:t>2024/5/8</a:t>
+              <a:t>2024/5/14</a:t>
             </a:fld>
             <a:endParaRPr lang="zh-TW" altLang="en-US"/>
           </a:p>
@@ -2192,7 +2206,7 @@
           <a:p>
             <a:fld id="{76DB1E62-041B-47B5-8407-B11F18F7E90B}" type="datetimeFigureOut">
               <a:rPr lang="zh-TW" altLang="en-US" smtClean="0"/>
-              <a:t>2024/5/8</a:t>
+              <a:t>2024/5/14</a:t>
             </a:fld>
             <a:endParaRPr lang="zh-TW" altLang="en-US"/>
           </a:p>
@@ -2321,7 +2335,7 @@
           <a:p>
             <a:fld id="{76DB1E62-041B-47B5-8407-B11F18F7E90B}" type="datetimeFigureOut">
               <a:rPr lang="zh-TW" altLang="en-US" smtClean="0"/>
-              <a:t>2024/5/8</a:t>
+              <a:t>2024/5/14</a:t>
             </a:fld>
             <a:endParaRPr lang="zh-TW" altLang="en-US"/>
           </a:p>
@@ -2428,7 +2442,7 @@
           <a:p>
             <a:fld id="{76DB1E62-041B-47B5-8407-B11F18F7E90B}" type="datetimeFigureOut">
               <a:rPr lang="zh-TW" altLang="en-US" smtClean="0"/>
-              <a:t>2024/5/8</a:t>
+              <a:t>2024/5/14</a:t>
             </a:fld>
             <a:endParaRPr lang="zh-TW" altLang="en-US"/>
           </a:p>
@@ -2715,7 +2729,7 @@
           <a:p>
             <a:fld id="{76DB1E62-041B-47B5-8407-B11F18F7E90B}" type="datetimeFigureOut">
               <a:rPr lang="zh-TW" altLang="en-US" smtClean="0"/>
-              <a:t>2024/5/8</a:t>
+              <a:t>2024/5/14</a:t>
             </a:fld>
             <a:endParaRPr lang="zh-TW" altLang="en-US"/>
           </a:p>
@@ -2982,7 +2996,7 @@
           <a:p>
             <a:fld id="{76DB1E62-041B-47B5-8407-B11F18F7E90B}" type="datetimeFigureOut">
               <a:rPr lang="zh-TW" altLang="en-US" smtClean="0"/>
-              <a:t>2024/5/8</a:t>
+              <a:t>2024/5/14</a:t>
             </a:fld>
             <a:endParaRPr lang="zh-TW" altLang="en-US"/>
           </a:p>
@@ -3207,7 +3221,7 @@
           <a:p>
             <a:fld id="{76DB1E62-041B-47B5-8407-B11F18F7E90B}" type="datetimeFigureOut">
               <a:rPr lang="zh-TW" altLang="en-US" smtClean="0"/>
-              <a:t>2024/5/8</a:t>
+              <a:t>2024/5/14</a:t>
             </a:fld>
             <a:endParaRPr lang="zh-TW" altLang="en-US"/>
           </a:p>
@@ -5735,14 +5749,12 @@
             </a:extLst>
           </a:blip>
           <a:srcRect/>
-          <a:stretch>
-            <a:fillRect/>
-          </a:stretch>
+          <a:stretch/>
         </p:blipFill>
         <p:spPr bwMode="auto">
           <a:xfrm>
-            <a:off x="1829752" y="1665092"/>
-            <a:ext cx="8532495" cy="4473268"/>
+            <a:off x="1829752" y="2351101"/>
+            <a:ext cx="8532495" cy="3101249"/>
           </a:xfrm>
           <a:prstGeom prst="rect">
             <a:avLst/>
@@ -6031,8 +6043,8 @@
         </p:blipFill>
         <p:spPr bwMode="auto">
           <a:xfrm>
-            <a:off x="0" y="4581087"/>
-            <a:ext cx="3317585" cy="1752403"/>
+            <a:off x="0" y="4740543"/>
+            <a:ext cx="3317585" cy="1442964"/>
           </a:xfrm>
           <a:prstGeom prst="rect">
             <a:avLst/>
@@ -6488,6 +6500,542 @@
           <a:chExt cx="0" cy="0"/>
         </a:xfrm>
       </p:grpSpPr>
+      <p:graphicFrame>
+        <p:nvGraphicFramePr>
+          <p:cNvPr id="7" name="表格 6">
+            <a:extLst>
+              <a:ext uri="{FF2B5EF4-FFF2-40B4-BE49-F238E27FC236}">
+                <a16:creationId xmlns:a16="http://schemas.microsoft.com/office/drawing/2014/main" id="{C9AD19A2-2A67-25FC-97F1-1F361DCA144E}"/>
+              </a:ext>
+            </a:extLst>
+          </p:cNvPr>
+          <p:cNvGraphicFramePr>
+            <a:graphicFrameLocks noGrp="1"/>
+          </p:cNvGraphicFramePr>
+          <p:nvPr>
+            <p:extLst>
+              <p:ext uri="{D42A27DB-BD31-4B8C-83A1-F6EECF244321}">
+                <p14:modId xmlns:p14="http://schemas.microsoft.com/office/powerpoint/2010/main" val="4158706308"/>
+              </p:ext>
+            </p:extLst>
+          </p:nvPr>
+        </p:nvGraphicFramePr>
+        <p:xfrm>
+          <a:off x="2649681" y="2227994"/>
+          <a:ext cx="6892637" cy="3291840"/>
+        </p:xfrm>
+        <a:graphic>
+          <a:graphicData uri="http://schemas.openxmlformats.org/drawingml/2006/table">
+            <a:tbl>
+              <a:tblPr firstRow="1" firstCol="1" bandRow="1">
+                <a:tableStyleId>{21E4AEA4-8DFA-4A89-87EB-49C32662AFE0}</a:tableStyleId>
+              </a:tblPr>
+              <a:tblGrid>
+                <a:gridCol w="708059">
+                  <a:extLst>
+                    <a:ext uri="{9D8B030D-6E8A-4147-A177-3AD203B41FA5}">
+                      <a16:colId xmlns:a16="http://schemas.microsoft.com/office/drawing/2014/main" val="20000"/>
+                    </a:ext>
+                  </a:extLst>
+                </a:gridCol>
+                <a:gridCol w="6184578">
+                  <a:extLst>
+                    <a:ext uri="{9D8B030D-6E8A-4147-A177-3AD203B41FA5}">
+                      <a16:colId xmlns:a16="http://schemas.microsoft.com/office/drawing/2014/main" val="20001"/>
+                    </a:ext>
+                  </a:extLst>
+                </a:gridCol>
+              </a:tblGrid>
+              <a:tr h="548640">
+                <a:tc gridSpan="2">
+                  <a:txBody>
+                    <a:bodyPr/>
+                    <a:lstStyle/>
+                    <a:p>
+                      <a:pPr algn="ctr"/>
+                      <a:r>
+                        <a:rPr lang="en-US" altLang="zh-TW" sz="1800" b="1" i="0" kern="1200" dirty="0" err="1">
+                          <a:solidFill>
+                            <a:schemeClr val="lt1"/>
+                          </a:solidFill>
+                          <a:effectLst/>
+                          <a:latin typeface="+mn-lt"/>
+                          <a:ea typeface="+mn-ea"/>
+                          <a:cs typeface="+mn-cs"/>
+                        </a:rPr>
+                        <a:t>model_load</a:t>
+                      </a:r>
+                      <a:endParaRPr lang="zh-TW" sz="1800" b="1" kern="100" dirty="0">
+                        <a:effectLst/>
+                        <a:latin typeface="Times New Roman" panose="02020603050405020304" pitchFamily="18" charset="0"/>
+                        <a:ea typeface="標楷體" panose="03000509000000000000" pitchFamily="65" charset="-120"/>
+                        <a:cs typeface="Times New Roman" panose="02020603050405020304" pitchFamily="18" charset="0"/>
+                      </a:endParaRPr>
+                    </a:p>
+                  </a:txBody>
+                  <a:tcPr marL="68580" marR="68580" marT="0" marB="0" anchor="ctr"/>
+                </a:tc>
+                <a:tc hMerge="1">
+                  <a:txBody>
+                    <a:bodyPr/>
+                    <a:lstStyle/>
+                    <a:p>
+                      <a:endParaRPr lang="zh-TW" altLang="en-US"/>
+                    </a:p>
+                  </a:txBody>
+                  <a:tcPr/>
+                </a:tc>
+                <a:extLst>
+                  <a:ext uri="{0D108BD9-81ED-4DB2-BD59-A6C34878D82A}">
+                    <a16:rowId xmlns:a16="http://schemas.microsoft.com/office/drawing/2014/main" val="10000"/>
+                  </a:ext>
+                </a:extLst>
+              </a:tr>
+              <a:tr h="548640">
+                <a:tc>
+                  <a:txBody>
+                    <a:bodyPr/>
+                    <a:lstStyle/>
+                    <a:p>
+                      <a:pPr algn="ctr"/>
+                      <a:r>
+                        <a:rPr lang="zh-TW" sz="1800" kern="100" dirty="0">
+                          <a:effectLst/>
+                          <a:latin typeface="標楷體" panose="03000509000000000000" pitchFamily="65" charset="-120"/>
+                          <a:ea typeface="標楷體" panose="03000509000000000000" pitchFamily="65" charset="-120"/>
+                        </a:rPr>
+                        <a:t>輸入</a:t>
+                      </a:r>
+                      <a:endParaRPr lang="zh-TW" sz="1800" b="1" kern="100" dirty="0">
+                        <a:effectLst/>
+                        <a:latin typeface="標楷體" panose="03000509000000000000" pitchFamily="65" charset="-120"/>
+                        <a:ea typeface="標楷體" panose="03000509000000000000" pitchFamily="65" charset="-120"/>
+                      </a:endParaRPr>
+                    </a:p>
+                  </a:txBody>
+                  <a:tcPr marL="68580" marR="68580" marT="0" marB="0"/>
+                </a:tc>
+                <a:tc>
+                  <a:txBody>
+                    <a:bodyPr/>
+                    <a:lstStyle/>
+                    <a:p>
+                      <a:r>
+                        <a:rPr lang="zh-TW" altLang="en-US" sz="1800" b="0" kern="100" dirty="0">
+                          <a:effectLst/>
+                          <a:latin typeface="Times New Roman" panose="02020603050405020304" pitchFamily="18" charset="0"/>
+                          <a:ea typeface="標楷體" panose="03000509000000000000" pitchFamily="65" charset="-120"/>
+                          <a:cs typeface="Times New Roman" panose="02020603050405020304" pitchFamily="18" charset="0"/>
+                        </a:rPr>
+                        <a:t>無</a:t>
+                      </a:r>
+                      <a:endParaRPr lang="zh-TW" sz="1800" b="0" kern="100" dirty="0">
+                        <a:effectLst/>
+                        <a:latin typeface="標楷體" panose="03000509000000000000" pitchFamily="65" charset="-120"/>
+                        <a:ea typeface="標楷體" panose="03000509000000000000" pitchFamily="65" charset="-120"/>
+                      </a:endParaRPr>
+                    </a:p>
+                  </a:txBody>
+                  <a:tcPr marL="68580" marR="68580" marT="0" marB="0"/>
+                </a:tc>
+                <a:extLst>
+                  <a:ext uri="{0D108BD9-81ED-4DB2-BD59-A6C34878D82A}">
+                    <a16:rowId xmlns:a16="http://schemas.microsoft.com/office/drawing/2014/main" val="10001"/>
+                  </a:ext>
+                </a:extLst>
+              </a:tr>
+              <a:tr h="548640">
+                <a:tc>
+                  <a:txBody>
+                    <a:bodyPr/>
+                    <a:lstStyle/>
+                    <a:p>
+                      <a:pPr algn="ctr"/>
+                      <a:r>
+                        <a:rPr lang="zh-TW" sz="1800" kern="100" dirty="0">
+                          <a:effectLst/>
+                          <a:latin typeface="標楷體" panose="03000509000000000000" pitchFamily="65" charset="-120"/>
+                          <a:ea typeface="標楷體" panose="03000509000000000000" pitchFamily="65" charset="-120"/>
+                        </a:rPr>
+                        <a:t>輸出</a:t>
+                      </a:r>
+                      <a:endParaRPr lang="zh-TW" sz="1800" b="1" kern="100" dirty="0">
+                        <a:effectLst/>
+                        <a:latin typeface="標楷體" panose="03000509000000000000" pitchFamily="65" charset="-120"/>
+                        <a:ea typeface="標楷體" panose="03000509000000000000" pitchFamily="65" charset="-120"/>
+                      </a:endParaRPr>
+                    </a:p>
+                  </a:txBody>
+                  <a:tcPr marL="68580" marR="68580" marT="0" marB="0"/>
+                </a:tc>
+                <a:tc>
+                  <a:txBody>
+                    <a:bodyPr/>
+                    <a:lstStyle/>
+                    <a:p>
+                      <a:r>
+                        <a:rPr lang="zh-TW" altLang="en-US" sz="1800" kern="100" dirty="0">
+                          <a:effectLst/>
+                          <a:latin typeface="Times New Roman" panose="02020603050405020304" pitchFamily="18" charset="0"/>
+                          <a:ea typeface="標楷體" panose="03000509000000000000" pitchFamily="65" charset="-120"/>
+                          <a:cs typeface="Times New Roman" panose="02020603050405020304" pitchFamily="18" charset="0"/>
+                        </a:rPr>
+                        <a:t>無</a:t>
+                      </a:r>
+                      <a:endParaRPr lang="en-US" altLang="zh-TW" sz="1800" kern="100" dirty="0">
+                        <a:effectLst/>
+                        <a:latin typeface="Times New Roman" panose="02020603050405020304" pitchFamily="18" charset="0"/>
+                        <a:ea typeface="標楷體" panose="03000509000000000000" pitchFamily="65" charset="-120"/>
+                        <a:cs typeface="Times New Roman" panose="02020603050405020304" pitchFamily="18" charset="0"/>
+                      </a:endParaRPr>
+                    </a:p>
+                  </a:txBody>
+                  <a:tcPr marL="68580" marR="68580" marT="0" marB="0"/>
+                </a:tc>
+                <a:extLst>
+                  <a:ext uri="{0D108BD9-81ED-4DB2-BD59-A6C34878D82A}">
+                    <a16:rowId xmlns:a16="http://schemas.microsoft.com/office/drawing/2014/main" val="10002"/>
+                  </a:ext>
+                </a:extLst>
+              </a:tr>
+              <a:tr h="548640">
+                <a:tc>
+                  <a:txBody>
+                    <a:bodyPr/>
+                    <a:lstStyle/>
+                    <a:p>
+                      <a:pPr algn="ctr"/>
+                      <a:r>
+                        <a:rPr lang="zh-TW" sz="1800" kern="100" dirty="0">
+                          <a:effectLst/>
+                          <a:latin typeface="標楷體" panose="03000509000000000000" pitchFamily="65" charset="-120"/>
+                          <a:ea typeface="標楷體" panose="03000509000000000000" pitchFamily="65" charset="-120"/>
+                        </a:rPr>
+                        <a:t>參數</a:t>
+                      </a:r>
+                      <a:endParaRPr lang="zh-TW" sz="1800" b="1" kern="100" dirty="0">
+                        <a:effectLst/>
+                        <a:latin typeface="標楷體" panose="03000509000000000000" pitchFamily="65" charset="-120"/>
+                        <a:ea typeface="標楷體" panose="03000509000000000000" pitchFamily="65" charset="-120"/>
+                      </a:endParaRPr>
+                    </a:p>
+                  </a:txBody>
+                  <a:tcPr marL="68580" marR="68580" marT="0" marB="0"/>
+                </a:tc>
+                <a:tc>
+                  <a:txBody>
+                    <a:bodyPr/>
+                    <a:lstStyle/>
+                    <a:p>
+                      <a:r>
+                        <a:rPr lang="en-US" altLang="zh-TW" sz="1800" kern="100" dirty="0">
+                          <a:effectLst/>
+                          <a:latin typeface="Times New Roman" panose="02020603050405020304" pitchFamily="18" charset="0"/>
+                          <a:ea typeface="標楷體" panose="03000509000000000000" pitchFamily="65" charset="-120"/>
+                          <a:cs typeface="Times New Roman" panose="02020603050405020304" pitchFamily="18" charset="0"/>
+                        </a:rPr>
+                        <a:t>DIR</a:t>
+                      </a:r>
+                      <a:r>
+                        <a:rPr lang="zh-TW" altLang="en-US" sz="1800" kern="100" dirty="0">
+                          <a:effectLst/>
+                          <a:latin typeface="標楷體" panose="03000509000000000000" pitchFamily="65" charset="-120"/>
+                          <a:ea typeface="標楷體" panose="03000509000000000000" pitchFamily="65" charset="-120"/>
+                        </a:rPr>
+                        <a:t> </a:t>
+                      </a:r>
+                      <a:r>
+                        <a:rPr lang="en-US" sz="1800" kern="100" dirty="0">
+                          <a:effectLst/>
+                          <a:latin typeface="標楷體" panose="03000509000000000000" pitchFamily="65" charset="-120"/>
+                          <a:ea typeface="標楷體" panose="03000509000000000000" pitchFamily="65" charset="-120"/>
+                        </a:rPr>
+                        <a:t>: </a:t>
+                      </a:r>
+                      <a:r>
+                        <a:rPr lang="zh-TW" altLang="en-US" sz="1800" kern="100" dirty="0">
+                          <a:effectLst/>
+                          <a:latin typeface="標楷體" panose="03000509000000000000" pitchFamily="65" charset="-120"/>
+                          <a:ea typeface="標楷體" panose="03000509000000000000" pitchFamily="65" charset="-120"/>
+                        </a:rPr>
+                        <a:t>模型儲存資料夾</a:t>
+                      </a:r>
+                      <a:endParaRPr lang="en-US" altLang="zh-TW" sz="1800" kern="100" dirty="0">
+                        <a:effectLst/>
+                        <a:latin typeface="標楷體" panose="03000509000000000000" pitchFamily="65" charset="-120"/>
+                        <a:ea typeface="標楷體" panose="03000509000000000000" pitchFamily="65" charset="-120"/>
+                      </a:endParaRPr>
+                    </a:p>
+                    <a:p>
+                      <a:pPr marL="0" marR="0" lvl="0" indent="0" algn="l" defTabSz="914400" rtl="0" eaLnBrk="1" fontAlgn="auto" latinLnBrk="0" hangingPunct="1">
+                        <a:lnSpc>
+                          <a:spcPct val="100000"/>
+                        </a:lnSpc>
+                        <a:spcBef>
+                          <a:spcPts val="0"/>
+                        </a:spcBef>
+                        <a:spcAft>
+                          <a:spcPts val="0"/>
+                        </a:spcAft>
+                        <a:buClrTx/>
+                        <a:buSzTx/>
+                        <a:buFontTx/>
+                        <a:buNone/>
+                        <a:tabLst/>
+                        <a:defRPr/>
+                      </a:pPr>
+                      <a:r>
+                        <a:rPr lang="en-US" altLang="zh-TW" sz="1800" b="0" kern="1200" dirty="0">
+                          <a:solidFill>
+                            <a:schemeClr val="dk1"/>
+                          </a:solidFill>
+                          <a:effectLst/>
+                          <a:latin typeface="Times New Roman" panose="02020603050405020304" pitchFamily="18" charset="0"/>
+                          <a:ea typeface="+mn-ea"/>
+                          <a:cs typeface="Times New Roman" panose="02020603050405020304" pitchFamily="18" charset="0"/>
+                        </a:rPr>
+                        <a:t>model</a:t>
+                      </a:r>
+                      <a:r>
+                        <a:rPr lang="en-US" altLang="zh-TW" sz="1800" b="0" kern="100" dirty="0">
+                          <a:solidFill>
+                            <a:schemeClr val="dk1"/>
+                          </a:solidFill>
+                          <a:effectLst/>
+                          <a:latin typeface="標楷體" panose="03000509000000000000" pitchFamily="65" charset="-120"/>
+                          <a:ea typeface="標楷體" panose="03000509000000000000" pitchFamily="65" charset="-120"/>
+                          <a:cs typeface="+mn-cs"/>
+                        </a:rPr>
+                        <a:t> : </a:t>
+                      </a:r>
+                      <a:r>
+                        <a:rPr lang="zh-TW" altLang="en-US" sz="1800" b="0" kern="100" dirty="0">
+                          <a:solidFill>
+                            <a:schemeClr val="dk1"/>
+                          </a:solidFill>
+                          <a:effectLst/>
+                          <a:latin typeface="標楷體" panose="03000509000000000000" pitchFamily="65" charset="-120"/>
+                          <a:ea typeface="標楷體" panose="03000509000000000000" pitchFamily="65" charset="-120"/>
+                          <a:cs typeface="+mn-cs"/>
+                        </a:rPr>
+                        <a:t>模型</a:t>
+                      </a:r>
+                      <a:endParaRPr lang="en-US" altLang="zh-TW" sz="1800" b="0" kern="1200" dirty="0">
+                        <a:solidFill>
+                          <a:schemeClr val="dk1"/>
+                        </a:solidFill>
+                        <a:effectLst/>
+                        <a:latin typeface="+mn-lt"/>
+                        <a:ea typeface="+mn-ea"/>
+                        <a:cs typeface="+mn-cs"/>
+                      </a:endParaRPr>
+                    </a:p>
+                  </a:txBody>
+                  <a:tcPr marL="68580" marR="68580" marT="0" marB="0"/>
+                </a:tc>
+                <a:extLst>
+                  <a:ext uri="{0D108BD9-81ED-4DB2-BD59-A6C34878D82A}">
+                    <a16:rowId xmlns:a16="http://schemas.microsoft.com/office/drawing/2014/main" val="10003"/>
+                  </a:ext>
+                </a:extLst>
+              </a:tr>
+              <a:tr h="548640">
+                <a:tc>
+                  <a:txBody>
+                    <a:bodyPr/>
+                    <a:lstStyle/>
+                    <a:p>
+                      <a:pPr algn="ctr"/>
+                      <a:r>
+                        <a:rPr lang="zh-TW" sz="1800" kern="100">
+                          <a:effectLst/>
+                          <a:latin typeface="標楷體" panose="03000509000000000000" pitchFamily="65" charset="-120"/>
+                          <a:ea typeface="標楷體" panose="03000509000000000000" pitchFamily="65" charset="-120"/>
+                        </a:rPr>
+                        <a:t>方法</a:t>
+                      </a:r>
+                      <a:endParaRPr lang="zh-TW" sz="1800" b="1" kern="100">
+                        <a:effectLst/>
+                        <a:latin typeface="標楷體" panose="03000509000000000000" pitchFamily="65" charset="-120"/>
+                        <a:ea typeface="標楷體" panose="03000509000000000000" pitchFamily="65" charset="-120"/>
+                      </a:endParaRPr>
+                    </a:p>
+                  </a:txBody>
+                  <a:tcPr marL="68580" marR="68580" marT="0" marB="0"/>
+                </a:tc>
+                <a:tc>
+                  <a:txBody>
+                    <a:bodyPr/>
+                    <a:lstStyle/>
+                    <a:p>
+                      <a:pPr marL="0" marR="0" lvl="0" indent="0" algn="l" defTabSz="914400" rtl="0" eaLnBrk="1" fontAlgn="auto" latinLnBrk="0" hangingPunct="1">
+                        <a:lnSpc>
+                          <a:spcPct val="100000"/>
+                        </a:lnSpc>
+                        <a:spcBef>
+                          <a:spcPts val="0"/>
+                        </a:spcBef>
+                        <a:spcAft>
+                          <a:spcPts val="0"/>
+                        </a:spcAft>
+                        <a:buClrTx/>
+                        <a:buSzTx/>
+                        <a:buFontTx/>
+                        <a:buNone/>
+                        <a:tabLst/>
+                        <a:defRPr/>
+                      </a:pPr>
+                      <a:r>
+                        <a:rPr lang="en-US" altLang="zh-TW" sz="1800" b="0" kern="1200" dirty="0" err="1">
+                          <a:solidFill>
+                            <a:schemeClr val="dk1"/>
+                          </a:solidFill>
+                          <a:effectLst/>
+                          <a:latin typeface="+mn-lt"/>
+                          <a:ea typeface="+mn-ea"/>
+                          <a:cs typeface="+mn-cs"/>
+                        </a:rPr>
+                        <a:t>os.path.dirname</a:t>
+                      </a:r>
+                      <a:r>
+                        <a:rPr lang="en-US" altLang="zh-TW" sz="1800" b="0" kern="100" dirty="0">
+                          <a:solidFill>
+                            <a:schemeClr val="dk1"/>
+                          </a:solidFill>
+                          <a:effectLst/>
+                          <a:latin typeface="Times New Roman" panose="02020603050405020304" pitchFamily="18" charset="0"/>
+                          <a:ea typeface="標楷體" panose="03000509000000000000" pitchFamily="65" charset="-120"/>
+                          <a:cs typeface="Times New Roman" panose="02020603050405020304" pitchFamily="18" charset="0"/>
+                        </a:rPr>
+                        <a:t>()</a:t>
+                      </a:r>
+                    </a:p>
+                    <a:p>
+                      <a:pPr marL="0" marR="0" lvl="0" indent="0" algn="l" defTabSz="914400" rtl="0" eaLnBrk="1" fontAlgn="auto" latinLnBrk="0" hangingPunct="1">
+                        <a:lnSpc>
+                          <a:spcPct val="100000"/>
+                        </a:lnSpc>
+                        <a:spcBef>
+                          <a:spcPts val="0"/>
+                        </a:spcBef>
+                        <a:spcAft>
+                          <a:spcPts val="0"/>
+                        </a:spcAft>
+                        <a:buClrTx/>
+                        <a:buSzTx/>
+                        <a:buFontTx/>
+                        <a:buNone/>
+                        <a:tabLst/>
+                        <a:defRPr/>
+                      </a:pPr>
+                      <a:r>
+                        <a:rPr lang="en-US" altLang="zh-TW" sz="1800" b="0" kern="1200" dirty="0" err="1">
+                          <a:solidFill>
+                            <a:schemeClr val="dk1"/>
+                          </a:solidFill>
+                          <a:effectLst/>
+                          <a:latin typeface="+mn-lt"/>
+                          <a:ea typeface="+mn-ea"/>
+                          <a:cs typeface="+mn-cs"/>
+                        </a:rPr>
+                        <a:t>pickle.load</a:t>
+                      </a:r>
+                      <a:r>
+                        <a:rPr lang="en-US" altLang="zh-TW" sz="1800" b="0" kern="1200" dirty="0">
+                          <a:solidFill>
+                            <a:schemeClr val="dk1"/>
+                          </a:solidFill>
+                          <a:effectLst/>
+                          <a:latin typeface="+mn-lt"/>
+                          <a:ea typeface="+mn-ea"/>
+                          <a:cs typeface="+mn-cs"/>
+                        </a:rPr>
+                        <a:t>()</a:t>
+                      </a:r>
+                    </a:p>
+                  </a:txBody>
+                  <a:tcPr marL="68580" marR="68580" marT="0" marB="0"/>
+                </a:tc>
+                <a:extLst>
+                  <a:ext uri="{0D108BD9-81ED-4DB2-BD59-A6C34878D82A}">
+                    <a16:rowId xmlns:a16="http://schemas.microsoft.com/office/drawing/2014/main" val="10004"/>
+                  </a:ext>
+                </a:extLst>
+              </a:tr>
+              <a:tr h="548640">
+                <a:tc>
+                  <a:txBody>
+                    <a:bodyPr/>
+                    <a:lstStyle/>
+                    <a:p>
+                      <a:pPr algn="ctr"/>
+                      <a:r>
+                        <a:rPr lang="zh-TW" altLang="en-US" sz="1800" b="1" kern="100" dirty="0">
+                          <a:effectLst/>
+                          <a:latin typeface="標楷體" panose="03000509000000000000" pitchFamily="65" charset="-120"/>
+                          <a:ea typeface="標楷體" panose="03000509000000000000" pitchFamily="65" charset="-120"/>
+                        </a:rPr>
+                        <a:t>情境</a:t>
+                      </a:r>
+                      <a:endParaRPr lang="zh-TW" sz="1800" b="1" kern="100" dirty="0">
+                        <a:effectLst/>
+                        <a:latin typeface="標楷體" panose="03000509000000000000" pitchFamily="65" charset="-120"/>
+                        <a:ea typeface="標楷體" panose="03000509000000000000" pitchFamily="65" charset="-120"/>
+                      </a:endParaRPr>
+                    </a:p>
+                  </a:txBody>
+                  <a:tcPr marL="68580" marR="68580" marT="0" marB="0"/>
+                </a:tc>
+                <a:tc>
+                  <a:txBody>
+                    <a:bodyPr/>
+                    <a:lstStyle/>
+                    <a:p>
+                      <a:r>
+                        <a:rPr lang="zh-TW" altLang="en-US" sz="1800" kern="100" dirty="0">
+                          <a:effectLst/>
+                          <a:latin typeface="標楷體" panose="03000509000000000000" pitchFamily="65" charset="-120"/>
+                          <a:ea typeface="標楷體" panose="03000509000000000000" pitchFamily="65" charset="-120"/>
+                        </a:rPr>
+                        <a:t>讀取資料夾中模型</a:t>
+                      </a:r>
+                      <a:r>
+                        <a:rPr lang="en-US" altLang="zh-TW" sz="1800" b="0" kern="100" dirty="0">
+                          <a:effectLst/>
+                          <a:latin typeface="Times New Roman" panose="02020603050405020304" pitchFamily="18" charset="0"/>
+                          <a:ea typeface="標楷體" panose="03000509000000000000" pitchFamily="65" charset="-120"/>
+                          <a:cs typeface="Times New Roman" panose="02020603050405020304" pitchFamily="18" charset="0"/>
+                        </a:rPr>
+                        <a:t>(.pickle)</a:t>
+                      </a:r>
+                      <a:r>
+                        <a:rPr lang="zh-TW" altLang="en-US" sz="1800" kern="100" dirty="0">
+                          <a:effectLst/>
+                          <a:latin typeface="標楷體" panose="03000509000000000000" pitchFamily="65" charset="-120"/>
+                          <a:ea typeface="標楷體" panose="03000509000000000000" pitchFamily="65" charset="-120"/>
+                        </a:rPr>
+                        <a:t>，若檔案不存在則建立新模型。</a:t>
+                      </a:r>
+                      <a:endParaRPr lang="en-US" altLang="zh-TW" sz="1800" b="0" kern="100" dirty="0">
+                        <a:effectLst/>
+                        <a:latin typeface="Times New Roman" pitchFamily="18" charset="0"/>
+                        <a:ea typeface="標楷體" panose="03000509000000000000" pitchFamily="65" charset="-120"/>
+                        <a:cs typeface="Times New Roman" pitchFamily="18" charset="0"/>
+                      </a:endParaRPr>
+                    </a:p>
+                  </a:txBody>
+                  <a:tcPr marL="68580" marR="68580" marT="0" marB="0"/>
+                </a:tc>
+                <a:extLst>
+                  <a:ext uri="{0D108BD9-81ED-4DB2-BD59-A6C34878D82A}">
+                    <a16:rowId xmlns:a16="http://schemas.microsoft.com/office/drawing/2014/main" val="10005"/>
+                  </a:ext>
+                </a:extLst>
+              </a:tr>
+            </a:tbl>
+          </a:graphicData>
+        </a:graphic>
+      </p:graphicFrame>
       <p:sp>
         <p:nvSpPr>
           <p:cNvPr id="2" name="內容版面配置區 1">
@@ -6506,10 +7054,21 @@
         </p:nvSpPr>
         <p:spPr/>
         <p:txBody>
-          <a:bodyPr/>
+          <a:bodyPr>
+            <a:normAutofit/>
+          </a:bodyPr>
           <a:lstStyle/>
           <a:p>
-            <a:endParaRPr lang="zh-TW" altLang="en-US" dirty="0"/>
+            <a:r>
+              <a:rPr lang="en-US" altLang="zh-TW" sz="2400" kern="100" dirty="0" err="1">
+                <a:effectLst/>
+                <a:latin typeface="Times New Roman" panose="02020603050405020304" pitchFamily="18" charset="0"/>
+                <a:ea typeface="標楷體" panose="03000509000000000000" pitchFamily="65" charset="-120"/>
+                <a:cs typeface="Times New Roman" panose="02020603050405020304" pitchFamily="18" charset="0"/>
+              </a:rPr>
+              <a:t>model_load</a:t>
+            </a:r>
+            <a:endParaRPr lang="zh-TW" altLang="en-US" sz="2000" b="1" dirty="0"/>
           </a:p>
         </p:txBody>
       </p:sp>
@@ -6535,9 +7094,10 @@
           <a:lstStyle/>
           <a:p>
             <a:r>
-              <a:rPr lang="zh-TW" altLang="en-US" dirty="0"/>
-              <a:t>問題紀錄</a:t>
-            </a:r>
+              <a:rPr lang="en-US" altLang="zh-TW" dirty="0"/>
+              <a:t>API</a:t>
+            </a:r>
+            <a:endParaRPr lang="zh-TW" altLang="en-US" dirty="0"/>
           </a:p>
         </p:txBody>
       </p:sp>
@@ -6573,17 +7133,878 @@
     </p:spTree>
     <p:extLst>
       <p:ext uri="{BB962C8B-B14F-4D97-AF65-F5344CB8AC3E}">
-        <p14:creationId xmlns:p14="http://schemas.microsoft.com/office/powerpoint/2010/main" val="36508627"/>
+        <p14:creationId xmlns:p14="http://schemas.microsoft.com/office/powerpoint/2010/main" val="2226929116"/>
       </p:ext>
     </p:extLst>
   </p:cSld>
   <p:clrMapOvr>
     <a:masterClrMapping/>
   </p:clrMapOvr>
-  <mc:AlternateContent xmlns:mc="http://schemas.openxmlformats.org/markup-compatibility/2006" xmlns:p159="http://schemas.microsoft.com/office/powerpoint/2015/09/main">
-    <mc:Choice Requires="p159">
-      <p:transition xmlns:p14="http://schemas.microsoft.com/office/powerpoint/2010/main" spd="slow" p14:dur="1500">
-        <p159:morph option="byObject"/>
+  <mc:AlternateContent xmlns:mc="http://schemas.openxmlformats.org/markup-compatibility/2006" xmlns:p14="http://schemas.microsoft.com/office/powerpoint/2010/main">
+    <mc:Choice Requires="p14">
+      <p:transition spd="slow">
+        <p14:reveal/>
+      </p:transition>
+    </mc:Choice>
+    <mc:Fallback xmlns="">
+      <p:transition spd="slow">
+        <p:fade/>
+      </p:transition>
+    </mc:Fallback>
+  </mc:AlternateContent>
+</p:sld>
+</file>
+
+<file path=ppt/slides/slide19.xml><?xml version="1.0" encoding="utf-8"?>
+<p:sld xmlns:a="http://schemas.openxmlformats.org/drawingml/2006/main" xmlns:r="http://schemas.openxmlformats.org/officeDocument/2006/relationships" xmlns:p="http://schemas.openxmlformats.org/presentationml/2006/main">
+  <p:cSld>
+    <p:spTree>
+      <p:nvGrpSpPr>
+        <p:cNvPr id="1" name=""/>
+        <p:cNvGrpSpPr/>
+        <p:nvPr/>
+      </p:nvGrpSpPr>
+      <p:grpSpPr>
+        <a:xfrm>
+          <a:off x="0" y="0"/>
+          <a:ext cx="0" cy="0"/>
+          <a:chOff x="0" y="0"/>
+          <a:chExt cx="0" cy="0"/>
+        </a:xfrm>
+      </p:grpSpPr>
+      <p:graphicFrame>
+        <p:nvGraphicFramePr>
+          <p:cNvPr id="7" name="表格 6">
+            <a:extLst>
+              <a:ext uri="{FF2B5EF4-FFF2-40B4-BE49-F238E27FC236}">
+                <a16:creationId xmlns:a16="http://schemas.microsoft.com/office/drawing/2014/main" id="{C9AD19A2-2A67-25FC-97F1-1F361DCA144E}"/>
+              </a:ext>
+            </a:extLst>
+          </p:cNvPr>
+          <p:cNvGraphicFramePr>
+            <a:graphicFrameLocks noGrp="1"/>
+          </p:cNvGraphicFramePr>
+          <p:nvPr>
+            <p:extLst>
+              <p:ext uri="{D42A27DB-BD31-4B8C-83A1-F6EECF244321}">
+                <p14:modId xmlns:p14="http://schemas.microsoft.com/office/powerpoint/2010/main" val="1761605966"/>
+              </p:ext>
+            </p:extLst>
+          </p:nvPr>
+        </p:nvGraphicFramePr>
+        <p:xfrm>
+          <a:off x="2649681" y="2227994"/>
+          <a:ext cx="6892637" cy="3840480"/>
+        </p:xfrm>
+        <a:graphic>
+          <a:graphicData uri="http://schemas.openxmlformats.org/drawingml/2006/table">
+            <a:tbl>
+              <a:tblPr firstRow="1" firstCol="1" bandRow="1">
+                <a:tableStyleId>{21E4AEA4-8DFA-4A89-87EB-49C32662AFE0}</a:tableStyleId>
+              </a:tblPr>
+              <a:tblGrid>
+                <a:gridCol w="708059">
+                  <a:extLst>
+                    <a:ext uri="{9D8B030D-6E8A-4147-A177-3AD203B41FA5}">
+                      <a16:colId xmlns:a16="http://schemas.microsoft.com/office/drawing/2014/main" val="20000"/>
+                    </a:ext>
+                  </a:extLst>
+                </a:gridCol>
+                <a:gridCol w="6184578">
+                  <a:extLst>
+                    <a:ext uri="{9D8B030D-6E8A-4147-A177-3AD203B41FA5}">
+                      <a16:colId xmlns:a16="http://schemas.microsoft.com/office/drawing/2014/main" val="20001"/>
+                    </a:ext>
+                  </a:extLst>
+                </a:gridCol>
+              </a:tblGrid>
+              <a:tr h="548640">
+                <a:tc gridSpan="2">
+                  <a:txBody>
+                    <a:bodyPr/>
+                    <a:lstStyle/>
+                    <a:p>
+                      <a:pPr algn="ctr"/>
+                      <a:r>
+                        <a:rPr lang="en-US" altLang="zh-TW" sz="1800" b="1" i="0" kern="1200" dirty="0" err="1">
+                          <a:solidFill>
+                            <a:schemeClr val="lt1"/>
+                          </a:solidFill>
+                          <a:effectLst/>
+                          <a:latin typeface="+mn-lt"/>
+                          <a:ea typeface="+mn-ea"/>
+                          <a:cs typeface="+mn-cs"/>
+                        </a:rPr>
+                        <a:t>model_save</a:t>
+                      </a:r>
+                      <a:endParaRPr lang="zh-TW" sz="1800" b="1" kern="100" dirty="0">
+                        <a:effectLst/>
+                        <a:latin typeface="Times New Roman" panose="02020603050405020304" pitchFamily="18" charset="0"/>
+                        <a:ea typeface="標楷體" panose="03000509000000000000" pitchFamily="65" charset="-120"/>
+                        <a:cs typeface="Times New Roman" panose="02020603050405020304" pitchFamily="18" charset="0"/>
+                      </a:endParaRPr>
+                    </a:p>
+                  </a:txBody>
+                  <a:tcPr marL="68580" marR="68580" marT="0" marB="0" anchor="ctr"/>
+                </a:tc>
+                <a:tc hMerge="1">
+                  <a:txBody>
+                    <a:bodyPr/>
+                    <a:lstStyle/>
+                    <a:p>
+                      <a:endParaRPr lang="zh-TW" altLang="en-US"/>
+                    </a:p>
+                  </a:txBody>
+                  <a:tcPr/>
+                </a:tc>
+                <a:extLst>
+                  <a:ext uri="{0D108BD9-81ED-4DB2-BD59-A6C34878D82A}">
+                    <a16:rowId xmlns:a16="http://schemas.microsoft.com/office/drawing/2014/main" val="10000"/>
+                  </a:ext>
+                </a:extLst>
+              </a:tr>
+              <a:tr h="548640">
+                <a:tc>
+                  <a:txBody>
+                    <a:bodyPr/>
+                    <a:lstStyle/>
+                    <a:p>
+                      <a:pPr algn="ctr"/>
+                      <a:r>
+                        <a:rPr lang="zh-TW" sz="1800" kern="100" dirty="0">
+                          <a:effectLst/>
+                          <a:latin typeface="標楷體" panose="03000509000000000000" pitchFamily="65" charset="-120"/>
+                          <a:ea typeface="標楷體" panose="03000509000000000000" pitchFamily="65" charset="-120"/>
+                        </a:rPr>
+                        <a:t>輸入</a:t>
+                      </a:r>
+                      <a:endParaRPr lang="zh-TW" sz="1800" b="1" kern="100" dirty="0">
+                        <a:effectLst/>
+                        <a:latin typeface="標楷體" panose="03000509000000000000" pitchFamily="65" charset="-120"/>
+                        <a:ea typeface="標楷體" panose="03000509000000000000" pitchFamily="65" charset="-120"/>
+                      </a:endParaRPr>
+                    </a:p>
+                  </a:txBody>
+                  <a:tcPr marL="68580" marR="68580" marT="0" marB="0"/>
+                </a:tc>
+                <a:tc>
+                  <a:txBody>
+                    <a:bodyPr/>
+                    <a:lstStyle/>
+                    <a:p>
+                      <a:r>
+                        <a:rPr lang="en-US" altLang="zh-TW" sz="1800" b="0" kern="100" dirty="0">
+                          <a:effectLst/>
+                          <a:latin typeface="Times New Roman" panose="02020603050405020304" pitchFamily="18" charset="0"/>
+                          <a:ea typeface="標楷體" panose="03000509000000000000" pitchFamily="65" charset="-120"/>
+                          <a:cs typeface="Times New Roman" panose="02020603050405020304" pitchFamily="18" charset="0"/>
+                        </a:rPr>
+                        <a:t>DIR(str)</a:t>
+                      </a:r>
+                      <a:r>
+                        <a:rPr lang="zh-TW" altLang="en-US" sz="1800" b="0" kern="100" dirty="0">
+                          <a:effectLst/>
+                          <a:latin typeface="Times New Roman" panose="02020603050405020304" pitchFamily="18" charset="0"/>
+                          <a:ea typeface="標楷體" panose="03000509000000000000" pitchFamily="65" charset="-120"/>
+                          <a:cs typeface="Times New Roman" panose="02020603050405020304" pitchFamily="18" charset="0"/>
+                        </a:rPr>
+                        <a:t> </a:t>
+                      </a:r>
+                      <a:r>
+                        <a:rPr lang="en-US" altLang="zh-TW" sz="1800" b="0" kern="100" dirty="0">
+                          <a:effectLst/>
+                          <a:latin typeface="Times New Roman" panose="02020603050405020304" pitchFamily="18" charset="0"/>
+                          <a:ea typeface="標楷體" panose="03000509000000000000" pitchFamily="65" charset="-120"/>
+                          <a:cs typeface="Times New Roman" panose="02020603050405020304" pitchFamily="18" charset="0"/>
+                        </a:rPr>
+                        <a:t>:</a:t>
+                      </a:r>
+                      <a:r>
+                        <a:rPr lang="zh-TW" altLang="en-US" sz="1800" b="0" kern="100" dirty="0">
+                          <a:effectLst/>
+                          <a:latin typeface="Times New Roman" panose="02020603050405020304" pitchFamily="18" charset="0"/>
+                          <a:ea typeface="標楷體" panose="03000509000000000000" pitchFamily="65" charset="-120"/>
+                          <a:cs typeface="Times New Roman" panose="02020603050405020304" pitchFamily="18" charset="0"/>
+                        </a:rPr>
+                        <a:t> 資料夾位置</a:t>
+                      </a:r>
+                      <a:endParaRPr lang="en-US" altLang="zh-TW" sz="1800" b="0" kern="100" dirty="0">
+                        <a:effectLst/>
+                        <a:latin typeface="Times New Roman" panose="02020603050405020304" pitchFamily="18" charset="0"/>
+                        <a:ea typeface="標楷體" panose="03000509000000000000" pitchFamily="65" charset="-120"/>
+                        <a:cs typeface="Times New Roman" panose="02020603050405020304" pitchFamily="18" charset="0"/>
+                      </a:endParaRPr>
+                    </a:p>
+                    <a:p>
+                      <a:r>
+                        <a:rPr lang="en-US" altLang="zh-TW" sz="1800" b="0" kern="100" dirty="0">
+                          <a:effectLst/>
+                          <a:latin typeface="Times New Roman" panose="02020603050405020304" pitchFamily="18" charset="0"/>
+                          <a:ea typeface="標楷體" panose="03000509000000000000" pitchFamily="65" charset="-120"/>
+                          <a:cs typeface="Times New Roman" panose="02020603050405020304" pitchFamily="18" charset="0"/>
+                        </a:rPr>
+                        <a:t>features(list)</a:t>
+                      </a:r>
+                      <a:r>
+                        <a:rPr lang="zh-TW" altLang="en-US" sz="1800" b="0" kern="100" dirty="0">
+                          <a:effectLst/>
+                          <a:latin typeface="Times New Roman" panose="02020603050405020304" pitchFamily="18" charset="0"/>
+                          <a:ea typeface="標楷體" panose="03000509000000000000" pitchFamily="65" charset="-120"/>
+                          <a:cs typeface="Times New Roman" panose="02020603050405020304" pitchFamily="18" charset="0"/>
+                        </a:rPr>
+                        <a:t> </a:t>
+                      </a:r>
+                      <a:r>
+                        <a:rPr lang="en-US" altLang="zh-TW" sz="1800" b="0" kern="100" dirty="0">
+                          <a:effectLst/>
+                          <a:latin typeface="Times New Roman" panose="02020603050405020304" pitchFamily="18" charset="0"/>
+                          <a:ea typeface="標楷體" panose="03000509000000000000" pitchFamily="65" charset="-120"/>
+                          <a:cs typeface="Times New Roman" panose="02020603050405020304" pitchFamily="18" charset="0"/>
+                        </a:rPr>
+                        <a:t>:</a:t>
+                      </a:r>
+                      <a:r>
+                        <a:rPr lang="zh-TW" altLang="en-US" sz="1800" b="0" kern="100" dirty="0">
+                          <a:effectLst/>
+                          <a:latin typeface="Times New Roman" panose="02020603050405020304" pitchFamily="18" charset="0"/>
+                          <a:ea typeface="標楷體" panose="03000509000000000000" pitchFamily="65" charset="-120"/>
+                          <a:cs typeface="Times New Roman" panose="02020603050405020304" pitchFamily="18" charset="0"/>
+                        </a:rPr>
+                        <a:t> 準備儲存的特徵陣列</a:t>
+                      </a:r>
+                      <a:endParaRPr lang="zh-TW" sz="1800" b="0" kern="100" dirty="0">
+                        <a:effectLst/>
+                        <a:latin typeface="標楷體" panose="03000509000000000000" pitchFamily="65" charset="-120"/>
+                        <a:ea typeface="標楷體" panose="03000509000000000000" pitchFamily="65" charset="-120"/>
+                      </a:endParaRPr>
+                    </a:p>
+                  </a:txBody>
+                  <a:tcPr marL="68580" marR="68580" marT="0" marB="0"/>
+                </a:tc>
+                <a:extLst>
+                  <a:ext uri="{0D108BD9-81ED-4DB2-BD59-A6C34878D82A}">
+                    <a16:rowId xmlns:a16="http://schemas.microsoft.com/office/drawing/2014/main" val="10001"/>
+                  </a:ext>
+                </a:extLst>
+              </a:tr>
+              <a:tr h="548640">
+                <a:tc>
+                  <a:txBody>
+                    <a:bodyPr/>
+                    <a:lstStyle/>
+                    <a:p>
+                      <a:pPr algn="ctr"/>
+                      <a:r>
+                        <a:rPr lang="zh-TW" sz="1800" kern="100" dirty="0">
+                          <a:effectLst/>
+                          <a:latin typeface="標楷體" panose="03000509000000000000" pitchFamily="65" charset="-120"/>
+                          <a:ea typeface="標楷體" panose="03000509000000000000" pitchFamily="65" charset="-120"/>
+                        </a:rPr>
+                        <a:t>輸出</a:t>
+                      </a:r>
+                      <a:endParaRPr lang="zh-TW" sz="1800" b="1" kern="100" dirty="0">
+                        <a:effectLst/>
+                        <a:latin typeface="標楷體" panose="03000509000000000000" pitchFamily="65" charset="-120"/>
+                        <a:ea typeface="標楷體" panose="03000509000000000000" pitchFamily="65" charset="-120"/>
+                      </a:endParaRPr>
+                    </a:p>
+                  </a:txBody>
+                  <a:tcPr marL="68580" marR="68580" marT="0" marB="0"/>
+                </a:tc>
+                <a:tc>
+                  <a:txBody>
+                    <a:bodyPr/>
+                    <a:lstStyle/>
+                    <a:p>
+                      <a:r>
+                        <a:rPr lang="zh-TW" altLang="en-US" sz="1800" kern="100" dirty="0">
+                          <a:effectLst/>
+                          <a:latin typeface="Times New Roman" panose="02020603050405020304" pitchFamily="18" charset="0"/>
+                          <a:ea typeface="標楷體" panose="03000509000000000000" pitchFamily="65" charset="-120"/>
+                          <a:cs typeface="Times New Roman" panose="02020603050405020304" pitchFamily="18" charset="0"/>
+                        </a:rPr>
+                        <a:t>無</a:t>
+                      </a:r>
+                      <a:endParaRPr lang="en-US" altLang="zh-TW" sz="1800" kern="100" dirty="0">
+                        <a:effectLst/>
+                        <a:latin typeface="Times New Roman" panose="02020603050405020304" pitchFamily="18" charset="0"/>
+                        <a:ea typeface="標楷體" panose="03000509000000000000" pitchFamily="65" charset="-120"/>
+                        <a:cs typeface="Times New Roman" panose="02020603050405020304" pitchFamily="18" charset="0"/>
+                      </a:endParaRPr>
+                    </a:p>
+                  </a:txBody>
+                  <a:tcPr marL="68580" marR="68580" marT="0" marB="0"/>
+                </a:tc>
+                <a:extLst>
+                  <a:ext uri="{0D108BD9-81ED-4DB2-BD59-A6C34878D82A}">
+                    <a16:rowId xmlns:a16="http://schemas.microsoft.com/office/drawing/2014/main" val="10002"/>
+                  </a:ext>
+                </a:extLst>
+              </a:tr>
+              <a:tr h="548640">
+                <a:tc>
+                  <a:txBody>
+                    <a:bodyPr/>
+                    <a:lstStyle/>
+                    <a:p>
+                      <a:pPr algn="ctr"/>
+                      <a:r>
+                        <a:rPr lang="zh-TW" sz="1800" kern="100" dirty="0">
+                          <a:effectLst/>
+                          <a:latin typeface="標楷體" panose="03000509000000000000" pitchFamily="65" charset="-120"/>
+                          <a:ea typeface="標楷體" panose="03000509000000000000" pitchFamily="65" charset="-120"/>
+                        </a:rPr>
+                        <a:t>參數</a:t>
+                      </a:r>
+                      <a:endParaRPr lang="zh-TW" sz="1800" b="1" kern="100" dirty="0">
+                        <a:effectLst/>
+                        <a:latin typeface="標楷體" panose="03000509000000000000" pitchFamily="65" charset="-120"/>
+                        <a:ea typeface="標楷體" panose="03000509000000000000" pitchFamily="65" charset="-120"/>
+                      </a:endParaRPr>
+                    </a:p>
+                  </a:txBody>
+                  <a:tcPr marL="68580" marR="68580" marT="0" marB="0"/>
+                </a:tc>
+                <a:tc>
+                  <a:txBody>
+                    <a:bodyPr/>
+                    <a:lstStyle/>
+                    <a:p>
+                      <a:r>
+                        <a:rPr lang="en-US" altLang="zh-TW" sz="1800" kern="100" dirty="0">
+                          <a:effectLst/>
+                          <a:latin typeface="Times New Roman" panose="02020603050405020304" pitchFamily="18" charset="0"/>
+                          <a:ea typeface="標楷體" panose="03000509000000000000" pitchFamily="65" charset="-120"/>
+                          <a:cs typeface="Times New Roman" panose="02020603050405020304" pitchFamily="18" charset="0"/>
+                        </a:rPr>
+                        <a:t>DIR(str)</a:t>
+                      </a:r>
+                      <a:r>
+                        <a:rPr lang="zh-TW" altLang="en-US" sz="1800" kern="100" dirty="0">
+                          <a:effectLst/>
+                          <a:latin typeface="標楷體" panose="03000509000000000000" pitchFamily="65" charset="-120"/>
+                          <a:ea typeface="標楷體" panose="03000509000000000000" pitchFamily="65" charset="-120"/>
+                        </a:rPr>
+                        <a:t> </a:t>
+                      </a:r>
+                      <a:r>
+                        <a:rPr lang="en-US" sz="1800" kern="100" dirty="0">
+                          <a:effectLst/>
+                          <a:latin typeface="標楷體" panose="03000509000000000000" pitchFamily="65" charset="-120"/>
+                          <a:ea typeface="標楷體" panose="03000509000000000000" pitchFamily="65" charset="-120"/>
+                        </a:rPr>
+                        <a:t>: </a:t>
+                      </a:r>
+                      <a:r>
+                        <a:rPr lang="zh-TW" altLang="en-US" sz="1800" kern="100" dirty="0">
+                          <a:effectLst/>
+                          <a:latin typeface="標楷體" panose="03000509000000000000" pitchFamily="65" charset="-120"/>
+                          <a:ea typeface="標楷體" panose="03000509000000000000" pitchFamily="65" charset="-120"/>
+                        </a:rPr>
+                        <a:t>模型儲存資料夾</a:t>
+                      </a:r>
+                      <a:endParaRPr lang="en-US" altLang="zh-TW" sz="1800" kern="100" dirty="0">
+                        <a:effectLst/>
+                        <a:latin typeface="標楷體" panose="03000509000000000000" pitchFamily="65" charset="-120"/>
+                        <a:ea typeface="標楷體" panose="03000509000000000000" pitchFamily="65" charset="-120"/>
+                      </a:endParaRPr>
+                    </a:p>
+                    <a:p>
+                      <a:pPr marL="0" marR="0" lvl="0" indent="0" algn="l" defTabSz="914400" rtl="0" eaLnBrk="1" fontAlgn="auto" latinLnBrk="0" hangingPunct="1">
+                        <a:lnSpc>
+                          <a:spcPct val="100000"/>
+                        </a:lnSpc>
+                        <a:spcBef>
+                          <a:spcPts val="0"/>
+                        </a:spcBef>
+                        <a:spcAft>
+                          <a:spcPts val="0"/>
+                        </a:spcAft>
+                        <a:buClrTx/>
+                        <a:buSzTx/>
+                        <a:buFontTx/>
+                        <a:buNone/>
+                        <a:tabLst/>
+                        <a:defRPr/>
+                      </a:pPr>
+                      <a:r>
+                        <a:rPr lang="en-US" altLang="zh-TW" sz="1800" b="0" kern="1200" dirty="0">
+                          <a:solidFill>
+                            <a:schemeClr val="dk1"/>
+                          </a:solidFill>
+                          <a:effectLst/>
+                          <a:latin typeface="Times New Roman" panose="02020603050405020304" pitchFamily="18" charset="0"/>
+                          <a:ea typeface="+mn-ea"/>
+                          <a:cs typeface="Times New Roman" panose="02020603050405020304" pitchFamily="18" charset="0"/>
+                        </a:rPr>
+                        <a:t>model : </a:t>
+                      </a:r>
+                      <a:r>
+                        <a:rPr lang="zh-TW" altLang="en-US" sz="1800" b="0" kern="1200" dirty="0">
+                          <a:solidFill>
+                            <a:schemeClr val="dk1"/>
+                          </a:solidFill>
+                          <a:effectLst/>
+                          <a:latin typeface="標楷體" panose="03000509000000000000" pitchFamily="65" charset="-120"/>
+                          <a:ea typeface="標楷體" panose="03000509000000000000" pitchFamily="65" charset="-120"/>
+                          <a:cs typeface="Times New Roman" panose="02020603050405020304" pitchFamily="18" charset="0"/>
+                        </a:rPr>
+                        <a:t>模型</a:t>
+                      </a:r>
+                      <a:endParaRPr lang="en-US" altLang="zh-TW" sz="1800" b="0" kern="1200" dirty="0">
+                        <a:solidFill>
+                          <a:schemeClr val="dk1"/>
+                        </a:solidFill>
+                        <a:effectLst/>
+                        <a:latin typeface="標楷體" panose="03000509000000000000" pitchFamily="65" charset="-120"/>
+                        <a:ea typeface="標楷體" panose="03000509000000000000" pitchFamily="65" charset="-120"/>
+                        <a:cs typeface="Times New Roman" panose="02020603050405020304" pitchFamily="18" charset="0"/>
+                      </a:endParaRPr>
+                    </a:p>
+                    <a:p>
+                      <a:pPr marL="0" marR="0" lvl="0" indent="0" algn="l" defTabSz="914400" rtl="0" eaLnBrk="1" fontAlgn="auto" latinLnBrk="0" hangingPunct="1">
+                        <a:lnSpc>
+                          <a:spcPct val="100000"/>
+                        </a:lnSpc>
+                        <a:spcBef>
+                          <a:spcPts val="0"/>
+                        </a:spcBef>
+                        <a:spcAft>
+                          <a:spcPts val="0"/>
+                        </a:spcAft>
+                        <a:buClrTx/>
+                        <a:buSzTx/>
+                        <a:buFontTx/>
+                        <a:buNone/>
+                        <a:tabLst/>
+                        <a:defRPr/>
+                      </a:pPr>
+                      <a:r>
+                        <a:rPr lang="en-US" altLang="zh-TW" sz="1800" b="0" kern="1200" dirty="0">
+                          <a:solidFill>
+                            <a:schemeClr val="dk1"/>
+                          </a:solidFill>
+                          <a:effectLst/>
+                          <a:latin typeface="Times New Roman" panose="02020603050405020304" pitchFamily="18" charset="0"/>
+                          <a:ea typeface="+mn-ea"/>
+                          <a:cs typeface="Times New Roman" panose="02020603050405020304" pitchFamily="18" charset="0"/>
+                        </a:rPr>
+                        <a:t>targets(list) :</a:t>
+                      </a:r>
+                      <a:r>
+                        <a:rPr lang="zh-TW" altLang="en-US" sz="1800" b="0" kern="100" dirty="0">
+                          <a:effectLst/>
+                          <a:latin typeface="Times New Roman" panose="02020603050405020304" pitchFamily="18" charset="0"/>
+                          <a:ea typeface="標楷體" panose="03000509000000000000" pitchFamily="65" charset="-120"/>
+                          <a:cs typeface="Times New Roman" panose="02020603050405020304" pitchFamily="18" charset="0"/>
+                        </a:rPr>
+                        <a:t>預測結果陣列</a:t>
+                      </a:r>
+                      <a:endParaRPr lang="en-US" altLang="zh-TW" sz="1800" b="0" kern="1200" dirty="0">
+                        <a:solidFill>
+                          <a:schemeClr val="dk1"/>
+                        </a:solidFill>
+                        <a:effectLst/>
+                        <a:latin typeface="Times New Roman" panose="02020603050405020304" pitchFamily="18" charset="0"/>
+                        <a:ea typeface="+mn-ea"/>
+                        <a:cs typeface="Times New Roman" panose="02020603050405020304" pitchFamily="18" charset="0"/>
+                      </a:endParaRPr>
+                    </a:p>
+                    <a:p>
+                      <a:pPr marL="0" marR="0" lvl="0" indent="0" algn="l" defTabSz="914400" rtl="0" eaLnBrk="1" fontAlgn="auto" latinLnBrk="0" hangingPunct="1">
+                        <a:lnSpc>
+                          <a:spcPct val="100000"/>
+                        </a:lnSpc>
+                        <a:spcBef>
+                          <a:spcPts val="0"/>
+                        </a:spcBef>
+                        <a:spcAft>
+                          <a:spcPts val="0"/>
+                        </a:spcAft>
+                        <a:buClrTx/>
+                        <a:buSzTx/>
+                        <a:buFontTx/>
+                        <a:buNone/>
+                        <a:tabLst/>
+                        <a:defRPr/>
+                      </a:pPr>
+                      <a:r>
+                        <a:rPr lang="en-US" altLang="zh-TW" sz="1800" b="0" kern="1200" dirty="0">
+                          <a:solidFill>
+                            <a:schemeClr val="dk1"/>
+                          </a:solidFill>
+                          <a:effectLst/>
+                          <a:latin typeface="Times New Roman" panose="02020603050405020304" pitchFamily="18" charset="0"/>
+                          <a:ea typeface="+mn-ea"/>
+                          <a:cs typeface="Times New Roman" panose="02020603050405020304" pitchFamily="18" charset="0"/>
+                        </a:rPr>
+                        <a:t>features(list) : </a:t>
+                      </a:r>
+                      <a:r>
+                        <a:rPr lang="zh-TW" altLang="en-US" sz="1800" b="0" kern="1200" dirty="0">
+                          <a:solidFill>
+                            <a:schemeClr val="dk1"/>
+                          </a:solidFill>
+                          <a:effectLst/>
+                          <a:latin typeface="標楷體" panose="03000509000000000000" pitchFamily="65" charset="-120"/>
+                          <a:ea typeface="標楷體" panose="03000509000000000000" pitchFamily="65" charset="-120"/>
+                          <a:cs typeface="Times New Roman" panose="02020603050405020304" pitchFamily="18" charset="0"/>
+                        </a:rPr>
+                        <a:t>特徵陣列</a:t>
+                      </a:r>
+                      <a:endParaRPr lang="en-US" altLang="zh-TW" sz="1800" b="0" kern="1200" dirty="0">
+                        <a:solidFill>
+                          <a:schemeClr val="dk1"/>
+                        </a:solidFill>
+                        <a:effectLst/>
+                        <a:latin typeface="標楷體" panose="03000509000000000000" pitchFamily="65" charset="-120"/>
+                        <a:ea typeface="標楷體" panose="03000509000000000000" pitchFamily="65" charset="-120"/>
+                        <a:cs typeface="Times New Roman" panose="02020603050405020304" pitchFamily="18" charset="0"/>
+                      </a:endParaRPr>
+                    </a:p>
+                  </a:txBody>
+                  <a:tcPr marL="68580" marR="68580" marT="0" marB="0"/>
+                </a:tc>
+                <a:extLst>
+                  <a:ext uri="{0D108BD9-81ED-4DB2-BD59-A6C34878D82A}">
+                    <a16:rowId xmlns:a16="http://schemas.microsoft.com/office/drawing/2014/main" val="10003"/>
+                  </a:ext>
+                </a:extLst>
+              </a:tr>
+              <a:tr h="548640">
+                <a:tc>
+                  <a:txBody>
+                    <a:bodyPr/>
+                    <a:lstStyle/>
+                    <a:p>
+                      <a:pPr algn="ctr"/>
+                      <a:r>
+                        <a:rPr lang="zh-TW" sz="1800" kern="100">
+                          <a:effectLst/>
+                          <a:latin typeface="標楷體" panose="03000509000000000000" pitchFamily="65" charset="-120"/>
+                          <a:ea typeface="標楷體" panose="03000509000000000000" pitchFamily="65" charset="-120"/>
+                        </a:rPr>
+                        <a:t>方法</a:t>
+                      </a:r>
+                      <a:endParaRPr lang="zh-TW" sz="1800" b="1" kern="100">
+                        <a:effectLst/>
+                        <a:latin typeface="標楷體" panose="03000509000000000000" pitchFamily="65" charset="-120"/>
+                        <a:ea typeface="標楷體" panose="03000509000000000000" pitchFamily="65" charset="-120"/>
+                      </a:endParaRPr>
+                    </a:p>
+                  </a:txBody>
+                  <a:tcPr marL="68580" marR="68580" marT="0" marB="0"/>
+                </a:tc>
+                <a:tc>
+                  <a:txBody>
+                    <a:bodyPr/>
+                    <a:lstStyle/>
+                    <a:p>
+                      <a:pPr marL="0" marR="0" lvl="0" indent="0" algn="l" defTabSz="914400" rtl="0" eaLnBrk="1" fontAlgn="auto" latinLnBrk="0" hangingPunct="1">
+                        <a:lnSpc>
+                          <a:spcPct val="100000"/>
+                        </a:lnSpc>
+                        <a:spcBef>
+                          <a:spcPts val="0"/>
+                        </a:spcBef>
+                        <a:spcAft>
+                          <a:spcPts val="0"/>
+                        </a:spcAft>
+                        <a:buClrTx/>
+                        <a:buSzTx/>
+                        <a:buFontTx/>
+                        <a:buNone/>
+                        <a:tabLst/>
+                        <a:defRPr/>
+                      </a:pPr>
+                      <a:r>
+                        <a:rPr lang="en-US" altLang="zh-TW" sz="1800" b="0" kern="1200" dirty="0" err="1">
+                          <a:solidFill>
+                            <a:schemeClr val="dk1"/>
+                          </a:solidFill>
+                          <a:effectLst/>
+                          <a:latin typeface="Times New Roman" panose="02020603050405020304" pitchFamily="18" charset="0"/>
+                          <a:ea typeface="+mn-ea"/>
+                          <a:cs typeface="Times New Roman" panose="02020603050405020304" pitchFamily="18" charset="0"/>
+                        </a:rPr>
+                        <a:t>csv.writer</a:t>
+                      </a:r>
+                      <a:r>
+                        <a:rPr lang="en-US" altLang="zh-TW" sz="1800" b="0" kern="100" dirty="0">
+                          <a:solidFill>
+                            <a:schemeClr val="dk1"/>
+                          </a:solidFill>
+                          <a:effectLst/>
+                          <a:latin typeface="Times New Roman" panose="02020603050405020304" pitchFamily="18" charset="0"/>
+                          <a:ea typeface="標楷體" panose="03000509000000000000" pitchFamily="65" charset="-120"/>
+                          <a:cs typeface="Times New Roman" panose="02020603050405020304" pitchFamily="18" charset="0"/>
+                        </a:rPr>
+                        <a:t>()</a:t>
+                      </a:r>
+                    </a:p>
+                    <a:p>
+                      <a:pPr marL="0" marR="0" lvl="0" indent="0" algn="l" defTabSz="914400" rtl="0" eaLnBrk="1" fontAlgn="auto" latinLnBrk="0" hangingPunct="1">
+                        <a:lnSpc>
+                          <a:spcPct val="100000"/>
+                        </a:lnSpc>
+                        <a:spcBef>
+                          <a:spcPts val="0"/>
+                        </a:spcBef>
+                        <a:spcAft>
+                          <a:spcPts val="0"/>
+                        </a:spcAft>
+                        <a:buClrTx/>
+                        <a:buSzTx/>
+                        <a:buFontTx/>
+                        <a:buNone/>
+                        <a:tabLst/>
+                        <a:defRPr/>
+                      </a:pPr>
+                      <a:r>
+                        <a:rPr lang="en-US" altLang="zh-TW" sz="1800" b="0" kern="100" dirty="0" err="1">
+                          <a:solidFill>
+                            <a:schemeClr val="dk1"/>
+                          </a:solidFill>
+                          <a:effectLst/>
+                          <a:latin typeface="Times New Roman" panose="02020603050405020304" pitchFamily="18" charset="0"/>
+                          <a:ea typeface="標楷體" panose="03000509000000000000" pitchFamily="65" charset="-120"/>
+                          <a:cs typeface="Times New Roman" panose="02020603050405020304" pitchFamily="18" charset="0"/>
+                        </a:rPr>
+                        <a:t>pickle.dump</a:t>
+                      </a:r>
+                      <a:r>
+                        <a:rPr lang="en-US" altLang="zh-TW" sz="1800" b="0" kern="100" dirty="0">
+                          <a:solidFill>
+                            <a:schemeClr val="dk1"/>
+                          </a:solidFill>
+                          <a:effectLst/>
+                          <a:latin typeface="Times New Roman" panose="02020603050405020304" pitchFamily="18" charset="0"/>
+                          <a:ea typeface="標楷體" panose="03000509000000000000" pitchFamily="65" charset="-120"/>
+                          <a:cs typeface="Times New Roman" panose="02020603050405020304" pitchFamily="18" charset="0"/>
+                        </a:rPr>
+                        <a:t>()</a:t>
+                      </a:r>
+                      <a:endParaRPr lang="en-US" altLang="zh-TW" sz="1800" b="0" kern="1200" dirty="0">
+                        <a:solidFill>
+                          <a:schemeClr val="dk1"/>
+                        </a:solidFill>
+                        <a:effectLst/>
+                        <a:latin typeface="Times New Roman" panose="02020603050405020304" pitchFamily="18" charset="0"/>
+                        <a:ea typeface="+mn-ea"/>
+                        <a:cs typeface="Times New Roman" panose="02020603050405020304" pitchFamily="18" charset="0"/>
+                      </a:endParaRPr>
+                    </a:p>
+                  </a:txBody>
+                  <a:tcPr marL="68580" marR="68580" marT="0" marB="0"/>
+                </a:tc>
+                <a:extLst>
+                  <a:ext uri="{0D108BD9-81ED-4DB2-BD59-A6C34878D82A}">
+                    <a16:rowId xmlns:a16="http://schemas.microsoft.com/office/drawing/2014/main" val="10004"/>
+                  </a:ext>
+                </a:extLst>
+              </a:tr>
+              <a:tr h="548640">
+                <a:tc>
+                  <a:txBody>
+                    <a:bodyPr/>
+                    <a:lstStyle/>
+                    <a:p>
+                      <a:pPr algn="ctr"/>
+                      <a:r>
+                        <a:rPr lang="zh-TW" altLang="en-US" sz="1800" b="1" kern="100" dirty="0">
+                          <a:effectLst/>
+                          <a:latin typeface="標楷體" panose="03000509000000000000" pitchFamily="65" charset="-120"/>
+                          <a:ea typeface="標楷體" panose="03000509000000000000" pitchFamily="65" charset="-120"/>
+                        </a:rPr>
+                        <a:t>情境</a:t>
+                      </a:r>
+                      <a:endParaRPr lang="zh-TW" sz="1800" b="1" kern="100" dirty="0">
+                        <a:effectLst/>
+                        <a:latin typeface="標楷體" panose="03000509000000000000" pitchFamily="65" charset="-120"/>
+                        <a:ea typeface="標楷體" panose="03000509000000000000" pitchFamily="65" charset="-120"/>
+                      </a:endParaRPr>
+                    </a:p>
+                  </a:txBody>
+                  <a:tcPr marL="68580" marR="68580" marT="0" marB="0"/>
+                </a:tc>
+                <a:tc>
+                  <a:txBody>
+                    <a:bodyPr/>
+                    <a:lstStyle/>
+                    <a:p>
+                      <a:r>
+                        <a:rPr lang="zh-TW" altLang="en-US" sz="1800" b="0" kern="100" dirty="0">
+                          <a:effectLst/>
+                          <a:latin typeface="Times New Roman" panose="02020603050405020304" pitchFamily="18" charset="0"/>
+                          <a:ea typeface="標楷體" panose="03000509000000000000" pitchFamily="65" charset="-120"/>
+                          <a:cs typeface="Times New Roman" panose="02020603050405020304" pitchFamily="18" charset="0"/>
+                        </a:rPr>
+                        <a:t>使用</a:t>
+                      </a:r>
+                      <a:r>
+                        <a:rPr lang="en-US" altLang="zh-TW" sz="1800" b="0" kern="100" dirty="0">
+                          <a:effectLst/>
+                          <a:latin typeface="Times New Roman" panose="02020603050405020304" pitchFamily="18" charset="0"/>
+                          <a:ea typeface="標楷體" panose="03000509000000000000" pitchFamily="65" charset="-120"/>
+                          <a:cs typeface="Times New Roman" panose="02020603050405020304" pitchFamily="18" charset="0"/>
+                        </a:rPr>
+                        <a:t>.pickle</a:t>
+                      </a:r>
+                      <a:r>
+                        <a:rPr lang="zh-TW" altLang="en-US" sz="1800" b="0" kern="100" dirty="0">
+                          <a:effectLst/>
+                          <a:latin typeface="Times New Roman" panose="02020603050405020304" pitchFamily="18" charset="0"/>
+                          <a:ea typeface="標楷體" panose="03000509000000000000" pitchFamily="65" charset="-120"/>
+                          <a:cs typeface="Times New Roman" panose="02020603050405020304" pitchFamily="18" charset="0"/>
+                        </a:rPr>
+                        <a:t>儲存模型、特徵，並將特徵儲存成</a:t>
+                      </a:r>
+                      <a:r>
+                        <a:rPr lang="en-US" altLang="zh-TW" sz="1800" b="0" kern="100" dirty="0">
+                          <a:effectLst/>
+                          <a:latin typeface="Times New Roman" panose="02020603050405020304" pitchFamily="18" charset="0"/>
+                          <a:ea typeface="標楷體" panose="03000509000000000000" pitchFamily="65" charset="-120"/>
+                          <a:cs typeface="Times New Roman" panose="02020603050405020304" pitchFamily="18" charset="0"/>
+                        </a:rPr>
+                        <a:t>csv</a:t>
+                      </a:r>
+                      <a:r>
+                        <a:rPr lang="zh-TW" altLang="en-US" sz="1800" b="0" kern="100" dirty="0">
+                          <a:effectLst/>
+                          <a:latin typeface="Times New Roman" panose="02020603050405020304" pitchFamily="18" charset="0"/>
+                          <a:ea typeface="標楷體" panose="03000509000000000000" pitchFamily="65" charset="-120"/>
+                          <a:cs typeface="Times New Roman" panose="02020603050405020304" pitchFamily="18" charset="0"/>
+                        </a:rPr>
+                        <a:t>以便觀察</a:t>
+                      </a:r>
+                      <a:endParaRPr lang="zh-TW" altLang="zh-TW" sz="1800" b="0" kern="100" dirty="0">
+                        <a:effectLst/>
+                        <a:latin typeface="Times New Roman" panose="02020603050405020304" pitchFamily="18" charset="0"/>
+                        <a:ea typeface="標楷體" panose="03000509000000000000" pitchFamily="65" charset="-120"/>
+                        <a:cs typeface="Times New Roman" panose="02020603050405020304" pitchFamily="18" charset="0"/>
+                      </a:endParaRPr>
+                    </a:p>
+                  </a:txBody>
+                  <a:tcPr marL="68580" marR="68580" marT="0" marB="0"/>
+                </a:tc>
+                <a:extLst>
+                  <a:ext uri="{0D108BD9-81ED-4DB2-BD59-A6C34878D82A}">
+                    <a16:rowId xmlns:a16="http://schemas.microsoft.com/office/drawing/2014/main" val="10005"/>
+                  </a:ext>
+                </a:extLst>
+              </a:tr>
+            </a:tbl>
+          </a:graphicData>
+        </a:graphic>
+      </p:graphicFrame>
+      <p:sp>
+        <p:nvSpPr>
+          <p:cNvPr id="2" name="內容版面配置區 1">
+            <a:extLst>
+              <a:ext uri="{FF2B5EF4-FFF2-40B4-BE49-F238E27FC236}">
+                <a16:creationId xmlns:a16="http://schemas.microsoft.com/office/drawing/2014/main" id="{8B9255F6-E79B-4294-834D-6D4140D1CF07}"/>
+              </a:ext>
+            </a:extLst>
+          </p:cNvPr>
+          <p:cNvSpPr>
+            <a:spLocks noGrp="1"/>
+          </p:cNvSpPr>
+          <p:nvPr>
+            <p:ph idx="1"/>
+          </p:nvPr>
+        </p:nvSpPr>
+        <p:spPr/>
+        <p:txBody>
+          <a:bodyPr>
+            <a:normAutofit/>
+          </a:bodyPr>
+          <a:lstStyle/>
+          <a:p>
+            <a:r>
+              <a:rPr lang="en-US" altLang="zh-TW" sz="2400" kern="100" dirty="0" err="1">
+                <a:effectLst/>
+                <a:latin typeface="Times New Roman" panose="02020603050405020304" pitchFamily="18" charset="0"/>
+                <a:ea typeface="標楷體" panose="03000509000000000000" pitchFamily="65" charset="-120"/>
+                <a:cs typeface="Times New Roman" panose="02020603050405020304" pitchFamily="18" charset="0"/>
+              </a:rPr>
+              <a:t>model_save</a:t>
+            </a:r>
+            <a:endParaRPr lang="zh-TW" altLang="en-US" sz="2000" b="1" dirty="0"/>
+          </a:p>
+        </p:txBody>
+      </p:sp>
+      <p:sp>
+        <p:nvSpPr>
+          <p:cNvPr id="3" name="標題 2">
+            <a:extLst>
+              <a:ext uri="{FF2B5EF4-FFF2-40B4-BE49-F238E27FC236}">
+                <a16:creationId xmlns:a16="http://schemas.microsoft.com/office/drawing/2014/main" id="{D7232380-22D4-47E6-A40E-ABF38AB200C3}"/>
+              </a:ext>
+            </a:extLst>
+          </p:cNvPr>
+          <p:cNvSpPr>
+            <a:spLocks noGrp="1"/>
+          </p:cNvSpPr>
+          <p:nvPr>
+            <p:ph type="title"/>
+          </p:nvPr>
+        </p:nvSpPr>
+        <p:spPr/>
+        <p:txBody>
+          <a:bodyPr/>
+          <a:lstStyle/>
+          <a:p>
+            <a:r>
+              <a:rPr lang="en-US" altLang="zh-TW" dirty="0"/>
+              <a:t>API</a:t>
+            </a:r>
+            <a:endParaRPr lang="zh-TW" altLang="en-US" dirty="0"/>
+          </a:p>
+        </p:txBody>
+      </p:sp>
+      <p:sp>
+        <p:nvSpPr>
+          <p:cNvPr id="4" name="投影片編號版面配置區 3">
+            <a:extLst>
+              <a:ext uri="{FF2B5EF4-FFF2-40B4-BE49-F238E27FC236}">
+                <a16:creationId xmlns:a16="http://schemas.microsoft.com/office/drawing/2014/main" id="{CC364F06-FBAE-41F1-9123-C093E43ADC15}"/>
+              </a:ext>
+            </a:extLst>
+          </p:cNvPr>
+          <p:cNvSpPr>
+            <a:spLocks noGrp="1"/>
+          </p:cNvSpPr>
+          <p:nvPr>
+            <p:ph type="sldNum" sz="quarter" idx="12"/>
+          </p:nvPr>
+        </p:nvSpPr>
+        <p:spPr/>
+        <p:txBody>
+          <a:bodyPr/>
+          <a:lstStyle/>
+          <a:p>
+            <a:fld id="{90F9E983-480B-48C5-9E0F-D21C0DFBB5C0}" type="slidenum">
+              <a:rPr lang="zh-TW" altLang="en-US" smtClean="0"/>
+              <a:t>19</a:t>
+            </a:fld>
+            <a:endParaRPr lang="zh-TW" altLang="en-US"/>
+          </a:p>
+        </p:txBody>
+      </p:sp>
+    </p:spTree>
+    <p:extLst>
+      <p:ext uri="{BB962C8B-B14F-4D97-AF65-F5344CB8AC3E}">
+        <p14:creationId xmlns:p14="http://schemas.microsoft.com/office/powerpoint/2010/main" val="1481492406"/>
+      </p:ext>
+    </p:extLst>
+  </p:cSld>
+  <p:clrMapOvr>
+    <a:masterClrMapping/>
+  </p:clrMapOvr>
+  <mc:AlternateContent xmlns:mc="http://schemas.openxmlformats.org/markup-compatibility/2006" xmlns:p14="http://schemas.microsoft.com/office/powerpoint/2010/main">
+    <mc:Choice Requires="p14">
+      <p:transition spd="slow">
+        <p14:reveal/>
       </p:transition>
     </mc:Choice>
     <mc:Fallback xmlns="">
@@ -7053,6 +8474,2237 @@
     <p:extLst>
       <p:ext uri="{BB962C8B-B14F-4D97-AF65-F5344CB8AC3E}">
         <p14:creationId xmlns:p14="http://schemas.microsoft.com/office/powerpoint/2010/main" val="444066060"/>
+      </p:ext>
+    </p:extLst>
+  </p:cSld>
+  <p:clrMapOvr>
+    <a:masterClrMapping/>
+  </p:clrMapOvr>
+  <mc:AlternateContent xmlns:mc="http://schemas.openxmlformats.org/markup-compatibility/2006" xmlns:p159="http://schemas.microsoft.com/office/powerpoint/2015/09/main">
+    <mc:Choice Requires="p159">
+      <p:transition xmlns:p14="http://schemas.microsoft.com/office/powerpoint/2010/main" spd="slow" p14:dur="1500">
+        <p159:morph option="byObject"/>
+      </p:transition>
+    </mc:Choice>
+    <mc:Fallback xmlns="">
+      <p:transition spd="slow">
+        <p:fade/>
+      </p:transition>
+    </mc:Fallback>
+  </mc:AlternateContent>
+</p:sld>
+</file>
+
+<file path=ppt/slides/slide20.xml><?xml version="1.0" encoding="utf-8"?>
+<p:sld xmlns:a="http://schemas.openxmlformats.org/drawingml/2006/main" xmlns:r="http://schemas.openxmlformats.org/officeDocument/2006/relationships" xmlns:p="http://schemas.openxmlformats.org/presentationml/2006/main">
+  <p:cSld>
+    <p:spTree>
+      <p:nvGrpSpPr>
+        <p:cNvPr id="1" name=""/>
+        <p:cNvGrpSpPr/>
+        <p:nvPr/>
+      </p:nvGrpSpPr>
+      <p:grpSpPr>
+        <a:xfrm>
+          <a:off x="0" y="0"/>
+          <a:ext cx="0" cy="0"/>
+          <a:chOff x="0" y="0"/>
+          <a:chExt cx="0" cy="0"/>
+        </a:xfrm>
+      </p:grpSpPr>
+      <p:graphicFrame>
+        <p:nvGraphicFramePr>
+          <p:cNvPr id="7" name="表格 6">
+            <a:extLst>
+              <a:ext uri="{FF2B5EF4-FFF2-40B4-BE49-F238E27FC236}">
+                <a16:creationId xmlns:a16="http://schemas.microsoft.com/office/drawing/2014/main" id="{C9AD19A2-2A67-25FC-97F1-1F361DCA144E}"/>
+              </a:ext>
+            </a:extLst>
+          </p:cNvPr>
+          <p:cNvGraphicFramePr>
+            <a:graphicFrameLocks noGrp="1"/>
+          </p:cNvGraphicFramePr>
+          <p:nvPr>
+            <p:extLst>
+              <p:ext uri="{D42A27DB-BD31-4B8C-83A1-F6EECF244321}">
+                <p14:modId xmlns:p14="http://schemas.microsoft.com/office/powerpoint/2010/main" val="1261428116"/>
+              </p:ext>
+            </p:extLst>
+          </p:nvPr>
+        </p:nvGraphicFramePr>
+        <p:xfrm>
+          <a:off x="2649681" y="2227994"/>
+          <a:ext cx="6892637" cy="3566160"/>
+        </p:xfrm>
+        <a:graphic>
+          <a:graphicData uri="http://schemas.openxmlformats.org/drawingml/2006/table">
+            <a:tbl>
+              <a:tblPr firstRow="1" firstCol="1" bandRow="1">
+                <a:tableStyleId>{21E4AEA4-8DFA-4A89-87EB-49C32662AFE0}</a:tableStyleId>
+              </a:tblPr>
+              <a:tblGrid>
+                <a:gridCol w="708059">
+                  <a:extLst>
+                    <a:ext uri="{9D8B030D-6E8A-4147-A177-3AD203B41FA5}">
+                      <a16:colId xmlns:a16="http://schemas.microsoft.com/office/drawing/2014/main" val="20000"/>
+                    </a:ext>
+                  </a:extLst>
+                </a:gridCol>
+                <a:gridCol w="6184578">
+                  <a:extLst>
+                    <a:ext uri="{9D8B030D-6E8A-4147-A177-3AD203B41FA5}">
+                      <a16:colId xmlns:a16="http://schemas.microsoft.com/office/drawing/2014/main" val="20001"/>
+                    </a:ext>
+                  </a:extLst>
+                </a:gridCol>
+              </a:tblGrid>
+              <a:tr h="548640">
+                <a:tc gridSpan="2">
+                  <a:txBody>
+                    <a:bodyPr/>
+                    <a:lstStyle/>
+                    <a:p>
+                      <a:pPr algn="ctr"/>
+                      <a:r>
+                        <a:rPr lang="en-US" altLang="zh-TW" sz="1800" b="1" i="0" kern="1200" dirty="0" err="1">
+                          <a:solidFill>
+                            <a:schemeClr val="lt1"/>
+                          </a:solidFill>
+                          <a:effectLst/>
+                          <a:latin typeface="+mn-lt"/>
+                          <a:ea typeface="+mn-ea"/>
+                          <a:cs typeface="+mn-cs"/>
+                        </a:rPr>
+                        <a:t>feature_add</a:t>
+                      </a:r>
+                      <a:endParaRPr lang="zh-TW" sz="1800" b="1" kern="100" dirty="0">
+                        <a:effectLst/>
+                        <a:latin typeface="Times New Roman" panose="02020603050405020304" pitchFamily="18" charset="0"/>
+                        <a:ea typeface="標楷體" panose="03000509000000000000" pitchFamily="65" charset="-120"/>
+                        <a:cs typeface="Times New Roman" panose="02020603050405020304" pitchFamily="18" charset="0"/>
+                      </a:endParaRPr>
+                    </a:p>
+                  </a:txBody>
+                  <a:tcPr marL="68580" marR="68580" marT="0" marB="0" anchor="ctr"/>
+                </a:tc>
+                <a:tc hMerge="1">
+                  <a:txBody>
+                    <a:bodyPr/>
+                    <a:lstStyle/>
+                    <a:p>
+                      <a:endParaRPr lang="zh-TW" altLang="en-US"/>
+                    </a:p>
+                  </a:txBody>
+                  <a:tcPr/>
+                </a:tc>
+                <a:extLst>
+                  <a:ext uri="{0D108BD9-81ED-4DB2-BD59-A6C34878D82A}">
+                    <a16:rowId xmlns:a16="http://schemas.microsoft.com/office/drawing/2014/main" val="10000"/>
+                  </a:ext>
+                </a:extLst>
+              </a:tr>
+              <a:tr h="548640">
+                <a:tc>
+                  <a:txBody>
+                    <a:bodyPr/>
+                    <a:lstStyle/>
+                    <a:p>
+                      <a:pPr algn="ctr"/>
+                      <a:r>
+                        <a:rPr lang="zh-TW" sz="1800" kern="100" dirty="0">
+                          <a:effectLst/>
+                          <a:latin typeface="標楷體" panose="03000509000000000000" pitchFamily="65" charset="-120"/>
+                          <a:ea typeface="標楷體" panose="03000509000000000000" pitchFamily="65" charset="-120"/>
+                        </a:rPr>
+                        <a:t>輸入</a:t>
+                      </a:r>
+                      <a:endParaRPr lang="zh-TW" sz="1800" b="1" kern="100" dirty="0">
+                        <a:effectLst/>
+                        <a:latin typeface="標楷體" panose="03000509000000000000" pitchFamily="65" charset="-120"/>
+                        <a:ea typeface="標楷體" panose="03000509000000000000" pitchFamily="65" charset="-120"/>
+                      </a:endParaRPr>
+                    </a:p>
+                  </a:txBody>
+                  <a:tcPr marL="68580" marR="68580" marT="0" marB="0"/>
+                </a:tc>
+                <a:tc>
+                  <a:txBody>
+                    <a:bodyPr/>
+                    <a:lstStyle/>
+                    <a:p>
+                      <a:r>
+                        <a:rPr lang="en-US" altLang="zh-TW" sz="1800" b="0" kern="100" dirty="0">
+                          <a:effectLst/>
+                          <a:latin typeface="Times New Roman" panose="02020603050405020304" pitchFamily="18" charset="0"/>
+                          <a:ea typeface="標楷體" panose="03000509000000000000" pitchFamily="65" charset="-120"/>
+                          <a:cs typeface="Times New Roman" panose="02020603050405020304" pitchFamily="18" charset="0"/>
+                        </a:rPr>
+                        <a:t>DIR(str)</a:t>
+                      </a:r>
+                      <a:r>
+                        <a:rPr lang="zh-TW" altLang="en-US" sz="1800" b="0" kern="100" dirty="0">
+                          <a:effectLst/>
+                          <a:latin typeface="Times New Roman" panose="02020603050405020304" pitchFamily="18" charset="0"/>
+                          <a:ea typeface="標楷體" panose="03000509000000000000" pitchFamily="65" charset="-120"/>
+                          <a:cs typeface="Times New Roman" panose="02020603050405020304" pitchFamily="18" charset="0"/>
+                        </a:rPr>
+                        <a:t> </a:t>
+                      </a:r>
+                      <a:r>
+                        <a:rPr lang="en-US" altLang="zh-TW" sz="1800" b="0" kern="100" dirty="0">
+                          <a:effectLst/>
+                          <a:latin typeface="Times New Roman" panose="02020603050405020304" pitchFamily="18" charset="0"/>
+                          <a:ea typeface="標楷體" panose="03000509000000000000" pitchFamily="65" charset="-120"/>
+                          <a:cs typeface="Times New Roman" panose="02020603050405020304" pitchFamily="18" charset="0"/>
+                        </a:rPr>
+                        <a:t>:</a:t>
+                      </a:r>
+                      <a:r>
+                        <a:rPr lang="zh-TW" altLang="en-US" sz="1800" b="0" kern="100" dirty="0">
+                          <a:effectLst/>
+                          <a:latin typeface="Times New Roman" panose="02020603050405020304" pitchFamily="18" charset="0"/>
+                          <a:ea typeface="標楷體" panose="03000509000000000000" pitchFamily="65" charset="-120"/>
+                          <a:cs typeface="Times New Roman" panose="02020603050405020304" pitchFamily="18" charset="0"/>
+                        </a:rPr>
+                        <a:t> 資料夾位置</a:t>
+                      </a:r>
+                      <a:endParaRPr lang="en-US" altLang="zh-TW" sz="1800" b="0" kern="100" dirty="0">
+                        <a:effectLst/>
+                        <a:latin typeface="Times New Roman" panose="02020603050405020304" pitchFamily="18" charset="0"/>
+                        <a:ea typeface="標楷體" panose="03000509000000000000" pitchFamily="65" charset="-120"/>
+                        <a:cs typeface="Times New Roman" panose="02020603050405020304" pitchFamily="18" charset="0"/>
+                      </a:endParaRPr>
+                    </a:p>
+                    <a:p>
+                      <a:r>
+                        <a:rPr lang="en-US" altLang="zh-TW" sz="1800" b="0" kern="100" dirty="0">
+                          <a:effectLst/>
+                          <a:latin typeface="Times New Roman" panose="02020603050405020304" pitchFamily="18" charset="0"/>
+                          <a:ea typeface="標楷體" panose="03000509000000000000" pitchFamily="65" charset="-120"/>
+                          <a:cs typeface="Times New Roman" panose="02020603050405020304" pitchFamily="18" charset="0"/>
+                        </a:rPr>
+                        <a:t>Feature(list)</a:t>
+                      </a:r>
+                      <a:r>
+                        <a:rPr lang="zh-TW" altLang="en-US" sz="1800" b="0" kern="100" dirty="0">
+                          <a:effectLst/>
+                          <a:latin typeface="Times New Roman" panose="02020603050405020304" pitchFamily="18" charset="0"/>
+                          <a:ea typeface="標楷體" panose="03000509000000000000" pitchFamily="65" charset="-120"/>
+                          <a:cs typeface="Times New Roman" panose="02020603050405020304" pitchFamily="18" charset="0"/>
+                        </a:rPr>
+                        <a:t> </a:t>
+                      </a:r>
+                      <a:r>
+                        <a:rPr lang="en-US" altLang="zh-TW" sz="1800" b="0" kern="100" dirty="0">
+                          <a:effectLst/>
+                          <a:latin typeface="Times New Roman" panose="02020603050405020304" pitchFamily="18" charset="0"/>
+                          <a:ea typeface="標楷體" panose="03000509000000000000" pitchFamily="65" charset="-120"/>
+                          <a:cs typeface="Times New Roman" panose="02020603050405020304" pitchFamily="18" charset="0"/>
+                        </a:rPr>
+                        <a:t>:</a:t>
+                      </a:r>
+                      <a:r>
+                        <a:rPr lang="zh-TW" altLang="en-US" sz="1800" b="0" kern="100" dirty="0">
+                          <a:effectLst/>
+                          <a:latin typeface="Times New Roman" panose="02020603050405020304" pitchFamily="18" charset="0"/>
+                          <a:ea typeface="標楷體" panose="03000509000000000000" pitchFamily="65" charset="-120"/>
+                          <a:cs typeface="Times New Roman" panose="02020603050405020304" pitchFamily="18" charset="0"/>
+                        </a:rPr>
+                        <a:t> 準備新增的特徵陣列</a:t>
+                      </a:r>
+                      <a:endParaRPr lang="zh-TW" sz="1800" b="0" kern="100" dirty="0">
+                        <a:effectLst/>
+                        <a:latin typeface="標楷體" panose="03000509000000000000" pitchFamily="65" charset="-120"/>
+                        <a:ea typeface="標楷體" panose="03000509000000000000" pitchFamily="65" charset="-120"/>
+                      </a:endParaRPr>
+                    </a:p>
+                  </a:txBody>
+                  <a:tcPr marL="68580" marR="68580" marT="0" marB="0"/>
+                </a:tc>
+                <a:extLst>
+                  <a:ext uri="{0D108BD9-81ED-4DB2-BD59-A6C34878D82A}">
+                    <a16:rowId xmlns:a16="http://schemas.microsoft.com/office/drawing/2014/main" val="10001"/>
+                  </a:ext>
+                </a:extLst>
+              </a:tr>
+              <a:tr h="548640">
+                <a:tc>
+                  <a:txBody>
+                    <a:bodyPr/>
+                    <a:lstStyle/>
+                    <a:p>
+                      <a:pPr algn="ctr"/>
+                      <a:r>
+                        <a:rPr lang="zh-TW" sz="1800" kern="100" dirty="0">
+                          <a:effectLst/>
+                          <a:latin typeface="標楷體" panose="03000509000000000000" pitchFamily="65" charset="-120"/>
+                          <a:ea typeface="標楷體" panose="03000509000000000000" pitchFamily="65" charset="-120"/>
+                        </a:rPr>
+                        <a:t>輸出</a:t>
+                      </a:r>
+                      <a:endParaRPr lang="zh-TW" sz="1800" b="1" kern="100" dirty="0">
+                        <a:effectLst/>
+                        <a:latin typeface="標楷體" panose="03000509000000000000" pitchFamily="65" charset="-120"/>
+                        <a:ea typeface="標楷體" panose="03000509000000000000" pitchFamily="65" charset="-120"/>
+                      </a:endParaRPr>
+                    </a:p>
+                  </a:txBody>
+                  <a:tcPr marL="68580" marR="68580" marT="0" marB="0"/>
+                </a:tc>
+                <a:tc>
+                  <a:txBody>
+                    <a:bodyPr/>
+                    <a:lstStyle/>
+                    <a:p>
+                      <a:r>
+                        <a:rPr lang="en-US" altLang="zh-TW" sz="1800" b="0" kern="100" dirty="0">
+                          <a:effectLst/>
+                          <a:latin typeface="Times New Roman" panose="02020603050405020304" pitchFamily="18" charset="0"/>
+                          <a:ea typeface="標楷體" panose="03000509000000000000" pitchFamily="65" charset="-120"/>
+                          <a:cs typeface="Times New Roman" panose="02020603050405020304" pitchFamily="18" charset="0"/>
+                        </a:rPr>
+                        <a:t>Temp(list)</a:t>
+                      </a:r>
+                      <a:r>
+                        <a:rPr lang="zh-TW" altLang="en-US" sz="1800" b="0" kern="100" dirty="0">
+                          <a:effectLst/>
+                          <a:latin typeface="Times New Roman" panose="02020603050405020304" pitchFamily="18" charset="0"/>
+                          <a:ea typeface="標楷體" panose="03000509000000000000" pitchFamily="65" charset="-120"/>
+                          <a:cs typeface="Times New Roman" panose="02020603050405020304" pitchFamily="18" charset="0"/>
+                        </a:rPr>
+                        <a:t> </a:t>
+                      </a:r>
+                      <a:r>
+                        <a:rPr lang="en-US" altLang="zh-TW" sz="1800" b="0" kern="100" dirty="0">
+                          <a:effectLst/>
+                          <a:latin typeface="Times New Roman" panose="02020603050405020304" pitchFamily="18" charset="0"/>
+                          <a:ea typeface="標楷體" panose="03000509000000000000" pitchFamily="65" charset="-120"/>
+                          <a:cs typeface="Times New Roman" panose="02020603050405020304" pitchFamily="18" charset="0"/>
+                        </a:rPr>
+                        <a:t>:</a:t>
+                      </a:r>
+                      <a:r>
+                        <a:rPr lang="zh-TW" altLang="en-US" sz="1800" b="0" kern="100" dirty="0">
+                          <a:effectLst/>
+                          <a:latin typeface="Times New Roman" panose="02020603050405020304" pitchFamily="18" charset="0"/>
+                          <a:ea typeface="標楷體" panose="03000509000000000000" pitchFamily="65" charset="-120"/>
+                          <a:cs typeface="Times New Roman" panose="02020603050405020304" pitchFamily="18" charset="0"/>
+                        </a:rPr>
+                        <a:t> 更新完畢的特徵陣列與預測結果</a:t>
+                      </a:r>
+                      <a:endParaRPr lang="zh-TW" altLang="zh-TW" sz="1800" b="0" kern="100" dirty="0">
+                        <a:effectLst/>
+                        <a:latin typeface="標楷體" panose="03000509000000000000" pitchFamily="65" charset="-120"/>
+                        <a:ea typeface="標楷體" panose="03000509000000000000" pitchFamily="65" charset="-120"/>
+                      </a:endParaRPr>
+                    </a:p>
+                  </a:txBody>
+                  <a:tcPr marL="68580" marR="68580" marT="0" marB="0"/>
+                </a:tc>
+                <a:extLst>
+                  <a:ext uri="{0D108BD9-81ED-4DB2-BD59-A6C34878D82A}">
+                    <a16:rowId xmlns:a16="http://schemas.microsoft.com/office/drawing/2014/main" val="10002"/>
+                  </a:ext>
+                </a:extLst>
+              </a:tr>
+              <a:tr h="548640">
+                <a:tc>
+                  <a:txBody>
+                    <a:bodyPr/>
+                    <a:lstStyle/>
+                    <a:p>
+                      <a:pPr algn="ctr"/>
+                      <a:r>
+                        <a:rPr lang="zh-TW" sz="1800" kern="100" dirty="0">
+                          <a:effectLst/>
+                          <a:latin typeface="標楷體" panose="03000509000000000000" pitchFamily="65" charset="-120"/>
+                          <a:ea typeface="標楷體" panose="03000509000000000000" pitchFamily="65" charset="-120"/>
+                        </a:rPr>
+                        <a:t>參數</a:t>
+                      </a:r>
+                      <a:endParaRPr lang="zh-TW" sz="1800" b="1" kern="100" dirty="0">
+                        <a:effectLst/>
+                        <a:latin typeface="標楷體" panose="03000509000000000000" pitchFamily="65" charset="-120"/>
+                        <a:ea typeface="標楷體" panose="03000509000000000000" pitchFamily="65" charset="-120"/>
+                      </a:endParaRPr>
+                    </a:p>
+                  </a:txBody>
+                  <a:tcPr marL="68580" marR="68580" marT="0" marB="0"/>
+                </a:tc>
+                <a:tc>
+                  <a:txBody>
+                    <a:bodyPr/>
+                    <a:lstStyle/>
+                    <a:p>
+                      <a:pPr marL="0" marR="0" lvl="0" indent="0" algn="l" defTabSz="914400" rtl="0" eaLnBrk="1" fontAlgn="auto" latinLnBrk="0" hangingPunct="1">
+                        <a:lnSpc>
+                          <a:spcPct val="100000"/>
+                        </a:lnSpc>
+                        <a:spcBef>
+                          <a:spcPts val="0"/>
+                        </a:spcBef>
+                        <a:spcAft>
+                          <a:spcPts val="0"/>
+                        </a:spcAft>
+                        <a:buClrTx/>
+                        <a:buSzTx/>
+                        <a:buFontTx/>
+                        <a:buNone/>
+                        <a:tabLst/>
+                        <a:defRPr/>
+                      </a:pPr>
+                      <a:r>
+                        <a:rPr lang="en-US" altLang="zh-TW" sz="1800" b="0" kern="1200" dirty="0">
+                          <a:solidFill>
+                            <a:schemeClr val="dk1"/>
+                          </a:solidFill>
+                          <a:effectLst/>
+                          <a:latin typeface="Times New Roman" panose="02020603050405020304" pitchFamily="18" charset="0"/>
+                          <a:ea typeface="+mn-ea"/>
+                          <a:cs typeface="Times New Roman" panose="02020603050405020304" pitchFamily="18" charset="0"/>
+                        </a:rPr>
+                        <a:t>targets(list) :</a:t>
+                      </a:r>
+                      <a:r>
+                        <a:rPr lang="zh-TW" altLang="en-US" sz="1800" b="0" kern="100" dirty="0">
+                          <a:effectLst/>
+                          <a:latin typeface="Times New Roman" panose="02020603050405020304" pitchFamily="18" charset="0"/>
+                          <a:ea typeface="標楷體" panose="03000509000000000000" pitchFamily="65" charset="-120"/>
+                          <a:cs typeface="Times New Roman" panose="02020603050405020304" pitchFamily="18" charset="0"/>
+                        </a:rPr>
+                        <a:t>預測結果陣列</a:t>
+                      </a:r>
+                      <a:endParaRPr lang="en-US" altLang="zh-TW" sz="1800" b="0" kern="1200" dirty="0">
+                        <a:solidFill>
+                          <a:schemeClr val="dk1"/>
+                        </a:solidFill>
+                        <a:effectLst/>
+                        <a:latin typeface="Times New Roman" panose="02020603050405020304" pitchFamily="18" charset="0"/>
+                        <a:ea typeface="+mn-ea"/>
+                        <a:cs typeface="Times New Roman" panose="02020603050405020304" pitchFamily="18" charset="0"/>
+                      </a:endParaRPr>
+                    </a:p>
+                    <a:p>
+                      <a:pPr marL="0" marR="0" lvl="0" indent="0" algn="l" defTabSz="914400" rtl="0" eaLnBrk="1" fontAlgn="auto" latinLnBrk="0" hangingPunct="1">
+                        <a:lnSpc>
+                          <a:spcPct val="100000"/>
+                        </a:lnSpc>
+                        <a:spcBef>
+                          <a:spcPts val="0"/>
+                        </a:spcBef>
+                        <a:spcAft>
+                          <a:spcPts val="0"/>
+                        </a:spcAft>
+                        <a:buClrTx/>
+                        <a:buSzTx/>
+                        <a:buFontTx/>
+                        <a:buNone/>
+                        <a:tabLst/>
+                        <a:defRPr/>
+                      </a:pPr>
+                      <a:r>
+                        <a:rPr lang="en-US" altLang="zh-TW" sz="1800" b="0" kern="1200" dirty="0">
+                          <a:solidFill>
+                            <a:schemeClr val="dk1"/>
+                          </a:solidFill>
+                          <a:effectLst/>
+                          <a:latin typeface="Times New Roman" panose="02020603050405020304" pitchFamily="18" charset="0"/>
+                          <a:ea typeface="+mn-ea"/>
+                          <a:cs typeface="Times New Roman" panose="02020603050405020304" pitchFamily="18" charset="0"/>
+                        </a:rPr>
+                        <a:t>features(list) : </a:t>
+                      </a:r>
+                      <a:r>
+                        <a:rPr lang="zh-TW" altLang="en-US" sz="1800" b="0" kern="1200" dirty="0">
+                          <a:solidFill>
+                            <a:schemeClr val="dk1"/>
+                          </a:solidFill>
+                          <a:effectLst/>
+                          <a:latin typeface="標楷體" panose="03000509000000000000" pitchFamily="65" charset="-120"/>
+                          <a:ea typeface="標楷體" panose="03000509000000000000" pitchFamily="65" charset="-120"/>
+                          <a:cs typeface="Times New Roman" panose="02020603050405020304" pitchFamily="18" charset="0"/>
+                        </a:rPr>
+                        <a:t>特徵陣列</a:t>
+                      </a:r>
+                      <a:endParaRPr lang="en-US" altLang="zh-TW" sz="1800" b="0" kern="1200" dirty="0">
+                        <a:solidFill>
+                          <a:schemeClr val="dk1"/>
+                        </a:solidFill>
+                        <a:effectLst/>
+                        <a:latin typeface="標楷體" panose="03000509000000000000" pitchFamily="65" charset="-120"/>
+                        <a:ea typeface="標楷體" panose="03000509000000000000" pitchFamily="65" charset="-120"/>
+                        <a:cs typeface="Times New Roman" panose="02020603050405020304" pitchFamily="18" charset="0"/>
+                      </a:endParaRPr>
+                    </a:p>
+                  </a:txBody>
+                  <a:tcPr marL="68580" marR="68580" marT="0" marB="0"/>
+                </a:tc>
+                <a:extLst>
+                  <a:ext uri="{0D108BD9-81ED-4DB2-BD59-A6C34878D82A}">
+                    <a16:rowId xmlns:a16="http://schemas.microsoft.com/office/drawing/2014/main" val="10003"/>
+                  </a:ext>
+                </a:extLst>
+              </a:tr>
+              <a:tr h="548640">
+                <a:tc>
+                  <a:txBody>
+                    <a:bodyPr/>
+                    <a:lstStyle/>
+                    <a:p>
+                      <a:pPr algn="ctr"/>
+                      <a:r>
+                        <a:rPr lang="zh-TW" sz="1800" kern="100">
+                          <a:effectLst/>
+                          <a:latin typeface="標楷體" panose="03000509000000000000" pitchFamily="65" charset="-120"/>
+                          <a:ea typeface="標楷體" panose="03000509000000000000" pitchFamily="65" charset="-120"/>
+                        </a:rPr>
+                        <a:t>方法</a:t>
+                      </a:r>
+                      <a:endParaRPr lang="zh-TW" sz="1800" b="1" kern="100">
+                        <a:effectLst/>
+                        <a:latin typeface="標楷體" panose="03000509000000000000" pitchFamily="65" charset="-120"/>
+                        <a:ea typeface="標楷體" panose="03000509000000000000" pitchFamily="65" charset="-120"/>
+                      </a:endParaRPr>
+                    </a:p>
+                  </a:txBody>
+                  <a:tcPr marL="68580" marR="68580" marT="0" marB="0"/>
+                </a:tc>
+                <a:tc>
+                  <a:txBody>
+                    <a:bodyPr/>
+                    <a:lstStyle/>
+                    <a:p>
+                      <a:pPr marL="0" marR="0" lvl="0" indent="0" algn="l" defTabSz="914400" rtl="0" eaLnBrk="1" fontAlgn="auto" latinLnBrk="0" hangingPunct="1">
+                        <a:lnSpc>
+                          <a:spcPct val="100000"/>
+                        </a:lnSpc>
+                        <a:spcBef>
+                          <a:spcPts val="0"/>
+                        </a:spcBef>
+                        <a:spcAft>
+                          <a:spcPts val="0"/>
+                        </a:spcAft>
+                        <a:buClrTx/>
+                        <a:buSzTx/>
+                        <a:buFontTx/>
+                        <a:buNone/>
+                        <a:tabLst/>
+                        <a:defRPr/>
+                      </a:pPr>
+                      <a:r>
+                        <a:rPr lang="en-US" altLang="zh-TW" sz="1800" b="0" kern="1200" dirty="0" err="1">
+                          <a:solidFill>
+                            <a:schemeClr val="dk1"/>
+                          </a:solidFill>
+                          <a:effectLst/>
+                          <a:latin typeface="+mn-lt"/>
+                          <a:ea typeface="+mn-ea"/>
+                          <a:cs typeface="+mn-cs"/>
+                        </a:rPr>
+                        <a:t>pickle.load</a:t>
+                      </a:r>
+                      <a:r>
+                        <a:rPr lang="en-US" altLang="zh-TW" sz="1800" b="0" kern="1200" dirty="0">
+                          <a:solidFill>
+                            <a:schemeClr val="dk1"/>
+                          </a:solidFill>
+                          <a:effectLst/>
+                          <a:latin typeface="+mn-lt"/>
+                          <a:ea typeface="+mn-ea"/>
+                          <a:cs typeface="+mn-cs"/>
+                        </a:rPr>
+                        <a:t>()</a:t>
+                      </a:r>
+                    </a:p>
+                    <a:p>
+                      <a:pPr marL="0" marR="0" lvl="0" indent="0" algn="l" defTabSz="914400" rtl="0" eaLnBrk="1" fontAlgn="auto" latinLnBrk="0" hangingPunct="1">
+                        <a:lnSpc>
+                          <a:spcPct val="100000"/>
+                        </a:lnSpc>
+                        <a:spcBef>
+                          <a:spcPts val="0"/>
+                        </a:spcBef>
+                        <a:spcAft>
+                          <a:spcPts val="0"/>
+                        </a:spcAft>
+                        <a:buClrTx/>
+                        <a:buSzTx/>
+                        <a:buFontTx/>
+                        <a:buNone/>
+                        <a:tabLst/>
+                        <a:defRPr/>
+                      </a:pPr>
+                      <a:r>
+                        <a:rPr lang="en-US" altLang="zh-TW" sz="1800" b="0" kern="1200" dirty="0">
+                          <a:solidFill>
+                            <a:schemeClr val="dk1"/>
+                          </a:solidFill>
+                          <a:effectLst/>
+                          <a:latin typeface="+mn-lt"/>
+                          <a:ea typeface="+mn-ea"/>
+                          <a:cs typeface="+mn-cs"/>
+                        </a:rPr>
+                        <a:t>extend()</a:t>
+                      </a:r>
+                    </a:p>
+                    <a:p>
+                      <a:pPr marL="0" marR="0" lvl="0" indent="0" algn="l" defTabSz="914400" rtl="0" eaLnBrk="1" fontAlgn="auto" latinLnBrk="0" hangingPunct="1">
+                        <a:lnSpc>
+                          <a:spcPct val="100000"/>
+                        </a:lnSpc>
+                        <a:spcBef>
+                          <a:spcPts val="0"/>
+                        </a:spcBef>
+                        <a:spcAft>
+                          <a:spcPts val="0"/>
+                        </a:spcAft>
+                        <a:buClrTx/>
+                        <a:buSzTx/>
+                        <a:buFontTx/>
+                        <a:buNone/>
+                        <a:tabLst/>
+                        <a:defRPr/>
+                      </a:pPr>
+                      <a:r>
+                        <a:rPr lang="en-US" altLang="zh-TW" sz="1800" b="0" kern="1200" dirty="0">
+                          <a:solidFill>
+                            <a:schemeClr val="dk1"/>
+                          </a:solidFill>
+                          <a:effectLst/>
+                          <a:latin typeface="+mn-lt"/>
+                          <a:ea typeface="+mn-ea"/>
+                          <a:cs typeface="+mn-cs"/>
+                        </a:rPr>
+                        <a:t>append()</a:t>
+                      </a:r>
+                    </a:p>
+                  </a:txBody>
+                  <a:tcPr marL="68580" marR="68580" marT="0" marB="0"/>
+                </a:tc>
+                <a:extLst>
+                  <a:ext uri="{0D108BD9-81ED-4DB2-BD59-A6C34878D82A}">
+                    <a16:rowId xmlns:a16="http://schemas.microsoft.com/office/drawing/2014/main" val="10004"/>
+                  </a:ext>
+                </a:extLst>
+              </a:tr>
+              <a:tr h="548640">
+                <a:tc>
+                  <a:txBody>
+                    <a:bodyPr/>
+                    <a:lstStyle/>
+                    <a:p>
+                      <a:pPr algn="ctr"/>
+                      <a:r>
+                        <a:rPr lang="zh-TW" altLang="en-US" sz="1800" b="1" kern="100" dirty="0">
+                          <a:effectLst/>
+                          <a:latin typeface="標楷體" panose="03000509000000000000" pitchFamily="65" charset="-120"/>
+                          <a:ea typeface="標楷體" panose="03000509000000000000" pitchFamily="65" charset="-120"/>
+                        </a:rPr>
+                        <a:t>情境</a:t>
+                      </a:r>
+                      <a:endParaRPr lang="zh-TW" sz="1800" b="1" kern="100" dirty="0">
+                        <a:effectLst/>
+                        <a:latin typeface="標楷體" panose="03000509000000000000" pitchFamily="65" charset="-120"/>
+                        <a:ea typeface="標楷體" panose="03000509000000000000" pitchFamily="65" charset="-120"/>
+                      </a:endParaRPr>
+                    </a:p>
+                  </a:txBody>
+                  <a:tcPr marL="68580" marR="68580" marT="0" marB="0"/>
+                </a:tc>
+                <a:tc>
+                  <a:txBody>
+                    <a:bodyPr/>
+                    <a:lstStyle/>
+                    <a:p>
+                      <a:r>
+                        <a:rPr lang="zh-TW" altLang="en-US" sz="1800" b="0" kern="100" dirty="0">
+                          <a:effectLst/>
+                          <a:latin typeface="Times New Roman" panose="02020603050405020304" pitchFamily="18" charset="0"/>
+                          <a:ea typeface="標楷體" panose="03000509000000000000" pitchFamily="65" charset="-120"/>
+                          <a:cs typeface="Times New Roman" panose="02020603050405020304" pitchFamily="18" charset="0"/>
+                        </a:rPr>
+                        <a:t>通過讀取出舊特徵與預測結果，並新增新特徵與預測結果以便儲存。</a:t>
+                      </a:r>
+                      <a:endParaRPr lang="zh-TW" altLang="zh-TW" sz="1800" b="0" kern="100" dirty="0">
+                        <a:effectLst/>
+                        <a:latin typeface="Times New Roman" panose="02020603050405020304" pitchFamily="18" charset="0"/>
+                        <a:ea typeface="標楷體" panose="03000509000000000000" pitchFamily="65" charset="-120"/>
+                        <a:cs typeface="Times New Roman" panose="02020603050405020304" pitchFamily="18" charset="0"/>
+                      </a:endParaRPr>
+                    </a:p>
+                  </a:txBody>
+                  <a:tcPr marL="68580" marR="68580" marT="0" marB="0"/>
+                </a:tc>
+                <a:extLst>
+                  <a:ext uri="{0D108BD9-81ED-4DB2-BD59-A6C34878D82A}">
+                    <a16:rowId xmlns:a16="http://schemas.microsoft.com/office/drawing/2014/main" val="10005"/>
+                  </a:ext>
+                </a:extLst>
+              </a:tr>
+            </a:tbl>
+          </a:graphicData>
+        </a:graphic>
+      </p:graphicFrame>
+      <p:sp>
+        <p:nvSpPr>
+          <p:cNvPr id="2" name="內容版面配置區 1">
+            <a:extLst>
+              <a:ext uri="{FF2B5EF4-FFF2-40B4-BE49-F238E27FC236}">
+                <a16:creationId xmlns:a16="http://schemas.microsoft.com/office/drawing/2014/main" id="{8B9255F6-E79B-4294-834D-6D4140D1CF07}"/>
+              </a:ext>
+            </a:extLst>
+          </p:cNvPr>
+          <p:cNvSpPr>
+            <a:spLocks noGrp="1"/>
+          </p:cNvSpPr>
+          <p:nvPr>
+            <p:ph idx="1"/>
+          </p:nvPr>
+        </p:nvSpPr>
+        <p:spPr/>
+        <p:txBody>
+          <a:bodyPr>
+            <a:normAutofit/>
+          </a:bodyPr>
+          <a:lstStyle/>
+          <a:p>
+            <a:r>
+              <a:rPr lang="en-US" altLang="zh-TW" sz="2400" kern="100" dirty="0" err="1">
+                <a:effectLst/>
+                <a:latin typeface="Times New Roman" panose="02020603050405020304" pitchFamily="18" charset="0"/>
+                <a:ea typeface="標楷體" panose="03000509000000000000" pitchFamily="65" charset="-120"/>
+                <a:cs typeface="Times New Roman" panose="02020603050405020304" pitchFamily="18" charset="0"/>
+              </a:rPr>
+              <a:t>feature_add</a:t>
+            </a:r>
+            <a:endParaRPr lang="zh-TW" altLang="en-US" sz="2000" b="1" dirty="0"/>
+          </a:p>
+        </p:txBody>
+      </p:sp>
+      <p:sp>
+        <p:nvSpPr>
+          <p:cNvPr id="3" name="標題 2">
+            <a:extLst>
+              <a:ext uri="{FF2B5EF4-FFF2-40B4-BE49-F238E27FC236}">
+                <a16:creationId xmlns:a16="http://schemas.microsoft.com/office/drawing/2014/main" id="{D7232380-22D4-47E6-A40E-ABF38AB200C3}"/>
+              </a:ext>
+            </a:extLst>
+          </p:cNvPr>
+          <p:cNvSpPr>
+            <a:spLocks noGrp="1"/>
+          </p:cNvSpPr>
+          <p:nvPr>
+            <p:ph type="title"/>
+          </p:nvPr>
+        </p:nvSpPr>
+        <p:spPr/>
+        <p:txBody>
+          <a:bodyPr/>
+          <a:lstStyle/>
+          <a:p>
+            <a:r>
+              <a:rPr lang="en-US" altLang="zh-TW" dirty="0"/>
+              <a:t>API</a:t>
+            </a:r>
+            <a:endParaRPr lang="zh-TW" altLang="en-US" dirty="0"/>
+          </a:p>
+        </p:txBody>
+      </p:sp>
+      <p:sp>
+        <p:nvSpPr>
+          <p:cNvPr id="4" name="投影片編號版面配置區 3">
+            <a:extLst>
+              <a:ext uri="{FF2B5EF4-FFF2-40B4-BE49-F238E27FC236}">
+                <a16:creationId xmlns:a16="http://schemas.microsoft.com/office/drawing/2014/main" id="{CC364F06-FBAE-41F1-9123-C093E43ADC15}"/>
+              </a:ext>
+            </a:extLst>
+          </p:cNvPr>
+          <p:cNvSpPr>
+            <a:spLocks noGrp="1"/>
+          </p:cNvSpPr>
+          <p:nvPr>
+            <p:ph type="sldNum" sz="quarter" idx="12"/>
+          </p:nvPr>
+        </p:nvSpPr>
+        <p:spPr/>
+        <p:txBody>
+          <a:bodyPr/>
+          <a:lstStyle/>
+          <a:p>
+            <a:fld id="{90F9E983-480B-48C5-9E0F-D21C0DFBB5C0}" type="slidenum">
+              <a:rPr lang="zh-TW" altLang="en-US" smtClean="0"/>
+              <a:t>20</a:t>
+            </a:fld>
+            <a:endParaRPr lang="zh-TW" altLang="en-US"/>
+          </a:p>
+        </p:txBody>
+      </p:sp>
+    </p:spTree>
+    <p:extLst>
+      <p:ext uri="{BB962C8B-B14F-4D97-AF65-F5344CB8AC3E}">
+        <p14:creationId xmlns:p14="http://schemas.microsoft.com/office/powerpoint/2010/main" val="2863997730"/>
+      </p:ext>
+    </p:extLst>
+  </p:cSld>
+  <p:clrMapOvr>
+    <a:masterClrMapping/>
+  </p:clrMapOvr>
+  <mc:AlternateContent xmlns:mc="http://schemas.openxmlformats.org/markup-compatibility/2006" xmlns:p14="http://schemas.microsoft.com/office/powerpoint/2010/main">
+    <mc:Choice Requires="p14">
+      <p:transition spd="slow">
+        <p14:reveal/>
+      </p:transition>
+    </mc:Choice>
+    <mc:Fallback xmlns="">
+      <p:transition spd="slow">
+        <p:fade/>
+      </p:transition>
+    </mc:Fallback>
+  </mc:AlternateContent>
+</p:sld>
+</file>
+
+<file path=ppt/slides/slide21.xml><?xml version="1.0" encoding="utf-8"?>
+<p:sld xmlns:a="http://schemas.openxmlformats.org/drawingml/2006/main" xmlns:r="http://schemas.openxmlformats.org/officeDocument/2006/relationships" xmlns:p="http://schemas.openxmlformats.org/presentationml/2006/main">
+  <p:cSld>
+    <p:spTree>
+      <p:nvGrpSpPr>
+        <p:cNvPr id="1" name=""/>
+        <p:cNvGrpSpPr/>
+        <p:nvPr/>
+      </p:nvGrpSpPr>
+      <p:grpSpPr>
+        <a:xfrm>
+          <a:off x="0" y="0"/>
+          <a:ext cx="0" cy="0"/>
+          <a:chOff x="0" y="0"/>
+          <a:chExt cx="0" cy="0"/>
+        </a:xfrm>
+      </p:grpSpPr>
+      <p:graphicFrame>
+        <p:nvGraphicFramePr>
+          <p:cNvPr id="7" name="表格 6">
+            <a:extLst>
+              <a:ext uri="{FF2B5EF4-FFF2-40B4-BE49-F238E27FC236}">
+                <a16:creationId xmlns:a16="http://schemas.microsoft.com/office/drawing/2014/main" id="{C9AD19A2-2A67-25FC-97F1-1F361DCA144E}"/>
+              </a:ext>
+            </a:extLst>
+          </p:cNvPr>
+          <p:cNvGraphicFramePr>
+            <a:graphicFrameLocks noGrp="1"/>
+          </p:cNvGraphicFramePr>
+          <p:nvPr>
+            <p:extLst>
+              <p:ext uri="{D42A27DB-BD31-4B8C-83A1-F6EECF244321}">
+                <p14:modId xmlns:p14="http://schemas.microsoft.com/office/powerpoint/2010/main" val="3655915860"/>
+              </p:ext>
+            </p:extLst>
+          </p:nvPr>
+        </p:nvGraphicFramePr>
+        <p:xfrm>
+          <a:off x="2649681" y="2227994"/>
+          <a:ext cx="6892637" cy="3291840"/>
+        </p:xfrm>
+        <a:graphic>
+          <a:graphicData uri="http://schemas.openxmlformats.org/drawingml/2006/table">
+            <a:tbl>
+              <a:tblPr firstRow="1" firstCol="1" bandRow="1">
+                <a:tableStyleId>{21E4AEA4-8DFA-4A89-87EB-49C32662AFE0}</a:tableStyleId>
+              </a:tblPr>
+              <a:tblGrid>
+                <a:gridCol w="708059">
+                  <a:extLst>
+                    <a:ext uri="{9D8B030D-6E8A-4147-A177-3AD203B41FA5}">
+                      <a16:colId xmlns:a16="http://schemas.microsoft.com/office/drawing/2014/main" val="20000"/>
+                    </a:ext>
+                  </a:extLst>
+                </a:gridCol>
+                <a:gridCol w="6184578">
+                  <a:extLst>
+                    <a:ext uri="{9D8B030D-6E8A-4147-A177-3AD203B41FA5}">
+                      <a16:colId xmlns:a16="http://schemas.microsoft.com/office/drawing/2014/main" val="20001"/>
+                    </a:ext>
+                  </a:extLst>
+                </a:gridCol>
+              </a:tblGrid>
+              <a:tr h="548640">
+                <a:tc gridSpan="2">
+                  <a:txBody>
+                    <a:bodyPr/>
+                    <a:lstStyle/>
+                    <a:p>
+                      <a:pPr algn="ctr"/>
+                      <a:r>
+                        <a:rPr lang="en-US" altLang="zh-TW" sz="1800" b="1" i="0" kern="1200" dirty="0">
+                          <a:solidFill>
+                            <a:schemeClr val="lt1"/>
+                          </a:solidFill>
+                          <a:effectLst/>
+                          <a:latin typeface="+mn-lt"/>
+                          <a:ea typeface="+mn-ea"/>
+                          <a:cs typeface="+mn-cs"/>
+                        </a:rPr>
+                        <a:t>train</a:t>
+                      </a:r>
+                      <a:endParaRPr lang="zh-TW" sz="1800" b="1" kern="100" dirty="0">
+                        <a:effectLst/>
+                        <a:latin typeface="Times New Roman" panose="02020603050405020304" pitchFamily="18" charset="0"/>
+                        <a:ea typeface="標楷體" panose="03000509000000000000" pitchFamily="65" charset="-120"/>
+                        <a:cs typeface="Times New Roman" panose="02020603050405020304" pitchFamily="18" charset="0"/>
+                      </a:endParaRPr>
+                    </a:p>
+                  </a:txBody>
+                  <a:tcPr marL="68580" marR="68580" marT="0" marB="0" anchor="ctr"/>
+                </a:tc>
+                <a:tc hMerge="1">
+                  <a:txBody>
+                    <a:bodyPr/>
+                    <a:lstStyle/>
+                    <a:p>
+                      <a:endParaRPr lang="zh-TW" altLang="en-US"/>
+                    </a:p>
+                  </a:txBody>
+                  <a:tcPr/>
+                </a:tc>
+                <a:extLst>
+                  <a:ext uri="{0D108BD9-81ED-4DB2-BD59-A6C34878D82A}">
+                    <a16:rowId xmlns:a16="http://schemas.microsoft.com/office/drawing/2014/main" val="10000"/>
+                  </a:ext>
+                </a:extLst>
+              </a:tr>
+              <a:tr h="548640">
+                <a:tc>
+                  <a:txBody>
+                    <a:bodyPr/>
+                    <a:lstStyle/>
+                    <a:p>
+                      <a:pPr algn="ctr"/>
+                      <a:r>
+                        <a:rPr lang="zh-TW" sz="1800" kern="100" dirty="0">
+                          <a:effectLst/>
+                          <a:latin typeface="標楷體" panose="03000509000000000000" pitchFamily="65" charset="-120"/>
+                          <a:ea typeface="標楷體" panose="03000509000000000000" pitchFamily="65" charset="-120"/>
+                        </a:rPr>
+                        <a:t>輸入</a:t>
+                      </a:r>
+                      <a:endParaRPr lang="zh-TW" sz="1800" b="1" kern="100" dirty="0">
+                        <a:effectLst/>
+                        <a:latin typeface="標楷體" panose="03000509000000000000" pitchFamily="65" charset="-120"/>
+                        <a:ea typeface="標楷體" panose="03000509000000000000" pitchFamily="65" charset="-120"/>
+                      </a:endParaRPr>
+                    </a:p>
+                  </a:txBody>
+                  <a:tcPr marL="68580" marR="68580" marT="0" marB="0"/>
+                </a:tc>
+                <a:tc>
+                  <a:txBody>
+                    <a:bodyPr/>
+                    <a:lstStyle/>
+                    <a:p>
+                      <a:pPr marL="0" marR="0" lvl="0" indent="0" algn="l" defTabSz="914400" rtl="0" eaLnBrk="1" fontAlgn="auto" latinLnBrk="0" hangingPunct="1">
+                        <a:lnSpc>
+                          <a:spcPct val="100000"/>
+                        </a:lnSpc>
+                        <a:spcBef>
+                          <a:spcPts val="0"/>
+                        </a:spcBef>
+                        <a:spcAft>
+                          <a:spcPts val="0"/>
+                        </a:spcAft>
+                        <a:buClrTx/>
+                        <a:buSzTx/>
+                        <a:buFontTx/>
+                        <a:buNone/>
+                        <a:tabLst/>
+                        <a:defRPr/>
+                      </a:pPr>
+                      <a:r>
+                        <a:rPr lang="en-US" altLang="zh-TW" sz="1800" b="0" kern="1200" dirty="0">
+                          <a:solidFill>
+                            <a:schemeClr val="dk1"/>
+                          </a:solidFill>
+                          <a:effectLst/>
+                          <a:latin typeface="Times New Roman" panose="02020603050405020304" pitchFamily="18" charset="0"/>
+                          <a:ea typeface="+mn-ea"/>
+                          <a:cs typeface="Times New Roman" panose="02020603050405020304" pitchFamily="18" charset="0"/>
+                        </a:rPr>
+                        <a:t>features</a:t>
+                      </a:r>
+                      <a:r>
+                        <a:rPr lang="en-US" altLang="zh-TW" sz="1800" b="0" kern="100" dirty="0">
+                          <a:effectLst/>
+                          <a:latin typeface="Times New Roman" panose="02020603050405020304" pitchFamily="18" charset="0"/>
+                          <a:ea typeface="標楷體" panose="03000509000000000000" pitchFamily="65" charset="-120"/>
+                          <a:cs typeface="Times New Roman" panose="02020603050405020304" pitchFamily="18" charset="0"/>
+                        </a:rPr>
+                        <a:t>(list)</a:t>
+                      </a:r>
+                      <a:r>
+                        <a:rPr lang="zh-TW" altLang="en-US" sz="1800" b="0" kern="100" dirty="0">
+                          <a:effectLst/>
+                          <a:latin typeface="Times New Roman" panose="02020603050405020304" pitchFamily="18" charset="0"/>
+                          <a:ea typeface="標楷體" panose="03000509000000000000" pitchFamily="65" charset="-120"/>
+                          <a:cs typeface="Times New Roman" panose="02020603050405020304" pitchFamily="18" charset="0"/>
+                        </a:rPr>
+                        <a:t> </a:t>
+                      </a:r>
+                      <a:r>
+                        <a:rPr lang="en-US" altLang="zh-TW" sz="1800" b="0" kern="100" dirty="0">
+                          <a:effectLst/>
+                          <a:latin typeface="Times New Roman" panose="02020603050405020304" pitchFamily="18" charset="0"/>
+                          <a:ea typeface="標楷體" panose="03000509000000000000" pitchFamily="65" charset="-120"/>
+                          <a:cs typeface="Times New Roman" panose="02020603050405020304" pitchFamily="18" charset="0"/>
+                        </a:rPr>
+                        <a:t>:</a:t>
+                      </a:r>
+                      <a:r>
+                        <a:rPr lang="zh-TW" altLang="en-US" sz="1800" b="0" kern="100" dirty="0">
+                          <a:effectLst/>
+                          <a:latin typeface="Times New Roman" panose="02020603050405020304" pitchFamily="18" charset="0"/>
+                          <a:ea typeface="標楷體" panose="03000509000000000000" pitchFamily="65" charset="-120"/>
+                          <a:cs typeface="Times New Roman" panose="02020603050405020304" pitchFamily="18" charset="0"/>
+                        </a:rPr>
+                        <a:t> 特徵陣列</a:t>
+                      </a:r>
+                      <a:endParaRPr lang="en-US" altLang="zh-TW" sz="1800" b="0" kern="100" dirty="0">
+                        <a:effectLst/>
+                        <a:latin typeface="Times New Roman" panose="02020603050405020304" pitchFamily="18" charset="0"/>
+                        <a:ea typeface="標楷體" panose="03000509000000000000" pitchFamily="65" charset="-120"/>
+                        <a:cs typeface="Times New Roman" panose="02020603050405020304" pitchFamily="18" charset="0"/>
+                      </a:endParaRPr>
+                    </a:p>
+                    <a:p>
+                      <a:r>
+                        <a:rPr lang="en-US" altLang="zh-TW" sz="1800" b="0" kern="100" dirty="0">
+                          <a:effectLst/>
+                          <a:latin typeface="Times New Roman" panose="02020603050405020304" pitchFamily="18" charset="0"/>
+                          <a:ea typeface="標楷體" panose="03000509000000000000" pitchFamily="65" charset="-120"/>
+                          <a:cs typeface="Times New Roman" panose="02020603050405020304" pitchFamily="18" charset="0"/>
+                        </a:rPr>
+                        <a:t>targets(list)</a:t>
+                      </a:r>
+                      <a:r>
+                        <a:rPr lang="zh-TW" altLang="en-US" sz="1800" b="0" kern="100" dirty="0">
+                          <a:effectLst/>
+                          <a:latin typeface="Times New Roman" panose="02020603050405020304" pitchFamily="18" charset="0"/>
+                          <a:ea typeface="標楷體" panose="03000509000000000000" pitchFamily="65" charset="-120"/>
+                          <a:cs typeface="Times New Roman" panose="02020603050405020304" pitchFamily="18" charset="0"/>
+                        </a:rPr>
+                        <a:t> </a:t>
+                      </a:r>
+                      <a:r>
+                        <a:rPr lang="en-US" altLang="zh-TW" sz="1800" b="0" kern="100" dirty="0">
+                          <a:effectLst/>
+                          <a:latin typeface="Times New Roman" panose="02020603050405020304" pitchFamily="18" charset="0"/>
+                          <a:ea typeface="標楷體" panose="03000509000000000000" pitchFamily="65" charset="-120"/>
+                          <a:cs typeface="Times New Roman" panose="02020603050405020304" pitchFamily="18" charset="0"/>
+                        </a:rPr>
+                        <a:t>:</a:t>
+                      </a:r>
+                      <a:r>
+                        <a:rPr lang="zh-TW" altLang="en-US" sz="1800" b="0" kern="100" dirty="0">
+                          <a:effectLst/>
+                          <a:latin typeface="Times New Roman" panose="02020603050405020304" pitchFamily="18" charset="0"/>
+                          <a:ea typeface="標楷體" panose="03000509000000000000" pitchFamily="65" charset="-120"/>
+                          <a:cs typeface="Times New Roman" panose="02020603050405020304" pitchFamily="18" charset="0"/>
+                        </a:rPr>
+                        <a:t> 預測結果陣列</a:t>
+                      </a:r>
+                      <a:endParaRPr lang="zh-TW" sz="1800" b="0" kern="100" dirty="0">
+                        <a:effectLst/>
+                        <a:latin typeface="標楷體" panose="03000509000000000000" pitchFamily="65" charset="-120"/>
+                        <a:ea typeface="標楷體" panose="03000509000000000000" pitchFamily="65" charset="-120"/>
+                      </a:endParaRPr>
+                    </a:p>
+                  </a:txBody>
+                  <a:tcPr marL="68580" marR="68580" marT="0" marB="0"/>
+                </a:tc>
+                <a:extLst>
+                  <a:ext uri="{0D108BD9-81ED-4DB2-BD59-A6C34878D82A}">
+                    <a16:rowId xmlns:a16="http://schemas.microsoft.com/office/drawing/2014/main" val="10001"/>
+                  </a:ext>
+                </a:extLst>
+              </a:tr>
+              <a:tr h="548640">
+                <a:tc>
+                  <a:txBody>
+                    <a:bodyPr/>
+                    <a:lstStyle/>
+                    <a:p>
+                      <a:pPr algn="ctr"/>
+                      <a:r>
+                        <a:rPr lang="zh-TW" sz="1800" kern="100" dirty="0">
+                          <a:effectLst/>
+                          <a:latin typeface="標楷體" panose="03000509000000000000" pitchFamily="65" charset="-120"/>
+                          <a:ea typeface="標楷體" panose="03000509000000000000" pitchFamily="65" charset="-120"/>
+                        </a:rPr>
+                        <a:t>輸出</a:t>
+                      </a:r>
+                      <a:endParaRPr lang="zh-TW" sz="1800" b="1" kern="100" dirty="0">
+                        <a:effectLst/>
+                        <a:latin typeface="標楷體" panose="03000509000000000000" pitchFamily="65" charset="-120"/>
+                        <a:ea typeface="標楷體" panose="03000509000000000000" pitchFamily="65" charset="-120"/>
+                      </a:endParaRPr>
+                    </a:p>
+                  </a:txBody>
+                  <a:tcPr marL="68580" marR="68580" marT="0" marB="0"/>
+                </a:tc>
+                <a:tc>
+                  <a:txBody>
+                    <a:bodyPr/>
+                    <a:lstStyle/>
+                    <a:p>
+                      <a:r>
+                        <a:rPr lang="zh-TW" altLang="en-US" sz="1800" kern="100" dirty="0">
+                          <a:effectLst/>
+                          <a:latin typeface="Times New Roman" panose="02020603050405020304" pitchFamily="18" charset="0"/>
+                          <a:ea typeface="標楷體" panose="03000509000000000000" pitchFamily="65" charset="-120"/>
+                          <a:cs typeface="Times New Roman" panose="02020603050405020304" pitchFamily="18" charset="0"/>
+                        </a:rPr>
+                        <a:t>無</a:t>
+                      </a:r>
+                      <a:endParaRPr lang="en-US" altLang="zh-TW" sz="1800" kern="100" dirty="0">
+                        <a:effectLst/>
+                        <a:latin typeface="Times New Roman" panose="02020603050405020304" pitchFamily="18" charset="0"/>
+                        <a:ea typeface="標楷體" panose="03000509000000000000" pitchFamily="65" charset="-120"/>
+                        <a:cs typeface="Times New Roman" panose="02020603050405020304" pitchFamily="18" charset="0"/>
+                      </a:endParaRPr>
+                    </a:p>
+                  </a:txBody>
+                  <a:tcPr marL="68580" marR="68580" marT="0" marB="0"/>
+                </a:tc>
+                <a:extLst>
+                  <a:ext uri="{0D108BD9-81ED-4DB2-BD59-A6C34878D82A}">
+                    <a16:rowId xmlns:a16="http://schemas.microsoft.com/office/drawing/2014/main" val="10002"/>
+                  </a:ext>
+                </a:extLst>
+              </a:tr>
+              <a:tr h="548640">
+                <a:tc>
+                  <a:txBody>
+                    <a:bodyPr/>
+                    <a:lstStyle/>
+                    <a:p>
+                      <a:pPr algn="ctr"/>
+                      <a:r>
+                        <a:rPr lang="zh-TW" sz="1800" kern="100" dirty="0">
+                          <a:effectLst/>
+                          <a:latin typeface="標楷體" panose="03000509000000000000" pitchFamily="65" charset="-120"/>
+                          <a:ea typeface="標楷體" panose="03000509000000000000" pitchFamily="65" charset="-120"/>
+                        </a:rPr>
+                        <a:t>參數</a:t>
+                      </a:r>
+                      <a:endParaRPr lang="zh-TW" sz="1800" b="1" kern="100" dirty="0">
+                        <a:effectLst/>
+                        <a:latin typeface="標楷體" panose="03000509000000000000" pitchFamily="65" charset="-120"/>
+                        <a:ea typeface="標楷體" panose="03000509000000000000" pitchFamily="65" charset="-120"/>
+                      </a:endParaRPr>
+                    </a:p>
+                  </a:txBody>
+                  <a:tcPr marL="68580" marR="68580" marT="0" marB="0"/>
+                </a:tc>
+                <a:tc>
+                  <a:txBody>
+                    <a:bodyPr/>
+                    <a:lstStyle/>
+                    <a:p>
+                      <a:pPr marL="0" marR="0" lvl="0" indent="0" algn="l" defTabSz="914400" rtl="0" eaLnBrk="1" fontAlgn="auto" latinLnBrk="0" hangingPunct="1">
+                        <a:lnSpc>
+                          <a:spcPct val="100000"/>
+                        </a:lnSpc>
+                        <a:spcBef>
+                          <a:spcPts val="0"/>
+                        </a:spcBef>
+                        <a:spcAft>
+                          <a:spcPts val="0"/>
+                        </a:spcAft>
+                        <a:buClrTx/>
+                        <a:buSzTx/>
+                        <a:buFontTx/>
+                        <a:buNone/>
+                        <a:tabLst/>
+                        <a:defRPr/>
+                      </a:pPr>
+                      <a:r>
+                        <a:rPr lang="en-US" altLang="zh-TW" sz="1800" b="0" kern="1200" dirty="0">
+                          <a:solidFill>
+                            <a:schemeClr val="dk1"/>
+                          </a:solidFill>
+                          <a:effectLst/>
+                          <a:latin typeface="Times New Roman" panose="02020603050405020304" pitchFamily="18" charset="0"/>
+                          <a:ea typeface="+mn-ea"/>
+                          <a:cs typeface="Times New Roman" panose="02020603050405020304" pitchFamily="18" charset="0"/>
+                        </a:rPr>
+                        <a:t>model : </a:t>
+                      </a:r>
+                      <a:r>
+                        <a:rPr lang="zh-TW" altLang="en-US" sz="1800" b="0" kern="1200" dirty="0">
+                          <a:solidFill>
+                            <a:schemeClr val="dk1"/>
+                          </a:solidFill>
+                          <a:effectLst/>
+                          <a:latin typeface="標楷體" panose="03000509000000000000" pitchFamily="65" charset="-120"/>
+                          <a:ea typeface="標楷體" panose="03000509000000000000" pitchFamily="65" charset="-120"/>
+                          <a:cs typeface="Times New Roman" panose="02020603050405020304" pitchFamily="18" charset="0"/>
+                        </a:rPr>
+                        <a:t>模型</a:t>
+                      </a:r>
+                      <a:endParaRPr lang="en-US" altLang="zh-TW" sz="1800" b="0" kern="1200" dirty="0">
+                        <a:solidFill>
+                          <a:schemeClr val="dk1"/>
+                        </a:solidFill>
+                        <a:effectLst/>
+                        <a:latin typeface="標楷體" panose="03000509000000000000" pitchFamily="65" charset="-120"/>
+                        <a:ea typeface="標楷體" panose="03000509000000000000" pitchFamily="65" charset="-120"/>
+                        <a:cs typeface="Times New Roman" panose="02020603050405020304" pitchFamily="18" charset="0"/>
+                      </a:endParaRPr>
+                    </a:p>
+                  </a:txBody>
+                  <a:tcPr marL="68580" marR="68580" marT="0" marB="0"/>
+                </a:tc>
+                <a:extLst>
+                  <a:ext uri="{0D108BD9-81ED-4DB2-BD59-A6C34878D82A}">
+                    <a16:rowId xmlns:a16="http://schemas.microsoft.com/office/drawing/2014/main" val="10003"/>
+                  </a:ext>
+                </a:extLst>
+              </a:tr>
+              <a:tr h="548640">
+                <a:tc>
+                  <a:txBody>
+                    <a:bodyPr/>
+                    <a:lstStyle/>
+                    <a:p>
+                      <a:pPr algn="ctr"/>
+                      <a:r>
+                        <a:rPr lang="zh-TW" sz="1800" kern="100">
+                          <a:effectLst/>
+                          <a:latin typeface="標楷體" panose="03000509000000000000" pitchFamily="65" charset="-120"/>
+                          <a:ea typeface="標楷體" panose="03000509000000000000" pitchFamily="65" charset="-120"/>
+                        </a:rPr>
+                        <a:t>方法</a:t>
+                      </a:r>
+                      <a:endParaRPr lang="zh-TW" sz="1800" b="1" kern="100">
+                        <a:effectLst/>
+                        <a:latin typeface="標楷體" panose="03000509000000000000" pitchFamily="65" charset="-120"/>
+                        <a:ea typeface="標楷體" panose="03000509000000000000" pitchFamily="65" charset="-120"/>
+                      </a:endParaRPr>
+                    </a:p>
+                  </a:txBody>
+                  <a:tcPr marL="68580" marR="68580" marT="0" marB="0"/>
+                </a:tc>
+                <a:tc>
+                  <a:txBody>
+                    <a:bodyPr/>
+                    <a:lstStyle/>
+                    <a:p>
+                      <a:pPr marL="0" marR="0" lvl="0" indent="0" algn="l" defTabSz="914400" rtl="0" eaLnBrk="1" fontAlgn="auto" latinLnBrk="0" hangingPunct="1">
+                        <a:lnSpc>
+                          <a:spcPct val="100000"/>
+                        </a:lnSpc>
+                        <a:spcBef>
+                          <a:spcPts val="0"/>
+                        </a:spcBef>
+                        <a:spcAft>
+                          <a:spcPts val="0"/>
+                        </a:spcAft>
+                        <a:buClrTx/>
+                        <a:buSzTx/>
+                        <a:buFontTx/>
+                        <a:buNone/>
+                        <a:tabLst/>
+                        <a:defRPr/>
+                      </a:pPr>
+                      <a:r>
+                        <a:rPr lang="en-US" altLang="zh-TW" sz="1800" b="0" kern="1200" dirty="0" err="1">
+                          <a:solidFill>
+                            <a:schemeClr val="dk1"/>
+                          </a:solidFill>
+                          <a:effectLst/>
+                          <a:latin typeface="+mn-lt"/>
+                          <a:ea typeface="+mn-ea"/>
+                          <a:cs typeface="+mn-cs"/>
+                        </a:rPr>
+                        <a:t>sklearn</a:t>
+                      </a:r>
+                      <a:r>
+                        <a:rPr lang="en-US" altLang="zh-TW" sz="1800" b="0" kern="1200" dirty="0">
+                          <a:solidFill>
+                            <a:schemeClr val="dk1"/>
+                          </a:solidFill>
+                          <a:effectLst/>
+                          <a:latin typeface="+mn-lt"/>
+                          <a:ea typeface="+mn-ea"/>
+                          <a:cs typeface="+mn-cs"/>
+                        </a:rPr>
+                        <a:t>. </a:t>
+                      </a:r>
+                      <a:r>
+                        <a:rPr lang="en-US" altLang="zh-TW" sz="1800" b="0" kern="1200" dirty="0" err="1">
+                          <a:solidFill>
+                            <a:schemeClr val="dk1"/>
+                          </a:solidFill>
+                          <a:effectLst/>
+                          <a:latin typeface="+mn-lt"/>
+                          <a:ea typeface="+mn-ea"/>
+                          <a:cs typeface="+mn-cs"/>
+                        </a:rPr>
+                        <a:t>DecisionTreeRegressor.fit</a:t>
+                      </a:r>
+                      <a:r>
+                        <a:rPr lang="en-US" altLang="zh-TW" sz="1800" b="0" kern="1200" dirty="0">
+                          <a:solidFill>
+                            <a:schemeClr val="dk1"/>
+                          </a:solidFill>
+                          <a:effectLst/>
+                          <a:latin typeface="+mn-lt"/>
+                          <a:ea typeface="+mn-ea"/>
+                          <a:cs typeface="+mn-cs"/>
+                        </a:rPr>
+                        <a:t>()</a:t>
+                      </a:r>
+                    </a:p>
+                  </a:txBody>
+                  <a:tcPr marL="68580" marR="68580" marT="0" marB="0"/>
+                </a:tc>
+                <a:extLst>
+                  <a:ext uri="{0D108BD9-81ED-4DB2-BD59-A6C34878D82A}">
+                    <a16:rowId xmlns:a16="http://schemas.microsoft.com/office/drawing/2014/main" val="10004"/>
+                  </a:ext>
+                </a:extLst>
+              </a:tr>
+              <a:tr h="548640">
+                <a:tc>
+                  <a:txBody>
+                    <a:bodyPr/>
+                    <a:lstStyle/>
+                    <a:p>
+                      <a:pPr algn="ctr"/>
+                      <a:r>
+                        <a:rPr lang="zh-TW" altLang="en-US" sz="1800" b="1" kern="100" dirty="0">
+                          <a:effectLst/>
+                          <a:latin typeface="標楷體" panose="03000509000000000000" pitchFamily="65" charset="-120"/>
+                          <a:ea typeface="標楷體" panose="03000509000000000000" pitchFamily="65" charset="-120"/>
+                        </a:rPr>
+                        <a:t>情境</a:t>
+                      </a:r>
+                      <a:endParaRPr lang="zh-TW" sz="1800" b="1" kern="100" dirty="0">
+                        <a:effectLst/>
+                        <a:latin typeface="標楷體" panose="03000509000000000000" pitchFamily="65" charset="-120"/>
+                        <a:ea typeface="標楷體" panose="03000509000000000000" pitchFamily="65" charset="-120"/>
+                      </a:endParaRPr>
+                    </a:p>
+                  </a:txBody>
+                  <a:tcPr marL="68580" marR="68580" marT="0" marB="0"/>
+                </a:tc>
+                <a:tc>
+                  <a:txBody>
+                    <a:bodyPr/>
+                    <a:lstStyle/>
+                    <a:p>
+                      <a:r>
+                        <a:rPr lang="zh-TW" altLang="en-US" sz="1800" b="0" kern="100" dirty="0">
+                          <a:effectLst/>
+                          <a:latin typeface="Times New Roman" panose="02020603050405020304" pitchFamily="18" charset="0"/>
+                          <a:ea typeface="標楷體" panose="03000509000000000000" pitchFamily="65" charset="-120"/>
+                          <a:cs typeface="Times New Roman" panose="02020603050405020304" pitchFamily="18" charset="0"/>
+                        </a:rPr>
+                        <a:t>使用決策樹訓練模型</a:t>
+                      </a:r>
+                      <a:endParaRPr lang="zh-TW" altLang="zh-TW" sz="1800" b="0" kern="100" dirty="0">
+                        <a:effectLst/>
+                        <a:latin typeface="Times New Roman" panose="02020603050405020304" pitchFamily="18" charset="0"/>
+                        <a:ea typeface="標楷體" panose="03000509000000000000" pitchFamily="65" charset="-120"/>
+                        <a:cs typeface="Times New Roman" panose="02020603050405020304" pitchFamily="18" charset="0"/>
+                      </a:endParaRPr>
+                    </a:p>
+                  </a:txBody>
+                  <a:tcPr marL="68580" marR="68580" marT="0" marB="0"/>
+                </a:tc>
+                <a:extLst>
+                  <a:ext uri="{0D108BD9-81ED-4DB2-BD59-A6C34878D82A}">
+                    <a16:rowId xmlns:a16="http://schemas.microsoft.com/office/drawing/2014/main" val="10005"/>
+                  </a:ext>
+                </a:extLst>
+              </a:tr>
+            </a:tbl>
+          </a:graphicData>
+        </a:graphic>
+      </p:graphicFrame>
+      <p:sp>
+        <p:nvSpPr>
+          <p:cNvPr id="2" name="內容版面配置區 1">
+            <a:extLst>
+              <a:ext uri="{FF2B5EF4-FFF2-40B4-BE49-F238E27FC236}">
+                <a16:creationId xmlns:a16="http://schemas.microsoft.com/office/drawing/2014/main" id="{8B9255F6-E79B-4294-834D-6D4140D1CF07}"/>
+              </a:ext>
+            </a:extLst>
+          </p:cNvPr>
+          <p:cNvSpPr>
+            <a:spLocks noGrp="1"/>
+          </p:cNvSpPr>
+          <p:nvPr>
+            <p:ph idx="1"/>
+          </p:nvPr>
+        </p:nvSpPr>
+        <p:spPr/>
+        <p:txBody>
+          <a:bodyPr>
+            <a:normAutofit/>
+          </a:bodyPr>
+          <a:lstStyle/>
+          <a:p>
+            <a:r>
+              <a:rPr lang="en-US" altLang="zh-TW" sz="2400" kern="100" dirty="0">
+                <a:effectLst/>
+                <a:latin typeface="Times New Roman" panose="02020603050405020304" pitchFamily="18" charset="0"/>
+                <a:ea typeface="標楷體" panose="03000509000000000000" pitchFamily="65" charset="-120"/>
+                <a:cs typeface="Times New Roman" panose="02020603050405020304" pitchFamily="18" charset="0"/>
+              </a:rPr>
+              <a:t>train</a:t>
+            </a:r>
+            <a:endParaRPr lang="zh-TW" altLang="en-US" sz="2000" b="1" dirty="0"/>
+          </a:p>
+        </p:txBody>
+      </p:sp>
+      <p:sp>
+        <p:nvSpPr>
+          <p:cNvPr id="3" name="標題 2">
+            <a:extLst>
+              <a:ext uri="{FF2B5EF4-FFF2-40B4-BE49-F238E27FC236}">
+                <a16:creationId xmlns:a16="http://schemas.microsoft.com/office/drawing/2014/main" id="{D7232380-22D4-47E6-A40E-ABF38AB200C3}"/>
+              </a:ext>
+            </a:extLst>
+          </p:cNvPr>
+          <p:cNvSpPr>
+            <a:spLocks noGrp="1"/>
+          </p:cNvSpPr>
+          <p:nvPr>
+            <p:ph type="title"/>
+          </p:nvPr>
+        </p:nvSpPr>
+        <p:spPr/>
+        <p:txBody>
+          <a:bodyPr/>
+          <a:lstStyle/>
+          <a:p>
+            <a:r>
+              <a:rPr lang="en-US" altLang="zh-TW" dirty="0"/>
+              <a:t>API</a:t>
+            </a:r>
+            <a:endParaRPr lang="zh-TW" altLang="en-US" dirty="0"/>
+          </a:p>
+        </p:txBody>
+      </p:sp>
+      <p:sp>
+        <p:nvSpPr>
+          <p:cNvPr id="4" name="投影片編號版面配置區 3">
+            <a:extLst>
+              <a:ext uri="{FF2B5EF4-FFF2-40B4-BE49-F238E27FC236}">
+                <a16:creationId xmlns:a16="http://schemas.microsoft.com/office/drawing/2014/main" id="{CC364F06-FBAE-41F1-9123-C093E43ADC15}"/>
+              </a:ext>
+            </a:extLst>
+          </p:cNvPr>
+          <p:cNvSpPr>
+            <a:spLocks noGrp="1"/>
+          </p:cNvSpPr>
+          <p:nvPr>
+            <p:ph type="sldNum" sz="quarter" idx="12"/>
+          </p:nvPr>
+        </p:nvSpPr>
+        <p:spPr/>
+        <p:txBody>
+          <a:bodyPr/>
+          <a:lstStyle/>
+          <a:p>
+            <a:fld id="{90F9E983-480B-48C5-9E0F-D21C0DFBB5C0}" type="slidenum">
+              <a:rPr lang="zh-TW" altLang="en-US" smtClean="0"/>
+              <a:t>21</a:t>
+            </a:fld>
+            <a:endParaRPr lang="zh-TW" altLang="en-US"/>
+          </a:p>
+        </p:txBody>
+      </p:sp>
+    </p:spTree>
+    <p:extLst>
+      <p:ext uri="{BB962C8B-B14F-4D97-AF65-F5344CB8AC3E}">
+        <p14:creationId xmlns:p14="http://schemas.microsoft.com/office/powerpoint/2010/main" val="3361209200"/>
+      </p:ext>
+    </p:extLst>
+  </p:cSld>
+  <p:clrMapOvr>
+    <a:masterClrMapping/>
+  </p:clrMapOvr>
+  <mc:AlternateContent xmlns:mc="http://schemas.openxmlformats.org/markup-compatibility/2006" xmlns:p14="http://schemas.microsoft.com/office/powerpoint/2010/main">
+    <mc:Choice Requires="p14">
+      <p:transition spd="slow">
+        <p14:reveal/>
+      </p:transition>
+    </mc:Choice>
+    <mc:Fallback xmlns="">
+      <p:transition spd="slow">
+        <p:fade/>
+      </p:transition>
+    </mc:Fallback>
+  </mc:AlternateContent>
+</p:sld>
+</file>
+
+<file path=ppt/slides/slide22.xml><?xml version="1.0" encoding="utf-8"?>
+<p:sld xmlns:a="http://schemas.openxmlformats.org/drawingml/2006/main" xmlns:r="http://schemas.openxmlformats.org/officeDocument/2006/relationships" xmlns:p="http://schemas.openxmlformats.org/presentationml/2006/main">
+  <p:cSld>
+    <p:spTree>
+      <p:nvGrpSpPr>
+        <p:cNvPr id="1" name=""/>
+        <p:cNvGrpSpPr/>
+        <p:nvPr/>
+      </p:nvGrpSpPr>
+      <p:grpSpPr>
+        <a:xfrm>
+          <a:off x="0" y="0"/>
+          <a:ext cx="0" cy="0"/>
+          <a:chOff x="0" y="0"/>
+          <a:chExt cx="0" cy="0"/>
+        </a:xfrm>
+      </p:grpSpPr>
+      <p:graphicFrame>
+        <p:nvGraphicFramePr>
+          <p:cNvPr id="7" name="表格 6">
+            <a:extLst>
+              <a:ext uri="{FF2B5EF4-FFF2-40B4-BE49-F238E27FC236}">
+                <a16:creationId xmlns:a16="http://schemas.microsoft.com/office/drawing/2014/main" id="{C9AD19A2-2A67-25FC-97F1-1F361DCA144E}"/>
+              </a:ext>
+            </a:extLst>
+          </p:cNvPr>
+          <p:cNvGraphicFramePr>
+            <a:graphicFrameLocks noGrp="1"/>
+          </p:cNvGraphicFramePr>
+          <p:nvPr>
+            <p:extLst>
+              <p:ext uri="{D42A27DB-BD31-4B8C-83A1-F6EECF244321}">
+                <p14:modId xmlns:p14="http://schemas.microsoft.com/office/powerpoint/2010/main" val="449265554"/>
+              </p:ext>
+            </p:extLst>
+          </p:nvPr>
+        </p:nvGraphicFramePr>
+        <p:xfrm>
+          <a:off x="2649681" y="2227994"/>
+          <a:ext cx="6892637" cy="3291840"/>
+        </p:xfrm>
+        <a:graphic>
+          <a:graphicData uri="http://schemas.openxmlformats.org/drawingml/2006/table">
+            <a:tbl>
+              <a:tblPr firstRow="1" firstCol="1" bandRow="1">
+                <a:tableStyleId>{21E4AEA4-8DFA-4A89-87EB-49C32662AFE0}</a:tableStyleId>
+              </a:tblPr>
+              <a:tblGrid>
+                <a:gridCol w="708059">
+                  <a:extLst>
+                    <a:ext uri="{9D8B030D-6E8A-4147-A177-3AD203B41FA5}">
+                      <a16:colId xmlns:a16="http://schemas.microsoft.com/office/drawing/2014/main" val="20000"/>
+                    </a:ext>
+                  </a:extLst>
+                </a:gridCol>
+                <a:gridCol w="6184578">
+                  <a:extLst>
+                    <a:ext uri="{9D8B030D-6E8A-4147-A177-3AD203B41FA5}">
+                      <a16:colId xmlns:a16="http://schemas.microsoft.com/office/drawing/2014/main" val="20001"/>
+                    </a:ext>
+                  </a:extLst>
+                </a:gridCol>
+              </a:tblGrid>
+              <a:tr h="548640">
+                <a:tc gridSpan="2">
+                  <a:txBody>
+                    <a:bodyPr/>
+                    <a:lstStyle/>
+                    <a:p>
+                      <a:pPr algn="ctr"/>
+                      <a:r>
+                        <a:rPr lang="en-US" altLang="zh-TW" sz="1800" b="1" i="0" kern="1200" dirty="0">
+                          <a:solidFill>
+                            <a:schemeClr val="lt1"/>
+                          </a:solidFill>
+                          <a:effectLst/>
+                          <a:latin typeface="+mn-lt"/>
+                          <a:ea typeface="+mn-ea"/>
+                          <a:cs typeface="+mn-cs"/>
+                        </a:rPr>
+                        <a:t>predict</a:t>
+                      </a:r>
+                      <a:endParaRPr lang="zh-TW" sz="1800" b="1" kern="100" dirty="0">
+                        <a:effectLst/>
+                        <a:latin typeface="Times New Roman" panose="02020603050405020304" pitchFamily="18" charset="0"/>
+                        <a:ea typeface="標楷體" panose="03000509000000000000" pitchFamily="65" charset="-120"/>
+                        <a:cs typeface="Times New Roman" panose="02020603050405020304" pitchFamily="18" charset="0"/>
+                      </a:endParaRPr>
+                    </a:p>
+                  </a:txBody>
+                  <a:tcPr marL="68580" marR="68580" marT="0" marB="0" anchor="ctr"/>
+                </a:tc>
+                <a:tc hMerge="1">
+                  <a:txBody>
+                    <a:bodyPr/>
+                    <a:lstStyle/>
+                    <a:p>
+                      <a:endParaRPr lang="zh-TW" altLang="en-US"/>
+                    </a:p>
+                  </a:txBody>
+                  <a:tcPr/>
+                </a:tc>
+                <a:extLst>
+                  <a:ext uri="{0D108BD9-81ED-4DB2-BD59-A6C34878D82A}">
+                    <a16:rowId xmlns:a16="http://schemas.microsoft.com/office/drawing/2014/main" val="10000"/>
+                  </a:ext>
+                </a:extLst>
+              </a:tr>
+              <a:tr h="548640">
+                <a:tc>
+                  <a:txBody>
+                    <a:bodyPr/>
+                    <a:lstStyle/>
+                    <a:p>
+                      <a:pPr algn="ctr"/>
+                      <a:r>
+                        <a:rPr lang="zh-TW" sz="1800" kern="100" dirty="0">
+                          <a:effectLst/>
+                          <a:latin typeface="標楷體" panose="03000509000000000000" pitchFamily="65" charset="-120"/>
+                          <a:ea typeface="標楷體" panose="03000509000000000000" pitchFamily="65" charset="-120"/>
+                        </a:rPr>
+                        <a:t>輸入</a:t>
+                      </a:r>
+                      <a:endParaRPr lang="zh-TW" sz="1800" b="1" kern="100" dirty="0">
+                        <a:effectLst/>
+                        <a:latin typeface="標楷體" panose="03000509000000000000" pitchFamily="65" charset="-120"/>
+                        <a:ea typeface="標楷體" panose="03000509000000000000" pitchFamily="65" charset="-120"/>
+                      </a:endParaRPr>
+                    </a:p>
+                  </a:txBody>
+                  <a:tcPr marL="68580" marR="68580" marT="0" marB="0"/>
+                </a:tc>
+                <a:tc>
+                  <a:txBody>
+                    <a:bodyPr/>
+                    <a:lstStyle/>
+                    <a:p>
+                      <a:pPr marL="0" marR="0" lvl="0" indent="0" algn="l" defTabSz="914400" rtl="0" eaLnBrk="1" fontAlgn="auto" latinLnBrk="0" hangingPunct="1">
+                        <a:lnSpc>
+                          <a:spcPct val="100000"/>
+                        </a:lnSpc>
+                        <a:spcBef>
+                          <a:spcPts val="0"/>
+                        </a:spcBef>
+                        <a:spcAft>
+                          <a:spcPts val="0"/>
+                        </a:spcAft>
+                        <a:buClrTx/>
+                        <a:buSzTx/>
+                        <a:buFontTx/>
+                        <a:buNone/>
+                        <a:tabLst/>
+                        <a:defRPr/>
+                      </a:pPr>
+                      <a:r>
+                        <a:rPr lang="en-US" altLang="zh-TW" sz="1800" b="0" kern="1200" dirty="0">
+                          <a:solidFill>
+                            <a:schemeClr val="dk1"/>
+                          </a:solidFill>
+                          <a:effectLst/>
+                          <a:latin typeface="Times New Roman" panose="02020603050405020304" pitchFamily="18" charset="0"/>
+                          <a:ea typeface="+mn-ea"/>
+                          <a:cs typeface="Times New Roman" panose="02020603050405020304" pitchFamily="18" charset="0"/>
+                        </a:rPr>
+                        <a:t>features</a:t>
+                      </a:r>
+                      <a:r>
+                        <a:rPr lang="en-US" altLang="zh-TW" sz="1800" b="0" kern="100" dirty="0">
+                          <a:effectLst/>
+                          <a:latin typeface="Times New Roman" panose="02020603050405020304" pitchFamily="18" charset="0"/>
+                          <a:ea typeface="標楷體" panose="03000509000000000000" pitchFamily="65" charset="-120"/>
+                          <a:cs typeface="Times New Roman" panose="02020603050405020304" pitchFamily="18" charset="0"/>
+                        </a:rPr>
+                        <a:t>(list)</a:t>
+                      </a:r>
+                      <a:r>
+                        <a:rPr lang="zh-TW" altLang="en-US" sz="1800" b="0" kern="100" dirty="0">
+                          <a:effectLst/>
+                          <a:latin typeface="Times New Roman" panose="02020603050405020304" pitchFamily="18" charset="0"/>
+                          <a:ea typeface="標楷體" panose="03000509000000000000" pitchFamily="65" charset="-120"/>
+                          <a:cs typeface="Times New Roman" panose="02020603050405020304" pitchFamily="18" charset="0"/>
+                        </a:rPr>
+                        <a:t> </a:t>
+                      </a:r>
+                      <a:r>
+                        <a:rPr lang="en-US" altLang="zh-TW" sz="1800" b="0" kern="100" dirty="0">
+                          <a:effectLst/>
+                          <a:latin typeface="Times New Roman" panose="02020603050405020304" pitchFamily="18" charset="0"/>
+                          <a:ea typeface="標楷體" panose="03000509000000000000" pitchFamily="65" charset="-120"/>
+                          <a:cs typeface="Times New Roman" panose="02020603050405020304" pitchFamily="18" charset="0"/>
+                        </a:rPr>
+                        <a:t>:</a:t>
+                      </a:r>
+                      <a:r>
+                        <a:rPr lang="zh-TW" altLang="en-US" sz="1800" b="0" kern="100" dirty="0">
+                          <a:effectLst/>
+                          <a:latin typeface="Times New Roman" panose="02020603050405020304" pitchFamily="18" charset="0"/>
+                          <a:ea typeface="標楷體" panose="03000509000000000000" pitchFamily="65" charset="-120"/>
+                          <a:cs typeface="Times New Roman" panose="02020603050405020304" pitchFamily="18" charset="0"/>
+                        </a:rPr>
+                        <a:t> 特徵陣列</a:t>
+                      </a:r>
+                      <a:endParaRPr lang="en-US" altLang="zh-TW" sz="1800" b="0" kern="100" dirty="0">
+                        <a:effectLst/>
+                        <a:latin typeface="Times New Roman" panose="02020603050405020304" pitchFamily="18" charset="0"/>
+                        <a:ea typeface="標楷體" panose="03000509000000000000" pitchFamily="65" charset="-120"/>
+                        <a:cs typeface="Times New Roman" panose="02020603050405020304" pitchFamily="18" charset="0"/>
+                      </a:endParaRPr>
+                    </a:p>
+                  </a:txBody>
+                  <a:tcPr marL="68580" marR="68580" marT="0" marB="0"/>
+                </a:tc>
+                <a:extLst>
+                  <a:ext uri="{0D108BD9-81ED-4DB2-BD59-A6C34878D82A}">
+                    <a16:rowId xmlns:a16="http://schemas.microsoft.com/office/drawing/2014/main" val="10001"/>
+                  </a:ext>
+                </a:extLst>
+              </a:tr>
+              <a:tr h="548640">
+                <a:tc>
+                  <a:txBody>
+                    <a:bodyPr/>
+                    <a:lstStyle/>
+                    <a:p>
+                      <a:pPr algn="ctr"/>
+                      <a:r>
+                        <a:rPr lang="zh-TW" sz="1800" kern="100" dirty="0">
+                          <a:effectLst/>
+                          <a:latin typeface="標楷體" panose="03000509000000000000" pitchFamily="65" charset="-120"/>
+                          <a:ea typeface="標楷體" panose="03000509000000000000" pitchFamily="65" charset="-120"/>
+                        </a:rPr>
+                        <a:t>輸出</a:t>
+                      </a:r>
+                      <a:endParaRPr lang="zh-TW" sz="1800" b="1" kern="100" dirty="0">
+                        <a:effectLst/>
+                        <a:latin typeface="標楷體" panose="03000509000000000000" pitchFamily="65" charset="-120"/>
+                        <a:ea typeface="標楷體" panose="03000509000000000000" pitchFamily="65" charset="-120"/>
+                      </a:endParaRPr>
+                    </a:p>
+                  </a:txBody>
+                  <a:tcPr marL="68580" marR="68580" marT="0" marB="0"/>
+                </a:tc>
+                <a:tc>
+                  <a:txBody>
+                    <a:bodyPr/>
+                    <a:lstStyle/>
+                    <a:p>
+                      <a:r>
+                        <a:rPr lang="en-US" altLang="zh-TW" sz="1800" kern="100" dirty="0">
+                          <a:effectLst/>
+                          <a:latin typeface="Times New Roman" panose="02020603050405020304" pitchFamily="18" charset="0"/>
+                          <a:ea typeface="標楷體" panose="03000509000000000000" pitchFamily="65" charset="-120"/>
+                          <a:cs typeface="Times New Roman" panose="02020603050405020304" pitchFamily="18" charset="0"/>
+                        </a:rPr>
+                        <a:t>target(int) : </a:t>
+                      </a:r>
+                      <a:r>
+                        <a:rPr lang="zh-TW" altLang="en-US" sz="1800" kern="100" dirty="0">
+                          <a:effectLst/>
+                          <a:latin typeface="Times New Roman" panose="02020603050405020304" pitchFamily="18" charset="0"/>
+                          <a:ea typeface="標楷體" panose="03000509000000000000" pitchFamily="65" charset="-120"/>
+                          <a:cs typeface="Times New Roman" panose="02020603050405020304" pitchFamily="18" charset="0"/>
+                        </a:rPr>
+                        <a:t>預測出結果</a:t>
+                      </a:r>
+                      <a:endParaRPr lang="en-US" altLang="zh-TW" sz="1800" kern="100" dirty="0">
+                        <a:effectLst/>
+                        <a:latin typeface="Times New Roman" panose="02020603050405020304" pitchFamily="18" charset="0"/>
+                        <a:ea typeface="標楷體" panose="03000509000000000000" pitchFamily="65" charset="-120"/>
+                        <a:cs typeface="Times New Roman" panose="02020603050405020304" pitchFamily="18" charset="0"/>
+                      </a:endParaRPr>
+                    </a:p>
+                  </a:txBody>
+                  <a:tcPr marL="68580" marR="68580" marT="0" marB="0"/>
+                </a:tc>
+                <a:extLst>
+                  <a:ext uri="{0D108BD9-81ED-4DB2-BD59-A6C34878D82A}">
+                    <a16:rowId xmlns:a16="http://schemas.microsoft.com/office/drawing/2014/main" val="10002"/>
+                  </a:ext>
+                </a:extLst>
+              </a:tr>
+              <a:tr h="548640">
+                <a:tc>
+                  <a:txBody>
+                    <a:bodyPr/>
+                    <a:lstStyle/>
+                    <a:p>
+                      <a:pPr algn="ctr"/>
+                      <a:r>
+                        <a:rPr lang="zh-TW" sz="1800" kern="100" dirty="0">
+                          <a:effectLst/>
+                          <a:latin typeface="標楷體" panose="03000509000000000000" pitchFamily="65" charset="-120"/>
+                          <a:ea typeface="標楷體" panose="03000509000000000000" pitchFamily="65" charset="-120"/>
+                        </a:rPr>
+                        <a:t>參數</a:t>
+                      </a:r>
+                      <a:endParaRPr lang="zh-TW" sz="1800" b="1" kern="100" dirty="0">
+                        <a:effectLst/>
+                        <a:latin typeface="標楷體" panose="03000509000000000000" pitchFamily="65" charset="-120"/>
+                        <a:ea typeface="標楷體" panose="03000509000000000000" pitchFamily="65" charset="-120"/>
+                      </a:endParaRPr>
+                    </a:p>
+                  </a:txBody>
+                  <a:tcPr marL="68580" marR="68580" marT="0" marB="0"/>
+                </a:tc>
+                <a:tc>
+                  <a:txBody>
+                    <a:bodyPr/>
+                    <a:lstStyle/>
+                    <a:p>
+                      <a:pPr marL="0" marR="0" lvl="0" indent="0" algn="l" defTabSz="914400" rtl="0" eaLnBrk="1" fontAlgn="auto" latinLnBrk="0" hangingPunct="1">
+                        <a:lnSpc>
+                          <a:spcPct val="100000"/>
+                        </a:lnSpc>
+                        <a:spcBef>
+                          <a:spcPts val="0"/>
+                        </a:spcBef>
+                        <a:spcAft>
+                          <a:spcPts val="0"/>
+                        </a:spcAft>
+                        <a:buClrTx/>
+                        <a:buSzTx/>
+                        <a:buFontTx/>
+                        <a:buNone/>
+                        <a:tabLst/>
+                        <a:defRPr/>
+                      </a:pPr>
+                      <a:r>
+                        <a:rPr lang="en-US" altLang="zh-TW" sz="1800" b="0" kern="1200" dirty="0">
+                          <a:solidFill>
+                            <a:schemeClr val="dk1"/>
+                          </a:solidFill>
+                          <a:effectLst/>
+                          <a:latin typeface="Times New Roman" panose="02020603050405020304" pitchFamily="18" charset="0"/>
+                          <a:ea typeface="+mn-ea"/>
+                          <a:cs typeface="Times New Roman" panose="02020603050405020304" pitchFamily="18" charset="0"/>
+                        </a:rPr>
+                        <a:t>model : </a:t>
+                      </a:r>
+                      <a:r>
+                        <a:rPr lang="zh-TW" altLang="en-US" sz="1800" b="0" kern="1200" dirty="0">
+                          <a:solidFill>
+                            <a:schemeClr val="dk1"/>
+                          </a:solidFill>
+                          <a:effectLst/>
+                          <a:latin typeface="標楷體" panose="03000509000000000000" pitchFamily="65" charset="-120"/>
+                          <a:ea typeface="標楷體" panose="03000509000000000000" pitchFamily="65" charset="-120"/>
+                          <a:cs typeface="Times New Roman" panose="02020603050405020304" pitchFamily="18" charset="0"/>
+                        </a:rPr>
+                        <a:t>模型</a:t>
+                      </a:r>
+                      <a:endParaRPr lang="en-US" altLang="zh-TW" sz="1800" b="0" kern="1200" dirty="0">
+                        <a:solidFill>
+                          <a:schemeClr val="dk1"/>
+                        </a:solidFill>
+                        <a:effectLst/>
+                        <a:latin typeface="標楷體" panose="03000509000000000000" pitchFamily="65" charset="-120"/>
+                        <a:ea typeface="標楷體" panose="03000509000000000000" pitchFamily="65" charset="-120"/>
+                        <a:cs typeface="Times New Roman" panose="02020603050405020304" pitchFamily="18" charset="0"/>
+                      </a:endParaRPr>
+                    </a:p>
+                    <a:p>
+                      <a:endParaRPr lang="en-US" sz="1800" kern="100" dirty="0">
+                        <a:effectLst/>
+                        <a:latin typeface="標楷體" panose="03000509000000000000" pitchFamily="65" charset="-120"/>
+                        <a:ea typeface="標楷體" panose="03000509000000000000" pitchFamily="65" charset="-120"/>
+                      </a:endParaRPr>
+                    </a:p>
+                  </a:txBody>
+                  <a:tcPr marL="68580" marR="68580" marT="0" marB="0"/>
+                </a:tc>
+                <a:extLst>
+                  <a:ext uri="{0D108BD9-81ED-4DB2-BD59-A6C34878D82A}">
+                    <a16:rowId xmlns:a16="http://schemas.microsoft.com/office/drawing/2014/main" val="10003"/>
+                  </a:ext>
+                </a:extLst>
+              </a:tr>
+              <a:tr h="548640">
+                <a:tc>
+                  <a:txBody>
+                    <a:bodyPr/>
+                    <a:lstStyle/>
+                    <a:p>
+                      <a:pPr algn="ctr"/>
+                      <a:r>
+                        <a:rPr lang="zh-TW" sz="1800" kern="100">
+                          <a:effectLst/>
+                          <a:latin typeface="標楷體" panose="03000509000000000000" pitchFamily="65" charset="-120"/>
+                          <a:ea typeface="標楷體" panose="03000509000000000000" pitchFamily="65" charset="-120"/>
+                        </a:rPr>
+                        <a:t>方法</a:t>
+                      </a:r>
+                      <a:endParaRPr lang="zh-TW" sz="1800" b="1" kern="100">
+                        <a:effectLst/>
+                        <a:latin typeface="標楷體" panose="03000509000000000000" pitchFamily="65" charset="-120"/>
+                        <a:ea typeface="標楷體" panose="03000509000000000000" pitchFamily="65" charset="-120"/>
+                      </a:endParaRPr>
+                    </a:p>
+                  </a:txBody>
+                  <a:tcPr marL="68580" marR="68580" marT="0" marB="0"/>
+                </a:tc>
+                <a:tc>
+                  <a:txBody>
+                    <a:bodyPr/>
+                    <a:lstStyle/>
+                    <a:p>
+                      <a:pPr marL="0" marR="0" lvl="0" indent="0" algn="l" defTabSz="914400" rtl="0" eaLnBrk="1" fontAlgn="auto" latinLnBrk="0" hangingPunct="1">
+                        <a:lnSpc>
+                          <a:spcPct val="100000"/>
+                        </a:lnSpc>
+                        <a:spcBef>
+                          <a:spcPts val="0"/>
+                        </a:spcBef>
+                        <a:spcAft>
+                          <a:spcPts val="0"/>
+                        </a:spcAft>
+                        <a:buClrTx/>
+                        <a:buSzTx/>
+                        <a:buFontTx/>
+                        <a:buNone/>
+                        <a:tabLst/>
+                        <a:defRPr/>
+                      </a:pPr>
+                      <a:r>
+                        <a:rPr lang="en-US" altLang="zh-TW" sz="1800" b="0" kern="1200" dirty="0" err="1">
+                          <a:solidFill>
+                            <a:schemeClr val="dk1"/>
+                          </a:solidFill>
+                          <a:effectLst/>
+                          <a:latin typeface="+mn-lt"/>
+                          <a:ea typeface="+mn-ea"/>
+                          <a:cs typeface="+mn-cs"/>
+                        </a:rPr>
+                        <a:t>sklearn</a:t>
+                      </a:r>
+                      <a:r>
+                        <a:rPr lang="en-US" altLang="zh-TW" sz="1800" b="0" kern="1200" dirty="0">
+                          <a:solidFill>
+                            <a:schemeClr val="dk1"/>
+                          </a:solidFill>
+                          <a:effectLst/>
+                          <a:latin typeface="+mn-lt"/>
+                          <a:ea typeface="+mn-ea"/>
+                          <a:cs typeface="+mn-cs"/>
+                        </a:rPr>
+                        <a:t>. </a:t>
+                      </a:r>
+                      <a:r>
+                        <a:rPr lang="en-US" altLang="zh-TW" sz="1800" b="0" kern="1200" dirty="0" err="1">
+                          <a:solidFill>
+                            <a:schemeClr val="dk1"/>
+                          </a:solidFill>
+                          <a:effectLst/>
+                          <a:latin typeface="+mn-lt"/>
+                          <a:ea typeface="+mn-ea"/>
+                          <a:cs typeface="+mn-cs"/>
+                        </a:rPr>
+                        <a:t>DecisionTreeRegressor.predict</a:t>
+                      </a:r>
+                      <a:r>
+                        <a:rPr lang="en-US" altLang="zh-TW" sz="1800" b="0" kern="1200" dirty="0">
+                          <a:solidFill>
+                            <a:schemeClr val="dk1"/>
+                          </a:solidFill>
+                          <a:effectLst/>
+                          <a:latin typeface="+mn-lt"/>
+                          <a:ea typeface="+mn-ea"/>
+                          <a:cs typeface="+mn-cs"/>
+                        </a:rPr>
+                        <a:t>()</a:t>
+                      </a:r>
+                    </a:p>
+                  </a:txBody>
+                  <a:tcPr marL="68580" marR="68580" marT="0" marB="0"/>
+                </a:tc>
+                <a:extLst>
+                  <a:ext uri="{0D108BD9-81ED-4DB2-BD59-A6C34878D82A}">
+                    <a16:rowId xmlns:a16="http://schemas.microsoft.com/office/drawing/2014/main" val="10004"/>
+                  </a:ext>
+                </a:extLst>
+              </a:tr>
+              <a:tr h="548640">
+                <a:tc>
+                  <a:txBody>
+                    <a:bodyPr/>
+                    <a:lstStyle/>
+                    <a:p>
+                      <a:pPr algn="ctr"/>
+                      <a:r>
+                        <a:rPr lang="zh-TW" altLang="en-US" sz="1800" b="1" kern="100" dirty="0">
+                          <a:effectLst/>
+                          <a:latin typeface="標楷體" panose="03000509000000000000" pitchFamily="65" charset="-120"/>
+                          <a:ea typeface="標楷體" panose="03000509000000000000" pitchFamily="65" charset="-120"/>
+                        </a:rPr>
+                        <a:t>情境</a:t>
+                      </a:r>
+                      <a:endParaRPr lang="zh-TW" sz="1800" b="1" kern="100" dirty="0">
+                        <a:effectLst/>
+                        <a:latin typeface="標楷體" panose="03000509000000000000" pitchFamily="65" charset="-120"/>
+                        <a:ea typeface="標楷體" panose="03000509000000000000" pitchFamily="65" charset="-120"/>
+                      </a:endParaRPr>
+                    </a:p>
+                  </a:txBody>
+                  <a:tcPr marL="68580" marR="68580" marT="0" marB="0"/>
+                </a:tc>
+                <a:tc>
+                  <a:txBody>
+                    <a:bodyPr/>
+                    <a:lstStyle/>
+                    <a:p>
+                      <a:r>
+                        <a:rPr lang="zh-TW" altLang="en-US" sz="1800" b="0" kern="100" dirty="0">
+                          <a:effectLst/>
+                          <a:latin typeface="Times New Roman" panose="02020603050405020304" pitchFamily="18" charset="0"/>
+                          <a:ea typeface="標楷體" panose="03000509000000000000" pitchFamily="65" charset="-120"/>
+                          <a:cs typeface="Times New Roman" panose="02020603050405020304" pitchFamily="18" charset="0"/>
+                        </a:rPr>
+                        <a:t>使用決策樹預測</a:t>
+                      </a:r>
+                      <a:endParaRPr lang="zh-TW" altLang="zh-TW" sz="1800" b="0" kern="100" dirty="0">
+                        <a:effectLst/>
+                        <a:latin typeface="Times New Roman" panose="02020603050405020304" pitchFamily="18" charset="0"/>
+                        <a:ea typeface="標楷體" panose="03000509000000000000" pitchFamily="65" charset="-120"/>
+                        <a:cs typeface="Times New Roman" panose="02020603050405020304" pitchFamily="18" charset="0"/>
+                      </a:endParaRPr>
+                    </a:p>
+                  </a:txBody>
+                  <a:tcPr marL="68580" marR="68580" marT="0" marB="0"/>
+                </a:tc>
+                <a:extLst>
+                  <a:ext uri="{0D108BD9-81ED-4DB2-BD59-A6C34878D82A}">
+                    <a16:rowId xmlns:a16="http://schemas.microsoft.com/office/drawing/2014/main" val="10005"/>
+                  </a:ext>
+                </a:extLst>
+              </a:tr>
+            </a:tbl>
+          </a:graphicData>
+        </a:graphic>
+      </p:graphicFrame>
+      <p:sp>
+        <p:nvSpPr>
+          <p:cNvPr id="2" name="內容版面配置區 1">
+            <a:extLst>
+              <a:ext uri="{FF2B5EF4-FFF2-40B4-BE49-F238E27FC236}">
+                <a16:creationId xmlns:a16="http://schemas.microsoft.com/office/drawing/2014/main" id="{8B9255F6-E79B-4294-834D-6D4140D1CF07}"/>
+              </a:ext>
+            </a:extLst>
+          </p:cNvPr>
+          <p:cNvSpPr>
+            <a:spLocks noGrp="1"/>
+          </p:cNvSpPr>
+          <p:nvPr>
+            <p:ph idx="1"/>
+          </p:nvPr>
+        </p:nvSpPr>
+        <p:spPr/>
+        <p:txBody>
+          <a:bodyPr>
+            <a:normAutofit/>
+          </a:bodyPr>
+          <a:lstStyle/>
+          <a:p>
+            <a:r>
+              <a:rPr lang="en-US" altLang="zh-TW" sz="2400" dirty="0"/>
+              <a:t>predict</a:t>
+            </a:r>
+            <a:endParaRPr lang="zh-TW" altLang="en-US" sz="2400" dirty="0"/>
+          </a:p>
+        </p:txBody>
+      </p:sp>
+      <p:sp>
+        <p:nvSpPr>
+          <p:cNvPr id="3" name="標題 2">
+            <a:extLst>
+              <a:ext uri="{FF2B5EF4-FFF2-40B4-BE49-F238E27FC236}">
+                <a16:creationId xmlns:a16="http://schemas.microsoft.com/office/drawing/2014/main" id="{D7232380-22D4-47E6-A40E-ABF38AB200C3}"/>
+              </a:ext>
+            </a:extLst>
+          </p:cNvPr>
+          <p:cNvSpPr>
+            <a:spLocks noGrp="1"/>
+          </p:cNvSpPr>
+          <p:nvPr>
+            <p:ph type="title"/>
+          </p:nvPr>
+        </p:nvSpPr>
+        <p:spPr/>
+        <p:txBody>
+          <a:bodyPr/>
+          <a:lstStyle/>
+          <a:p>
+            <a:r>
+              <a:rPr lang="en-US" altLang="zh-TW" dirty="0"/>
+              <a:t>API</a:t>
+            </a:r>
+            <a:endParaRPr lang="zh-TW" altLang="en-US" dirty="0"/>
+          </a:p>
+        </p:txBody>
+      </p:sp>
+      <p:sp>
+        <p:nvSpPr>
+          <p:cNvPr id="4" name="投影片編號版面配置區 3">
+            <a:extLst>
+              <a:ext uri="{FF2B5EF4-FFF2-40B4-BE49-F238E27FC236}">
+                <a16:creationId xmlns:a16="http://schemas.microsoft.com/office/drawing/2014/main" id="{CC364F06-FBAE-41F1-9123-C093E43ADC15}"/>
+              </a:ext>
+            </a:extLst>
+          </p:cNvPr>
+          <p:cNvSpPr>
+            <a:spLocks noGrp="1"/>
+          </p:cNvSpPr>
+          <p:nvPr>
+            <p:ph type="sldNum" sz="quarter" idx="12"/>
+          </p:nvPr>
+        </p:nvSpPr>
+        <p:spPr/>
+        <p:txBody>
+          <a:bodyPr/>
+          <a:lstStyle/>
+          <a:p>
+            <a:fld id="{90F9E983-480B-48C5-9E0F-D21C0DFBB5C0}" type="slidenum">
+              <a:rPr lang="zh-TW" altLang="en-US" smtClean="0"/>
+              <a:t>22</a:t>
+            </a:fld>
+            <a:endParaRPr lang="zh-TW" altLang="en-US"/>
+          </a:p>
+        </p:txBody>
+      </p:sp>
+    </p:spTree>
+    <p:extLst>
+      <p:ext uri="{BB962C8B-B14F-4D97-AF65-F5344CB8AC3E}">
+        <p14:creationId xmlns:p14="http://schemas.microsoft.com/office/powerpoint/2010/main" val="2258445187"/>
+      </p:ext>
+    </p:extLst>
+  </p:cSld>
+  <p:clrMapOvr>
+    <a:masterClrMapping/>
+  </p:clrMapOvr>
+  <mc:AlternateContent xmlns:mc="http://schemas.openxmlformats.org/markup-compatibility/2006" xmlns:p14="http://schemas.microsoft.com/office/powerpoint/2010/main">
+    <mc:Choice Requires="p14">
+      <p:transition spd="slow">
+        <p14:reveal/>
+      </p:transition>
+    </mc:Choice>
+    <mc:Fallback xmlns="">
+      <p:transition spd="slow">
+        <p:fade/>
+      </p:transition>
+    </mc:Fallback>
+  </mc:AlternateContent>
+</p:sld>
+</file>
+
+<file path=ppt/slides/slide23.xml><?xml version="1.0" encoding="utf-8"?>
+<p:sld xmlns:a="http://schemas.openxmlformats.org/drawingml/2006/main" xmlns:r="http://schemas.openxmlformats.org/officeDocument/2006/relationships" xmlns:p="http://schemas.openxmlformats.org/presentationml/2006/main">
+  <p:cSld>
+    <p:spTree>
+      <p:nvGrpSpPr>
+        <p:cNvPr id="1" name=""/>
+        <p:cNvGrpSpPr/>
+        <p:nvPr/>
+      </p:nvGrpSpPr>
+      <p:grpSpPr>
+        <a:xfrm>
+          <a:off x="0" y="0"/>
+          <a:ext cx="0" cy="0"/>
+          <a:chOff x="0" y="0"/>
+          <a:chExt cx="0" cy="0"/>
+        </a:xfrm>
+      </p:grpSpPr>
+      <p:sp>
+        <p:nvSpPr>
+          <p:cNvPr id="2" name="內容版面配置區 1">
+            <a:extLst>
+              <a:ext uri="{FF2B5EF4-FFF2-40B4-BE49-F238E27FC236}">
+                <a16:creationId xmlns:a16="http://schemas.microsoft.com/office/drawing/2014/main" id="{8B9255F6-E79B-4294-834D-6D4140D1CF07}"/>
+              </a:ext>
+            </a:extLst>
+          </p:cNvPr>
+          <p:cNvSpPr>
+            <a:spLocks noGrp="1"/>
+          </p:cNvSpPr>
+          <p:nvPr>
+            <p:ph idx="1"/>
+          </p:nvPr>
+        </p:nvSpPr>
+        <p:spPr/>
+        <p:txBody>
+          <a:bodyPr/>
+          <a:lstStyle/>
+          <a:p>
+            <a:endParaRPr lang="zh-TW" altLang="en-US" dirty="0"/>
+          </a:p>
+        </p:txBody>
+      </p:sp>
+      <p:sp>
+        <p:nvSpPr>
+          <p:cNvPr id="3" name="標題 2">
+            <a:extLst>
+              <a:ext uri="{FF2B5EF4-FFF2-40B4-BE49-F238E27FC236}">
+                <a16:creationId xmlns:a16="http://schemas.microsoft.com/office/drawing/2014/main" id="{D7232380-22D4-47E6-A40E-ABF38AB200C3}"/>
+              </a:ext>
+            </a:extLst>
+          </p:cNvPr>
+          <p:cNvSpPr>
+            <a:spLocks noGrp="1"/>
+          </p:cNvSpPr>
+          <p:nvPr>
+            <p:ph type="title"/>
+          </p:nvPr>
+        </p:nvSpPr>
+        <p:spPr/>
+        <p:txBody>
+          <a:bodyPr/>
+          <a:lstStyle/>
+          <a:p>
+            <a:r>
+              <a:rPr lang="zh-TW" altLang="en-US" dirty="0"/>
+              <a:t>問題紀錄</a:t>
+            </a:r>
+          </a:p>
+        </p:txBody>
+      </p:sp>
+      <p:sp>
+        <p:nvSpPr>
+          <p:cNvPr id="4" name="投影片編號版面配置區 3">
+            <a:extLst>
+              <a:ext uri="{FF2B5EF4-FFF2-40B4-BE49-F238E27FC236}">
+                <a16:creationId xmlns:a16="http://schemas.microsoft.com/office/drawing/2014/main" id="{CC364F06-FBAE-41F1-9123-C093E43ADC15}"/>
+              </a:ext>
+            </a:extLst>
+          </p:cNvPr>
+          <p:cNvSpPr>
+            <a:spLocks noGrp="1"/>
+          </p:cNvSpPr>
+          <p:nvPr>
+            <p:ph type="sldNum" sz="quarter" idx="12"/>
+          </p:nvPr>
+        </p:nvSpPr>
+        <p:spPr/>
+        <p:txBody>
+          <a:bodyPr/>
+          <a:lstStyle/>
+          <a:p>
+            <a:fld id="{90F9E983-480B-48C5-9E0F-D21C0DFBB5C0}" type="slidenum">
+              <a:rPr lang="zh-TW" altLang="en-US" smtClean="0"/>
+              <a:t>23</a:t>
+            </a:fld>
+            <a:endParaRPr lang="zh-TW" altLang="en-US"/>
+          </a:p>
+        </p:txBody>
+      </p:sp>
+    </p:spTree>
+    <p:extLst>
+      <p:ext uri="{BB962C8B-B14F-4D97-AF65-F5344CB8AC3E}">
+        <p14:creationId xmlns:p14="http://schemas.microsoft.com/office/powerpoint/2010/main" val="36508627"/>
       </p:ext>
     </p:extLst>
   </p:cSld>
